--- a/slides/terminal.pptx
+++ b/slides/terminal.pptx
@@ -8,17 +8,21 @@
     <p:sldId id="256" r:id="rId2"/>
     <p:sldId id="257" r:id="rId3"/>
     <p:sldId id="258" r:id="rId4"/>
-    <p:sldId id="259" r:id="rId5"/>
-    <p:sldId id="260" r:id="rId6"/>
-    <p:sldId id="261" r:id="rId7"/>
-    <p:sldId id="262" r:id="rId8"/>
-    <p:sldId id="263" r:id="rId9"/>
-    <p:sldId id="265" r:id="rId10"/>
-    <p:sldId id="264" r:id="rId11"/>
-    <p:sldId id="266" r:id="rId12"/>
-    <p:sldId id="267" r:id="rId13"/>
-    <p:sldId id="268" r:id="rId14"/>
-    <p:sldId id="269" r:id="rId15"/>
+    <p:sldId id="271" r:id="rId5"/>
+    <p:sldId id="259" r:id="rId6"/>
+    <p:sldId id="260" r:id="rId7"/>
+    <p:sldId id="261" r:id="rId8"/>
+    <p:sldId id="262" r:id="rId9"/>
+    <p:sldId id="270" r:id="rId10"/>
+    <p:sldId id="263" r:id="rId11"/>
+    <p:sldId id="265" r:id="rId12"/>
+    <p:sldId id="264" r:id="rId13"/>
+    <p:sldId id="273" r:id="rId14"/>
+    <p:sldId id="266" r:id="rId15"/>
+    <p:sldId id="272" r:id="rId16"/>
+    <p:sldId id="267" r:id="rId17"/>
+    <p:sldId id="268" r:id="rId18"/>
+    <p:sldId id="269" r:id="rId19"/>
   </p:sldIdLst>
   <p:sldSz cx="12192000" cy="6858000"/>
   <p:notesSz cx="6858000" cy="9144000"/>
@@ -403,7 +407,7 @@
           <a:p>
             <a:fld id="{51673806-0BCD-1F42-BAA8-2011034B3C6A}" type="datetimeFigureOut">
               <a:rPr lang="en-US" smtClean="0"/>
-              <a:t>5/5/20</a:t>
+              <a:t>5/6/20</a:t>
             </a:fld>
             <a:endParaRPr lang="en-US"/>
           </a:p>
@@ -817,7 +821,7 @@
           <a:p>
             <a:fld id="{51673806-0BCD-1F42-BAA8-2011034B3C6A}" type="datetimeFigureOut">
               <a:rPr lang="en-US" smtClean="0"/>
-              <a:t>5/5/20</a:t>
+              <a:t>5/6/20</a:t>
             </a:fld>
             <a:endParaRPr lang="en-US"/>
           </a:p>
@@ -1148,7 +1152,7 @@
           <a:p>
             <a:fld id="{51673806-0BCD-1F42-BAA8-2011034B3C6A}" type="datetimeFigureOut">
               <a:rPr lang="en-US" smtClean="0"/>
-              <a:t>5/5/20</a:t>
+              <a:t>5/6/20</a:t>
             </a:fld>
             <a:endParaRPr lang="en-US"/>
           </a:p>
@@ -1548,7 +1552,7 @@
           <a:p>
             <a:fld id="{51673806-0BCD-1F42-BAA8-2011034B3C6A}" type="datetimeFigureOut">
               <a:rPr lang="en-US" smtClean="0"/>
-              <a:t>5/5/20</a:t>
+              <a:t>5/6/20</a:t>
             </a:fld>
             <a:endParaRPr lang="en-US"/>
           </a:p>
@@ -2111,7 +2115,7 @@
           <a:p>
             <a:fld id="{51673806-0BCD-1F42-BAA8-2011034B3C6A}" type="datetimeFigureOut">
               <a:rPr lang="en-US" smtClean="0"/>
-              <a:t>5/5/20</a:t>
+              <a:t>5/6/20</a:t>
             </a:fld>
             <a:endParaRPr lang="en-US"/>
           </a:p>
@@ -2787,7 +2791,7 @@
           <a:p>
             <a:fld id="{51673806-0BCD-1F42-BAA8-2011034B3C6A}" type="datetimeFigureOut">
               <a:rPr lang="en-US" smtClean="0"/>
-              <a:t>5/5/20</a:t>
+              <a:t>5/6/20</a:t>
             </a:fld>
             <a:endParaRPr lang="en-US"/>
           </a:p>
@@ -3695,7 +3699,7 @@
           <a:p>
             <a:fld id="{51673806-0BCD-1F42-BAA8-2011034B3C6A}" type="datetimeFigureOut">
               <a:rPr lang="en-US" smtClean="0"/>
-              <a:t>5/5/20</a:t>
+              <a:t>5/6/20</a:t>
             </a:fld>
             <a:endParaRPr lang="en-US"/>
           </a:p>
@@ -4003,7 +4007,7 @@
           <a:p>
             <a:fld id="{51673806-0BCD-1F42-BAA8-2011034B3C6A}" type="datetimeFigureOut">
               <a:rPr lang="en-US" smtClean="0"/>
-              <a:t>5/5/20</a:t>
+              <a:t>5/6/20</a:t>
             </a:fld>
             <a:endParaRPr lang="en-US"/>
           </a:p>
@@ -4262,7 +4266,7 @@
           <a:p>
             <a:fld id="{51673806-0BCD-1F42-BAA8-2011034B3C6A}" type="datetimeFigureOut">
               <a:rPr lang="en-US" smtClean="0"/>
-              <a:t>5/5/20</a:t>
+              <a:t>5/6/20</a:t>
             </a:fld>
             <a:endParaRPr lang="en-US"/>
           </a:p>
@@ -4585,7 +4589,7 @@
           <a:p>
             <a:fld id="{51673806-0BCD-1F42-BAA8-2011034B3C6A}" type="datetimeFigureOut">
               <a:rPr lang="en-US" smtClean="0"/>
-              <a:t>5/5/20</a:t>
+              <a:t>5/6/20</a:t>
             </a:fld>
             <a:endParaRPr lang="en-US"/>
           </a:p>
@@ -4969,7 +4973,7 @@
           <a:p>
             <a:fld id="{51673806-0BCD-1F42-BAA8-2011034B3C6A}" type="datetimeFigureOut">
               <a:rPr lang="en-US" smtClean="0"/>
-              <a:t>5/5/20</a:t>
+              <a:t>5/6/20</a:t>
             </a:fld>
             <a:endParaRPr lang="en-US"/>
           </a:p>
@@ -5345,7 +5349,7 @@
           <a:p>
             <a:fld id="{51673806-0BCD-1F42-BAA8-2011034B3C6A}" type="datetimeFigureOut">
               <a:rPr lang="en-US" smtClean="0"/>
-              <a:t>5/5/20</a:t>
+              <a:t>5/6/20</a:t>
             </a:fld>
             <a:endParaRPr lang="en-US"/>
           </a:p>
@@ -5851,7 +5855,7 @@
           <a:p>
             <a:fld id="{51673806-0BCD-1F42-BAA8-2011034B3C6A}" type="datetimeFigureOut">
               <a:rPr lang="en-US" smtClean="0"/>
-              <a:t>5/5/20</a:t>
+              <a:t>5/6/20</a:t>
             </a:fld>
             <a:endParaRPr lang="en-US"/>
           </a:p>
@@ -6108,7 +6112,7 @@
           <a:p>
             <a:fld id="{51673806-0BCD-1F42-BAA8-2011034B3C6A}" type="datetimeFigureOut">
               <a:rPr lang="en-US" smtClean="0"/>
-              <a:t>5/5/20</a:t>
+              <a:t>5/6/20</a:t>
             </a:fld>
             <a:endParaRPr lang="en-US"/>
           </a:p>
@@ -6266,7 +6270,7 @@
           <a:p>
             <a:fld id="{51673806-0BCD-1F42-BAA8-2011034B3C6A}" type="datetimeFigureOut">
               <a:rPr lang="en-US" smtClean="0"/>
-              <a:t>5/5/20</a:t>
+              <a:t>5/6/20</a:t>
             </a:fld>
             <a:endParaRPr lang="en-US"/>
           </a:p>
@@ -6656,7 +6660,7 @@
           <a:p>
             <a:fld id="{51673806-0BCD-1F42-BAA8-2011034B3C6A}" type="datetimeFigureOut">
               <a:rPr lang="en-US" smtClean="0"/>
-              <a:t>5/5/20</a:t>
+              <a:t>5/6/20</a:t>
             </a:fld>
             <a:endParaRPr lang="en-US"/>
           </a:p>
@@ -7065,7 +7069,7 @@
           <a:p>
             <a:fld id="{51673806-0BCD-1F42-BAA8-2011034B3C6A}" type="datetimeFigureOut">
               <a:rPr lang="en-US" smtClean="0"/>
-              <a:t>5/5/20</a:t>
+              <a:t>5/6/20</a:t>
             </a:fld>
             <a:endParaRPr lang="en-US"/>
           </a:p>
@@ -7313,7 +7317,7 @@
             <a:fld id="{51673806-0BCD-1F42-BAA8-2011034B3C6A}" type="datetimeFigureOut">
               <a:rPr lang="en-US" smtClean="0"/>
               <a:pPr/>
-              <a:t>5/5/20</a:t>
+              <a:t>5/6/20</a:t>
             </a:fld>
             <a:endParaRPr lang="en-US" dirty="0"/>
           </a:p>
@@ -7840,23 +7844,22 @@
             <p:ph type="title"/>
           </p:nvPr>
         </p:nvSpPr>
-        <p:spPr>
-          <a:xfrm>
-            <a:off x="693969" y="753228"/>
-            <a:ext cx="9613861" cy="1080938"/>
-          </a:xfrm>
-        </p:spPr>
+        <p:spPr/>
         <p:txBody>
           <a:bodyPr/>
           <a:lstStyle/>
           <a:p>
             <a:r>
-              <a:rPr lang="en-US" i="1" dirty="0" smtClean="0"/>
-              <a:t>man</a:t>
-            </a:r>
-            <a:r>
-              <a:rPr lang="en-US" dirty="0" smtClean="0"/>
-              <a:t>: Manual </a:t>
+              <a:rPr lang="en-US" i="1" dirty="0" err="1"/>
+              <a:t>m</a:t>
+            </a:r>
+            <a:r>
+              <a:rPr lang="en-US" i="1" dirty="0" err="1" smtClean="0"/>
+              <a:t>kdir</a:t>
+            </a:r>
+            <a:r>
+              <a:rPr lang="en-US" dirty="0" smtClean="0"/>
+              <a:t>: Make Directory </a:t>
             </a:r>
             <a:endParaRPr lang="en-US" i="1" dirty="0"/>
           </a:p>
@@ -7896,7 +7899,7 @@
             </a:pPr>
             <a:r>
               <a:rPr lang="en-US" dirty="0" smtClean="0"/>
-              <a:t>Pulls up the manual entry (i.e. documentation) for a given terminal entry </a:t>
+              <a:t>Create a new directory (same as clicking “New Folder” in a Finder window) </a:t>
             </a:r>
           </a:p>
           <a:p>
@@ -7919,8 +7922,17 @@
             </a:pPr>
             <a:r>
               <a:rPr lang="en-US" dirty="0" smtClean="0"/>
-              <a:t>Can be used as a reference on what “flags” each command takes </a:t>
-            </a:r>
+              <a:t>Usage: </a:t>
+            </a:r>
+            <a:r>
+              <a:rPr lang="en-US" i="1" dirty="0" err="1" smtClean="0"/>
+              <a:t>mkdir</a:t>
+            </a:r>
+            <a:r>
+              <a:rPr lang="en-US" i="1" dirty="0" smtClean="0"/>
+              <a:t> [directory name] </a:t>
+            </a:r>
+            <a:endParaRPr lang="en-US" dirty="0" smtClean="0"/>
           </a:p>
           <a:p>
             <a:pPr marL="0" marR="0" lvl="0" indent="0" defTabSz="914400" eaLnBrk="1" fontAlgn="auto" latinLnBrk="0" hangingPunct="1">
@@ -7940,18 +7952,7 @@
               <a:tabLst/>
               <a:defRPr/>
             </a:pPr>
-            <a:r>
-              <a:rPr lang="en-US" dirty="0" smtClean="0"/>
-              <a:t>Press Q to exit a </a:t>
-            </a:r>
-            <a:r>
-              <a:rPr lang="en-US" i="1" dirty="0" smtClean="0"/>
-              <a:t>man</a:t>
-            </a:r>
-            <a:r>
-              <a:rPr lang="en-US" dirty="0" smtClean="0"/>
-              <a:t> page </a:t>
-            </a:r>
+            <a:endParaRPr lang="en-US" dirty="0"/>
           </a:p>
           <a:p>
             <a:pPr marL="0" marR="0" lvl="0" indent="0" defTabSz="914400" eaLnBrk="1" fontAlgn="auto" latinLnBrk="0" hangingPunct="1">
@@ -7971,7 +7972,10 @@
               <a:tabLst/>
               <a:defRPr/>
             </a:pPr>
-            <a:endParaRPr lang="en-US" dirty="0"/>
+            <a:r>
+              <a:rPr lang="en-US" dirty="0" smtClean="0"/>
+              <a:t>Example: </a:t>
+            </a:r>
           </a:p>
           <a:p>
             <a:pPr marL="0" marR="0" lvl="0" indent="0" defTabSz="914400" eaLnBrk="1" fontAlgn="auto" latinLnBrk="0" hangingPunct="1">
@@ -7992,8 +7996,20 @@
               <a:defRPr/>
             </a:pPr>
             <a:r>
-              <a:rPr lang="en-US" dirty="0" smtClean="0"/>
-              <a:t>Example: </a:t>
+              <a:rPr lang="en-US" dirty="0"/>
+              <a:t>	</a:t>
+            </a:r>
+            <a:r>
+              <a:rPr lang="en-US" dirty="0" smtClean="0"/>
+              <a:t>$ </a:t>
+            </a:r>
+            <a:r>
+              <a:rPr lang="en-US" dirty="0" err="1" smtClean="0"/>
+              <a:t>pwd</a:t>
+            </a:r>
+            <a:r>
+              <a:rPr lang="en-US" dirty="0" smtClean="0"/>
+              <a:t> </a:t>
             </a:r>
           </a:p>
           <a:p>
@@ -8020,7 +8036,23 @@
             </a:r>
             <a:r>
               <a:rPr lang="en-US" dirty="0" smtClean="0"/>
-              <a:t>$ man ls </a:t>
+              <a:t>/Users/</a:t>
+            </a:r>
+            <a:r>
+              <a:rPr lang="en-US" dirty="0" err="1" smtClean="0"/>
+              <a:t>BrutusBuckeye</a:t>
+            </a:r>
+            <a:r>
+              <a:rPr lang="en-US" dirty="0" smtClean="0"/>
+              <a:t>/Desktop/SURP/</a:t>
+            </a:r>
+            <a:r>
+              <a:rPr lang="en-US" dirty="0" err="1" smtClean="0"/>
+              <a:t>bootcamp</a:t>
+            </a:r>
+            <a:r>
+              <a:rPr lang="en-US" dirty="0" smtClean="0"/>
+              <a:t> </a:t>
             </a:r>
           </a:p>
           <a:p>
@@ -8047,7 +8079,15 @@
             </a:r>
             <a:r>
               <a:rPr lang="en-US" dirty="0" smtClean="0"/>
-              <a:t>$ man mv </a:t>
+              <a:t>$ </a:t>
+            </a:r>
+            <a:r>
+              <a:rPr lang="en-US" dirty="0" err="1" smtClean="0"/>
+              <a:t>mkdir</a:t>
+            </a:r>
+            <a:r>
+              <a:rPr lang="en-US" dirty="0" smtClean="0"/>
+              <a:t> example </a:t>
             </a:r>
           </a:p>
           <a:p>
@@ -8074,23 +8114,47 @@
             </a:r>
             <a:r>
               <a:rPr lang="en-US" dirty="0" smtClean="0"/>
-              <a:t>$ man </a:t>
+              <a:t>$ ls </a:t>
+            </a:r>
+          </a:p>
+          <a:p>
+            <a:pPr marL="0" marR="0" lvl="0" indent="0" defTabSz="914400" eaLnBrk="1" fontAlgn="auto" latinLnBrk="0" hangingPunct="1">
+              <a:lnSpc>
+                <a:spcPct val="100000"/>
+              </a:lnSpc>
+              <a:spcBef>
+                <a:spcPts val="0"/>
+              </a:spcBef>
+              <a:spcAft>
+                <a:spcPts val="0"/>
+              </a:spcAft>
+              <a:buClrTx/>
+              <a:buSzTx/>
+              <a:buFontTx/>
+              <a:buNone/>
+              <a:tabLst/>
+              <a:defRPr/>
+            </a:pPr>
+            <a:r>
+              <a:rPr lang="en-US" dirty="0" smtClean="0"/>
+              <a:t>	example exercises notes slides </a:t>
             </a:r>
             <a:r>
               <a:rPr lang="en-US" dirty="0" err="1" smtClean="0"/>
-              <a:t>pwd</a:t>
+              <a:t>somecode.py</a:t>
             </a:r>
             <a:r>
               <a:rPr lang="en-US" dirty="0" smtClean="0"/>
               <a:t> </a:t>
             </a:r>
+            <a:endParaRPr lang="en-US" dirty="0"/>
           </a:p>
         </p:txBody>
       </p:sp>
     </p:spTree>
     <p:extLst>
       <p:ext uri="{BB962C8B-B14F-4D97-AF65-F5344CB8AC3E}">
-        <p14:creationId xmlns:p14="http://schemas.microsoft.com/office/powerpoint/2010/main" val="664730687"/>
+        <p14:creationId xmlns:p14="http://schemas.microsoft.com/office/powerpoint/2010/main" val="1594207643"/>
       </p:ext>
     </p:extLst>
   </p:cSld>
@@ -8133,45 +8197,210 @@
           <a:lstStyle/>
           <a:p>
             <a:r>
-              <a:rPr lang="en-US" dirty="0" smtClean="0"/>
-              <a:t>The Bash Profile </a:t>
-            </a:r>
+              <a:rPr lang="en-US" i="1" dirty="0" err="1"/>
+              <a:t>r</a:t>
+            </a:r>
+            <a:r>
+              <a:rPr lang="en-US" i="1" dirty="0" err="1" smtClean="0"/>
+              <a:t>m</a:t>
+            </a:r>
+            <a:r>
+              <a:rPr lang="en-US" dirty="0" smtClean="0"/>
+              <a:t>: Remove [</a:t>
+            </a:r>
+            <a:r>
+              <a:rPr lang="en-US" i="1" dirty="0" smtClean="0"/>
+              <a:t>del</a:t>
+            </a:r>
+            <a:r>
+              <a:rPr lang="en-US" dirty="0" smtClean="0"/>
+              <a:t>] </a:t>
+            </a:r>
+            <a:endParaRPr lang="en-US" i="1" dirty="0"/>
+          </a:p>
+        </p:txBody>
+      </p:sp>
+      <p:sp>
+        <p:nvSpPr>
+          <p:cNvPr id="3" name="Content Placeholder 2"/>
+          <p:cNvSpPr>
+            <a:spLocks noGrp="1"/>
+          </p:cNvSpPr>
+          <p:nvPr>
+            <p:ph idx="1"/>
+          </p:nvPr>
+        </p:nvSpPr>
+        <p:spPr>
+          <a:xfrm>
+            <a:off x="680321" y="2336872"/>
+            <a:ext cx="10674616" cy="3941097"/>
+          </a:xfrm>
+        </p:spPr>
+        <p:txBody>
+          <a:bodyPr/>
+          <a:lstStyle/>
+          <a:p>
+            <a:pPr marL="0" marR="0" lvl="0" indent="0" defTabSz="914400" eaLnBrk="1" fontAlgn="auto" latinLnBrk="0" hangingPunct="1">
+              <a:lnSpc>
+                <a:spcPct val="100000"/>
+              </a:lnSpc>
+              <a:spcBef>
+                <a:spcPts val="0"/>
+              </a:spcBef>
+              <a:spcAft>
+                <a:spcPts val="0"/>
+              </a:spcAft>
+              <a:buClrTx/>
+              <a:buSzTx/>
+              <a:buFontTx/>
+              <a:buNone/>
+              <a:tabLst/>
+              <a:defRPr/>
+            </a:pPr>
+            <a:r>
+              <a:rPr lang="en-US" dirty="0" smtClean="0"/>
+              <a:t>Remove a file from system memory (careful </a:t>
+            </a:r>
+            <a:r>
+              <a:rPr lang="mr-IN" dirty="0" smtClean="0"/>
+              <a:t>–</a:t>
+            </a:r>
+            <a:r>
+              <a:rPr lang="en-US" dirty="0" smtClean="0"/>
+              <a:t> this doesn’t move a file to trash)</a:t>
+            </a:r>
+          </a:p>
+          <a:p>
+            <a:pPr marL="0" marR="0" lvl="0" indent="0" defTabSz="914400" eaLnBrk="1" fontAlgn="auto" latinLnBrk="0" hangingPunct="1">
+              <a:lnSpc>
+                <a:spcPct val="100000"/>
+              </a:lnSpc>
+              <a:spcBef>
+                <a:spcPts val="0"/>
+              </a:spcBef>
+              <a:spcAft>
+                <a:spcPts val="0"/>
+              </a:spcAft>
+              <a:buClrTx/>
+              <a:buSzTx/>
+              <a:buFontTx/>
+              <a:buNone/>
+              <a:tabLst/>
+              <a:defRPr/>
+            </a:pPr>
+            <a:r>
+              <a:rPr lang="en-US" dirty="0" smtClean="0"/>
+              <a:t>Usage: </a:t>
+            </a:r>
+            <a:r>
+              <a:rPr lang="en-US" i="1" dirty="0" err="1" smtClean="0"/>
+              <a:t>rm</a:t>
+            </a:r>
+            <a:r>
+              <a:rPr lang="en-US" i="1" dirty="0" smtClean="0"/>
+              <a:t> [filename] </a:t>
+            </a:r>
+            <a:endParaRPr lang="en-US" dirty="0" smtClean="0"/>
+          </a:p>
+          <a:p>
+            <a:pPr marL="0" marR="0" lvl="0" indent="0" defTabSz="914400" eaLnBrk="1" fontAlgn="auto" latinLnBrk="0" hangingPunct="1">
+              <a:lnSpc>
+                <a:spcPct val="100000"/>
+              </a:lnSpc>
+              <a:spcBef>
+                <a:spcPts val="0"/>
+              </a:spcBef>
+              <a:spcAft>
+                <a:spcPts val="0"/>
+              </a:spcAft>
+              <a:buClrTx/>
+              <a:buSzTx/>
+              <a:buFontTx/>
+              <a:buNone/>
+              <a:tabLst/>
+              <a:defRPr/>
+            </a:pPr>
             <a:endParaRPr lang="en-US" dirty="0"/>
           </a:p>
-        </p:txBody>
-      </p:sp>
-      <p:sp>
-        <p:nvSpPr>
-          <p:cNvPr id="3" name="Content Placeholder 2"/>
-          <p:cNvSpPr>
-            <a:spLocks noGrp="1"/>
-          </p:cNvSpPr>
-          <p:nvPr>
-            <p:ph idx="1"/>
-          </p:nvPr>
-        </p:nvSpPr>
-        <p:spPr>
-          <a:xfrm>
-            <a:off x="680321" y="2336872"/>
-            <a:ext cx="9613861" cy="4521128"/>
-          </a:xfrm>
-        </p:spPr>
-        <p:txBody>
-          <a:bodyPr>
-            <a:normAutofit/>
-          </a:bodyPr>
-          <a:lstStyle/>
-          <a:p>
-            <a:pPr marL="0" indent="0">
-              <a:buNone/>
-            </a:pPr>
-            <a:r>
-              <a:rPr lang="en-US" dirty="0" smtClean="0"/>
-              <a:t>A particular file located at ~/.</a:t>
+          <a:p>
+            <a:pPr marL="0" marR="0" lvl="0" indent="0" defTabSz="914400" eaLnBrk="1" fontAlgn="auto" latinLnBrk="0" hangingPunct="1">
+              <a:lnSpc>
+                <a:spcPct val="100000"/>
+              </a:lnSpc>
+              <a:spcBef>
+                <a:spcPts val="0"/>
+              </a:spcBef>
+              <a:spcAft>
+                <a:spcPts val="0"/>
+              </a:spcAft>
+              <a:buClrTx/>
+              <a:buSzTx/>
+              <a:buFontTx/>
+              <a:buNone/>
+              <a:tabLst/>
+              <a:defRPr/>
+            </a:pPr>
+            <a:r>
+              <a:rPr lang="en-US" dirty="0" smtClean="0"/>
+              <a:t>Example: </a:t>
+            </a:r>
+          </a:p>
+          <a:p>
+            <a:pPr marL="0" marR="0" lvl="0" indent="0" defTabSz="914400" eaLnBrk="1" fontAlgn="auto" latinLnBrk="0" hangingPunct="1">
+              <a:lnSpc>
+                <a:spcPct val="100000"/>
+              </a:lnSpc>
+              <a:spcBef>
+                <a:spcPts val="0"/>
+              </a:spcBef>
+              <a:spcAft>
+                <a:spcPts val="0"/>
+              </a:spcAft>
+              <a:buClrTx/>
+              <a:buSzTx/>
+              <a:buFontTx/>
+              <a:buNone/>
+              <a:tabLst/>
+              <a:defRPr/>
+            </a:pPr>
+            <a:r>
+              <a:rPr lang="en-US" dirty="0"/>
+              <a:t>	</a:t>
+            </a:r>
+            <a:r>
+              <a:rPr lang="en-US" dirty="0" smtClean="0"/>
+              <a:t>$ ls </a:t>
+            </a:r>
+          </a:p>
+          <a:p>
+            <a:pPr marL="0" marR="0" lvl="0" indent="0" defTabSz="914400" eaLnBrk="1" fontAlgn="auto" latinLnBrk="0" hangingPunct="1">
+              <a:lnSpc>
+                <a:spcPct val="100000"/>
+              </a:lnSpc>
+              <a:spcBef>
+                <a:spcPts val="0"/>
+              </a:spcBef>
+              <a:spcAft>
+                <a:spcPts val="0"/>
+              </a:spcAft>
+              <a:buClrTx/>
+              <a:buSzTx/>
+              <a:buFontTx/>
+              <a:buNone/>
+              <a:tabLst/>
+              <a:defRPr/>
+            </a:pPr>
+            <a:r>
+              <a:rPr lang="en-US" dirty="0"/>
+              <a:t>	</a:t>
+            </a:r>
+            <a:r>
+              <a:rPr lang="en-US" dirty="0" smtClean="0"/>
+              <a:t>goodcode1.py goodcode2.py </a:t>
             </a:r>
             <a:r>
               <a:rPr lang="en-US" dirty="0" err="1" smtClean="0"/>
-              <a:t>bash_profile</a:t>
+              <a:t>badcode.py</a:t>
             </a:r>
             <a:r>
               <a:rPr lang="en-US" dirty="0" smtClean="0"/>
@@ -8179,110 +8408,109 @@
             </a:r>
           </a:p>
           <a:p>
-            <a:pPr marL="0" indent="0">
-              <a:buNone/>
-            </a:pPr>
+            <a:pPr marL="0" marR="0" lvl="0" indent="0" defTabSz="914400" eaLnBrk="1" fontAlgn="auto" latinLnBrk="0" hangingPunct="1">
+              <a:lnSpc>
+                <a:spcPct val="100000"/>
+              </a:lnSpc>
+              <a:spcBef>
+                <a:spcPts val="0"/>
+              </a:spcBef>
+              <a:spcAft>
+                <a:spcPts val="0"/>
+              </a:spcAft>
+              <a:buClrTx/>
+              <a:buSzTx/>
+              <a:buFontTx/>
+              <a:buNone/>
+              <a:tabLst/>
+              <a:defRPr/>
+            </a:pPr>
+            <a:r>
+              <a:rPr lang="en-US" dirty="0"/>
+              <a:t>	</a:t>
+            </a:r>
+            <a:r>
+              <a:rPr lang="en-US" dirty="0" smtClean="0"/>
+              <a:t>$ </a:t>
+            </a:r>
+            <a:r>
+              <a:rPr lang="en-US" dirty="0" err="1" smtClean="0"/>
+              <a:t>rm</a:t>
+            </a:r>
+            <a:r>
+              <a:rPr lang="en-US" dirty="0" smtClean="0"/>
+              <a:t> </a:t>
+            </a:r>
+            <a:r>
+              <a:rPr lang="en-US" dirty="0" err="1" smtClean="0"/>
+              <a:t>badcode.py</a:t>
+            </a:r>
+            <a:r>
+              <a:rPr lang="en-US" dirty="0" smtClean="0"/>
+              <a:t> </a:t>
+            </a:r>
+          </a:p>
+          <a:p>
+            <a:pPr marL="0" marR="0" lvl="0" indent="0" defTabSz="914400" eaLnBrk="1" fontAlgn="auto" latinLnBrk="0" hangingPunct="1">
+              <a:lnSpc>
+                <a:spcPct val="100000"/>
+              </a:lnSpc>
+              <a:spcBef>
+                <a:spcPts val="0"/>
+              </a:spcBef>
+              <a:spcAft>
+                <a:spcPts val="0"/>
+              </a:spcAft>
+              <a:buClrTx/>
+              <a:buSzTx/>
+              <a:buFontTx/>
+              <a:buNone/>
+              <a:tabLst/>
+              <a:defRPr/>
+            </a:pPr>
+            <a:r>
+              <a:rPr lang="en-US" dirty="0"/>
+              <a:t>	</a:t>
+            </a:r>
+            <a:r>
+              <a:rPr lang="en-US" dirty="0" smtClean="0"/>
+              <a:t>$ ls </a:t>
+            </a:r>
+          </a:p>
+          <a:p>
+            <a:pPr marL="0" marR="0" lvl="0" indent="0" defTabSz="914400" eaLnBrk="1" fontAlgn="auto" latinLnBrk="0" hangingPunct="1">
+              <a:lnSpc>
+                <a:spcPct val="100000"/>
+              </a:lnSpc>
+              <a:spcBef>
+                <a:spcPts val="0"/>
+              </a:spcBef>
+              <a:spcAft>
+                <a:spcPts val="0"/>
+              </a:spcAft>
+              <a:buClrTx/>
+              <a:buSzTx/>
+              <a:buFontTx/>
+              <a:buNone/>
+              <a:tabLst/>
+              <a:defRPr/>
+            </a:pPr>
+            <a:r>
+              <a:rPr lang="en-US" dirty="0"/>
+              <a:t>	</a:t>
+            </a:r>
+            <a:r>
+              <a:rPr lang="en-US" dirty="0" smtClean="0"/>
+              <a:t>goodcode1.py goodcode2.py </a:t>
+            </a:r>
             <a:endParaRPr lang="en-US" dirty="0"/>
-          </a:p>
-          <a:p>
-            <a:pPr marL="0" indent="0">
-              <a:buNone/>
-            </a:pPr>
-            <a:r>
-              <a:rPr lang="en-US" dirty="0" smtClean="0"/>
-              <a:t>Typically contains</a:t>
-            </a:r>
-            <a:r>
-              <a:rPr lang="mr-IN" dirty="0" smtClean="0"/>
-              <a:t>…</a:t>
-            </a:r>
-            <a:r>
-              <a:rPr lang="en-US" dirty="0" smtClean="0"/>
-              <a:t> </a:t>
-            </a:r>
-          </a:p>
-          <a:p>
-            <a:pPr lvl="1"/>
-            <a:r>
-              <a:rPr lang="en-US" dirty="0" smtClean="0"/>
-              <a:t>Environment variables </a:t>
-            </a:r>
-          </a:p>
-          <a:p>
-            <a:pPr lvl="1"/>
-            <a:r>
-              <a:rPr lang="en-US" dirty="0" smtClean="0"/>
-              <a:t>Aliases </a:t>
-            </a:r>
-          </a:p>
-          <a:p>
-            <a:pPr lvl="1"/>
-            <a:r>
-              <a:rPr lang="en-US" dirty="0" smtClean="0"/>
-              <a:t>Modifications to your PATH or PYTHONPATH </a:t>
-            </a:r>
-          </a:p>
-          <a:p>
-            <a:pPr lvl="1"/>
-            <a:r>
-              <a:rPr lang="en-US" dirty="0" smtClean="0"/>
-              <a:t>Some gibberish used by </a:t>
-            </a:r>
-            <a:r>
-              <a:rPr lang="en-US" i="1" dirty="0" err="1" smtClean="0"/>
-              <a:t>conda</a:t>
-            </a:r>
-            <a:r>
-              <a:rPr lang="en-US" dirty="0" smtClean="0"/>
-              <a:t> </a:t>
-            </a:r>
-          </a:p>
-          <a:p>
-            <a:pPr marL="0" indent="0">
-              <a:buNone/>
-            </a:pPr>
-            <a:r>
-              <a:rPr lang="mr-IN" dirty="0" smtClean="0"/>
-              <a:t>…</a:t>
-            </a:r>
-            <a:r>
-              <a:rPr lang="en-US" dirty="0" smtClean="0"/>
-              <a:t> if there’s even anything there yet </a:t>
-            </a:r>
-          </a:p>
-          <a:p>
-            <a:pPr marL="0" indent="0">
-              <a:buNone/>
-            </a:pPr>
-            <a:endParaRPr lang="en-US" dirty="0"/>
-          </a:p>
-          <a:p>
-            <a:pPr marL="0" indent="0">
-              <a:buNone/>
-            </a:pPr>
-            <a:r>
-              <a:rPr lang="en-US" dirty="0" smtClean="0"/>
-              <a:t>Modifications require running </a:t>
-            </a:r>
-            <a:r>
-              <a:rPr lang="en-US" i="1" dirty="0" smtClean="0"/>
-              <a:t>source ~/.</a:t>
-            </a:r>
-            <a:r>
-              <a:rPr lang="en-US" i="1" dirty="0" err="1" smtClean="0"/>
-              <a:t>bash_profile</a:t>
-            </a:r>
-            <a:r>
-              <a:rPr lang="en-US" dirty="0" smtClean="0"/>
-              <a:t> or simply restarting the terminal to take effect </a:t>
-            </a:r>
           </a:p>
         </p:txBody>
       </p:sp>
     </p:spTree>
     <p:extLst>
       <p:ext uri="{BB962C8B-B14F-4D97-AF65-F5344CB8AC3E}">
-        <p14:creationId xmlns:p14="http://schemas.microsoft.com/office/powerpoint/2010/main" val="1714711338"/>
+        <p14:creationId xmlns:p14="http://schemas.microsoft.com/office/powerpoint/2010/main" val="1429540826"/>
       </p:ext>
     </p:extLst>
   </p:cSld>
@@ -8319,16 +8547,33 @@
             <p:ph type="title"/>
           </p:nvPr>
         </p:nvSpPr>
-        <p:spPr/>
+        <p:spPr>
+          <a:xfrm>
+            <a:off x="693969" y="753228"/>
+            <a:ext cx="9613861" cy="1080938"/>
+          </a:xfrm>
+        </p:spPr>
         <p:txBody>
           <a:bodyPr/>
           <a:lstStyle/>
           <a:p>
             <a:r>
-              <a:rPr lang="en-US" dirty="0" smtClean="0"/>
-              <a:t>Aliases </a:t>
-            </a:r>
-            <a:endParaRPr lang="en-US" dirty="0"/>
+              <a:rPr lang="en-US" i="1" dirty="0" smtClean="0"/>
+              <a:t>man</a:t>
+            </a:r>
+            <a:r>
+              <a:rPr lang="en-US" dirty="0" smtClean="0"/>
+              <a:t>: Manual [</a:t>
+            </a:r>
+            <a:r>
+              <a:rPr lang="en-US" i="1" dirty="0" smtClean="0"/>
+              <a:t>&lt;command&gt;/?</a:t>
+            </a:r>
+            <a:r>
+              <a:rPr lang="en-US" dirty="0" smtClean="0"/>
+              <a:t>] </a:t>
+            </a:r>
+            <a:endParaRPr lang="en-US" i="1" dirty="0"/>
           </a:p>
         </p:txBody>
       </p:sp>
@@ -8342,48 +8587,124 @@
             <p:ph idx="1"/>
           </p:nvPr>
         </p:nvSpPr>
-        <p:spPr>
-          <a:xfrm>
-            <a:off x="680321" y="2336872"/>
-            <a:ext cx="9613861" cy="4227701"/>
-          </a:xfrm>
-        </p:spPr>
+        <p:spPr/>
         <p:txBody>
           <a:bodyPr/>
           <a:lstStyle/>
           <a:p>
-            <a:pPr marL="0" indent="0">
-              <a:buNone/>
-            </a:pPr>
-            <a:r>
-              <a:rPr lang="en-US" dirty="0" smtClean="0"/>
-              <a:t>A way of creating a terminal command out of other terminal commands </a:t>
-            </a:r>
-          </a:p>
-          <a:p>
-            <a:pPr marL="0" indent="0">
-              <a:buNone/>
+            <a:pPr marL="0" marR="0" lvl="0" indent="0" defTabSz="914400" eaLnBrk="1" fontAlgn="auto" latinLnBrk="0" hangingPunct="1">
+              <a:lnSpc>
+                <a:spcPct val="100000"/>
+              </a:lnSpc>
+              <a:spcBef>
+                <a:spcPts val="0"/>
+              </a:spcBef>
+              <a:spcAft>
+                <a:spcPts val="0"/>
+              </a:spcAft>
+              <a:buClrTx/>
+              <a:buSzTx/>
+              <a:buFontTx/>
+              <a:buNone/>
+              <a:tabLst/>
+              <a:defRPr/>
+            </a:pPr>
+            <a:r>
+              <a:rPr lang="en-US" dirty="0" smtClean="0"/>
+              <a:t>Pulls up the manual entry (i.e. documentation) for a given terminal entry </a:t>
+            </a:r>
+          </a:p>
+          <a:p>
+            <a:pPr marL="0" marR="0" lvl="0" indent="0" defTabSz="914400" eaLnBrk="1" fontAlgn="auto" latinLnBrk="0" hangingPunct="1">
+              <a:lnSpc>
+                <a:spcPct val="100000"/>
+              </a:lnSpc>
+              <a:spcBef>
+                <a:spcPts val="0"/>
+              </a:spcBef>
+              <a:spcAft>
+                <a:spcPts val="0"/>
+              </a:spcAft>
+              <a:buClrTx/>
+              <a:buSzTx/>
+              <a:buFontTx/>
+              <a:buNone/>
+              <a:tabLst/>
+              <a:defRPr/>
+            </a:pPr>
+            <a:r>
+              <a:rPr lang="en-US" dirty="0" smtClean="0"/>
+              <a:t>Can be used as a reference on what “flags” each command takes </a:t>
+            </a:r>
+          </a:p>
+          <a:p>
+            <a:pPr marL="0" marR="0" lvl="0" indent="0" defTabSz="914400" eaLnBrk="1" fontAlgn="auto" latinLnBrk="0" hangingPunct="1">
+              <a:lnSpc>
+                <a:spcPct val="100000"/>
+              </a:lnSpc>
+              <a:spcBef>
+                <a:spcPts val="0"/>
+              </a:spcBef>
+              <a:spcAft>
+                <a:spcPts val="0"/>
+              </a:spcAft>
+              <a:buClrTx/>
+              <a:buSzTx/>
+              <a:buFontTx/>
+              <a:buNone/>
+              <a:tabLst/>
+              <a:defRPr/>
+            </a:pPr>
+            <a:r>
+              <a:rPr lang="en-US" dirty="0" smtClean="0"/>
+              <a:t>Press Q to exit a </a:t>
+            </a:r>
+            <a:r>
+              <a:rPr lang="en-US" i="1" dirty="0" smtClean="0"/>
+              <a:t>man</a:t>
+            </a:r>
+            <a:r>
+              <a:rPr lang="en-US" dirty="0" smtClean="0"/>
+              <a:t> page </a:t>
+            </a:r>
+          </a:p>
+          <a:p>
+            <a:pPr marL="0" marR="0" lvl="0" indent="0" defTabSz="914400" eaLnBrk="1" fontAlgn="auto" latinLnBrk="0" hangingPunct="1">
+              <a:lnSpc>
+                <a:spcPct val="100000"/>
+              </a:lnSpc>
+              <a:spcBef>
+                <a:spcPts val="0"/>
+              </a:spcBef>
+              <a:spcAft>
+                <a:spcPts val="0"/>
+              </a:spcAft>
+              <a:buClrTx/>
+              <a:buSzTx/>
+              <a:buFontTx/>
+              <a:buNone/>
+              <a:tabLst/>
+              <a:defRPr/>
             </a:pPr>
             <a:endParaRPr lang="en-US" dirty="0"/>
           </a:p>
           <a:p>
-            <a:pPr marL="0" indent="0">
-              <a:buNone/>
-            </a:pPr>
-            <a:r>
-              <a:rPr lang="en-US" dirty="0" smtClean="0"/>
-              <a:t>Can create on in your terminal independent of your bash profile, but putting them there makes them permanent </a:t>
-            </a:r>
-          </a:p>
-          <a:p>
-            <a:pPr marL="0" indent="0">
-              <a:buNone/>
-            </a:pPr>
-            <a:endParaRPr lang="en-US" dirty="0"/>
-          </a:p>
-          <a:p>
-            <a:pPr marL="0" indent="0">
-              <a:buNone/>
+            <a:pPr marL="0" marR="0" lvl="0" indent="0" defTabSz="914400" eaLnBrk="1" fontAlgn="auto" latinLnBrk="0" hangingPunct="1">
+              <a:lnSpc>
+                <a:spcPct val="100000"/>
+              </a:lnSpc>
+              <a:spcBef>
+                <a:spcPts val="0"/>
+              </a:spcBef>
+              <a:spcAft>
+                <a:spcPts val="0"/>
+              </a:spcAft>
+              <a:buClrTx/>
+              <a:buSzTx/>
+              <a:buFontTx/>
+              <a:buNone/>
+              <a:tabLst/>
+              <a:defRPr/>
             </a:pPr>
             <a:r>
               <a:rPr lang="en-US" dirty="0" smtClean="0"/>
@@ -8391,8 +8712,22 @@
             </a:r>
           </a:p>
           <a:p>
-            <a:pPr marL="0" indent="0">
-              <a:buNone/>
+            <a:pPr marL="0" marR="0" lvl="0" indent="0" defTabSz="914400" eaLnBrk="1" fontAlgn="auto" latinLnBrk="0" hangingPunct="1">
+              <a:lnSpc>
+                <a:spcPct val="100000"/>
+              </a:lnSpc>
+              <a:spcBef>
+                <a:spcPts val="0"/>
+              </a:spcBef>
+              <a:spcAft>
+                <a:spcPts val="0"/>
+              </a:spcAft>
+              <a:buClrTx/>
+              <a:buSzTx/>
+              <a:buFontTx/>
+              <a:buNone/>
+              <a:tabLst/>
+              <a:defRPr/>
             </a:pPr>
             <a:r>
               <a:rPr lang="en-US" dirty="0"/>
@@ -8400,28 +8735,26 @@
             </a:r>
             <a:r>
               <a:rPr lang="en-US" dirty="0" smtClean="0"/>
-              <a:t>alias </a:t>
-            </a:r>
-            <a:r>
-              <a:rPr lang="en-US" dirty="0" err="1" smtClean="0"/>
-              <a:t>makeplot</a:t>
-            </a:r>
-            <a:r>
-              <a:rPr lang="en-US" dirty="0" smtClean="0"/>
-              <a:t>=“python </a:t>
-            </a:r>
-            <a:r>
-              <a:rPr lang="en-US" dirty="0" err="1" smtClean="0"/>
-              <a:t>plotting_script.py</a:t>
-            </a:r>
-            <a:r>
-              <a:rPr lang="en-US" dirty="0" smtClean="0"/>
-              <a:t>” </a:t>
-            </a:r>
-          </a:p>
-          <a:p>
-            <a:pPr marL="0" indent="0">
-              <a:buNone/>
+              <a:t>$ man ls [ls/?] </a:t>
+            </a:r>
+          </a:p>
+          <a:p>
+            <a:pPr marL="0" marR="0" lvl="0" indent="0" defTabSz="914400" eaLnBrk="1" fontAlgn="auto" latinLnBrk="0" hangingPunct="1">
+              <a:lnSpc>
+                <a:spcPct val="100000"/>
+              </a:lnSpc>
+              <a:spcBef>
+                <a:spcPts val="0"/>
+              </a:spcBef>
+              <a:spcAft>
+                <a:spcPts val="0"/>
+              </a:spcAft>
+              <a:buClrTx/>
+              <a:buSzTx/>
+              <a:buFontTx/>
+              <a:buNone/>
+              <a:tabLst/>
+              <a:defRPr/>
             </a:pPr>
             <a:r>
               <a:rPr lang="en-US" dirty="0"/>
@@ -8429,32 +8762,26 @@
             </a:r>
             <a:r>
               <a:rPr lang="en-US" dirty="0" smtClean="0"/>
-              <a:t>alias </a:t>
-            </a:r>
-            <a:r>
-              <a:rPr lang="en-US" dirty="0" err="1" smtClean="0"/>
-              <a:t>lc</a:t>
-            </a:r>
-            <a:r>
-              <a:rPr lang="en-US" dirty="0" smtClean="0"/>
-              <a:t>=“ls </a:t>
-            </a:r>
-            <a:r>
-              <a:rPr lang="mr-IN" dirty="0" smtClean="0"/>
-              <a:t>–</a:t>
-            </a:r>
-            <a:r>
-              <a:rPr lang="en-US" dirty="0" err="1" smtClean="0"/>
-              <a:t>lha</a:t>
-            </a:r>
-            <a:r>
-              <a:rPr lang="en-US" dirty="0" smtClean="0"/>
-              <a:t>” </a:t>
-            </a:r>
-          </a:p>
-          <a:p>
-            <a:pPr marL="0" indent="0">
-              <a:buNone/>
+              <a:t>$ man mv [mv/?] </a:t>
+            </a:r>
+          </a:p>
+          <a:p>
+            <a:pPr marL="0" marR="0" lvl="0" indent="0" defTabSz="914400" eaLnBrk="1" fontAlgn="auto" latinLnBrk="0" hangingPunct="1">
+              <a:lnSpc>
+                <a:spcPct val="100000"/>
+              </a:lnSpc>
+              <a:spcBef>
+                <a:spcPts val="0"/>
+              </a:spcBef>
+              <a:spcAft>
+                <a:spcPts val="0"/>
+              </a:spcAft>
+              <a:buClrTx/>
+              <a:buSzTx/>
+              <a:buFontTx/>
+              <a:buNone/>
+              <a:tabLst/>
+              <a:defRPr/>
             </a:pPr>
             <a:r>
               <a:rPr lang="en-US" dirty="0"/>
@@ -8462,15 +8789,23 @@
             </a:r>
             <a:r>
               <a:rPr lang="en-US" dirty="0" smtClean="0"/>
-              <a:t>alias </a:t>
+              <a:t>$ man </a:t>
             </a:r>
             <a:r>
               <a:rPr lang="en-US" dirty="0" err="1" smtClean="0"/>
-              <a:t>surp</a:t>
-            </a:r>
-            <a:r>
-              <a:rPr lang="en-US" dirty="0" smtClean="0"/>
-              <a:t>=“cd ~/Desktop/SURP/”</a:t>
+              <a:t>pwd</a:t>
+            </a:r>
+            <a:r>
+              <a:rPr lang="en-US" dirty="0" smtClean="0"/>
+              <a:t> [</a:t>
+            </a:r>
+            <a:r>
+              <a:rPr lang="en-US" dirty="0" err="1" smtClean="0"/>
+              <a:t>pwd</a:t>
+            </a:r>
+            <a:r>
+              <a:rPr lang="en-US" dirty="0" smtClean="0"/>
+              <a:t>/?] </a:t>
             </a:r>
           </a:p>
         </p:txBody>
@@ -8478,7 +8813,7 @@
     </p:spTree>
     <p:extLst>
       <p:ext uri="{BB962C8B-B14F-4D97-AF65-F5344CB8AC3E}">
-        <p14:creationId xmlns:p14="http://schemas.microsoft.com/office/powerpoint/2010/main" val="1613828523"/>
+        <p14:creationId xmlns:p14="http://schemas.microsoft.com/office/powerpoint/2010/main" val="664730687"/>
       </p:ext>
     </p:extLst>
   </p:cSld>
@@ -8522,6 +8857,1017 @@
           <a:p>
             <a:r>
               <a:rPr lang="en-US" dirty="0" smtClean="0"/>
+              <a:t>*: All Files </a:t>
+            </a:r>
+            <a:endParaRPr lang="en-US" dirty="0"/>
+          </a:p>
+        </p:txBody>
+      </p:sp>
+      <p:sp>
+        <p:nvSpPr>
+          <p:cNvPr id="3" name="Content Placeholder 2"/>
+          <p:cNvSpPr>
+            <a:spLocks noGrp="1"/>
+          </p:cNvSpPr>
+          <p:nvPr>
+            <p:ph idx="1"/>
+          </p:nvPr>
+        </p:nvSpPr>
+        <p:spPr>
+          <a:xfrm>
+            <a:off x="680321" y="2323225"/>
+            <a:ext cx="9613861" cy="4254996"/>
+          </a:xfrm>
+        </p:spPr>
+        <p:txBody>
+          <a:bodyPr/>
+          <a:lstStyle/>
+          <a:p>
+            <a:pPr marL="0" marR="0" lvl="0" indent="0" defTabSz="914400" eaLnBrk="1" fontAlgn="auto" latinLnBrk="0" hangingPunct="1">
+              <a:lnSpc>
+                <a:spcPct val="100000"/>
+              </a:lnSpc>
+              <a:spcBef>
+                <a:spcPts val="0"/>
+              </a:spcBef>
+              <a:spcAft>
+                <a:spcPts val="0"/>
+              </a:spcAft>
+              <a:buClrTx/>
+              <a:buSzTx/>
+              <a:buFontTx/>
+              <a:buNone/>
+              <a:tabLst/>
+              <a:defRPr/>
+            </a:pPr>
+            <a:r>
+              <a:rPr lang="en-US" dirty="0" smtClean="0"/>
+              <a:t>An asterisk (*) refers to all files in a given directory, and can be modified to refer to only those with a specific prefix or suffix </a:t>
+            </a:r>
+          </a:p>
+          <a:p>
+            <a:pPr marL="0" marR="0" lvl="0" indent="0" defTabSz="914400" eaLnBrk="1" fontAlgn="auto" latinLnBrk="0" hangingPunct="1">
+              <a:lnSpc>
+                <a:spcPct val="100000"/>
+              </a:lnSpc>
+              <a:spcBef>
+                <a:spcPts val="0"/>
+              </a:spcBef>
+              <a:spcAft>
+                <a:spcPts val="0"/>
+              </a:spcAft>
+              <a:buClrTx/>
+              <a:buSzTx/>
+              <a:buFontTx/>
+              <a:buNone/>
+              <a:tabLst/>
+              <a:defRPr/>
+            </a:pPr>
+            <a:endParaRPr lang="en-US" dirty="0"/>
+          </a:p>
+          <a:p>
+            <a:pPr marL="0" marR="0" lvl="0" indent="0" defTabSz="914400" eaLnBrk="1" fontAlgn="auto" latinLnBrk="0" hangingPunct="1">
+              <a:lnSpc>
+                <a:spcPct val="100000"/>
+              </a:lnSpc>
+              <a:spcBef>
+                <a:spcPts val="0"/>
+              </a:spcBef>
+              <a:spcAft>
+                <a:spcPts val="0"/>
+              </a:spcAft>
+              <a:buClrTx/>
+              <a:buSzTx/>
+              <a:buFontTx/>
+              <a:buNone/>
+              <a:tabLst/>
+              <a:defRPr/>
+            </a:pPr>
+            <a:r>
+              <a:rPr lang="en-US" dirty="0" smtClean="0"/>
+              <a:t>Example: </a:t>
+            </a:r>
+          </a:p>
+          <a:p>
+            <a:pPr marL="0" marR="0" lvl="0" indent="0" defTabSz="914400" eaLnBrk="1" fontAlgn="auto" latinLnBrk="0" hangingPunct="1">
+              <a:lnSpc>
+                <a:spcPct val="100000"/>
+              </a:lnSpc>
+              <a:spcBef>
+                <a:spcPts val="0"/>
+              </a:spcBef>
+              <a:spcAft>
+                <a:spcPts val="0"/>
+              </a:spcAft>
+              <a:buClrTx/>
+              <a:buSzTx/>
+              <a:buFontTx/>
+              <a:buNone/>
+              <a:tabLst/>
+              <a:defRPr/>
+            </a:pPr>
+            <a:r>
+              <a:rPr lang="en-US" dirty="0"/>
+              <a:t>	</a:t>
+            </a:r>
+            <a:r>
+              <a:rPr lang="en-US" dirty="0" smtClean="0"/>
+              <a:t>$ ls </a:t>
+            </a:r>
+          </a:p>
+          <a:p>
+            <a:pPr marL="0" marR="0" lvl="0" indent="0" defTabSz="914400" eaLnBrk="1" fontAlgn="auto" latinLnBrk="0" hangingPunct="1">
+              <a:lnSpc>
+                <a:spcPct val="100000"/>
+              </a:lnSpc>
+              <a:spcBef>
+                <a:spcPts val="0"/>
+              </a:spcBef>
+              <a:spcAft>
+                <a:spcPts val="0"/>
+              </a:spcAft>
+              <a:buClrTx/>
+              <a:buSzTx/>
+              <a:buFontTx/>
+              <a:buNone/>
+              <a:tabLst/>
+              <a:defRPr/>
+            </a:pPr>
+            <a:r>
+              <a:rPr lang="en-US" dirty="0"/>
+              <a:t>	</a:t>
+            </a:r>
+            <a:r>
+              <a:rPr lang="en-US" dirty="0" err="1" smtClean="0"/>
+              <a:t>somedata.dat</a:t>
+            </a:r>
+            <a:r>
+              <a:rPr lang="en-US" dirty="0" smtClean="0"/>
+              <a:t> </a:t>
+            </a:r>
+            <a:r>
+              <a:rPr lang="en-US" dirty="0" err="1" smtClean="0"/>
+              <a:t>somecode.py</a:t>
+            </a:r>
+            <a:r>
+              <a:rPr lang="en-US" dirty="0" smtClean="0"/>
+              <a:t> </a:t>
+            </a:r>
+            <a:r>
+              <a:rPr lang="en-US" dirty="0" err="1" smtClean="0"/>
+              <a:t>someoutput.out</a:t>
+            </a:r>
+            <a:r>
+              <a:rPr lang="en-US" dirty="0" smtClean="0"/>
+              <a:t> </a:t>
+            </a:r>
+          </a:p>
+          <a:p>
+            <a:pPr marL="0" marR="0" lvl="0" indent="0" defTabSz="914400" eaLnBrk="1" fontAlgn="auto" latinLnBrk="0" hangingPunct="1">
+              <a:lnSpc>
+                <a:spcPct val="100000"/>
+              </a:lnSpc>
+              <a:spcBef>
+                <a:spcPts val="0"/>
+              </a:spcBef>
+              <a:spcAft>
+                <a:spcPts val="0"/>
+              </a:spcAft>
+              <a:buClrTx/>
+              <a:buSzTx/>
+              <a:buFontTx/>
+              <a:buNone/>
+              <a:tabLst/>
+              <a:defRPr/>
+            </a:pPr>
+            <a:r>
+              <a:rPr lang="en-US" dirty="0"/>
+              <a:t>	</a:t>
+            </a:r>
+            <a:r>
+              <a:rPr lang="en-US" dirty="0" smtClean="0"/>
+              <a:t>$ ls *.</a:t>
+            </a:r>
+            <a:r>
+              <a:rPr lang="en-US" dirty="0" err="1" smtClean="0"/>
+              <a:t>py</a:t>
+            </a:r>
+            <a:r>
+              <a:rPr lang="en-US" dirty="0" smtClean="0"/>
+              <a:t> </a:t>
+            </a:r>
+          </a:p>
+          <a:p>
+            <a:pPr marL="0" marR="0" lvl="0" indent="0" defTabSz="914400" eaLnBrk="1" fontAlgn="auto" latinLnBrk="0" hangingPunct="1">
+              <a:lnSpc>
+                <a:spcPct val="100000"/>
+              </a:lnSpc>
+              <a:spcBef>
+                <a:spcPts val="0"/>
+              </a:spcBef>
+              <a:spcAft>
+                <a:spcPts val="0"/>
+              </a:spcAft>
+              <a:buClrTx/>
+              <a:buSzTx/>
+              <a:buFontTx/>
+              <a:buNone/>
+              <a:tabLst/>
+              <a:defRPr/>
+            </a:pPr>
+            <a:r>
+              <a:rPr lang="en-US" dirty="0"/>
+              <a:t>	</a:t>
+            </a:r>
+            <a:r>
+              <a:rPr lang="en-US" dirty="0" err="1" smtClean="0"/>
+              <a:t>somecode.py</a:t>
+            </a:r>
+            <a:r>
+              <a:rPr lang="en-US" dirty="0" smtClean="0"/>
+              <a:t> </a:t>
+            </a:r>
+          </a:p>
+          <a:p>
+            <a:pPr marL="0" marR="0" lvl="0" indent="0" defTabSz="914400" eaLnBrk="1" fontAlgn="auto" latinLnBrk="0" hangingPunct="1">
+              <a:lnSpc>
+                <a:spcPct val="100000"/>
+              </a:lnSpc>
+              <a:spcBef>
+                <a:spcPts val="0"/>
+              </a:spcBef>
+              <a:spcAft>
+                <a:spcPts val="0"/>
+              </a:spcAft>
+              <a:buClrTx/>
+              <a:buSzTx/>
+              <a:buFontTx/>
+              <a:buNone/>
+              <a:tabLst/>
+              <a:defRPr/>
+            </a:pPr>
+            <a:r>
+              <a:rPr lang="en-US" dirty="0"/>
+              <a:t>	</a:t>
+            </a:r>
+            <a:r>
+              <a:rPr lang="en-US" dirty="0" smtClean="0"/>
+              <a:t>$ ls some* </a:t>
+            </a:r>
+          </a:p>
+          <a:p>
+            <a:pPr marL="0" indent="0">
+              <a:lnSpc>
+                <a:spcPct val="100000"/>
+              </a:lnSpc>
+              <a:spcBef>
+                <a:spcPts val="0"/>
+              </a:spcBef>
+              <a:buNone/>
+            </a:pPr>
+            <a:r>
+              <a:rPr lang="en-US" dirty="0" smtClean="0"/>
+              <a:t>	</a:t>
+            </a:r>
+            <a:r>
+              <a:rPr lang="en-US" dirty="0" err="1" smtClean="0"/>
+              <a:t>somedata.dat</a:t>
+            </a:r>
+            <a:r>
+              <a:rPr lang="en-US" dirty="0" smtClean="0"/>
+              <a:t> </a:t>
+            </a:r>
+            <a:r>
+              <a:rPr lang="en-US" dirty="0" err="1"/>
+              <a:t>somecode.py</a:t>
+            </a:r>
+            <a:r>
+              <a:rPr lang="en-US" dirty="0"/>
+              <a:t> </a:t>
+            </a:r>
+            <a:r>
+              <a:rPr lang="en-US" dirty="0" err="1"/>
+              <a:t>someoutput.out</a:t>
+            </a:r>
+            <a:r>
+              <a:rPr lang="en-US" dirty="0"/>
+              <a:t> </a:t>
+            </a:r>
+          </a:p>
+          <a:p>
+            <a:pPr marL="0" marR="0" lvl="0" indent="0" defTabSz="914400" eaLnBrk="1" fontAlgn="auto" latinLnBrk="0" hangingPunct="1">
+              <a:lnSpc>
+                <a:spcPct val="100000"/>
+              </a:lnSpc>
+              <a:spcBef>
+                <a:spcPts val="0"/>
+              </a:spcBef>
+              <a:spcAft>
+                <a:spcPts val="0"/>
+              </a:spcAft>
+              <a:buClrTx/>
+              <a:buSzTx/>
+              <a:buFontTx/>
+              <a:buNone/>
+              <a:tabLst/>
+              <a:defRPr/>
+            </a:pPr>
+            <a:endParaRPr lang="en-US" dirty="0"/>
+          </a:p>
+        </p:txBody>
+      </p:sp>
+    </p:spTree>
+    <p:extLst>
+      <p:ext uri="{BB962C8B-B14F-4D97-AF65-F5344CB8AC3E}">
+        <p14:creationId xmlns:p14="http://schemas.microsoft.com/office/powerpoint/2010/main" val="691502808"/>
+      </p:ext>
+    </p:extLst>
+  </p:cSld>
+  <p:clrMapOvr>
+    <a:masterClrMapping/>
+  </p:clrMapOvr>
+</p:sld>
+</file>
+
+<file path=ppt/slides/slide14.xml><?xml version="1.0" encoding="utf-8"?>
+<p:sld xmlns:a="http://schemas.openxmlformats.org/drawingml/2006/main" xmlns:r="http://schemas.openxmlformats.org/officeDocument/2006/relationships" xmlns:p="http://schemas.openxmlformats.org/presentationml/2006/main">
+  <p:cSld>
+    <p:spTree>
+      <p:nvGrpSpPr>
+        <p:cNvPr id="1" name=""/>
+        <p:cNvGrpSpPr/>
+        <p:nvPr/>
+      </p:nvGrpSpPr>
+      <p:grpSpPr>
+        <a:xfrm>
+          <a:off x="0" y="0"/>
+          <a:ext cx="0" cy="0"/>
+          <a:chOff x="0" y="0"/>
+          <a:chExt cx="0" cy="0"/>
+        </a:xfrm>
+      </p:grpSpPr>
+      <p:sp>
+        <p:nvSpPr>
+          <p:cNvPr id="2" name="Title 1"/>
+          <p:cNvSpPr>
+            <a:spLocks noGrp="1"/>
+          </p:cNvSpPr>
+          <p:nvPr>
+            <p:ph type="title"/>
+          </p:nvPr>
+        </p:nvSpPr>
+        <p:spPr/>
+        <p:txBody>
+          <a:bodyPr/>
+          <a:lstStyle/>
+          <a:p>
+            <a:r>
+              <a:rPr lang="en-US" dirty="0" smtClean="0"/>
+              <a:t>The Bash Profile </a:t>
+            </a:r>
+            <a:endParaRPr lang="en-US" dirty="0"/>
+          </a:p>
+        </p:txBody>
+      </p:sp>
+      <p:sp>
+        <p:nvSpPr>
+          <p:cNvPr id="3" name="Content Placeholder 2"/>
+          <p:cNvSpPr>
+            <a:spLocks noGrp="1"/>
+          </p:cNvSpPr>
+          <p:nvPr>
+            <p:ph idx="1"/>
+          </p:nvPr>
+        </p:nvSpPr>
+        <p:spPr>
+          <a:xfrm>
+            <a:off x="680321" y="2336872"/>
+            <a:ext cx="9613861" cy="4521128"/>
+          </a:xfrm>
+        </p:spPr>
+        <p:txBody>
+          <a:bodyPr>
+            <a:normAutofit/>
+          </a:bodyPr>
+          <a:lstStyle/>
+          <a:p>
+            <a:pPr marL="0" indent="0">
+              <a:buNone/>
+            </a:pPr>
+            <a:r>
+              <a:rPr lang="en-US" dirty="0" smtClean="0"/>
+              <a:t>A particular file located at ~/.</a:t>
+            </a:r>
+            <a:r>
+              <a:rPr lang="en-US" dirty="0" err="1" smtClean="0"/>
+              <a:t>bash_profile</a:t>
+            </a:r>
+            <a:r>
+              <a:rPr lang="en-US" dirty="0" smtClean="0"/>
+              <a:t> </a:t>
+            </a:r>
+          </a:p>
+          <a:p>
+            <a:pPr marL="0" indent="0">
+              <a:buNone/>
+            </a:pPr>
+            <a:endParaRPr lang="en-US" dirty="0"/>
+          </a:p>
+          <a:p>
+            <a:pPr marL="0" indent="0">
+              <a:buNone/>
+            </a:pPr>
+            <a:r>
+              <a:rPr lang="en-US" dirty="0" smtClean="0"/>
+              <a:t>Typically contains</a:t>
+            </a:r>
+            <a:r>
+              <a:rPr lang="mr-IN" dirty="0" smtClean="0"/>
+              <a:t>…</a:t>
+            </a:r>
+            <a:r>
+              <a:rPr lang="en-US" dirty="0" smtClean="0"/>
+              <a:t> </a:t>
+            </a:r>
+          </a:p>
+          <a:p>
+            <a:pPr lvl="1"/>
+            <a:r>
+              <a:rPr lang="en-US" dirty="0" smtClean="0"/>
+              <a:t>Environment variables </a:t>
+            </a:r>
+          </a:p>
+          <a:p>
+            <a:pPr lvl="1"/>
+            <a:r>
+              <a:rPr lang="en-US" dirty="0" smtClean="0"/>
+              <a:t>Aliases </a:t>
+            </a:r>
+          </a:p>
+          <a:p>
+            <a:pPr lvl="1"/>
+            <a:r>
+              <a:rPr lang="en-US" dirty="0" smtClean="0"/>
+              <a:t>Modifications to your PATH or PYTHONPATH </a:t>
+            </a:r>
+          </a:p>
+          <a:p>
+            <a:pPr lvl="1"/>
+            <a:r>
+              <a:rPr lang="en-US" dirty="0" smtClean="0"/>
+              <a:t>Some gibberish used by </a:t>
+            </a:r>
+            <a:r>
+              <a:rPr lang="en-US" i="1" dirty="0" err="1" smtClean="0"/>
+              <a:t>conda</a:t>
+            </a:r>
+            <a:r>
+              <a:rPr lang="en-US" dirty="0" smtClean="0"/>
+              <a:t> </a:t>
+            </a:r>
+          </a:p>
+          <a:p>
+            <a:pPr marL="0" indent="0">
+              <a:buNone/>
+            </a:pPr>
+            <a:r>
+              <a:rPr lang="mr-IN" dirty="0" smtClean="0"/>
+              <a:t>…</a:t>
+            </a:r>
+            <a:r>
+              <a:rPr lang="en-US" dirty="0" smtClean="0"/>
+              <a:t> if there’s even anything there yet </a:t>
+            </a:r>
+          </a:p>
+          <a:p>
+            <a:pPr marL="0" indent="0">
+              <a:buNone/>
+            </a:pPr>
+            <a:endParaRPr lang="en-US" dirty="0"/>
+          </a:p>
+          <a:p>
+            <a:pPr marL="0" indent="0">
+              <a:buNone/>
+            </a:pPr>
+            <a:r>
+              <a:rPr lang="en-US" dirty="0" smtClean="0"/>
+              <a:t>Modifications require running </a:t>
+            </a:r>
+            <a:r>
+              <a:rPr lang="en-US" i="1" dirty="0" smtClean="0"/>
+              <a:t>source ~/.</a:t>
+            </a:r>
+            <a:r>
+              <a:rPr lang="en-US" i="1" dirty="0" err="1" smtClean="0"/>
+              <a:t>bash_profile</a:t>
+            </a:r>
+            <a:r>
+              <a:rPr lang="en-US" dirty="0" smtClean="0"/>
+              <a:t> or simply restarting the terminal to take effect </a:t>
+            </a:r>
+          </a:p>
+        </p:txBody>
+      </p:sp>
+    </p:spTree>
+    <p:extLst>
+      <p:ext uri="{BB962C8B-B14F-4D97-AF65-F5344CB8AC3E}">
+        <p14:creationId xmlns:p14="http://schemas.microsoft.com/office/powerpoint/2010/main" val="1714711338"/>
+      </p:ext>
+    </p:extLst>
+  </p:cSld>
+  <p:clrMapOvr>
+    <a:masterClrMapping/>
+  </p:clrMapOvr>
+</p:sld>
+</file>
+
+<file path=ppt/slides/slide15.xml><?xml version="1.0" encoding="utf-8"?>
+<p:sld xmlns:a="http://schemas.openxmlformats.org/drawingml/2006/main" xmlns:r="http://schemas.openxmlformats.org/officeDocument/2006/relationships" xmlns:p="http://schemas.openxmlformats.org/presentationml/2006/main">
+  <p:cSld>
+    <p:spTree>
+      <p:nvGrpSpPr>
+        <p:cNvPr id="1" name=""/>
+        <p:cNvGrpSpPr/>
+        <p:nvPr/>
+      </p:nvGrpSpPr>
+      <p:grpSpPr>
+        <a:xfrm>
+          <a:off x="0" y="0"/>
+          <a:ext cx="0" cy="0"/>
+          <a:chOff x="0" y="0"/>
+          <a:chExt cx="0" cy="0"/>
+        </a:xfrm>
+      </p:grpSpPr>
+      <p:sp>
+        <p:nvSpPr>
+          <p:cNvPr id="2" name="Title 1"/>
+          <p:cNvSpPr>
+            <a:spLocks noGrp="1"/>
+          </p:cNvSpPr>
+          <p:nvPr>
+            <p:ph type="title"/>
+          </p:nvPr>
+        </p:nvSpPr>
+        <p:spPr/>
+        <p:txBody>
+          <a:bodyPr/>
+          <a:lstStyle/>
+          <a:p>
+            <a:r>
+              <a:rPr lang="en-US" dirty="0" smtClean="0"/>
+              <a:t>The Bash Profile: Windows Equivalent </a:t>
+            </a:r>
+            <a:endParaRPr lang="en-US" dirty="0"/>
+          </a:p>
+        </p:txBody>
+      </p:sp>
+      <p:sp>
+        <p:nvSpPr>
+          <p:cNvPr id="3" name="Content Placeholder 2"/>
+          <p:cNvSpPr>
+            <a:spLocks noGrp="1"/>
+          </p:cNvSpPr>
+          <p:nvPr>
+            <p:ph idx="1"/>
+          </p:nvPr>
+        </p:nvSpPr>
+        <p:spPr>
+          <a:xfrm>
+            <a:off x="491320" y="2350520"/>
+            <a:ext cx="10658901" cy="4295939"/>
+          </a:xfrm>
+        </p:spPr>
+        <p:txBody>
+          <a:bodyPr/>
+          <a:lstStyle/>
+          <a:p>
+            <a:pPr marL="0" marR="0" lvl="0" indent="0" defTabSz="914400" eaLnBrk="1" fontAlgn="auto" latinLnBrk="0" hangingPunct="1">
+              <a:lnSpc>
+                <a:spcPct val="100000"/>
+              </a:lnSpc>
+              <a:spcBef>
+                <a:spcPts val="0"/>
+              </a:spcBef>
+              <a:spcAft>
+                <a:spcPts val="0"/>
+              </a:spcAft>
+              <a:buClrTx/>
+              <a:buSzTx/>
+              <a:buFontTx/>
+              <a:buNone/>
+              <a:tabLst/>
+              <a:defRPr/>
+            </a:pPr>
+            <a:r>
+              <a:rPr lang="en-US" dirty="0" smtClean="0"/>
+              <a:t>No standard name, but files can be set to </a:t>
+            </a:r>
+            <a:r>
+              <a:rPr lang="en-US" i="1" dirty="0" err="1" smtClean="0"/>
+              <a:t>autorun</a:t>
+            </a:r>
+            <a:r>
+              <a:rPr lang="en-US" dirty="0" smtClean="0"/>
+              <a:t> upon terminal start, achieving the same effect </a:t>
+            </a:r>
+          </a:p>
+          <a:p>
+            <a:pPr marL="0" marR="0" lvl="0" indent="0" defTabSz="914400" eaLnBrk="1" fontAlgn="auto" latinLnBrk="0" hangingPunct="1">
+              <a:lnSpc>
+                <a:spcPct val="100000"/>
+              </a:lnSpc>
+              <a:spcBef>
+                <a:spcPts val="0"/>
+              </a:spcBef>
+              <a:spcAft>
+                <a:spcPts val="0"/>
+              </a:spcAft>
+              <a:buClrTx/>
+              <a:buSzTx/>
+              <a:buFontTx/>
+              <a:buNone/>
+              <a:tabLst/>
+              <a:defRPr/>
+            </a:pPr>
+            <a:endParaRPr lang="en-US" dirty="0"/>
+          </a:p>
+          <a:p>
+            <a:pPr marL="0" lvl="0" indent="0">
+              <a:lnSpc>
+                <a:spcPct val="100000"/>
+              </a:lnSpc>
+              <a:spcBef>
+                <a:spcPts val="0"/>
+              </a:spcBef>
+              <a:buNone/>
+            </a:pPr>
+            <a:r>
+              <a:rPr lang="en-US" dirty="0" err="1"/>
+              <a:t>cmd.exe</a:t>
+            </a:r>
+            <a:r>
+              <a:rPr lang="en-US" dirty="0"/>
+              <a:t> /k "%HOMEDRIVE%\%HOMEPATH%\</a:t>
+            </a:r>
+            <a:r>
+              <a:rPr lang="en-US" dirty="0" err="1" smtClean="0"/>
+              <a:t>cmd-startup.bat</a:t>
+            </a:r>
+            <a:r>
+              <a:rPr lang="en-US" dirty="0" smtClean="0"/>
+              <a:t>” </a:t>
+            </a:r>
+          </a:p>
+          <a:p>
+            <a:pPr lvl="1">
+              <a:lnSpc>
+                <a:spcPct val="100000"/>
+              </a:lnSpc>
+              <a:spcBef>
+                <a:spcPts val="0"/>
+              </a:spcBef>
+            </a:pPr>
+            <a:r>
+              <a:rPr lang="en-US" i="1" dirty="0" smtClean="0"/>
+              <a:t>/k</a:t>
+            </a:r>
+            <a:r>
+              <a:rPr lang="en-US" dirty="0" smtClean="0"/>
+              <a:t> runs the </a:t>
+            </a:r>
+            <a:r>
+              <a:rPr lang="en-US" dirty="0" err="1" smtClean="0"/>
+              <a:t>cmd-startup.bat</a:t>
+            </a:r>
+            <a:r>
+              <a:rPr lang="en-US" dirty="0" smtClean="0"/>
+              <a:t> file on launching command line </a:t>
+            </a:r>
+            <a:endParaRPr lang="en-US" i="1" dirty="0" smtClean="0"/>
+          </a:p>
+          <a:p>
+            <a:pPr marL="0" marR="0" lvl="0" indent="0" defTabSz="914400" eaLnBrk="1" fontAlgn="auto" latinLnBrk="0" hangingPunct="1">
+              <a:lnSpc>
+                <a:spcPct val="100000"/>
+              </a:lnSpc>
+              <a:spcBef>
+                <a:spcPts val="0"/>
+              </a:spcBef>
+              <a:spcAft>
+                <a:spcPts val="0"/>
+              </a:spcAft>
+              <a:buClrTx/>
+              <a:buSzTx/>
+              <a:buFontTx/>
+              <a:buNone/>
+              <a:tabLst/>
+              <a:defRPr/>
+            </a:pPr>
+            <a:endParaRPr lang="en-US" dirty="0" smtClean="0"/>
+          </a:p>
+          <a:p>
+            <a:pPr marL="0" lvl="0" indent="0">
+              <a:lnSpc>
+                <a:spcPct val="100000"/>
+              </a:lnSpc>
+              <a:spcBef>
+                <a:spcPts val="0"/>
+              </a:spcBef>
+              <a:buNone/>
+            </a:pPr>
+            <a:r>
+              <a:rPr lang="en-US" dirty="0" smtClean="0">
+                <a:hlinkClick r:id="rId2"/>
+              </a:rPr>
+              <a:t>https</a:t>
+            </a:r>
+            <a:r>
+              <a:rPr lang="en-US" dirty="0">
+                <a:hlinkClick r:id="rId2"/>
+              </a:rPr>
+              <a:t>://</a:t>
+            </a:r>
+            <a:r>
+              <a:rPr lang="en-US" dirty="0" smtClean="0">
+                <a:hlinkClick r:id="rId2"/>
+              </a:rPr>
+              <a:t>superuser.com/questions/144347/is-there-windows-equivalent-to-the-bashrc-file-in-linux</a:t>
+            </a:r>
+            <a:endParaRPr lang="en-US" dirty="0" smtClean="0"/>
+          </a:p>
+          <a:p>
+            <a:pPr marL="0" lvl="0" indent="0">
+              <a:lnSpc>
+                <a:spcPct val="100000"/>
+              </a:lnSpc>
+              <a:spcBef>
+                <a:spcPts val="0"/>
+              </a:spcBef>
+              <a:buNone/>
+            </a:pPr>
+            <a:endParaRPr lang="en-US" dirty="0"/>
+          </a:p>
+          <a:p>
+            <a:pPr marL="0" lvl="0" indent="0">
+              <a:lnSpc>
+                <a:spcPct val="100000"/>
+              </a:lnSpc>
+              <a:spcBef>
+                <a:spcPts val="0"/>
+              </a:spcBef>
+              <a:buNone/>
+            </a:pPr>
+            <a:r>
+              <a:rPr lang="en-US" dirty="0" smtClean="0"/>
+              <a:t>Disclaimer: Developers are starting to recommend Windows users move away from MS-DOS terminals and toward Unix terminals. Windows Terminal is a part of this. </a:t>
+            </a:r>
+            <a:endParaRPr lang="en-US" dirty="0"/>
+          </a:p>
+        </p:txBody>
+      </p:sp>
+    </p:spTree>
+    <p:extLst>
+      <p:ext uri="{BB962C8B-B14F-4D97-AF65-F5344CB8AC3E}">
+        <p14:creationId xmlns:p14="http://schemas.microsoft.com/office/powerpoint/2010/main" val="187203637"/>
+      </p:ext>
+    </p:extLst>
+  </p:cSld>
+  <p:clrMapOvr>
+    <a:masterClrMapping/>
+  </p:clrMapOvr>
+</p:sld>
+</file>
+
+<file path=ppt/slides/slide16.xml><?xml version="1.0" encoding="utf-8"?>
+<p:sld xmlns:a="http://schemas.openxmlformats.org/drawingml/2006/main" xmlns:r="http://schemas.openxmlformats.org/officeDocument/2006/relationships" xmlns:p="http://schemas.openxmlformats.org/presentationml/2006/main">
+  <p:cSld>
+    <p:spTree>
+      <p:nvGrpSpPr>
+        <p:cNvPr id="1" name=""/>
+        <p:cNvGrpSpPr/>
+        <p:nvPr/>
+      </p:nvGrpSpPr>
+      <p:grpSpPr>
+        <a:xfrm>
+          <a:off x="0" y="0"/>
+          <a:ext cx="0" cy="0"/>
+          <a:chOff x="0" y="0"/>
+          <a:chExt cx="0" cy="0"/>
+        </a:xfrm>
+      </p:grpSpPr>
+      <p:sp>
+        <p:nvSpPr>
+          <p:cNvPr id="2" name="Title 1"/>
+          <p:cNvSpPr>
+            <a:spLocks noGrp="1"/>
+          </p:cNvSpPr>
+          <p:nvPr>
+            <p:ph type="title"/>
+          </p:nvPr>
+        </p:nvSpPr>
+        <p:spPr/>
+        <p:txBody>
+          <a:bodyPr/>
+          <a:lstStyle/>
+          <a:p>
+            <a:r>
+              <a:rPr lang="en-US" dirty="0" smtClean="0"/>
+              <a:t>Aliases </a:t>
+            </a:r>
+            <a:endParaRPr lang="en-US" dirty="0"/>
+          </a:p>
+        </p:txBody>
+      </p:sp>
+      <p:sp>
+        <p:nvSpPr>
+          <p:cNvPr id="3" name="Content Placeholder 2"/>
+          <p:cNvSpPr>
+            <a:spLocks noGrp="1"/>
+          </p:cNvSpPr>
+          <p:nvPr>
+            <p:ph idx="1"/>
+          </p:nvPr>
+        </p:nvSpPr>
+        <p:spPr>
+          <a:xfrm>
+            <a:off x="680321" y="2336872"/>
+            <a:ext cx="9613861" cy="4227701"/>
+          </a:xfrm>
+        </p:spPr>
+        <p:txBody>
+          <a:bodyPr/>
+          <a:lstStyle/>
+          <a:p>
+            <a:pPr marL="0" indent="0">
+              <a:buNone/>
+            </a:pPr>
+            <a:r>
+              <a:rPr lang="en-US" dirty="0" smtClean="0"/>
+              <a:t>A way of creating a terminal command out of other terminal commands </a:t>
+            </a:r>
+          </a:p>
+          <a:p>
+            <a:pPr marL="0" indent="0">
+              <a:buNone/>
+            </a:pPr>
+            <a:endParaRPr lang="en-US" dirty="0"/>
+          </a:p>
+          <a:p>
+            <a:pPr marL="0" indent="0">
+              <a:buNone/>
+            </a:pPr>
+            <a:r>
+              <a:rPr lang="en-US" dirty="0" smtClean="0"/>
+              <a:t>Can create on in your terminal independent of your bash profile, but putting them there makes them permanent </a:t>
+            </a:r>
+          </a:p>
+          <a:p>
+            <a:pPr marL="0" indent="0">
+              <a:buNone/>
+            </a:pPr>
+            <a:endParaRPr lang="en-US" dirty="0"/>
+          </a:p>
+          <a:p>
+            <a:pPr marL="0" indent="0">
+              <a:buNone/>
+            </a:pPr>
+            <a:r>
+              <a:rPr lang="en-US" dirty="0" smtClean="0"/>
+              <a:t>Example: </a:t>
+            </a:r>
+          </a:p>
+          <a:p>
+            <a:pPr marL="0" indent="0">
+              <a:buNone/>
+            </a:pPr>
+            <a:r>
+              <a:rPr lang="en-US" dirty="0"/>
+              <a:t>	</a:t>
+            </a:r>
+            <a:r>
+              <a:rPr lang="en-US" dirty="0" smtClean="0"/>
+              <a:t>alias </a:t>
+            </a:r>
+            <a:r>
+              <a:rPr lang="en-US" dirty="0" err="1" smtClean="0"/>
+              <a:t>makeplot</a:t>
+            </a:r>
+            <a:r>
+              <a:rPr lang="en-US" dirty="0" smtClean="0"/>
+              <a:t>=“python </a:t>
+            </a:r>
+            <a:r>
+              <a:rPr lang="en-US" dirty="0" err="1" smtClean="0"/>
+              <a:t>plotting_script.py</a:t>
+            </a:r>
+            <a:r>
+              <a:rPr lang="en-US" dirty="0" smtClean="0"/>
+              <a:t>” </a:t>
+            </a:r>
+          </a:p>
+          <a:p>
+            <a:pPr marL="0" indent="0">
+              <a:buNone/>
+            </a:pPr>
+            <a:r>
+              <a:rPr lang="en-US" dirty="0"/>
+              <a:t>	</a:t>
+            </a:r>
+            <a:r>
+              <a:rPr lang="en-US" dirty="0" smtClean="0"/>
+              <a:t>alias </a:t>
+            </a:r>
+            <a:r>
+              <a:rPr lang="en-US" dirty="0" err="1" smtClean="0"/>
+              <a:t>lc</a:t>
+            </a:r>
+            <a:r>
+              <a:rPr lang="en-US" dirty="0" smtClean="0"/>
+              <a:t>=“ls </a:t>
+            </a:r>
+            <a:r>
+              <a:rPr lang="mr-IN" dirty="0" smtClean="0"/>
+              <a:t>–</a:t>
+            </a:r>
+            <a:r>
+              <a:rPr lang="en-US" dirty="0" err="1" smtClean="0"/>
+              <a:t>lha</a:t>
+            </a:r>
+            <a:r>
+              <a:rPr lang="en-US" dirty="0" smtClean="0"/>
+              <a:t>” </a:t>
+            </a:r>
+          </a:p>
+          <a:p>
+            <a:pPr marL="0" indent="0">
+              <a:buNone/>
+            </a:pPr>
+            <a:r>
+              <a:rPr lang="en-US" dirty="0"/>
+              <a:t>	</a:t>
+            </a:r>
+            <a:r>
+              <a:rPr lang="en-US" dirty="0" smtClean="0"/>
+              <a:t>alias </a:t>
+            </a:r>
+            <a:r>
+              <a:rPr lang="en-US" dirty="0" err="1" smtClean="0"/>
+              <a:t>surp</a:t>
+            </a:r>
+            <a:r>
+              <a:rPr lang="en-US" dirty="0" smtClean="0"/>
+              <a:t>=“cd ~/Desktop/SURP/”</a:t>
+            </a:r>
+          </a:p>
+        </p:txBody>
+      </p:sp>
+    </p:spTree>
+    <p:extLst>
+      <p:ext uri="{BB962C8B-B14F-4D97-AF65-F5344CB8AC3E}">
+        <p14:creationId xmlns:p14="http://schemas.microsoft.com/office/powerpoint/2010/main" val="1613828523"/>
+      </p:ext>
+    </p:extLst>
+  </p:cSld>
+  <p:clrMapOvr>
+    <a:masterClrMapping/>
+  </p:clrMapOvr>
+</p:sld>
+</file>
+
+<file path=ppt/slides/slide17.xml><?xml version="1.0" encoding="utf-8"?>
+<p:sld xmlns:a="http://schemas.openxmlformats.org/drawingml/2006/main" xmlns:r="http://schemas.openxmlformats.org/officeDocument/2006/relationships" xmlns:p="http://schemas.openxmlformats.org/presentationml/2006/main">
+  <p:cSld>
+    <p:spTree>
+      <p:nvGrpSpPr>
+        <p:cNvPr id="1" name=""/>
+        <p:cNvGrpSpPr/>
+        <p:nvPr/>
+      </p:nvGrpSpPr>
+      <p:grpSpPr>
+        <a:xfrm>
+          <a:off x="0" y="0"/>
+          <a:ext cx="0" cy="0"/>
+          <a:chOff x="0" y="0"/>
+          <a:chExt cx="0" cy="0"/>
+        </a:xfrm>
+      </p:grpSpPr>
+      <p:sp>
+        <p:nvSpPr>
+          <p:cNvPr id="2" name="Title 1"/>
+          <p:cNvSpPr>
+            <a:spLocks noGrp="1"/>
+          </p:cNvSpPr>
+          <p:nvPr>
+            <p:ph type="title"/>
+          </p:nvPr>
+        </p:nvSpPr>
+        <p:spPr/>
+        <p:txBody>
+          <a:bodyPr/>
+          <a:lstStyle/>
+          <a:p>
+            <a:r>
+              <a:rPr lang="en-US" dirty="0" smtClean="0"/>
               <a:t>Environment Variables </a:t>
             </a:r>
             <a:endParaRPr lang="en-US" dirty="0"/>
@@ -8645,7 +9991,7 @@
 </p:sld>
 </file>
 
-<file path=ppt/slides/slide14.xml><?xml version="1.0" encoding="utf-8"?>
+<file path=ppt/slides/slide18.xml><?xml version="1.0" encoding="utf-8"?>
 <p:sld xmlns:a="http://schemas.openxmlformats.org/drawingml/2006/main" xmlns:r="http://schemas.openxmlformats.org/officeDocument/2006/relationships" xmlns:p="http://schemas.openxmlformats.org/presentationml/2006/main">
   <p:cSld>
     <p:spTree>
@@ -8884,7 +10230,7 @@
             </a:pPr>
             <a:r>
               <a:rPr lang="en-US" dirty="0" smtClean="0"/>
-              <a:t>Think of this as a different interface on a Finder window </a:t>
+              <a:t>Think of this as a different interface on a Finder window when learning it </a:t>
             </a:r>
             <a:endParaRPr lang="en-US" dirty="0"/>
           </a:p>
@@ -9059,11 +10405,14 @@
             <a:pPr lvl="1"/>
             <a:r>
               <a:rPr lang="en-US" dirty="0" smtClean="0"/>
-              <a:t>Another option is use a virtual environment, though these are more data-intensive as they’re </a:t>
-            </a:r>
-            <a:r>
-              <a:rPr lang="en-US" smtClean="0"/>
-              <a:t>often running another OS </a:t>
+              <a:t>Another option is use a virtual environment, though these are more data-intensive as they’re often running another OS </a:t>
+            </a:r>
+          </a:p>
+          <a:p>
+            <a:pPr lvl="1"/>
+            <a:r>
+              <a:rPr lang="en-US" dirty="0" smtClean="0"/>
+              <a:t>Where Unix terminals use $ to reference variables, MS-DOS uses enclosing % symbols </a:t>
             </a:r>
             <a:endParaRPr lang="en-US" dirty="0"/>
           </a:p>
@@ -9115,18 +10464,10 @@
           <a:lstStyle/>
           <a:p>
             <a:r>
-              <a:rPr lang="en-US" i="1" dirty="0" err="1"/>
-              <a:t>p</a:t>
-            </a:r>
-            <a:r>
-              <a:rPr lang="en-US" i="1" dirty="0" err="1" smtClean="0"/>
-              <a:t>wd</a:t>
-            </a:r>
-            <a:r>
-              <a:rPr lang="en-US" dirty="0" smtClean="0"/>
-              <a:t>: Print Working Directory </a:t>
-            </a:r>
-            <a:endParaRPr lang="en-US" i="1" dirty="0"/>
+              <a:rPr lang="en-US" dirty="0" smtClean="0"/>
+              <a:t>Cheat Sheet </a:t>
+            </a:r>
+            <a:endParaRPr lang="en-US" dirty="0"/>
           </a:p>
         </p:txBody>
       </p:sp>
@@ -9140,83 +10481,158 @@
             <p:ph idx="1"/>
           </p:nvPr>
         </p:nvSpPr>
-        <p:spPr/>
+        <p:spPr>
+          <a:xfrm>
+            <a:off x="680321" y="2336873"/>
+            <a:ext cx="5515763" cy="3599316"/>
+          </a:xfrm>
+        </p:spPr>
         <p:txBody>
           <a:bodyPr/>
           <a:lstStyle/>
           <a:p>
-            <a:pPr marL="0" indent="0">
-              <a:buNone/>
-            </a:pPr>
-            <a:r>
-              <a:rPr lang="en-US" dirty="0" smtClean="0"/>
-              <a:t>Prints the name of the directory you’re currently in </a:t>
-            </a:r>
-          </a:p>
-          <a:p>
-            <a:pPr marL="0" indent="0">
-              <a:buNone/>
+            <a:pPr marL="0" marR="0" lvl="0" indent="0" defTabSz="914400" eaLnBrk="1" fontAlgn="auto" latinLnBrk="0" hangingPunct="1">
+              <a:lnSpc>
+                <a:spcPct val="100000"/>
+              </a:lnSpc>
+              <a:spcBef>
+                <a:spcPts val="0"/>
+              </a:spcBef>
+              <a:spcAft>
+                <a:spcPts val="0"/>
+              </a:spcAft>
+              <a:buClrTx/>
+              <a:buSzTx/>
+              <a:buFontTx/>
+              <a:buNone/>
+              <a:tabLst/>
+              <a:defRPr/>
+            </a:pPr>
+            <a:r>
+              <a:rPr lang="en-US" dirty="0" smtClean="0"/>
+              <a:t>Windows uses the MS-DOS command line system </a:t>
+            </a:r>
+            <a:r>
+              <a:rPr lang="mr-IN" dirty="0" smtClean="0"/>
+              <a:t>–</a:t>
+            </a:r>
+            <a:r>
+              <a:rPr lang="en-US" dirty="0"/>
+              <a:t> </a:t>
+            </a:r>
+            <a:r>
+              <a:rPr lang="en-US" dirty="0" smtClean="0"/>
+              <a:t>this cheat sheet will take you from one to the other </a:t>
+            </a:r>
+          </a:p>
+          <a:p>
+            <a:pPr marL="0" marR="0" lvl="0" indent="0" defTabSz="914400" eaLnBrk="1" fontAlgn="auto" latinLnBrk="0" hangingPunct="1">
+              <a:lnSpc>
+                <a:spcPct val="100000"/>
+              </a:lnSpc>
+              <a:spcBef>
+                <a:spcPts val="0"/>
+              </a:spcBef>
+              <a:spcAft>
+                <a:spcPts val="0"/>
+              </a:spcAft>
+              <a:buClrTx/>
+              <a:buSzTx/>
+              <a:buFontTx/>
+              <a:buNone/>
+              <a:tabLst/>
+              <a:defRPr/>
             </a:pPr>
             <a:endParaRPr lang="en-US" dirty="0"/>
           </a:p>
           <a:p>
-            <a:pPr marL="0" indent="0">
-              <a:buNone/>
-            </a:pPr>
-            <a:r>
-              <a:rPr lang="en-US" dirty="0" smtClean="0"/>
-              <a:t>Example: </a:t>
-            </a:r>
-          </a:p>
-          <a:p>
-            <a:pPr marL="0" indent="0">
-              <a:buNone/>
-            </a:pPr>
-            <a:r>
-              <a:rPr lang="en-US" dirty="0" smtClean="0"/>
-              <a:t>	$ </a:t>
-            </a:r>
-            <a:r>
-              <a:rPr lang="en-US" dirty="0" err="1" smtClean="0"/>
-              <a:t>pwd</a:t>
-            </a:r>
-            <a:r>
-              <a:rPr lang="en-US" dirty="0" smtClean="0"/>
-              <a:t> </a:t>
-            </a:r>
-          </a:p>
-          <a:p>
-            <a:pPr marL="0" indent="0">
-              <a:buNone/>
-            </a:pPr>
-            <a:r>
-              <a:rPr lang="en-US" dirty="0" smtClean="0"/>
-              <a:t>	/Users/</a:t>
-            </a:r>
-            <a:r>
-              <a:rPr lang="en-US" dirty="0" err="1" smtClean="0"/>
-              <a:t>BrutusBuckeye</a:t>
-            </a:r>
-            <a:r>
-              <a:rPr lang="en-US" dirty="0" smtClean="0"/>
-              <a:t>/Desktop/SURP/</a:t>
-            </a:r>
-            <a:r>
-              <a:rPr lang="en-US" dirty="0" err="1" smtClean="0"/>
-              <a:t>bootcamp</a:t>
-            </a:r>
-            <a:r>
-              <a:rPr lang="en-US" dirty="0" smtClean="0"/>
-              <a:t>/ </a:t>
-            </a:r>
+            <a:pPr marL="0" lvl="0" indent="0">
+              <a:lnSpc>
+                <a:spcPct val="100000"/>
+              </a:lnSpc>
+              <a:spcBef>
+                <a:spcPts val="0"/>
+              </a:spcBef>
+              <a:buNone/>
+            </a:pPr>
+            <a:r>
+              <a:rPr lang="en-US" dirty="0">
+                <a:hlinkClick r:id="rId2"/>
+              </a:rPr>
+              <a:t>https://</a:t>
+            </a:r>
+            <a:r>
+              <a:rPr lang="en-US" dirty="0" smtClean="0">
+                <a:hlinkClick r:id="rId2"/>
+              </a:rPr>
+              <a:t>ftp.kh.edu.tw/Linux/Redhat/en_6.2/doc/gsg/ch-doslinux.htm</a:t>
+            </a:r>
+            <a:endParaRPr lang="en-US" dirty="0" smtClean="0"/>
+          </a:p>
+          <a:p>
+            <a:pPr marL="0" lvl="0" indent="0">
+              <a:lnSpc>
+                <a:spcPct val="100000"/>
+              </a:lnSpc>
+              <a:spcBef>
+                <a:spcPts val="0"/>
+              </a:spcBef>
+              <a:buNone/>
+            </a:pPr>
             <a:endParaRPr lang="en-US" dirty="0"/>
           </a:p>
-        </p:txBody>
-      </p:sp>
+          <a:p>
+            <a:pPr marL="0" lvl="0" indent="0">
+              <a:lnSpc>
+                <a:spcPct val="100000"/>
+              </a:lnSpc>
+              <a:spcBef>
+                <a:spcPts val="0"/>
+              </a:spcBef>
+              <a:buNone/>
+            </a:pPr>
+            <a:r>
+              <a:rPr lang="en-US" dirty="0" smtClean="0"/>
+              <a:t>There are a wealth of references for using a command line </a:t>
+            </a:r>
+            <a:endParaRPr lang="en-US" dirty="0"/>
+          </a:p>
+        </p:txBody>
+      </p:sp>
+      <p:pic>
+        <p:nvPicPr>
+          <p:cNvPr id="6" name="Picture 5"/>
+          <p:cNvPicPr>
+            <a:picLocks noChangeAspect="1"/>
+          </p:cNvPicPr>
+          <p:nvPr/>
+        </p:nvPicPr>
+        <p:blipFill>
+          <a:blip r:embed="rId3">
+            <a:extLst>
+              <a:ext uri="{28A0092B-C50C-407E-A947-70E740481C1C}">
+                <a14:useLocalDpi xmlns:a14="http://schemas.microsoft.com/office/drawing/2010/main" val="0"/>
+              </a:ext>
+            </a:extLst>
+          </a:blip>
+          <a:stretch>
+            <a:fillRect/>
+          </a:stretch>
+        </p:blipFill>
+        <p:spPr>
+          <a:xfrm>
+            <a:off x="6848902" y="914399"/>
+            <a:ext cx="4201417" cy="5561463"/>
+          </a:xfrm>
+          <a:prstGeom prst="rect">
+            <a:avLst/>
+          </a:prstGeom>
+        </p:spPr>
+      </p:pic>
     </p:spTree>
     <p:extLst>
       <p:ext uri="{BB962C8B-B14F-4D97-AF65-F5344CB8AC3E}">
-        <p14:creationId xmlns:p14="http://schemas.microsoft.com/office/powerpoint/2010/main" val="1383755132"/>
+        <p14:creationId xmlns:p14="http://schemas.microsoft.com/office/powerpoint/2010/main" val="693794564"/>
       </p:ext>
     </p:extLst>
   </p:cSld>
@@ -9259,16 +10675,24 @@
           <a:lstStyle/>
           <a:p>
             <a:r>
-              <a:rPr lang="en-US" i="1" dirty="0"/>
-              <a:t>c</a:t>
-            </a:r>
-            <a:r>
-              <a:rPr lang="en-US" i="1" dirty="0" smtClean="0"/>
-              <a:t>d</a:t>
-            </a:r>
-            <a:r>
-              <a:rPr lang="en-US" dirty="0" smtClean="0"/>
-              <a:t>: Change Directory </a:t>
+              <a:rPr lang="en-US" i="1" dirty="0" err="1"/>
+              <a:t>p</a:t>
+            </a:r>
+            <a:r>
+              <a:rPr lang="en-US" i="1" dirty="0" err="1" smtClean="0"/>
+              <a:t>wd</a:t>
+            </a:r>
+            <a:r>
+              <a:rPr lang="en-US" dirty="0" smtClean="0"/>
+              <a:t>: Print Working Directory [</a:t>
+            </a:r>
+            <a:r>
+              <a:rPr lang="en-US" i="1" dirty="0" err="1" smtClean="0"/>
+              <a:t>chdir</a:t>
+            </a:r>
+            <a:r>
+              <a:rPr lang="en-US" dirty="0" smtClean="0"/>
+              <a:t>]  </a:t>
             </a:r>
             <a:endParaRPr lang="en-US" i="1" dirty="0"/>
           </a:p>
@@ -9284,75 +10708,28 @@
             <p:ph idx="1"/>
           </p:nvPr>
         </p:nvSpPr>
-        <p:spPr>
-          <a:xfrm>
-            <a:off x="680321" y="2336873"/>
-            <a:ext cx="9613861" cy="4241348"/>
-          </a:xfrm>
-        </p:spPr>
+        <p:spPr/>
         <p:txBody>
           <a:bodyPr/>
           <a:lstStyle/>
           <a:p>
-            <a:pPr marL="0" marR="0" lvl="0" indent="0" defTabSz="914400" eaLnBrk="1" fontAlgn="auto" latinLnBrk="0" hangingPunct="1">
-              <a:lnSpc>
-                <a:spcPct val="100000"/>
-              </a:lnSpc>
-              <a:spcBef>
-                <a:spcPts val="0"/>
-              </a:spcBef>
-              <a:spcAft>
-                <a:spcPts val="0"/>
-              </a:spcAft>
-              <a:buClrTx/>
-              <a:buSzTx/>
-              <a:buFontTx/>
-              <a:buNone/>
-              <a:tabLst/>
-              <a:defRPr/>
-            </a:pPr>
-            <a:r>
-              <a:rPr lang="en-US" dirty="0" smtClean="0"/>
-              <a:t>Change the directory you’re currently in </a:t>
-            </a:r>
-          </a:p>
-          <a:p>
-            <a:pPr marL="0" marR="0" lvl="0" indent="0" defTabSz="914400" eaLnBrk="1" fontAlgn="auto" latinLnBrk="0" hangingPunct="1">
-              <a:lnSpc>
-                <a:spcPct val="100000"/>
-              </a:lnSpc>
-              <a:spcBef>
-                <a:spcPts val="0"/>
-              </a:spcBef>
-              <a:spcAft>
-                <a:spcPts val="0"/>
-              </a:spcAft>
-              <a:buClrTx/>
-              <a:buSzTx/>
-              <a:buFontTx/>
-              <a:buNone/>
-              <a:tabLst/>
-              <a:defRPr/>
+            <a:pPr marL="0" indent="0">
+              <a:buNone/>
+            </a:pPr>
+            <a:r>
+              <a:rPr lang="en-US" dirty="0" smtClean="0"/>
+              <a:t>Prints the name of the directory you’re currently in </a:t>
+            </a:r>
+          </a:p>
+          <a:p>
+            <a:pPr marL="0" indent="0">
+              <a:buNone/>
             </a:pPr>
             <a:endParaRPr lang="en-US" dirty="0"/>
           </a:p>
           <a:p>
-            <a:pPr marL="0" marR="0" lvl="0" indent="0" defTabSz="914400" eaLnBrk="1" fontAlgn="auto" latinLnBrk="0" hangingPunct="1">
-              <a:lnSpc>
-                <a:spcPct val="100000"/>
-              </a:lnSpc>
-              <a:spcBef>
-                <a:spcPts val="0"/>
-              </a:spcBef>
-              <a:spcAft>
-                <a:spcPts val="0"/>
-              </a:spcAft>
-              <a:buClrTx/>
-              <a:buSzTx/>
-              <a:buFontTx/>
-              <a:buNone/>
-              <a:tabLst/>
-              <a:defRPr/>
+            <a:pPr marL="0" indent="0">
+              <a:buNone/>
             </a:pPr>
             <a:r>
               <a:rPr lang="en-US" dirty="0" smtClean="0"/>
@@ -9360,30 +10737,12 @@
             </a:r>
           </a:p>
           <a:p>
-            <a:pPr marL="0" marR="0" lvl="0" indent="0" defTabSz="914400" eaLnBrk="1" fontAlgn="auto" latinLnBrk="0" hangingPunct="1">
-              <a:lnSpc>
-                <a:spcPct val="100000"/>
-              </a:lnSpc>
-              <a:spcBef>
-                <a:spcPts val="0"/>
-              </a:spcBef>
-              <a:spcAft>
-                <a:spcPts val="0"/>
-              </a:spcAft>
-              <a:buClrTx/>
-              <a:buSzTx/>
-              <a:buFontTx/>
-              <a:buNone/>
-              <a:tabLst/>
-              <a:defRPr/>
-            </a:pPr>
-            <a:r>
-              <a:rPr lang="en-US" dirty="0"/>
-              <a:t>	</a:t>
-            </a:r>
-            <a:r>
-              <a:rPr lang="en-US" dirty="0" smtClean="0"/>
-              <a:t>$ </a:t>
+            <a:pPr marL="0" indent="0">
+              <a:buNone/>
+            </a:pPr>
+            <a:r>
+              <a:rPr lang="en-US" dirty="0" smtClean="0"/>
+              <a:t>	$ </a:t>
             </a:r>
             <a:r>
               <a:rPr lang="en-US" dirty="0" err="1" smtClean="0"/>
@@ -9395,22 +10754,8 @@
             </a:r>
           </a:p>
           <a:p>
-            <a:pPr marL="0" marR="0" lvl="0" indent="0" defTabSz="914400" eaLnBrk="1" fontAlgn="auto" latinLnBrk="0" hangingPunct="1">
-              <a:lnSpc>
-                <a:spcPct val="100000"/>
-              </a:lnSpc>
-              <a:spcBef>
-                <a:spcPts val="0"/>
-              </a:spcBef>
-              <a:spcAft>
-                <a:spcPts val="0"/>
-              </a:spcAft>
-              <a:buClrTx/>
-              <a:buSzTx/>
-              <a:buFontTx/>
-              <a:buNone/>
-              <a:tabLst/>
-              <a:defRPr/>
+            <a:pPr marL="0" indent="0">
+              <a:buNone/>
             </a:pPr>
             <a:r>
               <a:rPr lang="en-US" dirty="0" smtClean="0"/>
@@ -9421,186 +10766,16 @@
               <a:t>BrutusBuckeye</a:t>
             </a:r>
             <a:r>
-              <a:rPr lang="en-US" dirty="0"/>
-              <a:t> </a:t>
-            </a:r>
-            <a:endParaRPr lang="en-US" dirty="0" smtClean="0"/>
-          </a:p>
-          <a:p>
-            <a:pPr marL="0" marR="0" lvl="0" indent="0" defTabSz="914400" eaLnBrk="1" fontAlgn="auto" latinLnBrk="0" hangingPunct="1">
-              <a:lnSpc>
-                <a:spcPct val="100000"/>
-              </a:lnSpc>
-              <a:spcBef>
-                <a:spcPts val="0"/>
-              </a:spcBef>
-              <a:spcAft>
-                <a:spcPts val="0"/>
-              </a:spcAft>
-              <a:buClrTx/>
-              <a:buSzTx/>
-              <a:buFontTx/>
-              <a:buNone/>
-              <a:tabLst/>
-              <a:defRPr/>
-            </a:pPr>
-            <a:r>
-              <a:rPr lang="en-US" dirty="0" smtClean="0"/>
-              <a:t>	$ cd Desktop/SURP/</a:t>
+              <a:rPr lang="en-US" dirty="0" smtClean="0"/>
+              <a:t>/Desktop/SURP/</a:t>
             </a:r>
             <a:r>
               <a:rPr lang="en-US" dirty="0" err="1" smtClean="0"/>
               <a:t>bootcamp</a:t>
             </a:r>
             <a:r>
-              <a:rPr lang="en-US" dirty="0"/>
-              <a:t> </a:t>
-            </a:r>
-            <a:endParaRPr lang="en-US" dirty="0" smtClean="0"/>
-          </a:p>
-          <a:p>
-            <a:pPr marL="0" marR="0" lvl="0" indent="0" defTabSz="914400" eaLnBrk="1" fontAlgn="auto" latinLnBrk="0" hangingPunct="1">
-              <a:lnSpc>
-                <a:spcPct val="100000"/>
-              </a:lnSpc>
-              <a:spcBef>
-                <a:spcPts val="0"/>
-              </a:spcBef>
-              <a:spcAft>
-                <a:spcPts val="0"/>
-              </a:spcAft>
-              <a:buClrTx/>
-              <a:buSzTx/>
-              <a:buFontTx/>
-              <a:buNone/>
-              <a:tabLst/>
-              <a:defRPr/>
-            </a:pPr>
-            <a:r>
-              <a:rPr lang="en-US" dirty="0" smtClean="0"/>
-              <a:t>	$ </a:t>
-            </a:r>
-            <a:r>
-              <a:rPr lang="en-US" dirty="0" err="1" smtClean="0"/>
-              <a:t>pwd</a:t>
-            </a:r>
-            <a:r>
-              <a:rPr lang="en-US" dirty="0" smtClean="0"/>
-              <a:t> </a:t>
-            </a:r>
-          </a:p>
-          <a:p>
-            <a:pPr marL="0" marR="0" lvl="0" indent="0" defTabSz="914400" eaLnBrk="1" fontAlgn="auto" latinLnBrk="0" hangingPunct="1">
-              <a:lnSpc>
-                <a:spcPct val="100000"/>
-              </a:lnSpc>
-              <a:spcBef>
-                <a:spcPts val="0"/>
-              </a:spcBef>
-              <a:spcAft>
-                <a:spcPts val="0"/>
-              </a:spcAft>
-              <a:buClrTx/>
-              <a:buSzTx/>
-              <a:buFontTx/>
-              <a:buNone/>
-              <a:tabLst/>
-              <a:defRPr/>
-            </a:pPr>
-            <a:r>
-              <a:rPr lang="en-US" dirty="0"/>
-              <a:t>	</a:t>
-            </a:r>
-            <a:r>
-              <a:rPr lang="en-US" dirty="0" smtClean="0"/>
-              <a:t>/Users/</a:t>
-            </a:r>
-            <a:r>
-              <a:rPr lang="en-US" dirty="0" err="1" smtClean="0"/>
-              <a:t>BrutusBuckeye</a:t>
-            </a:r>
-            <a:r>
-              <a:rPr lang="en-US" dirty="0" smtClean="0"/>
-              <a:t>/Desktop/SURP/</a:t>
-            </a:r>
-            <a:r>
-              <a:rPr lang="en-US" dirty="0" err="1" smtClean="0"/>
-              <a:t>bootcamp</a:t>
-            </a:r>
-            <a:r>
-              <a:rPr lang="en-US" dirty="0"/>
-              <a:t> </a:t>
-            </a:r>
-            <a:endParaRPr lang="en-US" dirty="0" smtClean="0"/>
-          </a:p>
-          <a:p>
-            <a:pPr marL="0" marR="0" lvl="0" indent="0" defTabSz="914400" eaLnBrk="1" fontAlgn="auto" latinLnBrk="0" hangingPunct="1">
-              <a:lnSpc>
-                <a:spcPct val="100000"/>
-              </a:lnSpc>
-              <a:spcBef>
-                <a:spcPts val="0"/>
-              </a:spcBef>
-              <a:spcAft>
-                <a:spcPts val="0"/>
-              </a:spcAft>
-              <a:buClrTx/>
-              <a:buSzTx/>
-              <a:buFontTx/>
-              <a:buNone/>
-              <a:tabLst/>
-              <a:defRPr/>
-            </a:pPr>
-            <a:r>
-              <a:rPr lang="en-US" dirty="0"/>
-              <a:t>	</a:t>
-            </a:r>
-            <a:r>
-              <a:rPr lang="en-US" dirty="0" smtClean="0"/>
-              <a:t>$ cd .. (/Users/</a:t>
-            </a:r>
-            <a:r>
-              <a:rPr lang="en-US" dirty="0" err="1" smtClean="0"/>
-              <a:t>BrutusBuckeye</a:t>
-            </a:r>
-            <a:r>
-              <a:rPr lang="en-US" dirty="0" smtClean="0"/>
-              <a:t>/Desktop/SURP) </a:t>
-            </a:r>
-          </a:p>
-          <a:p>
-            <a:pPr marL="0" marR="0" lvl="0" indent="0" defTabSz="914400" eaLnBrk="1" fontAlgn="auto" latinLnBrk="0" hangingPunct="1">
-              <a:lnSpc>
-                <a:spcPct val="100000"/>
-              </a:lnSpc>
-              <a:spcBef>
-                <a:spcPts val="0"/>
-              </a:spcBef>
-              <a:spcAft>
-                <a:spcPts val="0"/>
-              </a:spcAft>
-              <a:buClrTx/>
-              <a:buSzTx/>
-              <a:buFontTx/>
-              <a:buNone/>
-              <a:tabLst/>
-              <a:defRPr/>
-            </a:pPr>
-            <a:r>
-              <a:rPr lang="en-US" dirty="0"/>
-              <a:t>	</a:t>
-            </a:r>
-            <a:r>
-              <a:rPr lang="en-US" dirty="0" smtClean="0"/>
-              <a:t>$ cd ~ (/Users/</a:t>
-            </a:r>
-            <a:r>
-              <a:rPr lang="en-US" dirty="0" err="1" smtClean="0"/>
-              <a:t>BrutusBuckeye</a:t>
-            </a:r>
-            <a:r>
-              <a:rPr lang="en-US" dirty="0" smtClean="0"/>
-              <a:t>) </a:t>
+              <a:rPr lang="en-US" dirty="0" smtClean="0"/>
+              <a:t>/ </a:t>
             </a:r>
             <a:endParaRPr lang="en-US" dirty="0"/>
           </a:p>
@@ -9609,7 +10784,7 @@
     </p:spTree>
     <p:extLst>
       <p:ext uri="{BB962C8B-B14F-4D97-AF65-F5344CB8AC3E}">
-        <p14:creationId xmlns:p14="http://schemas.microsoft.com/office/powerpoint/2010/main" val="1682080893"/>
+        <p14:creationId xmlns:p14="http://schemas.microsoft.com/office/powerpoint/2010/main" val="1383755132"/>
       </p:ext>
     </p:extLst>
   </p:cSld>
@@ -9653,15 +10828,15 @@
           <a:p>
             <a:r>
               <a:rPr lang="en-US" i="1" dirty="0"/>
-              <a:t>l</a:t>
+              <a:t>c</a:t>
             </a:r>
             <a:r>
               <a:rPr lang="en-US" i="1" dirty="0" smtClean="0"/>
-              <a:t>s</a:t>
-            </a:r>
-            <a:r>
-              <a:rPr lang="en-US" dirty="0" smtClean="0"/>
-              <a:t>: List</a:t>
+              <a:t>d</a:t>
+            </a:r>
+            <a:r>
+              <a:rPr lang="en-US" dirty="0" smtClean="0"/>
+              <a:t>: Change Directory </a:t>
             </a:r>
             <a:endParaRPr lang="en-US" i="1" dirty="0"/>
           </a:p>
@@ -9679,8 +10854,8 @@
         </p:nvSpPr>
         <p:spPr>
           <a:xfrm>
-            <a:off x="680321" y="2336872"/>
-            <a:ext cx="9613861" cy="4268643"/>
+            <a:off x="680321" y="2336873"/>
+            <a:ext cx="9613861" cy="4241348"/>
           </a:xfrm>
         </p:spPr>
         <p:txBody>
@@ -9706,7 +10881,7 @@
             </a:pPr>
             <a:r>
               <a:rPr lang="en-US" dirty="0" smtClean="0"/>
-              <a:t>List all files in a given directory </a:t>
+              <a:t>Change the directory you’re currently in </a:t>
             </a:r>
           </a:p>
           <a:p>
@@ -9806,29 +10981,18 @@
               <a:defRPr/>
             </a:pPr>
             <a:r>
-              <a:rPr lang="en-US" dirty="0"/>
-              <a:t>	</a:t>
-            </a:r>
-            <a:r>
-              <a:rPr lang="en-US" dirty="0" smtClean="0"/>
-              <a:t>/Users/</a:t>
+              <a:rPr lang="en-US" dirty="0" smtClean="0"/>
+              <a:t>	/Users/</a:t>
             </a:r>
             <a:r>
               <a:rPr lang="en-US" dirty="0" err="1" smtClean="0"/>
               <a:t>BrutusBuckeye</a:t>
             </a:r>
             <a:r>
-              <a:rPr lang="en-US" dirty="0" smtClean="0"/>
-              <a:t>/Desktop/SURP/</a:t>
-            </a:r>
-            <a:r>
-              <a:rPr lang="en-US" dirty="0" err="1" smtClean="0"/>
-              <a:t>bootcamp</a:t>
-            </a:r>
-            <a:r>
-              <a:rPr lang="en-US" dirty="0" smtClean="0"/>
+              <a:rPr lang="en-US" dirty="0"/>
               <a:t> </a:t>
             </a:r>
+            <a:endParaRPr lang="en-US" dirty="0" smtClean="0"/>
           </a:p>
           <a:p>
             <a:pPr marL="0" marR="0" lvl="0" indent="0" defTabSz="914400" eaLnBrk="1" fontAlgn="auto" latinLnBrk="0" hangingPunct="1">
@@ -9849,13 +11013,18 @@
               <a:defRPr/>
             </a:pPr>
             <a:r>
+              <a:rPr lang="en-US" dirty="0" smtClean="0"/>
+              <a:t>	$ cd Desktop/SURP/</a:t>
+            </a:r>
+            <a:r>
+              <a:rPr lang="en-US" dirty="0" err="1" smtClean="0"/>
+              <a:t>bootcamp</a:t>
+            </a:r>
+            <a:r>
               <a:rPr lang="en-US" dirty="0"/>
-              <a:t>	</a:t>
-            </a:r>
-            <a:r>
-              <a:rPr lang="en-US" dirty="0" smtClean="0"/>
-              <a:t>$ ls </a:t>
-            </a:r>
+              <a:t> </a:t>
+            </a:r>
+            <a:endParaRPr lang="en-US" dirty="0" smtClean="0"/>
           </a:p>
           <a:p>
             <a:pPr marL="0" marR="0" lvl="0" indent="0" defTabSz="914400" eaLnBrk="1" fontAlgn="auto" latinLnBrk="0" hangingPunct="1">
@@ -9876,18 +11045,17 @@
               <a:defRPr/>
             </a:pPr>
             <a:r>
-              <a:rPr lang="en-US" dirty="0"/>
-              <a:t>	</a:t>
-            </a:r>
-            <a:r>
-              <a:rPr lang="en-US" dirty="0" smtClean="0"/>
-              <a:t>exercises notes slides </a:t>
+              <a:rPr lang="en-US" dirty="0" smtClean="0"/>
+              <a:t>	$ </a:t>
             </a:r>
             <a:r>
               <a:rPr lang="en-US" dirty="0" err="1" smtClean="0"/>
-              <a:t>somecode.py</a:t>
-            </a:r>
-            <a:endParaRPr lang="en-US" dirty="0" smtClean="0"/>
+              <a:t>pwd</a:t>
+            </a:r>
+            <a:r>
+              <a:rPr lang="en-US" dirty="0" smtClean="0"/>
+              <a:t> </a:t>
+            </a:r>
           </a:p>
           <a:p>
             <a:pPr marL="0" marR="0" lvl="0" indent="0" defTabSz="914400" eaLnBrk="1" fontAlgn="auto" latinLnBrk="0" hangingPunct="1">
@@ -9913,8 +11081,25 @@
             </a:r>
             <a:r>
               <a:rPr lang="en-US" dirty="0" smtClean="0"/>
-              <a:t>$ cd .. </a:t>
-            </a:r>
+              <a:t>/Users/</a:t>
+            </a:r>
+            <a:r>
+              <a:rPr lang="en-US" dirty="0" err="1" smtClean="0"/>
+              <a:t>BrutusBuckeye</a:t>
+            </a:r>
+            <a:r>
+              <a:rPr lang="en-US" dirty="0" smtClean="0"/>
+              <a:t>/Desktop/SURP/</a:t>
+            </a:r>
+            <a:r>
+              <a:rPr lang="en-US" dirty="0" err="1" smtClean="0"/>
+              <a:t>bootcamp</a:t>
+            </a:r>
+            <a:r>
+              <a:rPr lang="en-US" dirty="0"/>
+              <a:t> </a:t>
+            </a:r>
+            <a:endParaRPr lang="en-US" dirty="0" smtClean="0"/>
           </a:p>
           <a:p>
             <a:pPr marL="0" marR="0" lvl="0" indent="0" defTabSz="914400" eaLnBrk="1" fontAlgn="auto" latinLnBrk="0" hangingPunct="1">
@@ -9940,7 +11125,15 @@
             </a:r>
             <a:r>
               <a:rPr lang="en-US" dirty="0" smtClean="0"/>
-              <a:t>$ ls </a:t>
+              <a:t>$ cd .. (/Users/</a:t>
+            </a:r>
+            <a:r>
+              <a:rPr lang="en-US" dirty="0" err="1" smtClean="0"/>
+              <a:t>BrutusBuckeye</a:t>
+            </a:r>
+            <a:r>
+              <a:rPr lang="en-US" dirty="0" smtClean="0"/>
+              <a:t>/Desktop/SURP) </a:t>
             </a:r>
           </a:p>
           <a:p>
@@ -9962,32 +11155,20 @@
               <a:defRPr/>
             </a:pPr>
             <a:r>
-              <a:rPr lang="en-US" dirty="0" smtClean="0"/>
+              <a:rPr lang="en-US" dirty="0"/>
               <a:t>	</a:t>
             </a:r>
             <a:r>
+              <a:rPr lang="en-US" dirty="0" smtClean="0"/>
+              <a:t>$ cd ~ (/Users/</a:t>
+            </a:r>
+            <a:r>
               <a:rPr lang="en-US" dirty="0" err="1" smtClean="0"/>
-              <a:t>bootcamp</a:t>
-            </a:r>
-            <a:r>
-              <a:rPr lang="en-US" dirty="0" smtClean="0"/>
-              <a:t> plots papers </a:t>
-            </a:r>
-            <a:r>
-              <a:rPr lang="en-US" dirty="0" err="1" smtClean="0"/>
-              <a:t>notebook.ipynb</a:t>
-            </a:r>
-            <a:r>
-              <a:rPr lang="en-US" dirty="0" smtClean="0"/>
-              <a:t> </a:t>
-            </a:r>
-            <a:r>
-              <a:rPr lang="en-US" dirty="0" err="1" smtClean="0"/>
-              <a:t>textfilecode.py</a:t>
-            </a:r>
-            <a:r>
-              <a:rPr lang="en-US" dirty="0" smtClean="0"/>
-              <a:t> </a:t>
+              <a:t>BrutusBuckeye</a:t>
+            </a:r>
+            <a:r>
+              <a:rPr lang="en-US" dirty="0" smtClean="0"/>
+              <a:t>) </a:t>
             </a:r>
             <a:endParaRPr lang="en-US" dirty="0"/>
           </a:p>
@@ -9996,7 +11177,7 @@
     </p:spTree>
     <p:extLst>
       <p:ext uri="{BB962C8B-B14F-4D97-AF65-F5344CB8AC3E}">
-        <p14:creationId xmlns:p14="http://schemas.microsoft.com/office/powerpoint/2010/main" val="875844630"/>
+        <p14:creationId xmlns:p14="http://schemas.microsoft.com/office/powerpoint/2010/main" val="1682080893"/>
       </p:ext>
     </p:extLst>
   </p:cSld>
@@ -10040,15 +11221,23 @@
           <a:p>
             <a:r>
               <a:rPr lang="en-US" i="1" dirty="0"/>
-              <a:t>m</a:t>
+              <a:t>l</a:t>
             </a:r>
             <a:r>
               <a:rPr lang="en-US" i="1" dirty="0" smtClean="0"/>
-              <a:t>v</a:t>
-            </a:r>
-            <a:r>
-              <a:rPr lang="en-US" dirty="0" smtClean="0"/>
-              <a:t>: Move </a:t>
+              <a:t>s</a:t>
+            </a:r>
+            <a:r>
+              <a:rPr lang="en-US" dirty="0" smtClean="0"/>
+              <a:t>: List [</a:t>
+            </a:r>
+            <a:r>
+              <a:rPr lang="en-US" i="1" dirty="0" err="1" smtClean="0"/>
+              <a:t>dir</a:t>
+            </a:r>
+            <a:r>
+              <a:rPr lang="en-US" dirty="0" smtClean="0"/>
+              <a:t>] </a:t>
             </a:r>
             <a:endParaRPr lang="en-US" i="1" dirty="0"/>
           </a:p>
@@ -10067,46 +11256,72 @@
         <p:spPr>
           <a:xfrm>
             <a:off x="680321" y="2336872"/>
-            <a:ext cx="9613861" cy="4282291"/>
-          </a:xfrm>
-        </p:spPr>
-        <p:txBody>
-          <a:bodyPr>
-            <a:normAutofit/>
-          </a:bodyPr>
+            <a:ext cx="9613861" cy="4268643"/>
+          </a:xfrm>
+        </p:spPr>
+        <p:txBody>
+          <a:bodyPr/>
           <a:lstStyle/>
           <a:p>
-            <a:pPr marL="0" indent="0">
-              <a:buNone/>
-            </a:pPr>
-            <a:r>
-              <a:rPr lang="en-US" dirty="0" smtClean="0"/>
-              <a:t>Move (i.e. rename) a file or directory </a:t>
-            </a:r>
-          </a:p>
-          <a:p>
-            <a:pPr marL="0" indent="0">
-              <a:buNone/>
-            </a:pPr>
-            <a:r>
-              <a:rPr lang="en-US" dirty="0" smtClean="0"/>
-              <a:t>Usage: </a:t>
-            </a:r>
-            <a:r>
-              <a:rPr lang="en-US" i="1" dirty="0" smtClean="0"/>
-              <a:t>mv [old file name] [new file name] </a:t>
-            </a:r>
-            <a:endParaRPr lang="en-US" dirty="0" smtClean="0"/>
-          </a:p>
-          <a:p>
-            <a:pPr marL="0" indent="0">
-              <a:buNone/>
-            </a:pPr>
-            <a:endParaRPr lang="en-US" dirty="0" smtClean="0"/>
-          </a:p>
-          <a:p>
-            <a:pPr marL="0" indent="0">
-              <a:buNone/>
+            <a:pPr marL="0" marR="0" lvl="0" indent="0" defTabSz="914400" eaLnBrk="1" fontAlgn="auto" latinLnBrk="0" hangingPunct="1">
+              <a:lnSpc>
+                <a:spcPct val="100000"/>
+              </a:lnSpc>
+              <a:spcBef>
+                <a:spcPts val="0"/>
+              </a:spcBef>
+              <a:spcAft>
+                <a:spcPts val="0"/>
+              </a:spcAft>
+              <a:buClrTx/>
+              <a:buSzTx/>
+              <a:buFontTx/>
+              <a:buNone/>
+              <a:tabLst/>
+              <a:defRPr/>
+            </a:pPr>
+            <a:r>
+              <a:rPr lang="en-US" dirty="0" smtClean="0"/>
+              <a:t>List all files in a given directory </a:t>
+            </a:r>
+          </a:p>
+          <a:p>
+            <a:pPr marL="0" marR="0" lvl="0" indent="0" defTabSz="914400" eaLnBrk="1" fontAlgn="auto" latinLnBrk="0" hangingPunct="1">
+              <a:lnSpc>
+                <a:spcPct val="100000"/>
+              </a:lnSpc>
+              <a:spcBef>
+                <a:spcPts val="0"/>
+              </a:spcBef>
+              <a:spcAft>
+                <a:spcPts val="0"/>
+              </a:spcAft>
+              <a:buClrTx/>
+              <a:buSzTx/>
+              <a:buFontTx/>
+              <a:buNone/>
+              <a:tabLst/>
+              <a:defRPr/>
+            </a:pPr>
+            <a:endParaRPr lang="en-US" dirty="0"/>
+          </a:p>
+          <a:p>
+            <a:pPr marL="0" marR="0" lvl="0" indent="0" defTabSz="914400" eaLnBrk="1" fontAlgn="auto" latinLnBrk="0" hangingPunct="1">
+              <a:lnSpc>
+                <a:spcPct val="100000"/>
+              </a:lnSpc>
+              <a:spcBef>
+                <a:spcPts val="0"/>
+              </a:spcBef>
+              <a:spcAft>
+                <a:spcPts val="0"/>
+              </a:spcAft>
+              <a:buClrTx/>
+              <a:buSzTx/>
+              <a:buFontTx/>
+              <a:buNone/>
+              <a:tabLst/>
+              <a:defRPr/>
             </a:pPr>
             <a:r>
               <a:rPr lang="en-US" dirty="0" smtClean="0"/>
@@ -10114,8 +11329,22 @@
             </a:r>
           </a:p>
           <a:p>
-            <a:pPr marL="0" indent="0">
-              <a:buNone/>
+            <a:pPr marL="0" marR="0" lvl="0" indent="0" defTabSz="914400" eaLnBrk="1" fontAlgn="auto" latinLnBrk="0" hangingPunct="1">
+              <a:lnSpc>
+                <a:spcPct val="100000"/>
+              </a:lnSpc>
+              <a:spcBef>
+                <a:spcPts val="0"/>
+              </a:spcBef>
+              <a:spcAft>
+                <a:spcPts val="0"/>
+              </a:spcAft>
+              <a:buClrTx/>
+              <a:buSzTx/>
+              <a:buFontTx/>
+              <a:buNone/>
+              <a:tabLst/>
+              <a:defRPr/>
             </a:pPr>
             <a:r>
               <a:rPr lang="en-US" dirty="0"/>
@@ -10135,8 +11364,22 @@
             </a:r>
           </a:p>
           <a:p>
-            <a:pPr marL="0" indent="0">
-              <a:buNone/>
+            <a:pPr marL="0" marR="0" lvl="0" indent="0" defTabSz="914400" eaLnBrk="1" fontAlgn="auto" latinLnBrk="0" hangingPunct="1">
+              <a:lnSpc>
+                <a:spcPct val="100000"/>
+              </a:lnSpc>
+              <a:spcBef>
+                <a:spcPts val="0"/>
+              </a:spcBef>
+              <a:spcAft>
+                <a:spcPts val="0"/>
+              </a:spcAft>
+              <a:buClrTx/>
+              <a:buSzTx/>
+              <a:buFontTx/>
+              <a:buNone/>
+              <a:tabLst/>
+              <a:defRPr/>
             </a:pPr>
             <a:r>
               <a:rPr lang="en-US" dirty="0"/>
@@ -10164,8 +11407,22 @@
             </a:r>
           </a:p>
           <a:p>
-            <a:pPr marL="0" indent="0">
-              <a:buNone/>
+            <a:pPr marL="0" marR="0" lvl="0" indent="0" defTabSz="914400" eaLnBrk="1" fontAlgn="auto" latinLnBrk="0" hangingPunct="1">
+              <a:lnSpc>
+                <a:spcPct val="100000"/>
+              </a:lnSpc>
+              <a:spcBef>
+                <a:spcPts val="0"/>
+              </a:spcBef>
+              <a:spcAft>
+                <a:spcPts val="0"/>
+              </a:spcAft>
+              <a:buClrTx/>
+              <a:buSzTx/>
+              <a:buFontTx/>
+              <a:buNone/>
+              <a:tabLst/>
+              <a:defRPr/>
             </a:pPr>
             <a:r>
               <a:rPr lang="en-US" dirty="0"/>
@@ -10173,28 +11430,26 @@
             </a:r>
             <a:r>
               <a:rPr lang="en-US" dirty="0" smtClean="0"/>
-              <a:t>$ mv </a:t>
-            </a:r>
-            <a:r>
-              <a:rPr lang="en-US" dirty="0" err="1" smtClean="0"/>
-              <a:t>oldname.py</a:t>
-            </a:r>
-            <a:r>
-              <a:rPr lang="en-US" dirty="0" smtClean="0"/>
-              <a:t> </a:t>
-            </a:r>
-            <a:r>
-              <a:rPr lang="en-US" dirty="0" err="1" smtClean="0"/>
-              <a:t>newname.py</a:t>
-            </a:r>
-            <a:r>
-              <a:rPr lang="en-US" dirty="0" smtClean="0"/>
-              <a:t> </a:t>
-            </a:r>
-          </a:p>
-          <a:p>
-            <a:pPr marL="0" indent="0">
-              <a:buNone/>
+              <a:t>$ ls </a:t>
+            </a:r>
+          </a:p>
+          <a:p>
+            <a:pPr marL="0" marR="0" lvl="0" indent="0" defTabSz="914400" eaLnBrk="1" fontAlgn="auto" latinLnBrk="0" hangingPunct="1">
+              <a:lnSpc>
+                <a:spcPct val="100000"/>
+              </a:lnSpc>
+              <a:spcBef>
+                <a:spcPts val="0"/>
+              </a:spcBef>
+              <a:spcAft>
+                <a:spcPts val="0"/>
+              </a:spcAft>
+              <a:buClrTx/>
+              <a:buSzTx/>
+              <a:buFontTx/>
+              <a:buNone/>
+              <a:tabLst/>
+              <a:defRPr/>
             </a:pPr>
             <a:r>
               <a:rPr lang="en-US" dirty="0"/>
@@ -10202,12 +11457,31 @@
             </a:r>
             <a:r>
               <a:rPr lang="en-US" dirty="0" smtClean="0"/>
-              <a:t>$ ls </a:t>
-            </a:r>
-          </a:p>
-          <a:p>
-            <a:pPr marL="0" indent="0">
-              <a:buNone/>
+              <a:t>exercises notes slides </a:t>
+            </a:r>
+            <a:r>
+              <a:rPr lang="en-US" dirty="0" err="1" smtClean="0"/>
+              <a:t>somecode.py</a:t>
+            </a:r>
+            <a:endParaRPr lang="en-US" dirty="0" smtClean="0"/>
+          </a:p>
+          <a:p>
+            <a:pPr marL="0" marR="0" lvl="0" indent="0" defTabSz="914400" eaLnBrk="1" fontAlgn="auto" latinLnBrk="0" hangingPunct="1">
+              <a:lnSpc>
+                <a:spcPct val="100000"/>
+              </a:lnSpc>
+              <a:spcBef>
+                <a:spcPts val="0"/>
+              </a:spcBef>
+              <a:spcAft>
+                <a:spcPts val="0"/>
+              </a:spcAft>
+              <a:buClrTx/>
+              <a:buSzTx/>
+              <a:buFontTx/>
+              <a:buNone/>
+              <a:tabLst/>
+              <a:defRPr/>
             </a:pPr>
             <a:r>
               <a:rPr lang="en-US" dirty="0"/>
@@ -10215,21 +11489,82 @@
             </a:r>
             <a:r>
               <a:rPr lang="en-US" dirty="0" smtClean="0"/>
-              <a:t>exercises </a:t>
+              <a:t>$ cd .. </a:t>
+            </a:r>
+          </a:p>
+          <a:p>
+            <a:pPr marL="0" marR="0" lvl="0" indent="0" defTabSz="914400" eaLnBrk="1" fontAlgn="auto" latinLnBrk="0" hangingPunct="1">
+              <a:lnSpc>
+                <a:spcPct val="100000"/>
+              </a:lnSpc>
+              <a:spcBef>
+                <a:spcPts val="0"/>
+              </a:spcBef>
+              <a:spcAft>
+                <a:spcPts val="0"/>
+              </a:spcAft>
+              <a:buClrTx/>
+              <a:buSzTx/>
+              <a:buFontTx/>
+              <a:buNone/>
+              <a:tabLst/>
+              <a:defRPr/>
+            </a:pPr>
+            <a:r>
+              <a:rPr lang="en-US" dirty="0"/>
+              <a:t>	</a:t>
+            </a:r>
+            <a:r>
+              <a:rPr lang="en-US" dirty="0" smtClean="0"/>
+              <a:t>$ ls </a:t>
+            </a:r>
+          </a:p>
+          <a:p>
+            <a:pPr marL="0" marR="0" lvl="0" indent="0" defTabSz="914400" eaLnBrk="1" fontAlgn="auto" latinLnBrk="0" hangingPunct="1">
+              <a:lnSpc>
+                <a:spcPct val="100000"/>
+              </a:lnSpc>
+              <a:spcBef>
+                <a:spcPts val="0"/>
+              </a:spcBef>
+              <a:spcAft>
+                <a:spcPts val="0"/>
+              </a:spcAft>
+              <a:buClrTx/>
+              <a:buSzTx/>
+              <a:buFontTx/>
+              <a:buNone/>
+              <a:tabLst/>
+              <a:defRPr/>
+            </a:pPr>
+            <a:r>
+              <a:rPr lang="en-US" dirty="0" smtClean="0"/>
+              <a:t>	</a:t>
             </a:r>
             <a:r>
               <a:rPr lang="en-US" dirty="0" err="1" smtClean="0"/>
-              <a:t>newname.py</a:t>
-            </a:r>
-            <a:r>
-              <a:rPr lang="en-US" dirty="0" smtClean="0"/>
-              <a:t> notes slides </a:t>
-            </a:r>
-          </a:p>
-          <a:p>
-            <a:pPr marL="0" indent="0">
-              <a:buNone/>
-            </a:pPr>
+              <a:t>bootcamp</a:t>
+            </a:r>
+            <a:r>
+              <a:rPr lang="en-US" dirty="0" smtClean="0"/>
+              <a:t> plots papers </a:t>
+            </a:r>
+            <a:r>
+              <a:rPr lang="en-US" dirty="0" err="1" smtClean="0"/>
+              <a:t>notebook.ipynb</a:t>
+            </a:r>
+            <a:r>
+              <a:rPr lang="en-US" dirty="0" smtClean="0"/>
+              <a:t> </a:t>
+            </a:r>
+            <a:r>
+              <a:rPr lang="en-US" dirty="0" err="1" smtClean="0"/>
+              <a:t>textfilecode.py</a:t>
+            </a:r>
+            <a:r>
+              <a:rPr lang="en-US" dirty="0" smtClean="0"/>
+              <a:t> </a:t>
+            </a:r>
             <a:endParaRPr lang="en-US" dirty="0"/>
           </a:p>
         </p:txBody>
@@ -10237,7 +11572,7 @@
     </p:spTree>
     <p:extLst>
       <p:ext uri="{BB962C8B-B14F-4D97-AF65-F5344CB8AC3E}">
-        <p14:creationId xmlns:p14="http://schemas.microsoft.com/office/powerpoint/2010/main" val="1741499932"/>
+        <p14:creationId xmlns:p14="http://schemas.microsoft.com/office/powerpoint/2010/main" val="875844630"/>
       </p:ext>
     </p:extLst>
   </p:cSld>
@@ -10280,16 +11615,24 @@
           <a:lstStyle/>
           <a:p>
             <a:r>
-              <a:rPr lang="en-US" i="1" dirty="0" err="1"/>
+              <a:rPr lang="en-US" i="1" dirty="0"/>
               <a:t>m</a:t>
             </a:r>
             <a:r>
-              <a:rPr lang="en-US" i="1" dirty="0" err="1" smtClean="0"/>
-              <a:t>kdir</a:t>
-            </a:r>
-            <a:r>
-              <a:rPr lang="en-US" dirty="0" smtClean="0"/>
-              <a:t>: Make Directory </a:t>
+              <a:rPr lang="en-US" i="1" dirty="0" smtClean="0"/>
+              <a:t>v</a:t>
+            </a:r>
+            <a:r>
+              <a:rPr lang="en-US" dirty="0" smtClean="0"/>
+              <a:t>: Move [</a:t>
+            </a:r>
+            <a:r>
+              <a:rPr lang="en-US" i="1" dirty="0" smtClean="0"/>
+              <a:t>move</a:t>
+            </a:r>
+            <a:r>
+              <a:rPr lang="en-US" dirty="0" smtClean="0"/>
+              <a:t>] </a:t>
             </a:r>
             <a:endParaRPr lang="en-US" i="1" dirty="0"/>
           </a:p>
@@ -10305,102 +11648,49 @@
             <p:ph idx="1"/>
           </p:nvPr>
         </p:nvSpPr>
-        <p:spPr/>
-        <p:txBody>
-          <a:bodyPr/>
+        <p:spPr>
+          <a:xfrm>
+            <a:off x="680321" y="2336872"/>
+            <a:ext cx="9613861" cy="4282291"/>
+          </a:xfrm>
+        </p:spPr>
+        <p:txBody>
+          <a:bodyPr>
+            <a:normAutofit/>
+          </a:bodyPr>
           <a:lstStyle/>
           <a:p>
-            <a:pPr marL="0" marR="0" lvl="0" indent="0" defTabSz="914400" eaLnBrk="1" fontAlgn="auto" latinLnBrk="0" hangingPunct="1">
-              <a:lnSpc>
-                <a:spcPct val="100000"/>
-              </a:lnSpc>
-              <a:spcBef>
-                <a:spcPts val="0"/>
-              </a:spcBef>
-              <a:spcAft>
-                <a:spcPts val="0"/>
-              </a:spcAft>
-              <a:buClrTx/>
-              <a:buSzTx/>
-              <a:buFontTx/>
-              <a:buNone/>
-              <a:tabLst/>
-              <a:defRPr/>
-            </a:pPr>
-            <a:r>
-              <a:rPr lang="en-US" dirty="0" smtClean="0"/>
-              <a:t>Create a new directory (same as clicking “New Folder” in a Finder window) </a:t>
-            </a:r>
-          </a:p>
-          <a:p>
-            <a:pPr marL="0" marR="0" lvl="0" indent="0" defTabSz="914400" eaLnBrk="1" fontAlgn="auto" latinLnBrk="0" hangingPunct="1">
-              <a:lnSpc>
-                <a:spcPct val="100000"/>
-              </a:lnSpc>
-              <a:spcBef>
-                <a:spcPts val="0"/>
-              </a:spcBef>
-              <a:spcAft>
-                <a:spcPts val="0"/>
-              </a:spcAft>
-              <a:buClrTx/>
-              <a:buSzTx/>
-              <a:buFontTx/>
-              <a:buNone/>
-              <a:tabLst/>
-              <a:defRPr/>
+            <a:pPr marL="0" indent="0">
+              <a:buNone/>
+            </a:pPr>
+            <a:r>
+              <a:rPr lang="en-US" dirty="0" smtClean="0"/>
+              <a:t>Move (i.e. rename) a file or directory </a:t>
+            </a:r>
+          </a:p>
+          <a:p>
+            <a:pPr marL="0" indent="0">
+              <a:buNone/>
             </a:pPr>
             <a:r>
               <a:rPr lang="en-US" dirty="0" smtClean="0"/>
               <a:t>Usage: </a:t>
             </a:r>
             <a:r>
-              <a:rPr lang="en-US" i="1" dirty="0" err="1" smtClean="0"/>
-              <a:t>mkdir</a:t>
-            </a:r>
-            <a:r>
               <a:rPr lang="en-US" i="1" dirty="0" smtClean="0"/>
-              <a:t> [directory name] </a:t>
+              <a:t>mv [old file name] [new file name] </a:t>
             </a:r>
             <a:endParaRPr lang="en-US" dirty="0" smtClean="0"/>
           </a:p>
           <a:p>
-            <a:pPr marL="0" marR="0" lvl="0" indent="0" defTabSz="914400" eaLnBrk="1" fontAlgn="auto" latinLnBrk="0" hangingPunct="1">
-              <a:lnSpc>
-                <a:spcPct val="100000"/>
-              </a:lnSpc>
-              <a:spcBef>
-                <a:spcPts val="0"/>
-              </a:spcBef>
-              <a:spcAft>
-                <a:spcPts val="0"/>
-              </a:spcAft>
-              <a:buClrTx/>
-              <a:buSzTx/>
-              <a:buFontTx/>
-              <a:buNone/>
-              <a:tabLst/>
-              <a:defRPr/>
-            </a:pPr>
-            <a:endParaRPr lang="en-US" dirty="0"/>
-          </a:p>
-          <a:p>
-            <a:pPr marL="0" marR="0" lvl="0" indent="0" defTabSz="914400" eaLnBrk="1" fontAlgn="auto" latinLnBrk="0" hangingPunct="1">
-              <a:lnSpc>
-                <a:spcPct val="100000"/>
-              </a:lnSpc>
-              <a:spcBef>
-                <a:spcPts val="0"/>
-              </a:spcBef>
-              <a:spcAft>
-                <a:spcPts val="0"/>
-              </a:spcAft>
-              <a:buClrTx/>
-              <a:buSzTx/>
-              <a:buFontTx/>
-              <a:buNone/>
-              <a:tabLst/>
-              <a:defRPr/>
+            <a:pPr marL="0" indent="0">
+              <a:buNone/>
+            </a:pPr>
+            <a:endParaRPr lang="en-US" dirty="0" smtClean="0"/>
+          </a:p>
+          <a:p>
+            <a:pPr marL="0" indent="0">
+              <a:buNone/>
             </a:pPr>
             <a:r>
               <a:rPr lang="en-US" dirty="0" smtClean="0"/>
@@ -10408,22 +11698,8 @@
             </a:r>
           </a:p>
           <a:p>
-            <a:pPr marL="0" marR="0" lvl="0" indent="0" defTabSz="914400" eaLnBrk="1" fontAlgn="auto" latinLnBrk="0" hangingPunct="1">
-              <a:lnSpc>
-                <a:spcPct val="100000"/>
-              </a:lnSpc>
-              <a:spcBef>
-                <a:spcPts val="0"/>
-              </a:spcBef>
-              <a:spcAft>
-                <a:spcPts val="0"/>
-              </a:spcAft>
-              <a:buClrTx/>
-              <a:buSzTx/>
-              <a:buFontTx/>
-              <a:buNone/>
-              <a:tabLst/>
-              <a:defRPr/>
+            <a:pPr marL="0" indent="0">
+              <a:buNone/>
             </a:pPr>
             <a:r>
               <a:rPr lang="en-US" dirty="0"/>
@@ -10443,22 +11719,8 @@
             </a:r>
           </a:p>
           <a:p>
-            <a:pPr marL="0" marR="0" lvl="0" indent="0" defTabSz="914400" eaLnBrk="1" fontAlgn="auto" latinLnBrk="0" hangingPunct="1">
-              <a:lnSpc>
-                <a:spcPct val="100000"/>
-              </a:lnSpc>
-              <a:spcBef>
-                <a:spcPts val="0"/>
-              </a:spcBef>
-              <a:spcAft>
-                <a:spcPts val="0"/>
-              </a:spcAft>
-              <a:buClrTx/>
-              <a:buSzTx/>
-              <a:buFontTx/>
-              <a:buNone/>
-              <a:tabLst/>
-              <a:defRPr/>
+            <a:pPr marL="0" indent="0">
+              <a:buNone/>
             </a:pPr>
             <a:r>
               <a:rPr lang="en-US" dirty="0"/>
@@ -10486,22 +11748,8 @@
             </a:r>
           </a:p>
           <a:p>
-            <a:pPr marL="0" marR="0" lvl="0" indent="0" defTabSz="914400" eaLnBrk="1" fontAlgn="auto" latinLnBrk="0" hangingPunct="1">
-              <a:lnSpc>
-                <a:spcPct val="100000"/>
-              </a:lnSpc>
-              <a:spcBef>
-                <a:spcPts val="0"/>
-              </a:spcBef>
-              <a:spcAft>
-                <a:spcPts val="0"/>
-              </a:spcAft>
-              <a:buClrTx/>
-              <a:buSzTx/>
-              <a:buFontTx/>
-              <a:buNone/>
-              <a:tabLst/>
-              <a:defRPr/>
+            <a:pPr marL="0" indent="0">
+              <a:buNone/>
             </a:pPr>
             <a:r>
               <a:rPr lang="en-US" dirty="0"/>
@@ -10509,34 +11757,28 @@
             </a:r>
             <a:r>
               <a:rPr lang="en-US" dirty="0" smtClean="0"/>
-              <a:t>$ </a:t>
+              <a:t>$ mv </a:t>
             </a:r>
             <a:r>
               <a:rPr lang="en-US" dirty="0" err="1" smtClean="0"/>
-              <a:t>mkdir</a:t>
-            </a:r>
-            <a:r>
-              <a:rPr lang="en-US" dirty="0" smtClean="0"/>
-              <a:t> example </a:t>
-            </a:r>
-          </a:p>
-          <a:p>
-            <a:pPr marL="0" marR="0" lvl="0" indent="0" defTabSz="914400" eaLnBrk="1" fontAlgn="auto" latinLnBrk="0" hangingPunct="1">
-              <a:lnSpc>
-                <a:spcPct val="100000"/>
-              </a:lnSpc>
-              <a:spcBef>
-                <a:spcPts val="0"/>
-              </a:spcBef>
-              <a:spcAft>
-                <a:spcPts val="0"/>
-              </a:spcAft>
-              <a:buClrTx/>
-              <a:buSzTx/>
-              <a:buFontTx/>
-              <a:buNone/>
-              <a:tabLst/>
-              <a:defRPr/>
+              <a:t>oldname.py</a:t>
+            </a:r>
+            <a:r>
+              <a:rPr lang="en-US" dirty="0" smtClean="0"/>
+              <a:t> </a:t>
+            </a:r>
+            <a:r>
+              <a:rPr lang="en-US" dirty="0" err="1" smtClean="0"/>
+              <a:t>newname.py</a:t>
+            </a:r>
+            <a:r>
+              <a:rPr lang="en-US" dirty="0" smtClean="0"/>
+              <a:t> </a:t>
+            </a:r>
+          </a:p>
+          <a:p>
+            <a:pPr marL="0" indent="0">
+              <a:buNone/>
             </a:pPr>
             <a:r>
               <a:rPr lang="en-US" dirty="0"/>
@@ -10548,35 +11790,30 @@
             </a:r>
           </a:p>
           <a:p>
-            <a:pPr marL="0" marR="0" lvl="0" indent="0" defTabSz="914400" eaLnBrk="1" fontAlgn="auto" latinLnBrk="0" hangingPunct="1">
-              <a:lnSpc>
-                <a:spcPct val="100000"/>
-              </a:lnSpc>
-              <a:spcBef>
-                <a:spcPts val="0"/>
-              </a:spcBef>
-              <a:spcAft>
-                <a:spcPts val="0"/>
-              </a:spcAft>
-              <a:buClrTx/>
-              <a:buSzTx/>
-              <a:buFontTx/>
-              <a:buNone/>
-              <a:tabLst/>
-              <a:defRPr/>
-            </a:pPr>
-            <a:r>
-              <a:rPr lang="en-US" dirty="0" smtClean="0"/>
-              <a:t>	example exercises notes slides </a:t>
+            <a:pPr marL="0" indent="0">
+              <a:buNone/>
+            </a:pPr>
+            <a:r>
+              <a:rPr lang="en-US" dirty="0"/>
+              <a:t>	</a:t>
+            </a:r>
+            <a:r>
+              <a:rPr lang="en-US" dirty="0" smtClean="0"/>
+              <a:t>exercises </a:t>
             </a:r>
             <a:r>
               <a:rPr lang="en-US" dirty="0" err="1" smtClean="0"/>
-              <a:t>somecode.py</a:t>
-            </a:r>
-            <a:r>
-              <a:rPr lang="en-US" dirty="0" smtClean="0"/>
-              <a:t> </a:t>
-            </a:r>
+              <a:t>newname.py</a:t>
+            </a:r>
+            <a:r>
+              <a:rPr lang="en-US" dirty="0" smtClean="0"/>
+              <a:t> notes slides </a:t>
+            </a:r>
+          </a:p>
+          <a:p>
+            <a:pPr marL="0" indent="0">
+              <a:buNone/>
+            </a:pPr>
             <a:endParaRPr lang="en-US" dirty="0"/>
           </a:p>
         </p:txBody>
@@ -10584,7 +11821,7 @@
     </p:spTree>
     <p:extLst>
       <p:ext uri="{BB962C8B-B14F-4D97-AF65-F5344CB8AC3E}">
-        <p14:creationId xmlns:p14="http://schemas.microsoft.com/office/powerpoint/2010/main" val="1594207643"/>
+        <p14:creationId xmlns:p14="http://schemas.microsoft.com/office/powerpoint/2010/main" val="1741499932"/>
       </p:ext>
     </p:extLst>
   </p:cSld>
@@ -10628,15 +11865,23 @@
           <a:p>
             <a:r>
               <a:rPr lang="en-US" i="1" dirty="0" err="1"/>
-              <a:t>r</a:t>
+              <a:t>c</a:t>
             </a:r>
             <a:r>
               <a:rPr lang="en-US" i="1" dirty="0" err="1" smtClean="0"/>
-              <a:t>m</a:t>
-            </a:r>
-            <a:r>
-              <a:rPr lang="en-US" dirty="0" smtClean="0"/>
-              <a:t>: Remove </a:t>
+              <a:t>p</a:t>
+            </a:r>
+            <a:r>
+              <a:rPr lang="en-US" dirty="0" smtClean="0"/>
+              <a:t>: Copy [</a:t>
+            </a:r>
+            <a:r>
+              <a:rPr lang="en-US" i="1" dirty="0" smtClean="0"/>
+              <a:t>copy</a:t>
+            </a:r>
+            <a:r>
+              <a:rPr lang="en-US" dirty="0" smtClean="0"/>
+              <a:t>] </a:t>
             </a:r>
             <a:endParaRPr lang="en-US" i="1" dirty="0"/>
           </a:p>
@@ -10655,60 +11900,26 @@
         <p:spPr>
           <a:xfrm>
             <a:off x="680321" y="2336872"/>
-            <a:ext cx="10674616" cy="3941097"/>
-          </a:xfrm>
-        </p:spPr>
-        <p:txBody>
-          <a:bodyPr/>
+            <a:ext cx="9613861" cy="4405121"/>
+          </a:xfrm>
+        </p:spPr>
+        <p:txBody>
+          <a:bodyPr>
+            <a:normAutofit/>
+          </a:bodyPr>
           <a:lstStyle/>
           <a:p>
-            <a:pPr marL="0" marR="0" lvl="0" indent="0" defTabSz="914400" eaLnBrk="1" fontAlgn="auto" latinLnBrk="0" hangingPunct="1">
-              <a:lnSpc>
-                <a:spcPct val="100000"/>
-              </a:lnSpc>
-              <a:spcBef>
-                <a:spcPts val="0"/>
-              </a:spcBef>
-              <a:spcAft>
-                <a:spcPts val="0"/>
-              </a:spcAft>
-              <a:buClrTx/>
-              <a:buSzTx/>
-              <a:buFontTx/>
-              <a:buNone/>
-              <a:tabLst/>
-              <a:defRPr/>
-            </a:pPr>
-            <a:r>
-              <a:rPr lang="en-US" dirty="0" smtClean="0"/>
-              <a:t>Remove a file from system memory (careful </a:t>
-            </a:r>
-            <a:r>
-              <a:rPr lang="mr-IN" dirty="0" smtClean="0"/>
-              <a:t>–</a:t>
-            </a:r>
-            <a:r>
-              <a:rPr lang="en-US" dirty="0" smtClean="0"/>
-              <a:t> this doesn’t move a file to trash)</a:t>
-            </a:r>
-          </a:p>
-          <a:p>
-            <a:pPr marL="0" marR="0" lvl="0" indent="0" defTabSz="914400" eaLnBrk="1" fontAlgn="auto" latinLnBrk="0" hangingPunct="1">
-              <a:lnSpc>
-                <a:spcPct val="100000"/>
-              </a:lnSpc>
-              <a:spcBef>
-                <a:spcPts val="0"/>
-              </a:spcBef>
-              <a:spcAft>
-                <a:spcPts val="0"/>
-              </a:spcAft>
-              <a:buClrTx/>
-              <a:buSzTx/>
-              <a:buFontTx/>
-              <a:buNone/>
-              <a:tabLst/>
-              <a:defRPr/>
+            <a:pPr marL="0" indent="0">
+              <a:buNone/>
+            </a:pPr>
+            <a:r>
+              <a:rPr lang="en-US" dirty="0" smtClean="0"/>
+              <a:t>Copy a file to a new name/location </a:t>
+            </a:r>
+          </a:p>
+          <a:p>
+            <a:pPr marL="0" indent="0">
+              <a:buNone/>
             </a:pPr>
             <a:r>
               <a:rPr lang="en-US" dirty="0" smtClean="0"/>
@@ -10716,51 +11927,23 @@
             </a:r>
             <a:r>
               <a:rPr lang="en-US" i="1" dirty="0" err="1" smtClean="0"/>
-              <a:t>rm</a:t>
+              <a:t>cp</a:t>
             </a:r>
             <a:r>
               <a:rPr lang="en-US" i="1" dirty="0" smtClean="0"/>
-              <a:t> [filename] </a:t>
+              <a:t> [existing file name] [new file name] </a:t>
             </a:r>
             <a:endParaRPr lang="en-US" dirty="0" smtClean="0"/>
           </a:p>
           <a:p>
-            <a:pPr marL="0" marR="0" lvl="0" indent="0" defTabSz="914400" eaLnBrk="1" fontAlgn="auto" latinLnBrk="0" hangingPunct="1">
-              <a:lnSpc>
-                <a:spcPct val="100000"/>
-              </a:lnSpc>
-              <a:spcBef>
-                <a:spcPts val="0"/>
-              </a:spcBef>
-              <a:spcAft>
-                <a:spcPts val="0"/>
-              </a:spcAft>
-              <a:buClrTx/>
-              <a:buSzTx/>
-              <a:buFontTx/>
-              <a:buNone/>
-              <a:tabLst/>
-              <a:defRPr/>
+            <a:pPr marL="0" indent="0">
+              <a:buNone/>
             </a:pPr>
             <a:endParaRPr lang="en-US" dirty="0"/>
           </a:p>
           <a:p>
-            <a:pPr marL="0" marR="0" lvl="0" indent="0" defTabSz="914400" eaLnBrk="1" fontAlgn="auto" latinLnBrk="0" hangingPunct="1">
-              <a:lnSpc>
-                <a:spcPct val="100000"/>
-              </a:lnSpc>
-              <a:spcBef>
-                <a:spcPts val="0"/>
-              </a:spcBef>
-              <a:spcAft>
-                <a:spcPts val="0"/>
-              </a:spcAft>
-              <a:buClrTx/>
-              <a:buSzTx/>
-              <a:buFontTx/>
-              <a:buNone/>
-              <a:tabLst/>
-              <a:defRPr/>
+            <a:pPr marL="0" indent="0">
+              <a:buNone/>
             </a:pPr>
             <a:r>
               <a:rPr lang="en-US" dirty="0" smtClean="0"/>
@@ -10768,22 +11951,8 @@
             </a:r>
           </a:p>
           <a:p>
-            <a:pPr marL="0" marR="0" lvl="0" indent="0" defTabSz="914400" eaLnBrk="1" fontAlgn="auto" latinLnBrk="0" hangingPunct="1">
-              <a:lnSpc>
-                <a:spcPct val="100000"/>
-              </a:lnSpc>
-              <a:spcBef>
-                <a:spcPts val="0"/>
-              </a:spcBef>
-              <a:spcAft>
-                <a:spcPts val="0"/>
-              </a:spcAft>
-              <a:buClrTx/>
-              <a:buSzTx/>
-              <a:buFontTx/>
-              <a:buNone/>
-              <a:tabLst/>
-              <a:defRPr/>
+            <a:pPr marL="0" indent="0">
+              <a:buNone/>
             </a:pPr>
             <a:r>
               <a:rPr lang="en-US" dirty="0"/>
@@ -10795,57 +11964,33 @@
             </a:r>
           </a:p>
           <a:p>
-            <a:pPr marL="0" marR="0" lvl="0" indent="0" defTabSz="914400" eaLnBrk="1" fontAlgn="auto" latinLnBrk="0" hangingPunct="1">
-              <a:lnSpc>
-                <a:spcPct val="100000"/>
-              </a:lnSpc>
-              <a:spcBef>
-                <a:spcPts val="0"/>
-              </a:spcBef>
-              <a:spcAft>
-                <a:spcPts val="0"/>
-              </a:spcAft>
-              <a:buClrTx/>
-              <a:buSzTx/>
-              <a:buFontTx/>
-              <a:buNone/>
-              <a:tabLst/>
-              <a:defRPr/>
+            <a:pPr marL="0" indent="0">
+              <a:buNone/>
             </a:pPr>
             <a:r>
               <a:rPr lang="en-US" dirty="0"/>
               <a:t>	</a:t>
             </a:r>
             <a:r>
-              <a:rPr lang="en-US" dirty="0" smtClean="0"/>
-              <a:t>goodcode1.py goodcode2.py </a:t>
-            </a:r>
-            <a:r>
               <a:rPr lang="en-US" dirty="0" err="1" smtClean="0"/>
-              <a:t>badcode.py</a:t>
+              <a:t>data.dat</a:t>
             </a:r>
             <a:r>
               <a:rPr lang="en-US" dirty="0" smtClean="0"/>
               <a:t> </a:t>
             </a:r>
-          </a:p>
-          <a:p>
-            <a:pPr marL="0" marR="0" lvl="0" indent="0" defTabSz="914400" eaLnBrk="1" fontAlgn="auto" latinLnBrk="0" hangingPunct="1">
-              <a:lnSpc>
-                <a:spcPct val="100000"/>
-              </a:lnSpc>
-              <a:spcBef>
-                <a:spcPts val="0"/>
-              </a:spcBef>
-              <a:spcAft>
-                <a:spcPts val="0"/>
-              </a:spcAft>
-              <a:buClrTx/>
-              <a:buSzTx/>
-              <a:buFontTx/>
-              <a:buNone/>
-              <a:tabLst/>
-              <a:defRPr/>
+            <a:r>
+              <a:rPr lang="en-US" dirty="0" err="1" smtClean="0"/>
+              <a:t>result.out</a:t>
+            </a:r>
+            <a:r>
+              <a:rPr lang="en-US" dirty="0" smtClean="0"/>
+              <a:t> somecode1.py </a:t>
+            </a:r>
+          </a:p>
+          <a:p>
+            <a:pPr marL="0" indent="0">
+              <a:buNone/>
             </a:pPr>
             <a:r>
               <a:rPr lang="en-US" dirty="0"/>
@@ -10857,7 +12002,7 @@
             </a:r>
             <a:r>
               <a:rPr lang="en-US" dirty="0" err="1" smtClean="0"/>
-              <a:t>rm</a:t>
+              <a:t>cp</a:t>
             </a:r>
             <a:r>
               <a:rPr lang="en-US" dirty="0" smtClean="0"/>
@@ -10865,30 +12010,24 @@
             </a:r>
             <a:r>
               <a:rPr lang="en-US" dirty="0" err="1" smtClean="0"/>
-              <a:t>badcode.py</a:t>
+              <a:t>result.out</a:t>
             </a:r>
             <a:r>
               <a:rPr lang="en-US" dirty="0" smtClean="0"/>
               <a:t> </a:t>
             </a:r>
-          </a:p>
-          <a:p>
-            <a:pPr marL="0" marR="0" lvl="0" indent="0" defTabSz="914400" eaLnBrk="1" fontAlgn="auto" latinLnBrk="0" hangingPunct="1">
-              <a:lnSpc>
-                <a:spcPct val="100000"/>
-              </a:lnSpc>
-              <a:spcBef>
-                <a:spcPts val="0"/>
-              </a:spcBef>
-              <a:spcAft>
-                <a:spcPts val="0"/>
-              </a:spcAft>
-              <a:buClrTx/>
-              <a:buSzTx/>
-              <a:buFontTx/>
-              <a:buNone/>
-              <a:tabLst/>
-              <a:defRPr/>
+            <a:r>
+              <a:rPr lang="en-US" dirty="0" err="1" smtClean="0"/>
+              <a:t>copy.out</a:t>
+            </a:r>
+            <a:r>
+              <a:rPr lang="en-US" dirty="0" smtClean="0"/>
+              <a:t> </a:t>
+            </a:r>
+          </a:p>
+          <a:p>
+            <a:pPr marL="0" indent="0">
+              <a:buNone/>
             </a:pPr>
             <a:r>
               <a:rPr lang="en-US" dirty="0"/>
@@ -10900,39 +12039,44 @@
             </a:r>
           </a:p>
           <a:p>
-            <a:pPr marL="0" marR="0" lvl="0" indent="0" defTabSz="914400" eaLnBrk="1" fontAlgn="auto" latinLnBrk="0" hangingPunct="1">
-              <a:lnSpc>
-                <a:spcPct val="100000"/>
-              </a:lnSpc>
-              <a:spcBef>
-                <a:spcPts val="0"/>
-              </a:spcBef>
-              <a:spcAft>
-                <a:spcPts val="0"/>
-              </a:spcAft>
-              <a:buClrTx/>
-              <a:buSzTx/>
-              <a:buFontTx/>
-              <a:buNone/>
-              <a:tabLst/>
-              <a:defRPr/>
+            <a:pPr marL="0" indent="0">
+              <a:buNone/>
             </a:pPr>
             <a:r>
               <a:rPr lang="en-US" dirty="0"/>
-              <a:t>	</a:t>
-            </a:r>
-            <a:r>
-              <a:rPr lang="en-US" dirty="0" smtClean="0"/>
-              <a:t>goodcode1.py goodcode2.py </a:t>
-            </a:r>
-            <a:endParaRPr lang="en-US" dirty="0"/>
+              <a:t>	 </a:t>
+            </a:r>
+            <a:r>
+              <a:rPr lang="en-US" dirty="0" err="1" smtClean="0"/>
+              <a:t>copy.out</a:t>
+            </a:r>
+            <a:r>
+              <a:rPr lang="en-US" dirty="0" smtClean="0"/>
+              <a:t> </a:t>
+            </a:r>
+            <a:r>
+              <a:rPr lang="en-US" dirty="0" err="1" smtClean="0"/>
+              <a:t>data.dat</a:t>
+            </a:r>
+            <a:r>
+              <a:rPr lang="en-US" dirty="0" smtClean="0"/>
+              <a:t> </a:t>
+            </a:r>
+            <a:r>
+              <a:rPr lang="en-US" dirty="0" err="1" smtClean="0"/>
+              <a:t>result.out</a:t>
+            </a:r>
+            <a:r>
+              <a:rPr lang="en-US" dirty="0" smtClean="0"/>
+              <a:t> somecode1.py </a:t>
+            </a:r>
           </a:p>
         </p:txBody>
       </p:sp>
     </p:spTree>
     <p:extLst>
       <p:ext uri="{BB962C8B-B14F-4D97-AF65-F5344CB8AC3E}">
-        <p14:creationId xmlns:p14="http://schemas.microsoft.com/office/powerpoint/2010/main" val="1429540826"/>
+        <p14:creationId xmlns:p14="http://schemas.microsoft.com/office/powerpoint/2010/main" val="133284566"/>
       </p:ext>
     </p:extLst>
   </p:cSld>

--- a/slides/terminal.pptx
+++ b/slides/terminal.pptx
@@ -407,7 +407,7 @@
           <a:p>
             <a:fld id="{51673806-0BCD-1F42-BAA8-2011034B3C6A}" type="datetimeFigureOut">
               <a:rPr lang="en-US" smtClean="0"/>
-              <a:t>5/6/20</a:t>
+              <a:t>5/7/20</a:t>
             </a:fld>
             <a:endParaRPr lang="en-US"/>
           </a:p>
@@ -821,7 +821,7 @@
           <a:p>
             <a:fld id="{51673806-0BCD-1F42-BAA8-2011034B3C6A}" type="datetimeFigureOut">
               <a:rPr lang="en-US" smtClean="0"/>
-              <a:t>5/6/20</a:t>
+              <a:t>5/7/20</a:t>
             </a:fld>
             <a:endParaRPr lang="en-US"/>
           </a:p>
@@ -1152,7 +1152,7 @@
           <a:p>
             <a:fld id="{51673806-0BCD-1F42-BAA8-2011034B3C6A}" type="datetimeFigureOut">
               <a:rPr lang="en-US" smtClean="0"/>
-              <a:t>5/6/20</a:t>
+              <a:t>5/7/20</a:t>
             </a:fld>
             <a:endParaRPr lang="en-US"/>
           </a:p>
@@ -1552,7 +1552,7 @@
           <a:p>
             <a:fld id="{51673806-0BCD-1F42-BAA8-2011034B3C6A}" type="datetimeFigureOut">
               <a:rPr lang="en-US" smtClean="0"/>
-              <a:t>5/6/20</a:t>
+              <a:t>5/7/20</a:t>
             </a:fld>
             <a:endParaRPr lang="en-US"/>
           </a:p>
@@ -2115,7 +2115,7 @@
           <a:p>
             <a:fld id="{51673806-0BCD-1F42-BAA8-2011034B3C6A}" type="datetimeFigureOut">
               <a:rPr lang="en-US" smtClean="0"/>
-              <a:t>5/6/20</a:t>
+              <a:t>5/7/20</a:t>
             </a:fld>
             <a:endParaRPr lang="en-US"/>
           </a:p>
@@ -2791,7 +2791,7 @@
           <a:p>
             <a:fld id="{51673806-0BCD-1F42-BAA8-2011034B3C6A}" type="datetimeFigureOut">
               <a:rPr lang="en-US" smtClean="0"/>
-              <a:t>5/6/20</a:t>
+              <a:t>5/7/20</a:t>
             </a:fld>
             <a:endParaRPr lang="en-US"/>
           </a:p>
@@ -3699,7 +3699,7 @@
           <a:p>
             <a:fld id="{51673806-0BCD-1F42-BAA8-2011034B3C6A}" type="datetimeFigureOut">
               <a:rPr lang="en-US" smtClean="0"/>
-              <a:t>5/6/20</a:t>
+              <a:t>5/7/20</a:t>
             </a:fld>
             <a:endParaRPr lang="en-US"/>
           </a:p>
@@ -4007,7 +4007,7 @@
           <a:p>
             <a:fld id="{51673806-0BCD-1F42-BAA8-2011034B3C6A}" type="datetimeFigureOut">
               <a:rPr lang="en-US" smtClean="0"/>
-              <a:t>5/6/20</a:t>
+              <a:t>5/7/20</a:t>
             </a:fld>
             <a:endParaRPr lang="en-US"/>
           </a:p>
@@ -4266,7 +4266,7 @@
           <a:p>
             <a:fld id="{51673806-0BCD-1F42-BAA8-2011034B3C6A}" type="datetimeFigureOut">
               <a:rPr lang="en-US" smtClean="0"/>
-              <a:t>5/6/20</a:t>
+              <a:t>5/7/20</a:t>
             </a:fld>
             <a:endParaRPr lang="en-US"/>
           </a:p>
@@ -4589,7 +4589,7 @@
           <a:p>
             <a:fld id="{51673806-0BCD-1F42-BAA8-2011034B3C6A}" type="datetimeFigureOut">
               <a:rPr lang="en-US" smtClean="0"/>
-              <a:t>5/6/20</a:t>
+              <a:t>5/7/20</a:t>
             </a:fld>
             <a:endParaRPr lang="en-US"/>
           </a:p>
@@ -4973,7 +4973,7 @@
           <a:p>
             <a:fld id="{51673806-0BCD-1F42-BAA8-2011034B3C6A}" type="datetimeFigureOut">
               <a:rPr lang="en-US" smtClean="0"/>
-              <a:t>5/6/20</a:t>
+              <a:t>5/7/20</a:t>
             </a:fld>
             <a:endParaRPr lang="en-US"/>
           </a:p>
@@ -5349,7 +5349,7 @@
           <a:p>
             <a:fld id="{51673806-0BCD-1F42-BAA8-2011034B3C6A}" type="datetimeFigureOut">
               <a:rPr lang="en-US" smtClean="0"/>
-              <a:t>5/6/20</a:t>
+              <a:t>5/7/20</a:t>
             </a:fld>
             <a:endParaRPr lang="en-US"/>
           </a:p>
@@ -5855,7 +5855,7 @@
           <a:p>
             <a:fld id="{51673806-0BCD-1F42-BAA8-2011034B3C6A}" type="datetimeFigureOut">
               <a:rPr lang="en-US" smtClean="0"/>
-              <a:t>5/6/20</a:t>
+              <a:t>5/7/20</a:t>
             </a:fld>
             <a:endParaRPr lang="en-US"/>
           </a:p>
@@ -6112,7 +6112,7 @@
           <a:p>
             <a:fld id="{51673806-0BCD-1F42-BAA8-2011034B3C6A}" type="datetimeFigureOut">
               <a:rPr lang="en-US" smtClean="0"/>
-              <a:t>5/6/20</a:t>
+              <a:t>5/7/20</a:t>
             </a:fld>
             <a:endParaRPr lang="en-US"/>
           </a:p>
@@ -6270,7 +6270,7 @@
           <a:p>
             <a:fld id="{51673806-0BCD-1F42-BAA8-2011034B3C6A}" type="datetimeFigureOut">
               <a:rPr lang="en-US" smtClean="0"/>
-              <a:t>5/6/20</a:t>
+              <a:t>5/7/20</a:t>
             </a:fld>
             <a:endParaRPr lang="en-US"/>
           </a:p>
@@ -6660,7 +6660,7 @@
           <a:p>
             <a:fld id="{51673806-0BCD-1F42-BAA8-2011034B3C6A}" type="datetimeFigureOut">
               <a:rPr lang="en-US" smtClean="0"/>
-              <a:t>5/6/20</a:t>
+              <a:t>5/7/20</a:t>
             </a:fld>
             <a:endParaRPr lang="en-US"/>
           </a:p>
@@ -7069,7 +7069,7 @@
           <a:p>
             <a:fld id="{51673806-0BCD-1F42-BAA8-2011034B3C6A}" type="datetimeFigureOut">
               <a:rPr lang="en-US" smtClean="0"/>
-              <a:t>5/6/20</a:t>
+              <a:t>5/7/20</a:t>
             </a:fld>
             <a:endParaRPr lang="en-US"/>
           </a:p>
@@ -7317,7 +7317,7 @@
             <a:fld id="{51673806-0BCD-1F42-BAA8-2011034B3C6A}" type="datetimeFigureOut">
               <a:rPr lang="en-US" smtClean="0"/>
               <a:pPr/>
-              <a:t>5/6/20</a:t>
+              <a:t>5/7/20</a:t>
             </a:fld>
             <a:endParaRPr lang="en-US" dirty="0"/>
           </a:p>
@@ -9533,7 +9533,19 @@
             </a:r>
             <a:r>
               <a:rPr lang="en-US" dirty="0" smtClean="0"/>
-              <a:t> runs the </a:t>
+              <a:t> </a:t>
+            </a:r>
+            <a:r>
+              <a:rPr lang="en-US" dirty="0" smtClean="0"/>
+              <a:t>causes</a:t>
+            </a:r>
+            <a:r>
+              <a:rPr lang="en-US" dirty="0" smtClean="0"/>
+              <a:t> </a:t>
+            </a:r>
+            <a:r>
+              <a:rPr lang="en-US" dirty="0" smtClean="0"/>
+              <a:t>the </a:t>
             </a:r>
             <a:r>
               <a:rPr lang="en-US" dirty="0" err="1" smtClean="0"/>
@@ -9541,7 +9553,15 @@
             </a:r>
             <a:r>
               <a:rPr lang="en-US" dirty="0" smtClean="0"/>
-              <a:t> file on launching command line </a:t>
+              <a:t> file </a:t>
+            </a:r>
+            <a:r>
+              <a:rPr lang="en-US" dirty="0" smtClean="0"/>
+              <a:t>to run on </a:t>
+            </a:r>
+            <a:r>
+              <a:rPr lang="en-US" dirty="0" smtClean="0"/>
+              <a:t>launching command line </a:t>
             </a:r>
             <a:endParaRPr lang="en-US" i="1" dirty="0" smtClean="0"/>
           </a:p>
@@ -9619,7 +9639,27 @@
             </a:pPr>
             <a:r>
               <a:rPr lang="en-US" dirty="0" smtClean="0"/>
-              <a:t>Disclaimer: Developers are starting to recommend Windows users move away from MS-DOS terminals and toward Unix terminals. Windows Terminal is a part of this. </a:t>
+              <a:t>Disclaimer: </a:t>
+            </a:r>
+            <a:r>
+              <a:rPr lang="en-US" dirty="0" smtClean="0"/>
+              <a:t>If you’re an astronomer, Bash </a:t>
+            </a:r>
+            <a:r>
+              <a:rPr lang="en-US" i="1" dirty="0" smtClean="0"/>
+              <a:t>is</a:t>
+            </a:r>
+            <a:r>
+              <a:rPr lang="en-US" dirty="0" smtClean="0"/>
+              <a:t> </a:t>
+            </a:r>
+            <a:r>
+              <a:rPr lang="en-US" i="1" dirty="0" smtClean="0"/>
+              <a:t>better </a:t>
+            </a:r>
+            <a:r>
+              <a:rPr lang="en-US" dirty="0" smtClean="0"/>
+              <a:t>than PowerShell. This will vary in other fields, but astronomers use Unix-based operating systems. </a:t>
             </a:r>
             <a:endParaRPr lang="en-US" dirty="0"/>
           </a:p>

--- a/slides/terminal.pptx
+++ b/slides/terminal.pptx
@@ -407,7 +407,7 @@
           <a:p>
             <a:fld id="{51673806-0BCD-1F42-BAA8-2011034B3C6A}" type="datetimeFigureOut">
               <a:rPr lang="en-US" smtClean="0"/>
-              <a:t>5/7/20</a:t>
+              <a:t>5/11/20</a:t>
             </a:fld>
             <a:endParaRPr lang="en-US"/>
           </a:p>
@@ -821,7 +821,7 @@
           <a:p>
             <a:fld id="{51673806-0BCD-1F42-BAA8-2011034B3C6A}" type="datetimeFigureOut">
               <a:rPr lang="en-US" smtClean="0"/>
-              <a:t>5/7/20</a:t>
+              <a:t>5/11/20</a:t>
             </a:fld>
             <a:endParaRPr lang="en-US"/>
           </a:p>
@@ -1152,7 +1152,7 @@
           <a:p>
             <a:fld id="{51673806-0BCD-1F42-BAA8-2011034B3C6A}" type="datetimeFigureOut">
               <a:rPr lang="en-US" smtClean="0"/>
-              <a:t>5/7/20</a:t>
+              <a:t>5/11/20</a:t>
             </a:fld>
             <a:endParaRPr lang="en-US"/>
           </a:p>
@@ -1552,7 +1552,7 @@
           <a:p>
             <a:fld id="{51673806-0BCD-1F42-BAA8-2011034B3C6A}" type="datetimeFigureOut">
               <a:rPr lang="en-US" smtClean="0"/>
-              <a:t>5/7/20</a:t>
+              <a:t>5/11/20</a:t>
             </a:fld>
             <a:endParaRPr lang="en-US"/>
           </a:p>
@@ -2115,7 +2115,7 @@
           <a:p>
             <a:fld id="{51673806-0BCD-1F42-BAA8-2011034B3C6A}" type="datetimeFigureOut">
               <a:rPr lang="en-US" smtClean="0"/>
-              <a:t>5/7/20</a:t>
+              <a:t>5/11/20</a:t>
             </a:fld>
             <a:endParaRPr lang="en-US"/>
           </a:p>
@@ -2791,7 +2791,7 @@
           <a:p>
             <a:fld id="{51673806-0BCD-1F42-BAA8-2011034B3C6A}" type="datetimeFigureOut">
               <a:rPr lang="en-US" smtClean="0"/>
-              <a:t>5/7/20</a:t>
+              <a:t>5/11/20</a:t>
             </a:fld>
             <a:endParaRPr lang="en-US"/>
           </a:p>
@@ -3699,7 +3699,7 @@
           <a:p>
             <a:fld id="{51673806-0BCD-1F42-BAA8-2011034B3C6A}" type="datetimeFigureOut">
               <a:rPr lang="en-US" smtClean="0"/>
-              <a:t>5/7/20</a:t>
+              <a:t>5/11/20</a:t>
             </a:fld>
             <a:endParaRPr lang="en-US"/>
           </a:p>
@@ -4007,7 +4007,7 @@
           <a:p>
             <a:fld id="{51673806-0BCD-1F42-BAA8-2011034B3C6A}" type="datetimeFigureOut">
               <a:rPr lang="en-US" smtClean="0"/>
-              <a:t>5/7/20</a:t>
+              <a:t>5/11/20</a:t>
             </a:fld>
             <a:endParaRPr lang="en-US"/>
           </a:p>
@@ -4266,7 +4266,7 @@
           <a:p>
             <a:fld id="{51673806-0BCD-1F42-BAA8-2011034B3C6A}" type="datetimeFigureOut">
               <a:rPr lang="en-US" smtClean="0"/>
-              <a:t>5/7/20</a:t>
+              <a:t>5/11/20</a:t>
             </a:fld>
             <a:endParaRPr lang="en-US"/>
           </a:p>
@@ -4589,7 +4589,7 @@
           <a:p>
             <a:fld id="{51673806-0BCD-1F42-BAA8-2011034B3C6A}" type="datetimeFigureOut">
               <a:rPr lang="en-US" smtClean="0"/>
-              <a:t>5/7/20</a:t>
+              <a:t>5/11/20</a:t>
             </a:fld>
             <a:endParaRPr lang="en-US"/>
           </a:p>
@@ -4973,7 +4973,7 @@
           <a:p>
             <a:fld id="{51673806-0BCD-1F42-BAA8-2011034B3C6A}" type="datetimeFigureOut">
               <a:rPr lang="en-US" smtClean="0"/>
-              <a:t>5/7/20</a:t>
+              <a:t>5/11/20</a:t>
             </a:fld>
             <a:endParaRPr lang="en-US"/>
           </a:p>
@@ -5349,7 +5349,7 @@
           <a:p>
             <a:fld id="{51673806-0BCD-1F42-BAA8-2011034B3C6A}" type="datetimeFigureOut">
               <a:rPr lang="en-US" smtClean="0"/>
-              <a:t>5/7/20</a:t>
+              <a:t>5/11/20</a:t>
             </a:fld>
             <a:endParaRPr lang="en-US"/>
           </a:p>
@@ -5855,7 +5855,7 @@
           <a:p>
             <a:fld id="{51673806-0BCD-1F42-BAA8-2011034B3C6A}" type="datetimeFigureOut">
               <a:rPr lang="en-US" smtClean="0"/>
-              <a:t>5/7/20</a:t>
+              <a:t>5/11/20</a:t>
             </a:fld>
             <a:endParaRPr lang="en-US"/>
           </a:p>
@@ -6112,7 +6112,7 @@
           <a:p>
             <a:fld id="{51673806-0BCD-1F42-BAA8-2011034B3C6A}" type="datetimeFigureOut">
               <a:rPr lang="en-US" smtClean="0"/>
-              <a:t>5/7/20</a:t>
+              <a:t>5/11/20</a:t>
             </a:fld>
             <a:endParaRPr lang="en-US"/>
           </a:p>
@@ -6270,7 +6270,7 @@
           <a:p>
             <a:fld id="{51673806-0BCD-1F42-BAA8-2011034B3C6A}" type="datetimeFigureOut">
               <a:rPr lang="en-US" smtClean="0"/>
-              <a:t>5/7/20</a:t>
+              <a:t>5/11/20</a:t>
             </a:fld>
             <a:endParaRPr lang="en-US"/>
           </a:p>
@@ -6660,7 +6660,7 @@
           <a:p>
             <a:fld id="{51673806-0BCD-1F42-BAA8-2011034B3C6A}" type="datetimeFigureOut">
               <a:rPr lang="en-US" smtClean="0"/>
-              <a:t>5/7/20</a:t>
+              <a:t>5/11/20</a:t>
             </a:fld>
             <a:endParaRPr lang="en-US"/>
           </a:p>
@@ -7069,7 +7069,7 @@
           <a:p>
             <a:fld id="{51673806-0BCD-1F42-BAA8-2011034B3C6A}" type="datetimeFigureOut">
               <a:rPr lang="en-US" smtClean="0"/>
-              <a:t>5/7/20</a:t>
+              <a:t>5/11/20</a:t>
             </a:fld>
             <a:endParaRPr lang="en-US"/>
           </a:p>
@@ -7317,7 +7317,7 @@
             <a:fld id="{51673806-0BCD-1F42-BAA8-2011034B3C6A}" type="datetimeFigureOut">
               <a:rPr lang="en-US" smtClean="0"/>
               <a:pPr/>
-              <a:t>5/7/20</a:t>
+              <a:t>5/11/20</a:t>
             </a:fld>
             <a:endParaRPr lang="en-US" dirty="0"/>
           </a:p>
@@ -9266,6 +9266,19 @@
               <a:rPr lang="en-US" dirty="0" smtClean="0"/>
               <a:t> </a:t>
             </a:r>
+            <a:r>
+              <a:rPr lang="en-US" dirty="0" smtClean="0"/>
+              <a:t>(can also use ~/.</a:t>
+            </a:r>
+            <a:r>
+              <a:rPr lang="en-US" dirty="0" err="1" smtClean="0"/>
+              <a:t>bashrc</a:t>
+            </a:r>
+            <a:r>
+              <a:rPr lang="en-US" dirty="0" smtClean="0"/>
+              <a:t>) </a:t>
+            </a:r>
+            <a:endParaRPr lang="en-US" dirty="0" smtClean="0"/>
           </a:p>
           <a:p>
             <a:pPr marL="0" indent="0">
@@ -9533,19 +9546,7 @@
             </a:r>
             <a:r>
               <a:rPr lang="en-US" dirty="0" smtClean="0"/>
-              <a:t> </a:t>
-            </a:r>
-            <a:r>
-              <a:rPr lang="en-US" dirty="0" smtClean="0"/>
-              <a:t>causes</a:t>
-            </a:r>
-            <a:r>
-              <a:rPr lang="en-US" dirty="0" smtClean="0"/>
-              <a:t> </a:t>
-            </a:r>
-            <a:r>
-              <a:rPr lang="en-US" dirty="0" smtClean="0"/>
-              <a:t>the </a:t>
+              <a:t> causes the </a:t>
             </a:r>
             <a:r>
               <a:rPr lang="en-US" dirty="0" err="1" smtClean="0"/>
@@ -9553,15 +9554,7 @@
             </a:r>
             <a:r>
               <a:rPr lang="en-US" dirty="0" smtClean="0"/>
-              <a:t> file </a:t>
-            </a:r>
-            <a:r>
-              <a:rPr lang="en-US" dirty="0" smtClean="0"/>
-              <a:t>to run on </a:t>
-            </a:r>
-            <a:r>
-              <a:rPr lang="en-US" dirty="0" smtClean="0"/>
-              <a:t>launching command line </a:t>
+              <a:t> file to run on launching command line </a:t>
             </a:r>
             <a:endParaRPr lang="en-US" i="1" dirty="0" smtClean="0"/>
           </a:p>
@@ -9639,11 +9632,15 @@
             </a:pPr>
             <a:r>
               <a:rPr lang="en-US" dirty="0" smtClean="0"/>
-              <a:t>Disclaimer: </a:t>
-            </a:r>
-            <a:r>
-              <a:rPr lang="en-US" dirty="0" smtClean="0"/>
-              <a:t>If you’re an astronomer, Bash </a:t>
+              <a:t>Disclaimer: If you’re an astronomer, </a:t>
+            </a:r>
+            <a:r>
+              <a:rPr lang="en-US" dirty="0"/>
+              <a:t>b</a:t>
+            </a:r>
+            <a:r>
+              <a:rPr lang="en-US" dirty="0" smtClean="0"/>
+              <a:t>ash </a:t>
             </a:r>
             <a:r>
               <a:rPr lang="en-US" i="1" dirty="0" smtClean="0"/>
@@ -9654,12 +9651,24 @@
               <a:t> </a:t>
             </a:r>
             <a:r>
+              <a:rPr lang="en-US" dirty="0" smtClean="0"/>
+              <a:t>a </a:t>
+            </a:r>
+            <a:r>
               <a:rPr lang="en-US" i="1" dirty="0" smtClean="0"/>
-              <a:t>better </a:t>
-            </a:r>
-            <a:r>
-              <a:rPr lang="en-US" dirty="0" smtClean="0"/>
-              <a:t>than PowerShell. This will vary in other fields, but astronomers use Unix-based operating systems. </a:t>
+              <a:t>better choice </a:t>
+            </a:r>
+            <a:r>
+              <a:rPr lang="en-US" dirty="0" smtClean="0"/>
+              <a:t>than PowerShell. This will vary in other fields, but </a:t>
+            </a:r>
+            <a:r>
+              <a:rPr lang="en-US" dirty="0" smtClean="0"/>
+              <a:t>astronomy uses </a:t>
+            </a:r>
+            <a:r>
+              <a:rPr lang="en-US" dirty="0" smtClean="0"/>
+              <a:t>Unix-based operating systems. </a:t>
             </a:r>
             <a:endParaRPr lang="en-US" dirty="0"/>
           </a:p>
@@ -10098,8 +10107,21 @@
             </a:pPr>
             <a:r>
               <a:rPr lang="en-US" dirty="0" smtClean="0"/>
-              <a:t>PATH: directories where your computer looks for executables and (more importantly) python code separated by colons </a:t>
-            </a:r>
+              <a:t>PATH: directories where your computer looks for executables and (more importantly) python code </a:t>
+            </a:r>
+            <a:r>
+              <a:rPr lang="en-US" dirty="0" smtClean="0"/>
+              <a:t>(separated </a:t>
+            </a:r>
+            <a:r>
+              <a:rPr lang="en-US" dirty="0" smtClean="0"/>
+              <a:t>by </a:t>
+            </a:r>
+            <a:r>
+              <a:rPr lang="en-US" dirty="0" smtClean="0"/>
+              <a:t>colons) </a:t>
+            </a:r>
+            <a:endParaRPr lang="en-US" dirty="0" smtClean="0"/>
           </a:p>
           <a:p>
             <a:pPr marL="0" indent="0">
@@ -10141,7 +10163,15 @@
             </a:r>
             <a:r>
               <a:rPr lang="en-US" dirty="0" smtClean="0"/>
-              <a:t>export PYTHONPATH=“~/path/to/my/python/code”:$PYTHONPATH </a:t>
+              <a:t>export PYTHONPATH</a:t>
+            </a:r>
+            <a:r>
+              <a:rPr lang="en-US" dirty="0" smtClean="0"/>
+              <a:t>=~/path/to/my/python/code:$</a:t>
+            </a:r>
+            <a:r>
+              <a:rPr lang="en-US" dirty="0" smtClean="0"/>
+              <a:t>PYTHONPATH </a:t>
             </a:r>
           </a:p>
           <a:p>
@@ -10156,7 +10186,19 @@
             </a:pPr>
             <a:r>
               <a:rPr lang="en-US" dirty="0" smtClean="0"/>
-              <a:t>1 million brownie points to whoever knows why PYTHONPATH appears on the right here </a:t>
+              <a:t>1 million brownie points to whoever knows </a:t>
+            </a:r>
+            <a:r>
+              <a:rPr lang="en-US" smtClean="0"/>
+              <a:t>why </a:t>
+            </a:r>
+            <a:r>
+              <a:rPr lang="en-US" smtClean="0"/>
+              <a:t>$PYTHONPATH </a:t>
+            </a:r>
+            <a:r>
+              <a:rPr lang="en-US" dirty="0" smtClean="0"/>
+              <a:t>appears on the right here </a:t>
             </a:r>
             <a:endParaRPr lang="en-US" dirty="0"/>
           </a:p>
@@ -10562,7 +10604,15 @@
             </a:r>
             <a:r>
               <a:rPr lang="en-US" dirty="0" smtClean="0"/>
-              <a:t>this cheat sheet will take you from one to the other </a:t>
+              <a:t>this cheat sheet will take </a:t>
+            </a:r>
+            <a:r>
+              <a:rPr lang="en-US" dirty="0" smtClean="0"/>
+              <a:t>simple commands from </a:t>
+            </a:r>
+            <a:r>
+              <a:rPr lang="en-US" dirty="0" smtClean="0"/>
+              <a:t>one to the other </a:t>
             </a:r>
           </a:p>
           <a:p>

--- a/slides/terminal.pptx
+++ b/slides/terminal.pptx
@@ -4,6 +4,9 @@
   <p:sldMasterIdLst>
     <p:sldMasterId id="2147484294" r:id="rId1"/>
   </p:sldMasterIdLst>
+  <p:notesMasterIdLst>
+    <p:notesMasterId r:id="rId20"/>
+  </p:notesMasterIdLst>
   <p:sldIdLst>
     <p:sldId id="256" r:id="rId2"/>
     <p:sldId id="257" r:id="rId3"/>
@@ -129,6 +132,448 @@
 </p:presentation>
 </file>
 
+<file path=ppt/notesMasters/notesMaster1.xml><?xml version="1.0" encoding="utf-8"?>
+<p:notesMaster xmlns:a="http://schemas.openxmlformats.org/drawingml/2006/main" xmlns:r="http://schemas.openxmlformats.org/officeDocument/2006/relationships" xmlns:p="http://schemas.openxmlformats.org/presentationml/2006/main">
+  <p:cSld>
+    <p:bg>
+      <p:bgRef idx="1001">
+        <a:schemeClr val="bg1"/>
+      </p:bgRef>
+    </p:bg>
+    <p:spTree>
+      <p:nvGrpSpPr>
+        <p:cNvPr id="1" name=""/>
+        <p:cNvGrpSpPr/>
+        <p:nvPr/>
+      </p:nvGrpSpPr>
+      <p:grpSpPr>
+        <a:xfrm>
+          <a:off x="0" y="0"/>
+          <a:ext cx="0" cy="0"/>
+          <a:chOff x="0" y="0"/>
+          <a:chExt cx="0" cy="0"/>
+        </a:xfrm>
+      </p:grpSpPr>
+      <p:sp>
+        <p:nvSpPr>
+          <p:cNvPr id="2" name="Header Placeholder 1"/>
+          <p:cNvSpPr>
+            <a:spLocks noGrp="1"/>
+          </p:cNvSpPr>
+          <p:nvPr>
+            <p:ph type="hdr" sz="quarter"/>
+          </p:nvPr>
+        </p:nvSpPr>
+        <p:spPr>
+          <a:xfrm>
+            <a:off x="0" y="0"/>
+            <a:ext cx="2971800" cy="458788"/>
+          </a:xfrm>
+          <a:prstGeom prst="rect">
+            <a:avLst/>
+          </a:prstGeom>
+        </p:spPr>
+        <p:txBody>
+          <a:bodyPr vert="horz" lIns="91440" tIns="45720" rIns="91440" bIns="45720" rtlCol="0"/>
+          <a:lstStyle>
+            <a:lvl1pPr algn="l">
+              <a:defRPr sz="1200"/>
+            </a:lvl1pPr>
+          </a:lstStyle>
+          <a:p>
+            <a:endParaRPr lang="en-US"/>
+          </a:p>
+        </p:txBody>
+      </p:sp>
+      <p:sp>
+        <p:nvSpPr>
+          <p:cNvPr id="3" name="Date Placeholder 2"/>
+          <p:cNvSpPr>
+            <a:spLocks noGrp="1"/>
+          </p:cNvSpPr>
+          <p:nvPr>
+            <p:ph type="dt" idx="1"/>
+          </p:nvPr>
+        </p:nvSpPr>
+        <p:spPr>
+          <a:xfrm>
+            <a:off x="3884613" y="0"/>
+            <a:ext cx="2971800" cy="458788"/>
+          </a:xfrm>
+          <a:prstGeom prst="rect">
+            <a:avLst/>
+          </a:prstGeom>
+        </p:spPr>
+        <p:txBody>
+          <a:bodyPr vert="horz" lIns="91440" tIns="45720" rIns="91440" bIns="45720" rtlCol="0"/>
+          <a:lstStyle>
+            <a:lvl1pPr algn="r">
+              <a:defRPr sz="1200"/>
+            </a:lvl1pPr>
+          </a:lstStyle>
+          <a:p>
+            <a:fld id="{6C47881A-27B6-E34F-9EF6-BF109EBF38B9}" type="datetimeFigureOut">
+              <a:rPr lang="en-US" smtClean="0"/>
+              <a:t>4/30/21</a:t>
+            </a:fld>
+            <a:endParaRPr lang="en-US"/>
+          </a:p>
+        </p:txBody>
+      </p:sp>
+      <p:sp>
+        <p:nvSpPr>
+          <p:cNvPr id="4" name="Slide Image Placeholder 3"/>
+          <p:cNvSpPr>
+            <a:spLocks noGrp="1" noRot="1" noChangeAspect="1"/>
+          </p:cNvSpPr>
+          <p:nvPr>
+            <p:ph type="sldImg" idx="2"/>
+          </p:nvPr>
+        </p:nvSpPr>
+        <p:spPr>
+          <a:xfrm>
+            <a:off x="685800" y="1143000"/>
+            <a:ext cx="5486400" cy="3086100"/>
+          </a:xfrm>
+          <a:prstGeom prst="rect">
+            <a:avLst/>
+          </a:prstGeom>
+          <a:noFill/>
+          <a:ln w="12700">
+            <a:solidFill>
+              <a:prstClr val="black"/>
+            </a:solidFill>
+          </a:ln>
+        </p:spPr>
+        <p:txBody>
+          <a:bodyPr vert="horz" lIns="91440" tIns="45720" rIns="91440" bIns="45720" rtlCol="0" anchor="ctr"/>
+          <a:lstStyle/>
+          <a:p>
+            <a:endParaRPr lang="en-US"/>
+          </a:p>
+        </p:txBody>
+      </p:sp>
+      <p:sp>
+        <p:nvSpPr>
+          <p:cNvPr id="5" name="Notes Placeholder 4"/>
+          <p:cNvSpPr>
+            <a:spLocks noGrp="1"/>
+          </p:cNvSpPr>
+          <p:nvPr>
+            <p:ph type="body" sz="quarter" idx="3"/>
+          </p:nvPr>
+        </p:nvSpPr>
+        <p:spPr>
+          <a:xfrm>
+            <a:off x="685800" y="4400550"/>
+            <a:ext cx="5486400" cy="3600450"/>
+          </a:xfrm>
+          <a:prstGeom prst="rect">
+            <a:avLst/>
+          </a:prstGeom>
+        </p:spPr>
+        <p:txBody>
+          <a:bodyPr vert="horz" lIns="91440" tIns="45720" rIns="91440" bIns="45720" rtlCol="0"/>
+          <a:lstStyle/>
+          <a:p>
+            <a:pPr lvl="0"/>
+            <a:r>
+              <a:rPr lang="en-US" smtClean="0"/>
+              <a:t>Click to edit Master text styles</a:t>
+            </a:r>
+          </a:p>
+          <a:p>
+            <a:pPr lvl="1"/>
+            <a:r>
+              <a:rPr lang="en-US" smtClean="0"/>
+              <a:t>Second level</a:t>
+            </a:r>
+          </a:p>
+          <a:p>
+            <a:pPr lvl="2"/>
+            <a:r>
+              <a:rPr lang="en-US" smtClean="0"/>
+              <a:t>Third level</a:t>
+            </a:r>
+          </a:p>
+          <a:p>
+            <a:pPr lvl="3"/>
+            <a:r>
+              <a:rPr lang="en-US" smtClean="0"/>
+              <a:t>Fourth level</a:t>
+            </a:r>
+          </a:p>
+          <a:p>
+            <a:pPr lvl="4"/>
+            <a:r>
+              <a:rPr lang="en-US" smtClean="0"/>
+              <a:t>Fifth level</a:t>
+            </a:r>
+            <a:endParaRPr lang="en-US"/>
+          </a:p>
+        </p:txBody>
+      </p:sp>
+      <p:sp>
+        <p:nvSpPr>
+          <p:cNvPr id="6" name="Footer Placeholder 5"/>
+          <p:cNvSpPr>
+            <a:spLocks noGrp="1"/>
+          </p:cNvSpPr>
+          <p:nvPr>
+            <p:ph type="ftr" sz="quarter" idx="4"/>
+          </p:nvPr>
+        </p:nvSpPr>
+        <p:spPr>
+          <a:xfrm>
+            <a:off x="0" y="8685213"/>
+            <a:ext cx="2971800" cy="458787"/>
+          </a:xfrm>
+          <a:prstGeom prst="rect">
+            <a:avLst/>
+          </a:prstGeom>
+        </p:spPr>
+        <p:txBody>
+          <a:bodyPr vert="horz" lIns="91440" tIns="45720" rIns="91440" bIns="45720" rtlCol="0" anchor="b"/>
+          <a:lstStyle>
+            <a:lvl1pPr algn="l">
+              <a:defRPr sz="1200"/>
+            </a:lvl1pPr>
+          </a:lstStyle>
+          <a:p>
+            <a:endParaRPr lang="en-US"/>
+          </a:p>
+        </p:txBody>
+      </p:sp>
+      <p:sp>
+        <p:nvSpPr>
+          <p:cNvPr id="7" name="Slide Number Placeholder 6"/>
+          <p:cNvSpPr>
+            <a:spLocks noGrp="1"/>
+          </p:cNvSpPr>
+          <p:nvPr>
+            <p:ph type="sldNum" sz="quarter" idx="5"/>
+          </p:nvPr>
+        </p:nvSpPr>
+        <p:spPr>
+          <a:xfrm>
+            <a:off x="3884613" y="8685213"/>
+            <a:ext cx="2971800" cy="458787"/>
+          </a:xfrm>
+          <a:prstGeom prst="rect">
+            <a:avLst/>
+          </a:prstGeom>
+        </p:spPr>
+        <p:txBody>
+          <a:bodyPr vert="horz" lIns="91440" tIns="45720" rIns="91440" bIns="45720" rtlCol="0" anchor="b"/>
+          <a:lstStyle>
+            <a:lvl1pPr algn="r">
+              <a:defRPr sz="1200"/>
+            </a:lvl1pPr>
+          </a:lstStyle>
+          <a:p>
+            <a:fld id="{76A41E2A-9760-1B43-867A-973D47E0F35B}" type="slidenum">
+              <a:rPr lang="en-US" smtClean="0"/>
+              <a:t>‹#›</a:t>
+            </a:fld>
+            <a:endParaRPr lang="en-US"/>
+          </a:p>
+        </p:txBody>
+      </p:sp>
+    </p:spTree>
+    <p:extLst>
+      <p:ext uri="{BB962C8B-B14F-4D97-AF65-F5344CB8AC3E}">
+        <p14:creationId xmlns:p14="http://schemas.microsoft.com/office/powerpoint/2010/main" val="1565839756"/>
+      </p:ext>
+    </p:extLst>
+  </p:cSld>
+  <p:clrMap bg1="lt1" tx1="dk1" bg2="lt2" tx2="dk2" accent1="accent1" accent2="accent2" accent3="accent3" accent4="accent4" accent5="accent5" accent6="accent6" hlink="hlink" folHlink="folHlink"/>
+  <p:notesStyle>
+    <a:lvl1pPr marL="0" algn="l" defTabSz="914400" rtl="0" eaLnBrk="1" latinLnBrk="0" hangingPunct="1">
+      <a:defRPr sz="1200" kern="1200">
+        <a:solidFill>
+          <a:schemeClr val="tx1"/>
+        </a:solidFill>
+        <a:latin typeface="+mn-lt"/>
+        <a:ea typeface="+mn-ea"/>
+        <a:cs typeface="+mn-cs"/>
+      </a:defRPr>
+    </a:lvl1pPr>
+    <a:lvl2pPr marL="457200" algn="l" defTabSz="914400" rtl="0" eaLnBrk="1" latinLnBrk="0" hangingPunct="1">
+      <a:defRPr sz="1200" kern="1200">
+        <a:solidFill>
+          <a:schemeClr val="tx1"/>
+        </a:solidFill>
+        <a:latin typeface="+mn-lt"/>
+        <a:ea typeface="+mn-ea"/>
+        <a:cs typeface="+mn-cs"/>
+      </a:defRPr>
+    </a:lvl2pPr>
+    <a:lvl3pPr marL="914400" algn="l" defTabSz="914400" rtl="0" eaLnBrk="1" latinLnBrk="0" hangingPunct="1">
+      <a:defRPr sz="1200" kern="1200">
+        <a:solidFill>
+          <a:schemeClr val="tx1"/>
+        </a:solidFill>
+        <a:latin typeface="+mn-lt"/>
+        <a:ea typeface="+mn-ea"/>
+        <a:cs typeface="+mn-cs"/>
+      </a:defRPr>
+    </a:lvl3pPr>
+    <a:lvl4pPr marL="1371600" algn="l" defTabSz="914400" rtl="0" eaLnBrk="1" latinLnBrk="0" hangingPunct="1">
+      <a:defRPr sz="1200" kern="1200">
+        <a:solidFill>
+          <a:schemeClr val="tx1"/>
+        </a:solidFill>
+        <a:latin typeface="+mn-lt"/>
+        <a:ea typeface="+mn-ea"/>
+        <a:cs typeface="+mn-cs"/>
+      </a:defRPr>
+    </a:lvl4pPr>
+    <a:lvl5pPr marL="1828800" algn="l" defTabSz="914400" rtl="0" eaLnBrk="1" latinLnBrk="0" hangingPunct="1">
+      <a:defRPr sz="1200" kern="1200">
+        <a:solidFill>
+          <a:schemeClr val="tx1"/>
+        </a:solidFill>
+        <a:latin typeface="+mn-lt"/>
+        <a:ea typeface="+mn-ea"/>
+        <a:cs typeface="+mn-cs"/>
+      </a:defRPr>
+    </a:lvl5pPr>
+    <a:lvl6pPr marL="2286000" algn="l" defTabSz="914400" rtl="0" eaLnBrk="1" latinLnBrk="0" hangingPunct="1">
+      <a:defRPr sz="1200" kern="1200">
+        <a:solidFill>
+          <a:schemeClr val="tx1"/>
+        </a:solidFill>
+        <a:latin typeface="+mn-lt"/>
+        <a:ea typeface="+mn-ea"/>
+        <a:cs typeface="+mn-cs"/>
+      </a:defRPr>
+    </a:lvl6pPr>
+    <a:lvl7pPr marL="2743200" algn="l" defTabSz="914400" rtl="0" eaLnBrk="1" latinLnBrk="0" hangingPunct="1">
+      <a:defRPr sz="1200" kern="1200">
+        <a:solidFill>
+          <a:schemeClr val="tx1"/>
+        </a:solidFill>
+        <a:latin typeface="+mn-lt"/>
+        <a:ea typeface="+mn-ea"/>
+        <a:cs typeface="+mn-cs"/>
+      </a:defRPr>
+    </a:lvl7pPr>
+    <a:lvl8pPr marL="3200400" algn="l" defTabSz="914400" rtl="0" eaLnBrk="1" latinLnBrk="0" hangingPunct="1">
+      <a:defRPr sz="1200" kern="1200">
+        <a:solidFill>
+          <a:schemeClr val="tx1"/>
+        </a:solidFill>
+        <a:latin typeface="+mn-lt"/>
+        <a:ea typeface="+mn-ea"/>
+        <a:cs typeface="+mn-cs"/>
+      </a:defRPr>
+    </a:lvl8pPr>
+    <a:lvl9pPr marL="3657600" algn="l" defTabSz="914400" rtl="0" eaLnBrk="1" latinLnBrk="0" hangingPunct="1">
+      <a:defRPr sz="1200" kern="1200">
+        <a:solidFill>
+          <a:schemeClr val="tx1"/>
+        </a:solidFill>
+        <a:latin typeface="+mn-lt"/>
+        <a:ea typeface="+mn-ea"/>
+        <a:cs typeface="+mn-cs"/>
+      </a:defRPr>
+    </a:lvl9pPr>
+  </p:notesStyle>
+</p:notesMaster>
+</file>
+
+<file path=ppt/notesSlides/notesSlide1.xml><?xml version="1.0" encoding="utf-8"?>
+<p:notes xmlns:a="http://schemas.openxmlformats.org/drawingml/2006/main" xmlns:r="http://schemas.openxmlformats.org/officeDocument/2006/relationships" xmlns:p="http://schemas.openxmlformats.org/presentationml/2006/main">
+  <p:cSld>
+    <p:spTree>
+      <p:nvGrpSpPr>
+        <p:cNvPr id="1" name=""/>
+        <p:cNvGrpSpPr/>
+        <p:nvPr/>
+      </p:nvGrpSpPr>
+      <p:grpSpPr>
+        <a:xfrm>
+          <a:off x="0" y="0"/>
+          <a:ext cx="0" cy="0"/>
+          <a:chOff x="0" y="0"/>
+          <a:chExt cx="0" cy="0"/>
+        </a:xfrm>
+      </p:grpSpPr>
+      <p:sp>
+        <p:nvSpPr>
+          <p:cNvPr id="2" name="Slide Image Placeholder 1"/>
+          <p:cNvSpPr>
+            <a:spLocks noGrp="1" noRot="1" noChangeAspect="1"/>
+          </p:cNvSpPr>
+          <p:nvPr>
+            <p:ph type="sldImg"/>
+          </p:nvPr>
+        </p:nvSpPr>
+        <p:spPr/>
+      </p:sp>
+      <p:sp>
+        <p:nvSpPr>
+          <p:cNvPr id="3" name="Notes Placeholder 2"/>
+          <p:cNvSpPr>
+            <a:spLocks noGrp="1"/>
+          </p:cNvSpPr>
+          <p:nvPr>
+            <p:ph type="body" idx="1"/>
+          </p:nvPr>
+        </p:nvSpPr>
+        <p:spPr/>
+        <p:txBody>
+          <a:bodyPr/>
+          <a:lstStyle/>
+          <a:p>
+            <a:r>
+              <a:rPr lang="en-US" dirty="0" smtClean="0"/>
+              <a:t>The reason for the differences is that Mac</a:t>
+            </a:r>
+            <a:r>
+              <a:rPr lang="en-US" baseline="0" dirty="0" smtClean="0"/>
+              <a:t> OS and Linux OS’s are derived from the Unix kernel, whereas Windows OS is derived from the DOS kernel (Disk Operating System). We won’t go into too much detail on this, but the kernel is more or less an additional layer between the hardware and the operating system. Happy to answer questions on this at the end of the session. </a:t>
+            </a:r>
+            <a:endParaRPr lang="en-US" dirty="0"/>
+          </a:p>
+        </p:txBody>
+      </p:sp>
+      <p:sp>
+        <p:nvSpPr>
+          <p:cNvPr id="4" name="Slide Number Placeholder 3"/>
+          <p:cNvSpPr>
+            <a:spLocks noGrp="1"/>
+          </p:cNvSpPr>
+          <p:nvPr>
+            <p:ph type="sldNum" sz="quarter" idx="10"/>
+          </p:nvPr>
+        </p:nvSpPr>
+        <p:spPr/>
+        <p:txBody>
+          <a:bodyPr/>
+          <a:lstStyle/>
+          <a:p>
+            <a:fld id="{76A41E2A-9760-1B43-867A-973D47E0F35B}" type="slidenum">
+              <a:rPr lang="en-US" smtClean="0"/>
+              <a:t>3</a:t>
+            </a:fld>
+            <a:endParaRPr lang="en-US"/>
+          </a:p>
+        </p:txBody>
+      </p:sp>
+    </p:spTree>
+    <p:extLst>
+      <p:ext uri="{BB962C8B-B14F-4D97-AF65-F5344CB8AC3E}">
+        <p14:creationId xmlns:p14="http://schemas.microsoft.com/office/powerpoint/2010/main" val="1804168754"/>
+      </p:ext>
+    </p:extLst>
+  </p:cSld>
+  <p:clrMapOvr>
+    <a:masterClrMapping/>
+  </p:clrMapOvr>
+</p:notes>
+</file>
+
 <file path=ppt/slideLayouts/slideLayout1.xml><?xml version="1.0" encoding="utf-8"?>
 <p:sldLayout xmlns:a="http://schemas.openxmlformats.org/drawingml/2006/main" xmlns:r="http://schemas.openxmlformats.org/officeDocument/2006/relationships" xmlns:p="http://schemas.openxmlformats.org/presentationml/2006/main" type="title" preserve="1">
   <p:cSld name="Title Slide">
@@ -407,7 +852,7 @@
           <a:p>
             <a:fld id="{51673806-0BCD-1F42-BAA8-2011034B3C6A}" type="datetimeFigureOut">
               <a:rPr lang="en-US" smtClean="0"/>
-              <a:t>5/11/20</a:t>
+              <a:t>4/30/21</a:t>
             </a:fld>
             <a:endParaRPr lang="en-US"/>
           </a:p>
@@ -821,7 +1266,7 @@
           <a:p>
             <a:fld id="{51673806-0BCD-1F42-BAA8-2011034B3C6A}" type="datetimeFigureOut">
               <a:rPr lang="en-US" smtClean="0"/>
-              <a:t>5/11/20</a:t>
+              <a:t>4/30/21</a:t>
             </a:fld>
             <a:endParaRPr lang="en-US"/>
           </a:p>
@@ -1152,7 +1597,7 @@
           <a:p>
             <a:fld id="{51673806-0BCD-1F42-BAA8-2011034B3C6A}" type="datetimeFigureOut">
               <a:rPr lang="en-US" smtClean="0"/>
-              <a:t>5/11/20</a:t>
+              <a:t>4/30/21</a:t>
             </a:fld>
             <a:endParaRPr lang="en-US"/>
           </a:p>
@@ -1552,7 +1997,7 @@
           <a:p>
             <a:fld id="{51673806-0BCD-1F42-BAA8-2011034B3C6A}" type="datetimeFigureOut">
               <a:rPr lang="en-US" smtClean="0"/>
-              <a:t>5/11/20</a:t>
+              <a:t>4/30/21</a:t>
             </a:fld>
             <a:endParaRPr lang="en-US"/>
           </a:p>
@@ -2115,7 +2560,7 @@
           <a:p>
             <a:fld id="{51673806-0BCD-1F42-BAA8-2011034B3C6A}" type="datetimeFigureOut">
               <a:rPr lang="en-US" smtClean="0"/>
-              <a:t>5/11/20</a:t>
+              <a:t>4/30/21</a:t>
             </a:fld>
             <a:endParaRPr lang="en-US"/>
           </a:p>
@@ -2791,7 +3236,7 @@
           <a:p>
             <a:fld id="{51673806-0BCD-1F42-BAA8-2011034B3C6A}" type="datetimeFigureOut">
               <a:rPr lang="en-US" smtClean="0"/>
-              <a:t>5/11/20</a:t>
+              <a:t>4/30/21</a:t>
             </a:fld>
             <a:endParaRPr lang="en-US"/>
           </a:p>
@@ -3699,7 +4144,7 @@
           <a:p>
             <a:fld id="{51673806-0BCD-1F42-BAA8-2011034B3C6A}" type="datetimeFigureOut">
               <a:rPr lang="en-US" smtClean="0"/>
-              <a:t>5/11/20</a:t>
+              <a:t>4/30/21</a:t>
             </a:fld>
             <a:endParaRPr lang="en-US"/>
           </a:p>
@@ -4007,7 +4452,7 @@
           <a:p>
             <a:fld id="{51673806-0BCD-1F42-BAA8-2011034B3C6A}" type="datetimeFigureOut">
               <a:rPr lang="en-US" smtClean="0"/>
-              <a:t>5/11/20</a:t>
+              <a:t>4/30/21</a:t>
             </a:fld>
             <a:endParaRPr lang="en-US"/>
           </a:p>
@@ -4266,7 +4711,7 @@
           <a:p>
             <a:fld id="{51673806-0BCD-1F42-BAA8-2011034B3C6A}" type="datetimeFigureOut">
               <a:rPr lang="en-US" smtClean="0"/>
-              <a:t>5/11/20</a:t>
+              <a:t>4/30/21</a:t>
             </a:fld>
             <a:endParaRPr lang="en-US"/>
           </a:p>
@@ -4589,7 +5034,7 @@
           <a:p>
             <a:fld id="{51673806-0BCD-1F42-BAA8-2011034B3C6A}" type="datetimeFigureOut">
               <a:rPr lang="en-US" smtClean="0"/>
-              <a:t>5/11/20</a:t>
+              <a:t>4/30/21</a:t>
             </a:fld>
             <a:endParaRPr lang="en-US"/>
           </a:p>
@@ -4973,7 +5418,7 @@
           <a:p>
             <a:fld id="{51673806-0BCD-1F42-BAA8-2011034B3C6A}" type="datetimeFigureOut">
               <a:rPr lang="en-US" smtClean="0"/>
-              <a:t>5/11/20</a:t>
+              <a:t>4/30/21</a:t>
             </a:fld>
             <a:endParaRPr lang="en-US"/>
           </a:p>
@@ -5349,7 +5794,7 @@
           <a:p>
             <a:fld id="{51673806-0BCD-1F42-BAA8-2011034B3C6A}" type="datetimeFigureOut">
               <a:rPr lang="en-US" smtClean="0"/>
-              <a:t>5/11/20</a:t>
+              <a:t>4/30/21</a:t>
             </a:fld>
             <a:endParaRPr lang="en-US"/>
           </a:p>
@@ -5855,7 +6300,7 @@
           <a:p>
             <a:fld id="{51673806-0BCD-1F42-BAA8-2011034B3C6A}" type="datetimeFigureOut">
               <a:rPr lang="en-US" smtClean="0"/>
-              <a:t>5/11/20</a:t>
+              <a:t>4/30/21</a:t>
             </a:fld>
             <a:endParaRPr lang="en-US"/>
           </a:p>
@@ -6112,7 +6557,7 @@
           <a:p>
             <a:fld id="{51673806-0BCD-1F42-BAA8-2011034B3C6A}" type="datetimeFigureOut">
               <a:rPr lang="en-US" smtClean="0"/>
-              <a:t>5/11/20</a:t>
+              <a:t>4/30/21</a:t>
             </a:fld>
             <a:endParaRPr lang="en-US"/>
           </a:p>
@@ -6270,7 +6715,7 @@
           <a:p>
             <a:fld id="{51673806-0BCD-1F42-BAA8-2011034B3C6A}" type="datetimeFigureOut">
               <a:rPr lang="en-US" smtClean="0"/>
-              <a:t>5/11/20</a:t>
+              <a:t>4/30/21</a:t>
             </a:fld>
             <a:endParaRPr lang="en-US"/>
           </a:p>
@@ -6660,7 +7105,7 @@
           <a:p>
             <a:fld id="{51673806-0BCD-1F42-BAA8-2011034B3C6A}" type="datetimeFigureOut">
               <a:rPr lang="en-US" smtClean="0"/>
-              <a:t>5/11/20</a:t>
+              <a:t>4/30/21</a:t>
             </a:fld>
             <a:endParaRPr lang="en-US"/>
           </a:p>
@@ -7069,7 +7514,7 @@
           <a:p>
             <a:fld id="{51673806-0BCD-1F42-BAA8-2011034B3C6A}" type="datetimeFigureOut">
               <a:rPr lang="en-US" smtClean="0"/>
-              <a:t>5/11/20</a:t>
+              <a:t>4/30/21</a:t>
             </a:fld>
             <a:endParaRPr lang="en-US"/>
           </a:p>
@@ -7317,7 +7762,7 @@
             <a:fld id="{51673806-0BCD-1F42-BAA8-2011034B3C6A}" type="datetimeFigureOut">
               <a:rPr lang="en-US" smtClean="0"/>
               <a:pPr/>
-              <a:t>5/11/20</a:t>
+              <a:t>4/30/21</a:t>
             </a:fld>
             <a:endParaRPr lang="en-US" dirty="0"/>
           </a:p>
@@ -7781,8 +8226,16 @@
           <a:lstStyle/>
           <a:p>
             <a:r>
+              <a:rPr lang="en-US"/>
+              <a:t>SURP </a:t>
+            </a:r>
+            <a:r>
+              <a:rPr lang="en-US" smtClean="0"/>
+              <a:t>2021 </a:t>
+            </a:r>
+            <a:r>
               <a:rPr lang="en-US" dirty="0"/>
-              <a:t>SURP 2020 Python Bootcamp</a:t>
+              <a:t>Python Bootcamp</a:t>
             </a:r>
           </a:p>
           <a:p>
@@ -9264,11 +9717,7 @@
             </a:r>
             <a:r>
               <a:rPr lang="en-US" dirty="0" smtClean="0"/>
-              <a:t> </a:t>
-            </a:r>
-            <a:r>
-              <a:rPr lang="en-US" dirty="0" smtClean="0"/>
-              <a:t>(can also use ~/.</a:t>
+              <a:t> (can also use ~/.</a:t>
             </a:r>
             <a:r>
               <a:rPr lang="en-US" dirty="0" err="1" smtClean="0"/>
@@ -9278,7 +9727,6 @@
               <a:rPr lang="en-US" dirty="0" smtClean="0"/>
               <a:t>) </a:t>
             </a:r>
-            <a:endParaRPr lang="en-US" dirty="0" smtClean="0"/>
           </a:p>
           <a:p>
             <a:pPr marL="0" indent="0">
@@ -9648,11 +10096,7 @@
             </a:r>
             <a:r>
               <a:rPr lang="en-US" dirty="0" smtClean="0"/>
-              <a:t> </a:t>
-            </a:r>
-            <a:r>
-              <a:rPr lang="en-US" dirty="0" smtClean="0"/>
-              <a:t>a </a:t>
+              <a:t> a </a:t>
             </a:r>
             <a:r>
               <a:rPr lang="en-US" i="1" dirty="0" smtClean="0"/>
@@ -9660,15 +10104,7 @@
             </a:r>
             <a:r>
               <a:rPr lang="en-US" dirty="0" smtClean="0"/>
-              <a:t>than PowerShell. This will vary in other fields, but </a:t>
-            </a:r>
-            <a:r>
-              <a:rPr lang="en-US" dirty="0" smtClean="0"/>
-              <a:t>astronomy uses </a:t>
-            </a:r>
-            <a:r>
-              <a:rPr lang="en-US" dirty="0" smtClean="0"/>
-              <a:t>Unix-based operating systems. </a:t>
+              <a:t>than PowerShell. This will vary in other fields, but astronomy uses Unix-based operating systems. </a:t>
             </a:r>
             <a:endParaRPr lang="en-US" dirty="0"/>
           </a:p>
@@ -9767,7 +10203,7 @@
             </a:pPr>
             <a:r>
               <a:rPr lang="en-US" dirty="0" smtClean="0"/>
-              <a:t>Can create on in your terminal independent of your bash profile, but putting them there makes them permanent </a:t>
+              <a:t>Can create one in your terminal independent of your bash profile, but putting them there makes them permanent </a:t>
             </a:r>
           </a:p>
           <a:p>
@@ -10014,7 +10450,7 @@
             </a:pPr>
             <a:r>
               <a:rPr lang="en-US" dirty="0" smtClean="0"/>
-              <a:t>Can be accessed in python via </a:t>
+              <a:t>Can be accessed in Python via </a:t>
             </a:r>
             <a:r>
               <a:rPr lang="en-US" dirty="0" err="1" smtClean="0"/>
@@ -10107,21 +10543,8 @@
             </a:pPr>
             <a:r>
               <a:rPr lang="en-US" dirty="0" smtClean="0"/>
-              <a:t>PATH: directories where your computer looks for executables and (more importantly) python code </a:t>
-            </a:r>
-            <a:r>
-              <a:rPr lang="en-US" dirty="0" smtClean="0"/>
-              <a:t>(separated </a:t>
-            </a:r>
-            <a:r>
-              <a:rPr lang="en-US" dirty="0" smtClean="0"/>
-              <a:t>by </a:t>
-            </a:r>
-            <a:r>
-              <a:rPr lang="en-US" dirty="0" smtClean="0"/>
-              <a:t>colons) </a:t>
-            </a:r>
-            <a:endParaRPr lang="en-US" dirty="0" smtClean="0"/>
+              <a:t>PATH: directories where your computer looks for executables and (more importantly) python code (separated by colons) </a:t>
+            </a:r>
           </a:p>
           <a:p>
             <a:pPr marL="0" indent="0">
@@ -10163,15 +10586,7 @@
             </a:r>
             <a:r>
               <a:rPr lang="en-US" dirty="0" smtClean="0"/>
-              <a:t>export PYTHONPATH</a:t>
-            </a:r>
-            <a:r>
-              <a:rPr lang="en-US" dirty="0" smtClean="0"/>
-              <a:t>=~/path/to/my/python/code:$</a:t>
-            </a:r>
-            <a:r>
-              <a:rPr lang="en-US" dirty="0" smtClean="0"/>
-              <a:t>PYTHONPATH </a:t>
+              <a:t>export PYTHONPATH=~/path/to/my/python/code:$PYTHONPATH </a:t>
             </a:r>
           </a:p>
           <a:p>
@@ -10190,11 +10605,7 @@
             </a:r>
             <a:r>
               <a:rPr lang="en-US" smtClean="0"/>
-              <a:t>why </a:t>
-            </a:r>
-            <a:r>
-              <a:rPr lang="en-US" smtClean="0"/>
-              <a:t>$PYTHONPATH </a:t>
+              <a:t>why $PYTHONPATH </a:t>
             </a:r>
             <a:r>
               <a:rPr lang="en-US" dirty="0" smtClean="0"/>
@@ -10457,20 +10868,20 @@
             </a:r>
             <a:r>
               <a:rPr lang="en-US" dirty="0" smtClean="0"/>
-              <a:t> to access a bash environment in Windows, you need the Windows Terminal application </a:t>
+              <a:t> to access a bash environment in Windows, you need the Windows Subsystem for Linux (WSL) </a:t>
             </a:r>
           </a:p>
           <a:p>
             <a:pPr lvl="1"/>
             <a:r>
               <a:rPr lang="en-US" dirty="0">
-                <a:hlinkClick r:id="rId2"/>
+                <a:hlinkClick r:id="rId3"/>
               </a:rPr>
               <a:t>https://</a:t>
             </a:r>
             <a:r>
               <a:rPr lang="en-US" dirty="0" smtClean="0">
-                <a:hlinkClick r:id="rId2"/>
+                <a:hlinkClick r:id="rId3"/>
               </a:rPr>
               <a:t>www.microsoft.com/en-us/p/windows-terminal-preview/9n0dx20hk701?activetab=pivot:overviewtab</a:t>
             </a:r>
@@ -10604,15 +11015,7 @@
             </a:r>
             <a:r>
               <a:rPr lang="en-US" dirty="0" smtClean="0"/>
-              <a:t>this cheat sheet will take </a:t>
-            </a:r>
-            <a:r>
-              <a:rPr lang="en-US" dirty="0" smtClean="0"/>
-              <a:t>simple commands from </a:t>
-            </a:r>
-            <a:r>
-              <a:rPr lang="en-US" dirty="0" smtClean="0"/>
-              <a:t>one to the other </a:t>
+              <a:t>this cheat sheet will take simple commands from one to the other </a:t>
             </a:r>
           </a:p>
           <a:p>
@@ -10798,7 +11201,12 @@
             <p:ph idx="1"/>
           </p:nvPr>
         </p:nvSpPr>
-        <p:spPr/>
+        <p:spPr>
+          <a:xfrm>
+            <a:off x="680321" y="2336872"/>
+            <a:ext cx="9613861" cy="4306815"/>
+          </a:xfrm>
+        </p:spPr>
         <p:txBody>
           <a:bodyPr/>
           <a:lstStyle/>
@@ -10865,7 +11273,42 @@
             </a:r>
             <a:r>
               <a:rPr lang="en-US" dirty="0" smtClean="0"/>
-              <a:t>/ </a:t>
+              <a:t>/</a:t>
+            </a:r>
+          </a:p>
+          <a:p>
+            <a:pPr marL="0" indent="0">
+              <a:buNone/>
+            </a:pPr>
+            <a:endParaRPr lang="en-US" dirty="0"/>
+          </a:p>
+          <a:p>
+            <a:pPr marL="0" indent="0">
+              <a:buNone/>
+            </a:pPr>
+            <a:r>
+              <a:rPr lang="en-US" dirty="0" smtClean="0"/>
+              <a:t> Note: Windows users should be careful not to confuse this with Python’s </a:t>
+            </a:r>
+            <a:r>
+              <a:rPr lang="en-US" i="1" dirty="0" err="1" smtClean="0"/>
+              <a:t>os.chdir</a:t>
+            </a:r>
+            <a:r>
+              <a:rPr lang="en-US" dirty="0" smtClean="0"/>
+              <a:t> function, whose function is to</a:t>
+            </a:r>
+            <a:r>
+              <a:rPr lang="en-US" i="1" dirty="0"/>
+              <a:t> </a:t>
+            </a:r>
+            <a:r>
+              <a:rPr lang="en-US" i="1" dirty="0" smtClean="0"/>
+              <a:t>change</a:t>
+            </a:r>
+            <a:r>
+              <a:rPr lang="en-US" dirty="0" smtClean="0"/>
+              <a:t> directories </a:t>
             </a:r>
             <a:endParaRPr lang="en-US" dirty="0"/>
           </a:p>
@@ -12428,4 +12871,265 @@
     </a:ext>
   </a:extLst>
 </a:theme>
+</file>
+
+<file path=ppt/theme/theme2.xml><?xml version="1.0" encoding="utf-8"?>
+<a:theme xmlns:a="http://schemas.openxmlformats.org/drawingml/2006/main" name="Office Theme">
+  <a:themeElements>
+    <a:clrScheme name="Office">
+      <a:dk1>
+        <a:sysClr val="windowText" lastClr="000000"/>
+      </a:dk1>
+      <a:lt1>
+        <a:sysClr val="window" lastClr="FFFFFF"/>
+      </a:lt1>
+      <a:dk2>
+        <a:srgbClr val="44546A"/>
+      </a:dk2>
+      <a:lt2>
+        <a:srgbClr val="E7E6E6"/>
+      </a:lt2>
+      <a:accent1>
+        <a:srgbClr val="4472C4"/>
+      </a:accent1>
+      <a:accent2>
+        <a:srgbClr val="ED7D31"/>
+      </a:accent2>
+      <a:accent3>
+        <a:srgbClr val="A5A5A5"/>
+      </a:accent3>
+      <a:accent4>
+        <a:srgbClr val="FFC000"/>
+      </a:accent4>
+      <a:accent5>
+        <a:srgbClr val="5B9BD5"/>
+      </a:accent5>
+      <a:accent6>
+        <a:srgbClr val="70AD47"/>
+      </a:accent6>
+      <a:hlink>
+        <a:srgbClr val="0563C1"/>
+      </a:hlink>
+      <a:folHlink>
+        <a:srgbClr val="954F72"/>
+      </a:folHlink>
+    </a:clrScheme>
+    <a:fontScheme name="Office">
+      <a:majorFont>
+        <a:latin typeface="Calibri Light" panose="020F0302020204030204"/>
+        <a:ea typeface=""/>
+        <a:cs typeface=""/>
+        <a:font script="Jpan" typeface="Yu Gothic Light"/>
+        <a:font script="Hang" typeface="맑은 고딕"/>
+        <a:font script="Hans" typeface="DengXian Light"/>
+        <a:font script="Hant" typeface="新細明體"/>
+        <a:font script="Arab" typeface="Times New Roman"/>
+        <a:font script="Hebr" typeface="Times New Roman"/>
+        <a:font script="Thai" typeface="Angsana New"/>
+        <a:font script="Ethi" typeface="Nyala"/>
+        <a:font script="Beng" typeface="Vrinda"/>
+        <a:font script="Gujr" typeface="Shruti"/>
+        <a:font script="Khmr" typeface="MoolBoran"/>
+        <a:font script="Knda" typeface="Tunga"/>
+        <a:font script="Guru" typeface="Raavi"/>
+        <a:font script="Cans" typeface="Euphemia"/>
+        <a:font script="Cher" typeface="Plantagenet Cherokee"/>
+        <a:font script="Yiii" typeface="Microsoft Yi Baiti"/>
+        <a:font script="Tibt" typeface="Microsoft Himalaya"/>
+        <a:font script="Thaa" typeface="MV Boli"/>
+        <a:font script="Deva" typeface="Mangal"/>
+        <a:font script="Telu" typeface="Gautami"/>
+        <a:font script="Taml" typeface="Latha"/>
+        <a:font script="Syrc" typeface="Estrangelo Edessa"/>
+        <a:font script="Orya" typeface="Kalinga"/>
+        <a:font script="Mlym" typeface="Kartika"/>
+        <a:font script="Laoo" typeface="DokChampa"/>
+        <a:font script="Sinh" typeface="Iskoola Pota"/>
+        <a:font script="Mong" typeface="Mongolian Baiti"/>
+        <a:font script="Viet" typeface="Times New Roman"/>
+        <a:font script="Uigh" typeface="Microsoft Uighur"/>
+        <a:font script="Geor" typeface="Sylfaen"/>
+      </a:majorFont>
+      <a:minorFont>
+        <a:latin typeface="Calibri" panose="020F0502020204030204"/>
+        <a:ea typeface=""/>
+        <a:cs typeface=""/>
+        <a:font script="Jpan" typeface="Yu Gothic"/>
+        <a:font script="Hang" typeface="맑은 고딕"/>
+        <a:font script="Hans" typeface="DengXian"/>
+        <a:font script="Hant" typeface="新細明體"/>
+        <a:font script="Arab" typeface="Arial"/>
+        <a:font script="Hebr" typeface="Arial"/>
+        <a:font script="Thai" typeface="Cordia New"/>
+        <a:font script="Ethi" typeface="Nyala"/>
+        <a:font script="Beng" typeface="Vrinda"/>
+        <a:font script="Gujr" typeface="Shruti"/>
+        <a:font script="Khmr" typeface="DaunPenh"/>
+        <a:font script="Knda" typeface="Tunga"/>
+        <a:font script="Guru" typeface="Raavi"/>
+        <a:font script="Cans" typeface="Euphemia"/>
+        <a:font script="Cher" typeface="Plantagenet Cherokee"/>
+        <a:font script="Yiii" typeface="Microsoft Yi Baiti"/>
+        <a:font script="Tibt" typeface="Microsoft Himalaya"/>
+        <a:font script="Thaa" typeface="MV Boli"/>
+        <a:font script="Deva" typeface="Mangal"/>
+        <a:font script="Telu" typeface="Gautami"/>
+        <a:font script="Taml" typeface="Latha"/>
+        <a:font script="Syrc" typeface="Estrangelo Edessa"/>
+        <a:font script="Orya" typeface="Kalinga"/>
+        <a:font script="Mlym" typeface="Kartika"/>
+        <a:font script="Laoo" typeface="DokChampa"/>
+        <a:font script="Sinh" typeface="Iskoola Pota"/>
+        <a:font script="Mong" typeface="Mongolian Baiti"/>
+        <a:font script="Viet" typeface="Arial"/>
+        <a:font script="Uigh" typeface="Microsoft Uighur"/>
+        <a:font script="Geor" typeface="Sylfaen"/>
+      </a:minorFont>
+    </a:fontScheme>
+    <a:fmtScheme name="Office">
+      <a:fillStyleLst>
+        <a:solidFill>
+          <a:schemeClr val="phClr"/>
+        </a:solidFill>
+        <a:gradFill rotWithShape="1">
+          <a:gsLst>
+            <a:gs pos="0">
+              <a:schemeClr val="phClr">
+                <a:lumMod val="110000"/>
+                <a:satMod val="105000"/>
+                <a:tint val="67000"/>
+              </a:schemeClr>
+            </a:gs>
+            <a:gs pos="50000">
+              <a:schemeClr val="phClr">
+                <a:lumMod val="105000"/>
+                <a:satMod val="103000"/>
+                <a:tint val="73000"/>
+              </a:schemeClr>
+            </a:gs>
+            <a:gs pos="100000">
+              <a:schemeClr val="phClr">
+                <a:lumMod val="105000"/>
+                <a:satMod val="109000"/>
+                <a:tint val="81000"/>
+              </a:schemeClr>
+            </a:gs>
+          </a:gsLst>
+          <a:lin ang="5400000" scaled="0"/>
+        </a:gradFill>
+        <a:gradFill rotWithShape="1">
+          <a:gsLst>
+            <a:gs pos="0">
+              <a:schemeClr val="phClr">
+                <a:satMod val="103000"/>
+                <a:lumMod val="102000"/>
+                <a:tint val="94000"/>
+              </a:schemeClr>
+            </a:gs>
+            <a:gs pos="50000">
+              <a:schemeClr val="phClr">
+                <a:satMod val="110000"/>
+                <a:lumMod val="100000"/>
+                <a:shade val="100000"/>
+              </a:schemeClr>
+            </a:gs>
+            <a:gs pos="100000">
+              <a:schemeClr val="phClr">
+                <a:lumMod val="99000"/>
+                <a:satMod val="120000"/>
+                <a:shade val="78000"/>
+              </a:schemeClr>
+            </a:gs>
+          </a:gsLst>
+          <a:lin ang="5400000" scaled="0"/>
+        </a:gradFill>
+      </a:fillStyleLst>
+      <a:lnStyleLst>
+        <a:ln w="6350" cap="flat" cmpd="sng" algn="ctr">
+          <a:solidFill>
+            <a:schemeClr val="phClr"/>
+          </a:solidFill>
+          <a:prstDash val="solid"/>
+          <a:miter lim="800000"/>
+        </a:ln>
+        <a:ln w="12700" cap="flat" cmpd="sng" algn="ctr">
+          <a:solidFill>
+            <a:schemeClr val="phClr"/>
+          </a:solidFill>
+          <a:prstDash val="solid"/>
+          <a:miter lim="800000"/>
+        </a:ln>
+        <a:ln w="19050" cap="flat" cmpd="sng" algn="ctr">
+          <a:solidFill>
+            <a:schemeClr val="phClr"/>
+          </a:solidFill>
+          <a:prstDash val="solid"/>
+          <a:miter lim="800000"/>
+        </a:ln>
+      </a:lnStyleLst>
+      <a:effectStyleLst>
+        <a:effectStyle>
+          <a:effectLst/>
+        </a:effectStyle>
+        <a:effectStyle>
+          <a:effectLst/>
+        </a:effectStyle>
+        <a:effectStyle>
+          <a:effectLst>
+            <a:outerShdw blurRad="57150" dist="19050" dir="5400000" algn="ctr" rotWithShape="0">
+              <a:srgbClr val="000000">
+                <a:alpha val="63000"/>
+              </a:srgbClr>
+            </a:outerShdw>
+          </a:effectLst>
+        </a:effectStyle>
+      </a:effectStyleLst>
+      <a:bgFillStyleLst>
+        <a:solidFill>
+          <a:schemeClr val="phClr"/>
+        </a:solidFill>
+        <a:solidFill>
+          <a:schemeClr val="phClr">
+            <a:tint val="95000"/>
+            <a:satMod val="170000"/>
+          </a:schemeClr>
+        </a:solidFill>
+        <a:gradFill rotWithShape="1">
+          <a:gsLst>
+            <a:gs pos="0">
+              <a:schemeClr val="phClr">
+                <a:tint val="93000"/>
+                <a:satMod val="150000"/>
+                <a:shade val="98000"/>
+                <a:lumMod val="102000"/>
+              </a:schemeClr>
+            </a:gs>
+            <a:gs pos="50000">
+              <a:schemeClr val="phClr">
+                <a:tint val="98000"/>
+                <a:satMod val="130000"/>
+                <a:shade val="90000"/>
+                <a:lumMod val="103000"/>
+              </a:schemeClr>
+            </a:gs>
+            <a:gs pos="100000">
+              <a:schemeClr val="phClr">
+                <a:shade val="63000"/>
+                <a:satMod val="120000"/>
+              </a:schemeClr>
+            </a:gs>
+          </a:gsLst>
+          <a:lin ang="5400000" scaled="0"/>
+        </a:gradFill>
+      </a:bgFillStyleLst>
+    </a:fmtScheme>
+  </a:themeElements>
+  <a:objectDefaults/>
+  <a:extraClrSchemeLst/>
+  <a:extLst>
+    <a:ext uri="{05A4C25C-085E-4340-85A3-A5531E510DB2}">
+      <thm15:themeFamily xmlns:thm15="http://schemas.microsoft.com/office/thememl/2012/main" name="Office Theme" id="{62F939B6-93AF-4DB8-9C6B-D6C7DFDC589F}" vid="{4A3C46E8-61CC-4603-A589-7422A47A8E4A}"/>
+    </a:ext>
+  </a:extLst>
+</a:theme>
 </file>
--- a/slides/terminal.pptx
+++ b/slides/terminal.pptx
@@ -214,7 +214,7 @@
           <a:p>
             <a:fld id="{6C47881A-27B6-E34F-9EF6-BF109EBF38B9}" type="datetimeFigureOut">
               <a:rPr lang="en-US" smtClean="0"/>
-              <a:t>4/30/21</a:t>
+              <a:t>5/7/21</a:t>
             </a:fld>
             <a:endParaRPr lang="en-US"/>
           </a:p>
@@ -278,38 +278,37 @@
           <a:p>
             <a:pPr lvl="0"/>
             <a:r>
-              <a:rPr lang="en-US" smtClean="0"/>
+              <a:rPr lang="en-US"/>
               <a:t>Click to edit Master text styles</a:t>
             </a:r>
           </a:p>
           <a:p>
             <a:pPr lvl="1"/>
             <a:r>
-              <a:rPr lang="en-US" smtClean="0"/>
+              <a:rPr lang="en-US"/>
               <a:t>Second level</a:t>
             </a:r>
           </a:p>
           <a:p>
             <a:pPr lvl="2"/>
             <a:r>
-              <a:rPr lang="en-US" smtClean="0"/>
+              <a:rPr lang="en-US"/>
               <a:t>Third level</a:t>
             </a:r>
           </a:p>
           <a:p>
             <a:pPr lvl="3"/>
             <a:r>
-              <a:rPr lang="en-US" smtClean="0"/>
+              <a:rPr lang="en-US"/>
               <a:t>Fourth level</a:t>
             </a:r>
           </a:p>
           <a:p>
             <a:pPr lvl="4"/>
             <a:r>
-              <a:rPr lang="en-US" smtClean="0"/>
+              <a:rPr lang="en-US"/>
               <a:t>Fifth level</a:t>
             </a:r>
-            <a:endParaRPr lang="en-US"/>
           </a:p>
         </p:txBody>
       </p:sp>
@@ -527,12 +526,12 @@
           <a:lstStyle/>
           <a:p>
             <a:r>
-              <a:rPr lang="en-US" dirty="0" smtClean="0"/>
+              <a:rPr lang="en-US" dirty="0"/>
               <a:t>The reason for the differences is that Mac</a:t>
             </a:r>
             <a:r>
-              <a:rPr lang="en-US" baseline="0" dirty="0" smtClean="0"/>
-              <a:t> OS and Linux OS’s are derived from the Unix kernel, whereas Windows OS is derived from the DOS kernel (Disk Operating System). We won’t go into too much detail on this, but the kernel is more or less an additional layer between the hardware and the operating system. Happy to answer questions on this at the end of the session. </a:t>
+              <a:rPr lang="en-US" baseline="0" dirty="0"/>
+              <a:t> OS and Linux OS’s are derived from the Unix kernel, whereas Windows OS is derived from the DOS kernel (Disk Operating System). We won’t go into too much detail on this, but the kernel is more or less an additional layer between the hardware and the operating system. Happy to answer questions on this at the end of the session. Mac OS now uses ZSH as the default shell since Catalina, though it’s similar to bash, and you can revert to a bash default if you so choose. </a:t>
             </a:r>
             <a:endParaRPr lang="en-US" dirty="0"/>
           </a:p>
@@ -761,10 +760,9 @@
           </a:lstStyle>
           <a:p>
             <a:r>
-              <a:rPr lang="en-US" dirty="0" smtClean="0"/>
+              <a:rPr lang="en-US" dirty="0"/>
               <a:t>Click to edit Master title style</a:t>
             </a:r>
-            <a:endParaRPr lang="en-US" dirty="0"/>
           </a:p>
         </p:txBody>
       </p:sp>
@@ -828,10 +826,9 @@
           </a:lstStyle>
           <a:p>
             <a:r>
-              <a:rPr lang="en-US" dirty="0" smtClean="0"/>
+              <a:rPr lang="en-US" dirty="0"/>
               <a:t>Click to edit Master subtitle style</a:t>
             </a:r>
-            <a:endParaRPr lang="en-US" dirty="0"/>
           </a:p>
         </p:txBody>
       </p:sp>
@@ -852,7 +849,7 @@
           <a:p>
             <a:fld id="{51673806-0BCD-1F42-BAA8-2011034B3C6A}" type="datetimeFigureOut">
               <a:rPr lang="en-US" smtClean="0"/>
-              <a:t>4/30/21</a:t>
+              <a:t>5/7/21</a:t>
             </a:fld>
             <a:endParaRPr lang="en-US"/>
           </a:p>
@@ -1101,7 +1098,7 @@
           </a:lstStyle>
           <a:p>
             <a:r>
-              <a:rPr lang="en-US" smtClean="0"/>
+              <a:rPr lang="en-US"/>
               <a:t>Click to edit Master title style</a:t>
             </a:r>
             <a:endParaRPr lang="en-US" dirty="0"/>
@@ -1177,7 +1174,7 @@
           </a:lstStyle>
           <a:p>
             <a:r>
-              <a:rPr lang="en-US" smtClean="0"/>
+              <a:rPr lang="en-US"/>
               <a:t>Drag picture to placeholder or click icon to add</a:t>
             </a:r>
             <a:endParaRPr lang="en-US" dirty="0"/>
@@ -1243,7 +1240,7 @@
           <a:p>
             <a:pPr lvl="0"/>
             <a:r>
-              <a:rPr lang="en-US" smtClean="0"/>
+              <a:rPr lang="en-US"/>
               <a:t>Click to edit Master text styles</a:t>
             </a:r>
           </a:p>
@@ -1266,7 +1263,7 @@
           <a:p>
             <a:fld id="{51673806-0BCD-1F42-BAA8-2011034B3C6A}" type="datetimeFigureOut">
               <a:rPr lang="en-US" smtClean="0"/>
-              <a:t>4/30/21</a:t>
+              <a:t>5/7/21</a:t>
             </a:fld>
             <a:endParaRPr lang="en-US"/>
           </a:p>
@@ -1508,7 +1505,7 @@
           </a:lstStyle>
           <a:p>
             <a:r>
-              <a:rPr lang="en-US" smtClean="0"/>
+              <a:rPr lang="en-US"/>
               <a:t>Click to edit Master title style</a:t>
             </a:r>
             <a:endParaRPr lang="en-US" dirty="0"/>
@@ -1574,7 +1571,7 @@
           <a:p>
             <a:pPr lvl="0"/>
             <a:r>
-              <a:rPr lang="en-US" smtClean="0"/>
+              <a:rPr lang="en-US"/>
               <a:t>Click to edit Master text styles</a:t>
             </a:r>
           </a:p>
@@ -1597,7 +1594,7 @@
           <a:p>
             <a:fld id="{51673806-0BCD-1F42-BAA8-2011034B3C6A}" type="datetimeFigureOut">
               <a:rPr lang="en-US" smtClean="0"/>
-              <a:t>4/30/21</a:t>
+              <a:t>5/7/21</a:t>
             </a:fld>
             <a:endParaRPr lang="en-US"/>
           </a:p>
@@ -1839,7 +1836,7 @@
           </a:lstStyle>
           <a:p>
             <a:r>
-              <a:rPr lang="en-US" smtClean="0"/>
+              <a:rPr lang="en-US"/>
               <a:t>Click to edit Master title style</a:t>
             </a:r>
             <a:endParaRPr lang="en-US" dirty="0"/>
@@ -1907,7 +1904,7 @@
           <a:p>
             <a:pPr lvl="0"/>
             <a:r>
-              <a:rPr lang="en-US" smtClean="0"/>
+              <a:rPr lang="en-US"/>
               <a:t>Click to edit Master text styles</a:t>
             </a:r>
           </a:p>
@@ -1974,7 +1971,7 @@
           <a:p>
             <a:pPr lvl="0"/>
             <a:r>
-              <a:rPr lang="en-US" smtClean="0"/>
+              <a:rPr lang="en-US"/>
               <a:t>Click to edit Master text styles</a:t>
             </a:r>
           </a:p>
@@ -1997,7 +1994,7 @@
           <a:p>
             <a:fld id="{51673806-0BCD-1F42-BAA8-2011034B3C6A}" type="datetimeFigureOut">
               <a:rPr lang="en-US" smtClean="0"/>
-              <a:t>4/30/21</a:t>
+              <a:t>5/7/21</a:t>
             </a:fld>
             <a:endParaRPr lang="en-US"/>
           </a:p>
@@ -2471,7 +2468,7 @@
           </a:lstStyle>
           <a:p>
             <a:r>
-              <a:rPr lang="en-US" smtClean="0"/>
+              <a:rPr lang="en-US"/>
               <a:t>Click to edit Master title style</a:t>
             </a:r>
             <a:endParaRPr lang="en-US" dirty="0"/>
@@ -2537,7 +2534,7 @@
           <a:p>
             <a:pPr lvl="0"/>
             <a:r>
-              <a:rPr lang="en-US" smtClean="0"/>
+              <a:rPr lang="en-US"/>
               <a:t>Click to edit Master text styles</a:t>
             </a:r>
           </a:p>
@@ -2560,7 +2557,7 @@
           <a:p>
             <a:fld id="{51673806-0BCD-1F42-BAA8-2011034B3C6A}" type="datetimeFigureOut">
               <a:rPr lang="en-US" smtClean="0"/>
-              <a:t>4/30/21</a:t>
+              <a:t>5/7/21</a:t>
             </a:fld>
             <a:endParaRPr lang="en-US"/>
           </a:p>
@@ -2798,7 +2795,7 @@
           <a:lstStyle/>
           <a:p>
             <a:r>
-              <a:rPr lang="en-US" smtClean="0"/>
+              <a:rPr lang="en-US"/>
               <a:t>Click to edit Master title style</a:t>
             </a:r>
             <a:endParaRPr lang="en-US" dirty="0"/>
@@ -2870,7 +2867,7 @@
           <a:p>
             <a:pPr lvl="0"/>
             <a:r>
-              <a:rPr lang="en-US" smtClean="0"/>
+              <a:rPr lang="en-US"/>
               <a:t>Click to edit Master text styles</a:t>
             </a:r>
           </a:p>
@@ -2937,7 +2934,7 @@
           <a:p>
             <a:pPr lvl="0"/>
             <a:r>
-              <a:rPr lang="en-US" smtClean="0"/>
+              <a:rPr lang="en-US"/>
               <a:t>Click to edit Master text styles</a:t>
             </a:r>
           </a:p>
@@ -3008,7 +3005,7 @@
           <a:p>
             <a:pPr lvl="0"/>
             <a:r>
-              <a:rPr lang="en-US" smtClean="0"/>
+              <a:rPr lang="en-US"/>
               <a:t>Click to edit Master text styles</a:t>
             </a:r>
           </a:p>
@@ -3075,7 +3072,7 @@
           <a:p>
             <a:pPr lvl="0"/>
             <a:r>
-              <a:rPr lang="en-US" smtClean="0"/>
+              <a:rPr lang="en-US"/>
               <a:t>Click to edit Master text styles</a:t>
             </a:r>
           </a:p>
@@ -3146,7 +3143,7 @@
           <a:p>
             <a:pPr lvl="0"/>
             <a:r>
-              <a:rPr lang="en-US" smtClean="0"/>
+              <a:rPr lang="en-US"/>
               <a:t>Click to edit Master text styles</a:t>
             </a:r>
           </a:p>
@@ -3213,7 +3210,7 @@
           <a:p>
             <a:pPr lvl="0"/>
             <a:r>
-              <a:rPr lang="en-US" smtClean="0"/>
+              <a:rPr lang="en-US"/>
               <a:t>Click to edit Master text styles</a:t>
             </a:r>
           </a:p>
@@ -3236,7 +3233,7 @@
           <a:p>
             <a:fld id="{51673806-0BCD-1F42-BAA8-2011034B3C6A}" type="datetimeFigureOut">
               <a:rPr lang="en-US" smtClean="0"/>
-              <a:t>4/30/21</a:t>
+              <a:t>5/7/21</a:t>
             </a:fld>
             <a:endParaRPr lang="en-US"/>
           </a:p>
@@ -3469,7 +3466,7 @@
           <a:lstStyle/>
           <a:p>
             <a:r>
-              <a:rPr lang="en-US" smtClean="0"/>
+              <a:rPr lang="en-US"/>
               <a:t>Click to edit Master title style</a:t>
             </a:r>
             <a:endParaRPr lang="en-US" dirty="0"/>
@@ -3541,7 +3538,7 @@
           <a:p>
             <a:pPr lvl="0"/>
             <a:r>
-              <a:rPr lang="en-US" smtClean="0"/>
+              <a:rPr lang="en-US"/>
               <a:t>Click to edit Master text styles</a:t>
             </a:r>
           </a:p>
@@ -3619,7 +3616,7 @@
           </a:lstStyle>
           <a:p>
             <a:r>
-              <a:rPr lang="en-US" smtClean="0"/>
+              <a:rPr lang="en-US"/>
               <a:t>Drag picture to placeholder or click icon to add</a:t>
             </a:r>
             <a:endParaRPr lang="en-US" dirty="0"/>
@@ -3687,7 +3684,7 @@
           <a:p>
             <a:pPr lvl="0"/>
             <a:r>
-              <a:rPr lang="en-US" smtClean="0"/>
+              <a:rPr lang="en-US"/>
               <a:t>Click to edit Master text styles</a:t>
             </a:r>
           </a:p>
@@ -3758,7 +3755,7 @@
           <a:p>
             <a:pPr lvl="0"/>
             <a:r>
-              <a:rPr lang="en-US" smtClean="0"/>
+              <a:rPr lang="en-US"/>
               <a:t>Click to edit Master text styles</a:t>
             </a:r>
           </a:p>
@@ -3836,7 +3833,7 @@
           </a:lstStyle>
           <a:p>
             <a:r>
-              <a:rPr lang="en-US" smtClean="0"/>
+              <a:rPr lang="en-US"/>
               <a:t>Drag picture to placeholder or click icon to add</a:t>
             </a:r>
             <a:endParaRPr lang="en-US" dirty="0"/>
@@ -3904,7 +3901,7 @@
           <a:p>
             <a:pPr lvl="0"/>
             <a:r>
-              <a:rPr lang="en-US" smtClean="0"/>
+              <a:rPr lang="en-US"/>
               <a:t>Click to edit Master text styles</a:t>
             </a:r>
           </a:p>
@@ -3975,7 +3972,7 @@
           <a:p>
             <a:pPr lvl="0"/>
             <a:r>
-              <a:rPr lang="en-US" smtClean="0"/>
+              <a:rPr lang="en-US"/>
               <a:t>Click to edit Master text styles</a:t>
             </a:r>
           </a:p>
@@ -4053,7 +4050,7 @@
           </a:lstStyle>
           <a:p>
             <a:r>
-              <a:rPr lang="en-US" smtClean="0"/>
+              <a:rPr lang="en-US"/>
               <a:t>Drag picture to placeholder or click icon to add</a:t>
             </a:r>
             <a:endParaRPr lang="en-US" dirty="0"/>
@@ -4121,7 +4118,7 @@
           <a:p>
             <a:pPr lvl="0"/>
             <a:r>
-              <a:rPr lang="en-US" smtClean="0"/>
+              <a:rPr lang="en-US"/>
               <a:t>Click to edit Master text styles</a:t>
             </a:r>
           </a:p>
@@ -4144,7 +4141,7 @@
           <a:p>
             <a:fld id="{51673806-0BCD-1F42-BAA8-2011034B3C6A}" type="datetimeFigureOut">
               <a:rPr lang="en-US" smtClean="0"/>
-              <a:t>4/30/21</a:t>
+              <a:t>5/7/21</a:t>
             </a:fld>
             <a:endParaRPr lang="en-US"/>
           </a:p>
@@ -4376,7 +4373,7 @@
           </a:lstStyle>
           <a:p>
             <a:r>
-              <a:rPr lang="en-US" smtClean="0"/>
+              <a:rPr lang="en-US"/>
               <a:t>Click to edit Master title style</a:t>
             </a:r>
             <a:endParaRPr lang="en-US" dirty="0"/>
@@ -4400,35 +4397,35 @@
           <a:p>
             <a:pPr lvl="0"/>
             <a:r>
-              <a:rPr lang="en-US" smtClean="0"/>
+              <a:rPr lang="en-US"/>
               <a:t>Click to edit Master text styles</a:t>
             </a:r>
           </a:p>
           <a:p>
             <a:pPr lvl="1"/>
             <a:r>
-              <a:rPr lang="en-US" smtClean="0"/>
+              <a:rPr lang="en-US"/>
               <a:t>Second level</a:t>
             </a:r>
           </a:p>
           <a:p>
             <a:pPr lvl="2"/>
             <a:r>
-              <a:rPr lang="en-US" smtClean="0"/>
+              <a:rPr lang="en-US"/>
               <a:t>Third level</a:t>
             </a:r>
           </a:p>
           <a:p>
             <a:pPr lvl="3"/>
             <a:r>
-              <a:rPr lang="en-US" smtClean="0"/>
+              <a:rPr lang="en-US"/>
               <a:t>Fourth level</a:t>
             </a:r>
           </a:p>
           <a:p>
             <a:pPr lvl="4"/>
             <a:r>
-              <a:rPr lang="en-US" smtClean="0"/>
+              <a:rPr lang="en-US"/>
               <a:t>Fifth level</a:t>
             </a:r>
             <a:endParaRPr lang="en-US" dirty="0"/>
@@ -4452,7 +4449,7 @@
           <a:p>
             <a:fld id="{51673806-0BCD-1F42-BAA8-2011034B3C6A}" type="datetimeFigureOut">
               <a:rPr lang="en-US" smtClean="0"/>
-              <a:t>4/30/21</a:t>
+              <a:t>5/7/21</a:t>
             </a:fld>
             <a:endParaRPr lang="en-US"/>
           </a:p>
@@ -4625,7 +4622,7 @@
           <a:lstStyle/>
           <a:p>
             <a:r>
-              <a:rPr lang="en-US" smtClean="0"/>
+              <a:rPr lang="en-US"/>
               <a:t>Click to edit Master title style</a:t>
             </a:r>
             <a:endParaRPr lang="en-US" dirty="0"/>
@@ -4654,35 +4651,35 @@
           <a:p>
             <a:pPr lvl="0"/>
             <a:r>
-              <a:rPr lang="en-US" smtClean="0"/>
+              <a:rPr lang="en-US"/>
               <a:t>Click to edit Master text styles</a:t>
             </a:r>
           </a:p>
           <a:p>
             <a:pPr lvl="1"/>
             <a:r>
-              <a:rPr lang="en-US" smtClean="0"/>
+              <a:rPr lang="en-US"/>
               <a:t>Second level</a:t>
             </a:r>
           </a:p>
           <a:p>
             <a:pPr lvl="2"/>
             <a:r>
-              <a:rPr lang="en-US" smtClean="0"/>
+              <a:rPr lang="en-US"/>
               <a:t>Third level</a:t>
             </a:r>
           </a:p>
           <a:p>
             <a:pPr lvl="3"/>
             <a:r>
-              <a:rPr lang="en-US" smtClean="0"/>
+              <a:rPr lang="en-US"/>
               <a:t>Fourth level</a:t>
             </a:r>
           </a:p>
           <a:p>
             <a:pPr lvl="4"/>
             <a:r>
-              <a:rPr lang="en-US" smtClean="0"/>
+              <a:rPr lang="en-US"/>
               <a:t>Fifth level</a:t>
             </a:r>
             <a:endParaRPr lang="en-US" dirty="0"/>
@@ -4711,7 +4708,7 @@
           <a:p>
             <a:fld id="{51673806-0BCD-1F42-BAA8-2011034B3C6A}" type="datetimeFigureOut">
               <a:rPr lang="en-US" smtClean="0"/>
-              <a:t>4/30/21</a:t>
+              <a:t>5/7/21</a:t>
             </a:fld>
             <a:endParaRPr lang="en-US"/>
           </a:p>
@@ -4958,7 +4955,7 @@
           <a:lstStyle/>
           <a:p>
             <a:r>
-              <a:rPr lang="en-US" smtClean="0"/>
+              <a:rPr lang="en-US"/>
               <a:t>Click to edit Master title style</a:t>
             </a:r>
             <a:endParaRPr lang="en-US" dirty="0"/>
@@ -4982,35 +4979,35 @@
           <a:p>
             <a:pPr lvl="0"/>
             <a:r>
-              <a:rPr lang="en-US" smtClean="0"/>
+              <a:rPr lang="en-US"/>
               <a:t>Click to edit Master text styles</a:t>
             </a:r>
           </a:p>
           <a:p>
             <a:pPr lvl="1"/>
             <a:r>
-              <a:rPr lang="en-US" smtClean="0"/>
+              <a:rPr lang="en-US"/>
               <a:t>Second level</a:t>
             </a:r>
           </a:p>
           <a:p>
             <a:pPr lvl="2"/>
             <a:r>
-              <a:rPr lang="en-US" smtClean="0"/>
+              <a:rPr lang="en-US"/>
               <a:t>Third level</a:t>
             </a:r>
           </a:p>
           <a:p>
             <a:pPr lvl="3"/>
             <a:r>
-              <a:rPr lang="en-US" smtClean="0"/>
+              <a:rPr lang="en-US"/>
               <a:t>Fourth level</a:t>
             </a:r>
           </a:p>
           <a:p>
             <a:pPr lvl="4"/>
             <a:r>
-              <a:rPr lang="en-US" smtClean="0"/>
+              <a:rPr lang="en-US"/>
               <a:t>Fifth level</a:t>
             </a:r>
             <a:endParaRPr lang="en-US" dirty="0"/>
@@ -5034,7 +5031,7 @@
           <a:p>
             <a:fld id="{51673806-0BCD-1F42-BAA8-2011034B3C6A}" type="datetimeFigureOut">
               <a:rPr lang="en-US" smtClean="0"/>
-              <a:t>4/30/21</a:t>
+              <a:t>5/7/21</a:t>
             </a:fld>
             <a:endParaRPr lang="en-US"/>
           </a:p>
@@ -5273,7 +5270,7 @@
           </a:lstStyle>
           <a:p>
             <a:r>
-              <a:rPr lang="en-US" smtClean="0"/>
+              <a:rPr lang="en-US"/>
               <a:t>Click to edit Master title style</a:t>
             </a:r>
             <a:endParaRPr lang="en-US" dirty="0"/>
@@ -5395,7 +5392,7 @@
           <a:p>
             <a:pPr lvl="0"/>
             <a:r>
-              <a:rPr lang="en-US" smtClean="0"/>
+              <a:rPr lang="en-US"/>
               <a:t>Click to edit Master text styles</a:t>
             </a:r>
           </a:p>
@@ -5418,7 +5415,7 @@
           <a:p>
             <a:fld id="{51673806-0BCD-1F42-BAA8-2011034B3C6A}" type="datetimeFigureOut">
               <a:rPr lang="en-US" smtClean="0"/>
-              <a:t>4/30/21</a:t>
+              <a:t>5/7/21</a:t>
             </a:fld>
             <a:endParaRPr lang="en-US"/>
           </a:p>
@@ -5656,7 +5653,7 @@
           <a:lstStyle/>
           <a:p>
             <a:r>
-              <a:rPr lang="en-US" smtClean="0"/>
+              <a:rPr lang="en-US"/>
               <a:t>Click to edit Master title style</a:t>
             </a:r>
             <a:endParaRPr lang="en-US" dirty="0"/>
@@ -5685,35 +5682,35 @@
           <a:p>
             <a:pPr lvl="0"/>
             <a:r>
-              <a:rPr lang="en-US" smtClean="0"/>
+              <a:rPr lang="en-US"/>
               <a:t>Click to edit Master text styles</a:t>
             </a:r>
           </a:p>
           <a:p>
             <a:pPr lvl="1"/>
             <a:r>
-              <a:rPr lang="en-US" smtClean="0"/>
+              <a:rPr lang="en-US"/>
               <a:t>Second level</a:t>
             </a:r>
           </a:p>
           <a:p>
             <a:pPr lvl="2"/>
             <a:r>
-              <a:rPr lang="en-US" smtClean="0"/>
+              <a:rPr lang="en-US"/>
               <a:t>Third level</a:t>
             </a:r>
           </a:p>
           <a:p>
             <a:pPr lvl="3"/>
             <a:r>
-              <a:rPr lang="en-US" smtClean="0"/>
+              <a:rPr lang="en-US"/>
               <a:t>Fourth level</a:t>
             </a:r>
           </a:p>
           <a:p>
             <a:pPr lvl="4"/>
             <a:r>
-              <a:rPr lang="en-US" smtClean="0"/>
+              <a:rPr lang="en-US"/>
               <a:t>Fifth level</a:t>
             </a:r>
             <a:endParaRPr lang="en-US" dirty="0"/>
@@ -5742,35 +5739,35 @@
           <a:p>
             <a:pPr lvl="0"/>
             <a:r>
-              <a:rPr lang="en-US" smtClean="0"/>
+              <a:rPr lang="en-US"/>
               <a:t>Click to edit Master text styles</a:t>
             </a:r>
           </a:p>
           <a:p>
             <a:pPr lvl="1"/>
             <a:r>
-              <a:rPr lang="en-US" smtClean="0"/>
+              <a:rPr lang="en-US"/>
               <a:t>Second level</a:t>
             </a:r>
           </a:p>
           <a:p>
             <a:pPr lvl="2"/>
             <a:r>
-              <a:rPr lang="en-US" smtClean="0"/>
+              <a:rPr lang="en-US"/>
               <a:t>Third level</a:t>
             </a:r>
           </a:p>
           <a:p>
             <a:pPr lvl="3"/>
             <a:r>
-              <a:rPr lang="en-US" smtClean="0"/>
+              <a:rPr lang="en-US"/>
               <a:t>Fourth level</a:t>
             </a:r>
           </a:p>
           <a:p>
             <a:pPr lvl="4"/>
             <a:r>
-              <a:rPr lang="en-US" smtClean="0"/>
+              <a:rPr lang="en-US"/>
               <a:t>Fifth level</a:t>
             </a:r>
             <a:endParaRPr lang="en-US" dirty="0"/>
@@ -5794,7 +5791,7 @@
           <a:p>
             <a:fld id="{51673806-0BCD-1F42-BAA8-2011034B3C6A}" type="datetimeFigureOut">
               <a:rPr lang="en-US" smtClean="0"/>
-              <a:t>4/30/21</a:t>
+              <a:t>5/7/21</a:t>
             </a:fld>
             <a:endParaRPr lang="en-US"/>
           </a:p>
@@ -6032,7 +6029,7 @@
           <a:lstStyle/>
           <a:p>
             <a:r>
-              <a:rPr lang="en-US" smtClean="0"/>
+              <a:rPr lang="en-US"/>
               <a:t>Click to edit Master title style</a:t>
             </a:r>
             <a:endParaRPr lang="en-US" dirty="0"/>
@@ -6098,7 +6095,7 @@
           <a:p>
             <a:pPr lvl="0"/>
             <a:r>
-              <a:rPr lang="en-US" smtClean="0"/>
+              <a:rPr lang="en-US"/>
               <a:t>Click to edit Master text styles</a:t>
             </a:r>
           </a:p>
@@ -6126,35 +6123,35 @@
           <a:p>
             <a:pPr lvl="0"/>
             <a:r>
-              <a:rPr lang="en-US" smtClean="0"/>
+              <a:rPr lang="en-US"/>
               <a:t>Click to edit Master text styles</a:t>
             </a:r>
           </a:p>
           <a:p>
             <a:pPr lvl="1"/>
             <a:r>
-              <a:rPr lang="en-US" smtClean="0"/>
+              <a:rPr lang="en-US"/>
               <a:t>Second level</a:t>
             </a:r>
           </a:p>
           <a:p>
             <a:pPr lvl="2"/>
             <a:r>
-              <a:rPr lang="en-US" smtClean="0"/>
+              <a:rPr lang="en-US"/>
               <a:t>Third level</a:t>
             </a:r>
           </a:p>
           <a:p>
             <a:pPr lvl="3"/>
             <a:r>
-              <a:rPr lang="en-US" smtClean="0"/>
+              <a:rPr lang="en-US"/>
               <a:t>Fourth level</a:t>
             </a:r>
           </a:p>
           <a:p>
             <a:pPr lvl="4"/>
             <a:r>
-              <a:rPr lang="en-US" smtClean="0"/>
+              <a:rPr lang="en-US"/>
               <a:t>Fifth level</a:t>
             </a:r>
             <a:endParaRPr lang="en-US" dirty="0"/>
@@ -6220,7 +6217,7 @@
           <a:p>
             <a:pPr lvl="0"/>
             <a:r>
-              <a:rPr lang="en-US" smtClean="0"/>
+              <a:rPr lang="en-US"/>
               <a:t>Click to edit Master text styles</a:t>
             </a:r>
           </a:p>
@@ -6248,35 +6245,35 @@
           <a:p>
             <a:pPr lvl="0"/>
             <a:r>
-              <a:rPr lang="en-US" smtClean="0"/>
+              <a:rPr lang="en-US"/>
               <a:t>Click to edit Master text styles</a:t>
             </a:r>
           </a:p>
           <a:p>
             <a:pPr lvl="1"/>
             <a:r>
-              <a:rPr lang="en-US" smtClean="0"/>
+              <a:rPr lang="en-US"/>
               <a:t>Second level</a:t>
             </a:r>
           </a:p>
           <a:p>
             <a:pPr lvl="2"/>
             <a:r>
-              <a:rPr lang="en-US" smtClean="0"/>
+              <a:rPr lang="en-US"/>
               <a:t>Third level</a:t>
             </a:r>
           </a:p>
           <a:p>
             <a:pPr lvl="3"/>
             <a:r>
-              <a:rPr lang="en-US" smtClean="0"/>
+              <a:rPr lang="en-US"/>
               <a:t>Fourth level</a:t>
             </a:r>
           </a:p>
           <a:p>
             <a:pPr lvl="4"/>
             <a:r>
-              <a:rPr lang="en-US" smtClean="0"/>
+              <a:rPr lang="en-US"/>
               <a:t>Fifth level</a:t>
             </a:r>
             <a:endParaRPr lang="en-US" dirty="0"/>
@@ -6300,7 +6297,7 @@
           <a:p>
             <a:fld id="{51673806-0BCD-1F42-BAA8-2011034B3C6A}" type="datetimeFigureOut">
               <a:rPr lang="en-US" smtClean="0"/>
-              <a:t>4/30/21</a:t>
+              <a:t>5/7/21</a:t>
             </a:fld>
             <a:endParaRPr lang="en-US"/>
           </a:p>
@@ -6533,7 +6530,7 @@
           <a:lstStyle/>
           <a:p>
             <a:r>
-              <a:rPr lang="en-US" smtClean="0"/>
+              <a:rPr lang="en-US"/>
               <a:t>Click to edit Master title style</a:t>
             </a:r>
             <a:endParaRPr lang="en-US" dirty="0"/>
@@ -6557,7 +6554,7 @@
           <a:p>
             <a:fld id="{51673806-0BCD-1F42-BAA8-2011034B3C6A}" type="datetimeFigureOut">
               <a:rPr lang="en-US" smtClean="0"/>
-              <a:t>4/30/21</a:t>
+              <a:t>5/7/21</a:t>
             </a:fld>
             <a:endParaRPr lang="en-US"/>
           </a:p>
@@ -6715,7 +6712,7 @@
           <a:p>
             <a:fld id="{51673806-0BCD-1F42-BAA8-2011034B3C6A}" type="datetimeFigureOut">
               <a:rPr lang="en-US" smtClean="0"/>
-              <a:t>4/30/21</a:t>
+              <a:t>5/7/21</a:t>
             </a:fld>
             <a:endParaRPr lang="en-US"/>
           </a:p>
@@ -6959,7 +6956,7 @@
           </a:lstStyle>
           <a:p>
             <a:r>
-              <a:rPr lang="en-US" smtClean="0"/>
+              <a:rPr lang="en-US"/>
               <a:t>Click to edit Master title style</a:t>
             </a:r>
             <a:endParaRPr lang="en-US" dirty="0"/>
@@ -6988,35 +6985,35 @@
           <a:p>
             <a:pPr lvl="0"/>
             <a:r>
-              <a:rPr lang="en-US" smtClean="0"/>
+              <a:rPr lang="en-US"/>
               <a:t>Click to edit Master text styles</a:t>
             </a:r>
           </a:p>
           <a:p>
             <a:pPr lvl="1"/>
             <a:r>
-              <a:rPr lang="en-US" smtClean="0"/>
+              <a:rPr lang="en-US"/>
               <a:t>Second level</a:t>
             </a:r>
           </a:p>
           <a:p>
             <a:pPr lvl="2"/>
             <a:r>
-              <a:rPr lang="en-US" smtClean="0"/>
+              <a:rPr lang="en-US"/>
               <a:t>Third level</a:t>
             </a:r>
           </a:p>
           <a:p>
             <a:pPr lvl="3"/>
             <a:r>
-              <a:rPr lang="en-US" smtClean="0"/>
+              <a:rPr lang="en-US"/>
               <a:t>Fourth level</a:t>
             </a:r>
           </a:p>
           <a:p>
             <a:pPr lvl="4"/>
             <a:r>
-              <a:rPr lang="en-US" smtClean="0"/>
+              <a:rPr lang="en-US"/>
               <a:t>Fifth level</a:t>
             </a:r>
             <a:endParaRPr lang="en-US" dirty="0"/>
@@ -7082,7 +7079,7 @@
           <a:p>
             <a:pPr lvl="0"/>
             <a:r>
-              <a:rPr lang="en-US" smtClean="0"/>
+              <a:rPr lang="en-US"/>
               <a:t>Click to edit Master text styles</a:t>
             </a:r>
           </a:p>
@@ -7105,7 +7102,7 @@
           <a:p>
             <a:fld id="{51673806-0BCD-1F42-BAA8-2011034B3C6A}" type="datetimeFigureOut">
               <a:rPr lang="en-US" smtClean="0"/>
-              <a:t>4/30/21</a:t>
+              <a:t>5/7/21</a:t>
             </a:fld>
             <a:endParaRPr lang="en-US"/>
           </a:p>
@@ -7349,7 +7346,7 @@
           </a:lstStyle>
           <a:p>
             <a:r>
-              <a:rPr lang="en-US" smtClean="0"/>
+              <a:rPr lang="en-US"/>
               <a:t>Click to edit Master title style</a:t>
             </a:r>
             <a:endParaRPr lang="en-US" dirty="0"/>
@@ -7425,7 +7422,7 @@
           </a:lstStyle>
           <a:p>
             <a:r>
-              <a:rPr lang="en-US" smtClean="0"/>
+              <a:rPr lang="en-US"/>
               <a:t>Drag picture to placeholder or click icon to add</a:t>
             </a:r>
             <a:endParaRPr lang="en-US" dirty="0"/>
@@ -7491,7 +7488,7 @@
           <a:p>
             <a:pPr lvl="0"/>
             <a:r>
-              <a:rPr lang="en-US" smtClean="0"/>
+              <a:rPr lang="en-US"/>
               <a:t>Click to edit Master text styles</a:t>
             </a:r>
           </a:p>
@@ -7514,7 +7511,7 @@
           <a:p>
             <a:fld id="{51673806-0BCD-1F42-BAA8-2011034B3C6A}" type="datetimeFigureOut">
               <a:rPr lang="en-US" smtClean="0"/>
-              <a:t>4/30/21</a:t>
+              <a:t>5/7/21</a:t>
             </a:fld>
             <a:endParaRPr lang="en-US"/>
           </a:p>
@@ -7536,7 +7533,7 @@
           <a:lstStyle/>
           <a:p>
             <a:r>
-              <a:rPr lang="en-US" smtClean="0"/>
+              <a:rPr lang="en-US"/>
               <a:t>
               </a:t>
             </a:r>
@@ -7654,10 +7651,9 @@
           <a:lstStyle/>
           <a:p>
             <a:r>
-              <a:rPr lang="en-US" dirty="0" smtClean="0"/>
+              <a:rPr lang="en-US" dirty="0"/>
               <a:t>Click to edit Master title style</a:t>
             </a:r>
-            <a:endParaRPr lang="en-US" dirty="0"/>
           </a:p>
         </p:txBody>
       </p:sp>
@@ -7688,38 +7684,37 @@
           <a:p>
             <a:pPr lvl="0"/>
             <a:r>
-              <a:rPr lang="en-US" dirty="0" smtClean="0"/>
+              <a:rPr lang="en-US" dirty="0"/>
               <a:t>Click to edit Master text styles</a:t>
             </a:r>
           </a:p>
           <a:p>
             <a:pPr lvl="1"/>
             <a:r>
-              <a:rPr lang="en-US" dirty="0" smtClean="0"/>
+              <a:rPr lang="en-US" dirty="0"/>
               <a:t>Second level</a:t>
             </a:r>
           </a:p>
           <a:p>
             <a:pPr lvl="2"/>
             <a:r>
-              <a:rPr lang="en-US" dirty="0" smtClean="0"/>
+              <a:rPr lang="en-US" dirty="0"/>
               <a:t>Third level</a:t>
             </a:r>
           </a:p>
           <a:p>
             <a:pPr lvl="3"/>
             <a:r>
-              <a:rPr lang="en-US" dirty="0" smtClean="0"/>
+              <a:rPr lang="en-US" dirty="0"/>
               <a:t>Fourth level</a:t>
             </a:r>
           </a:p>
           <a:p>
             <a:pPr lvl="4"/>
             <a:r>
-              <a:rPr lang="en-US" dirty="0" smtClean="0"/>
+              <a:rPr lang="en-US" dirty="0"/>
               <a:t>Fifth level</a:t>
             </a:r>
-            <a:endParaRPr lang="en-US" dirty="0"/>
           </a:p>
         </p:txBody>
       </p:sp>
@@ -7762,7 +7757,7 @@
             <a:fld id="{51673806-0BCD-1F42-BAA8-2011034B3C6A}" type="datetimeFigureOut">
               <a:rPr lang="en-US" smtClean="0"/>
               <a:pPr/>
-              <a:t>4/30/21</a:t>
+              <a:t>5/7/21</a:t>
             </a:fld>
             <a:endParaRPr lang="en-US" dirty="0"/>
           </a:p>
@@ -8201,10 +8196,9 @@
           <a:lstStyle/>
           <a:p>
             <a:r>
-              <a:rPr lang="en-US" dirty="0" smtClean="0"/>
+              <a:rPr lang="en-US" dirty="0"/>
               <a:t>The Terminal</a:t>
             </a:r>
-            <a:endParaRPr lang="en-US" dirty="0"/>
           </a:p>
         </p:txBody>
       </p:sp>
@@ -8227,11 +8221,7 @@
           <a:p>
             <a:r>
               <a:rPr lang="en-US"/>
-              <a:t>SURP </a:t>
-            </a:r>
-            <a:r>
-              <a:rPr lang="en-US" smtClean="0"/>
-              <a:t>2021 </a:t>
+              <a:t>SURP 2021 </a:t>
             </a:r>
             <a:r>
               <a:rPr lang="en-US" dirty="0"/>
@@ -8247,13 +8237,8 @@
           <a:p>
             <a:r>
               <a:rPr lang="en-US" dirty="0"/>
-              <a:t>Slides by: James W. </a:t>
-            </a:r>
-            <a:r>
-              <a:rPr lang="en-US" dirty="0" smtClean="0"/>
-              <a:t>Johnson</a:t>
-            </a:r>
-            <a:endParaRPr lang="en-US" dirty="0"/>
+              <a:t>Slides by: James W. Johnson</a:t>
+            </a:r>
           </a:p>
         </p:txBody>
       </p:sp>
@@ -8304,14 +8289,10 @@
           <a:p>
             <a:r>
               <a:rPr lang="en-US" i="1" dirty="0" err="1"/>
-              <a:t>m</a:t>
-            </a:r>
-            <a:r>
-              <a:rPr lang="en-US" i="1" dirty="0" err="1" smtClean="0"/>
-              <a:t>kdir</a:t>
-            </a:r>
-            <a:r>
-              <a:rPr lang="en-US" dirty="0" smtClean="0"/>
+              <a:t>mkdir</a:t>
+            </a:r>
+            <a:r>
+              <a:rPr lang="en-US" dirty="0"/>
               <a:t>: Make Directory </a:t>
             </a:r>
             <a:endParaRPr lang="en-US" i="1" dirty="0"/>
@@ -8351,7 +8332,7 @@
               <a:defRPr/>
             </a:pPr>
             <a:r>
-              <a:rPr lang="en-US" dirty="0" smtClean="0"/>
+              <a:rPr lang="en-US" dirty="0"/>
               <a:t>Create a new directory (same as clicking “New Folder” in a Finder window) </a:t>
             </a:r>
           </a:p>
@@ -8374,18 +8355,18 @@
               <a:defRPr/>
             </a:pPr>
             <a:r>
-              <a:rPr lang="en-US" dirty="0" smtClean="0"/>
+              <a:rPr lang="en-US" dirty="0"/>
               <a:t>Usage: </a:t>
             </a:r>
             <a:r>
-              <a:rPr lang="en-US" i="1" dirty="0" err="1" smtClean="0"/>
+              <a:rPr lang="en-US" i="1" dirty="0" err="1"/>
               <a:t>mkdir</a:t>
             </a:r>
             <a:r>
-              <a:rPr lang="en-US" i="1" dirty="0" smtClean="0"/>
+              <a:rPr lang="en-US" i="1" dirty="0"/>
               <a:t> [directory name] </a:t>
             </a:r>
-            <a:endParaRPr lang="en-US" dirty="0" smtClean="0"/>
+            <a:endParaRPr lang="en-US" dirty="0"/>
           </a:p>
           <a:p>
             <a:pPr marL="0" marR="0" lvl="0" indent="0" defTabSz="914400" eaLnBrk="1" fontAlgn="auto" latinLnBrk="0" hangingPunct="1">
@@ -8426,7 +8407,7 @@
               <a:defRPr/>
             </a:pPr>
             <a:r>
-              <a:rPr lang="en-US" dirty="0" smtClean="0"/>
+              <a:rPr lang="en-US" dirty="0"/>
               <a:t>Example: </a:t>
             </a:r>
           </a:p>
@@ -8450,18 +8431,14 @@
             </a:pPr>
             <a:r>
               <a:rPr lang="en-US" dirty="0"/>
-              <a:t>	</a:t>
-            </a:r>
-            <a:r>
-              <a:rPr lang="en-US" dirty="0" smtClean="0"/>
-              <a:t>$ </a:t>
-            </a:r>
-            <a:r>
-              <a:rPr lang="en-US" dirty="0" err="1" smtClean="0"/>
+              <a:t>	$ </a:t>
+            </a:r>
+            <a:r>
+              <a:rPr lang="en-US" dirty="0" err="1"/>
               <a:t>pwd</a:t>
             </a:r>
             <a:r>
-              <a:rPr lang="en-US" dirty="0" smtClean="0"/>
+              <a:rPr lang="en-US" dirty="0"/>
               <a:t> </a:t>
             </a:r>
           </a:p>
@@ -8485,26 +8462,22 @@
             </a:pPr>
             <a:r>
               <a:rPr lang="en-US" dirty="0"/>
-              <a:t>	</a:t>
-            </a:r>
-            <a:r>
-              <a:rPr lang="en-US" dirty="0" smtClean="0"/>
-              <a:t>/Users/</a:t>
-            </a:r>
-            <a:r>
-              <a:rPr lang="en-US" dirty="0" err="1" smtClean="0"/>
+              <a:t>	/Users/</a:t>
+            </a:r>
+            <a:r>
+              <a:rPr lang="en-US" dirty="0" err="1"/>
               <a:t>BrutusBuckeye</a:t>
             </a:r>
             <a:r>
-              <a:rPr lang="en-US" dirty="0" smtClean="0"/>
+              <a:rPr lang="en-US" dirty="0"/>
               <a:t>/Desktop/SURP/</a:t>
             </a:r>
             <a:r>
-              <a:rPr lang="en-US" dirty="0" err="1" smtClean="0"/>
+              <a:rPr lang="en-US" dirty="0" err="1"/>
               <a:t>bootcamp</a:t>
             </a:r>
             <a:r>
-              <a:rPr lang="en-US" dirty="0" smtClean="0"/>
+              <a:rPr lang="en-US" dirty="0"/>
               <a:t> </a:t>
             </a:r>
           </a:p>
@@ -8528,18 +8501,14 @@
             </a:pPr>
             <a:r>
               <a:rPr lang="en-US" dirty="0"/>
-              <a:t>	</a:t>
-            </a:r>
-            <a:r>
-              <a:rPr lang="en-US" dirty="0" smtClean="0"/>
-              <a:t>$ </a:t>
-            </a:r>
-            <a:r>
-              <a:rPr lang="en-US" dirty="0" err="1" smtClean="0"/>
+              <a:t>	$ </a:t>
+            </a:r>
+            <a:r>
+              <a:rPr lang="en-US" dirty="0" err="1"/>
               <a:t>mkdir</a:t>
             </a:r>
             <a:r>
-              <a:rPr lang="en-US" dirty="0" smtClean="0"/>
+              <a:rPr lang="en-US" dirty="0"/>
               <a:t> example </a:t>
             </a:r>
           </a:p>
@@ -8563,11 +8532,7 @@
             </a:pPr>
             <a:r>
               <a:rPr lang="en-US" dirty="0"/>
-              <a:t>	</a:t>
-            </a:r>
-            <a:r>
-              <a:rPr lang="en-US" dirty="0" smtClean="0"/>
-              <a:t>$ ls </a:t>
+              <a:t>	$ ls </a:t>
             </a:r>
           </a:p>
           <a:p>
@@ -8589,18 +8554,17 @@
               <a:defRPr/>
             </a:pPr>
             <a:r>
-              <a:rPr lang="en-US" dirty="0" smtClean="0"/>
+              <a:rPr lang="en-US" dirty="0"/>
               <a:t>	example exercises notes slides </a:t>
             </a:r>
             <a:r>
-              <a:rPr lang="en-US" dirty="0" err="1" smtClean="0"/>
+              <a:rPr lang="en-US" dirty="0" err="1"/>
               <a:t>somecode.py</a:t>
             </a:r>
             <a:r>
-              <a:rPr lang="en-US" dirty="0" smtClean="0"/>
+              <a:rPr lang="en-US" dirty="0"/>
               <a:t> </a:t>
             </a:r>
-            <a:endParaRPr lang="en-US" dirty="0"/>
           </a:p>
         </p:txBody>
       </p:sp>
@@ -8651,22 +8615,18 @@
           <a:p>
             <a:r>
               <a:rPr lang="en-US" i="1" dirty="0" err="1"/>
-              <a:t>r</a:t>
-            </a:r>
-            <a:r>
-              <a:rPr lang="en-US" i="1" dirty="0" err="1" smtClean="0"/>
-              <a:t>m</a:t>
-            </a:r>
-            <a:r>
-              <a:rPr lang="en-US" dirty="0" smtClean="0"/>
+              <a:t>rm</a:t>
+            </a:r>
+            <a:r>
+              <a:rPr lang="en-US" dirty="0"/>
               <a:t>: Remove [</a:t>
             </a:r>
             <a:r>
-              <a:rPr lang="en-US" i="1" dirty="0" smtClean="0"/>
+              <a:rPr lang="en-US" i="1" dirty="0"/>
               <a:t>del</a:t>
             </a:r>
             <a:r>
-              <a:rPr lang="en-US" dirty="0" smtClean="0"/>
+              <a:rPr lang="en-US" dirty="0"/>
               <a:t>] </a:t>
             </a:r>
             <a:endParaRPr lang="en-US" i="1" dirty="0"/>
@@ -8711,15 +8671,15 @@
               <a:defRPr/>
             </a:pPr>
             <a:r>
-              <a:rPr lang="en-US" dirty="0" smtClean="0"/>
+              <a:rPr lang="en-US" dirty="0"/>
               <a:t>Remove a file from system memory (careful </a:t>
             </a:r>
             <a:r>
-              <a:rPr lang="mr-IN" dirty="0" smtClean="0"/>
+              <a:rPr lang="mr-IN" dirty="0"/>
               <a:t>–</a:t>
             </a:r>
             <a:r>
-              <a:rPr lang="en-US" dirty="0" smtClean="0"/>
+              <a:rPr lang="en-US" dirty="0"/>
               <a:t> this doesn’t move a file to trash)</a:t>
             </a:r>
           </a:p>
@@ -8742,18 +8702,18 @@
               <a:defRPr/>
             </a:pPr>
             <a:r>
-              <a:rPr lang="en-US" dirty="0" smtClean="0"/>
+              <a:rPr lang="en-US" dirty="0"/>
               <a:t>Usage: </a:t>
             </a:r>
             <a:r>
-              <a:rPr lang="en-US" i="1" dirty="0" err="1" smtClean="0"/>
+              <a:rPr lang="en-US" i="1" dirty="0" err="1"/>
               <a:t>rm</a:t>
             </a:r>
             <a:r>
-              <a:rPr lang="en-US" i="1" dirty="0" smtClean="0"/>
+              <a:rPr lang="en-US" i="1" dirty="0"/>
               <a:t> [filename] </a:t>
             </a:r>
-            <a:endParaRPr lang="en-US" dirty="0" smtClean="0"/>
+            <a:endParaRPr lang="en-US" dirty="0"/>
           </a:p>
           <a:p>
             <a:pPr marL="0" marR="0" lvl="0" indent="0" defTabSz="914400" eaLnBrk="1" fontAlgn="auto" latinLnBrk="0" hangingPunct="1">
@@ -8794,7 +8754,7 @@
               <a:defRPr/>
             </a:pPr>
             <a:r>
-              <a:rPr lang="en-US" dirty="0" smtClean="0"/>
+              <a:rPr lang="en-US" dirty="0"/>
               <a:t>Example: </a:t>
             </a:r>
           </a:p>
@@ -8818,11 +8778,7 @@
             </a:pPr>
             <a:r>
               <a:rPr lang="en-US" dirty="0"/>
-              <a:t>	</a:t>
-            </a:r>
-            <a:r>
-              <a:rPr lang="en-US" dirty="0" smtClean="0"/>
-              <a:t>$ ls </a:t>
+              <a:t>	$ ls </a:t>
             </a:r>
           </a:p>
           <a:p>
@@ -8845,18 +8801,14 @@
             </a:pPr>
             <a:r>
               <a:rPr lang="en-US" dirty="0"/>
-              <a:t>	</a:t>
-            </a:r>
-            <a:r>
-              <a:rPr lang="en-US" dirty="0" smtClean="0"/>
-              <a:t>goodcode1.py goodcode2.py </a:t>
-            </a:r>
-            <a:r>
-              <a:rPr lang="en-US" dirty="0" err="1" smtClean="0"/>
+              <a:t>	goodcode1.py goodcode2.py </a:t>
+            </a:r>
+            <a:r>
+              <a:rPr lang="en-US" dirty="0" err="1"/>
               <a:t>badcode.py</a:t>
             </a:r>
             <a:r>
-              <a:rPr lang="en-US" dirty="0" smtClean="0"/>
+              <a:rPr lang="en-US" dirty="0"/>
               <a:t> </a:t>
             </a:r>
           </a:p>
@@ -8880,26 +8832,22 @@
             </a:pPr>
             <a:r>
               <a:rPr lang="en-US" dirty="0"/>
-              <a:t>	</a:t>
-            </a:r>
-            <a:r>
-              <a:rPr lang="en-US" dirty="0" smtClean="0"/>
-              <a:t>$ </a:t>
-            </a:r>
-            <a:r>
-              <a:rPr lang="en-US" dirty="0" err="1" smtClean="0"/>
+              <a:t>	$ </a:t>
+            </a:r>
+            <a:r>
+              <a:rPr lang="en-US" dirty="0" err="1"/>
               <a:t>rm</a:t>
             </a:r>
             <a:r>
-              <a:rPr lang="en-US" dirty="0" smtClean="0"/>
+              <a:rPr lang="en-US" dirty="0"/>
               <a:t> </a:t>
             </a:r>
             <a:r>
-              <a:rPr lang="en-US" dirty="0" err="1" smtClean="0"/>
+              <a:rPr lang="en-US" dirty="0" err="1"/>
               <a:t>badcode.py</a:t>
             </a:r>
             <a:r>
-              <a:rPr lang="en-US" dirty="0" smtClean="0"/>
+              <a:rPr lang="en-US" dirty="0"/>
               <a:t> </a:t>
             </a:r>
           </a:p>
@@ -8923,11 +8871,7 @@
             </a:pPr>
             <a:r>
               <a:rPr lang="en-US" dirty="0"/>
-              <a:t>	</a:t>
-            </a:r>
-            <a:r>
-              <a:rPr lang="en-US" dirty="0" smtClean="0"/>
-              <a:t>$ ls </a:t>
+              <a:t>	$ ls </a:t>
             </a:r>
           </a:p>
           <a:p>
@@ -8950,13 +8894,8 @@
             </a:pPr>
             <a:r>
               <a:rPr lang="en-US" dirty="0"/>
-              <a:t>	</a:t>
-            </a:r>
-            <a:r>
-              <a:rPr lang="en-US" dirty="0" smtClean="0"/>
-              <a:t>goodcode1.py goodcode2.py </a:t>
-            </a:r>
-            <a:endParaRPr lang="en-US" dirty="0"/>
+              <a:t>	goodcode1.py goodcode2.py </a:t>
+            </a:r>
           </a:p>
         </p:txBody>
       </p:sp>
@@ -9011,19 +8950,19 @@
           <a:lstStyle/>
           <a:p>
             <a:r>
-              <a:rPr lang="en-US" i="1" dirty="0" smtClean="0"/>
+              <a:rPr lang="en-US" i="1" dirty="0"/>
               <a:t>man</a:t>
             </a:r>
             <a:r>
-              <a:rPr lang="en-US" dirty="0" smtClean="0"/>
+              <a:rPr lang="en-US" dirty="0"/>
               <a:t>: Manual [</a:t>
             </a:r>
             <a:r>
-              <a:rPr lang="en-US" i="1" dirty="0" smtClean="0"/>
+              <a:rPr lang="en-US" i="1" dirty="0"/>
               <a:t>&lt;command&gt;/?</a:t>
             </a:r>
             <a:r>
-              <a:rPr lang="en-US" dirty="0" smtClean="0"/>
+              <a:rPr lang="en-US" dirty="0"/>
               <a:t>] </a:t>
             </a:r>
             <a:endParaRPr lang="en-US" i="1" dirty="0"/>
@@ -9063,8 +9002,8 @@
               <a:defRPr/>
             </a:pPr>
             <a:r>
-              <a:rPr lang="en-US" dirty="0" smtClean="0"/>
-              <a:t>Pulls up the manual entry (i.e. documentation) for a given terminal entry </a:t>
+              <a:rPr lang="en-US" dirty="0"/>
+              <a:t>Pulls up the manual entry (i.e. documentation) for a given terminal command  </a:t>
             </a:r>
           </a:p>
           <a:p>
@@ -9086,7 +9025,7 @@
               <a:defRPr/>
             </a:pPr>
             <a:r>
-              <a:rPr lang="en-US" dirty="0" smtClean="0"/>
+              <a:rPr lang="en-US" dirty="0"/>
               <a:t>Can be used as a reference on what “flags” each command takes </a:t>
             </a:r>
           </a:p>
@@ -9109,15 +9048,15 @@
               <a:defRPr/>
             </a:pPr>
             <a:r>
-              <a:rPr lang="en-US" dirty="0" smtClean="0"/>
+              <a:rPr lang="en-US" dirty="0"/>
               <a:t>Press Q to exit a </a:t>
             </a:r>
             <a:r>
-              <a:rPr lang="en-US" i="1" dirty="0" smtClean="0"/>
+              <a:rPr lang="en-US" i="1" dirty="0"/>
               <a:t>man</a:t>
             </a:r>
             <a:r>
-              <a:rPr lang="en-US" dirty="0" smtClean="0"/>
+              <a:rPr lang="en-US" dirty="0"/>
               <a:t> page </a:t>
             </a:r>
           </a:p>
@@ -9160,7 +9099,7 @@
               <a:defRPr/>
             </a:pPr>
             <a:r>
-              <a:rPr lang="en-US" dirty="0" smtClean="0"/>
+              <a:rPr lang="en-US" dirty="0"/>
               <a:t>Example: </a:t>
             </a:r>
           </a:p>
@@ -9184,11 +9123,7 @@
             </a:pPr>
             <a:r>
               <a:rPr lang="en-US" dirty="0"/>
-              <a:t>	</a:t>
-            </a:r>
-            <a:r>
-              <a:rPr lang="en-US" dirty="0" smtClean="0"/>
-              <a:t>$ man ls [ls/?] </a:t>
+              <a:t>	$ man ls [ls/?] </a:t>
             </a:r>
           </a:p>
           <a:p>
@@ -9211,11 +9146,7 @@
             </a:pPr>
             <a:r>
               <a:rPr lang="en-US" dirty="0"/>
-              <a:t>	</a:t>
-            </a:r>
-            <a:r>
-              <a:rPr lang="en-US" dirty="0" smtClean="0"/>
-              <a:t>$ man mv [mv/?] </a:t>
+              <a:t>	$ man mv [mv/?] </a:t>
             </a:r>
           </a:p>
           <a:p>
@@ -9238,26 +9169,22 @@
             </a:pPr>
             <a:r>
               <a:rPr lang="en-US" dirty="0"/>
-              <a:t>	</a:t>
-            </a:r>
-            <a:r>
-              <a:rPr lang="en-US" dirty="0" smtClean="0"/>
-              <a:t>$ man </a:t>
-            </a:r>
-            <a:r>
-              <a:rPr lang="en-US" dirty="0" err="1" smtClean="0"/>
+              <a:t>	$ man </a:t>
+            </a:r>
+            <a:r>
+              <a:rPr lang="en-US" dirty="0" err="1"/>
               <a:t>pwd</a:t>
             </a:r>
             <a:r>
-              <a:rPr lang="en-US" dirty="0" smtClean="0"/>
+              <a:rPr lang="en-US" dirty="0"/>
               <a:t> [</a:t>
             </a:r>
             <a:r>
-              <a:rPr lang="en-US" dirty="0" err="1" smtClean="0"/>
+              <a:rPr lang="en-US" dirty="0" err="1"/>
               <a:t>pwd</a:t>
             </a:r>
             <a:r>
-              <a:rPr lang="en-US" dirty="0" smtClean="0"/>
+              <a:rPr lang="en-US" dirty="0"/>
               <a:t>/?] </a:t>
             </a:r>
           </a:p>
@@ -9309,10 +9236,9 @@
           <a:lstStyle/>
           <a:p>
             <a:r>
-              <a:rPr lang="en-US" dirty="0" smtClean="0"/>
+              <a:rPr lang="en-US" dirty="0"/>
               <a:t>*: All Files </a:t>
             </a:r>
-            <a:endParaRPr lang="en-US" dirty="0"/>
           </a:p>
         </p:txBody>
       </p:sp>
@@ -9354,7 +9280,7 @@
               <a:defRPr/>
             </a:pPr>
             <a:r>
-              <a:rPr lang="en-US" dirty="0" smtClean="0"/>
+              <a:rPr lang="en-US" dirty="0"/>
               <a:t>An asterisk (*) refers to all files in a given directory, and can be modified to refer to only those with a specific prefix or suffix </a:t>
             </a:r>
           </a:p>
@@ -9397,7 +9323,7 @@
               <a:defRPr/>
             </a:pPr>
             <a:r>
-              <a:rPr lang="en-US" dirty="0" smtClean="0"/>
+              <a:rPr lang="en-US" dirty="0"/>
               <a:t>Example: </a:t>
             </a:r>
           </a:p>
@@ -9421,11 +9347,7 @@
             </a:pPr>
             <a:r>
               <a:rPr lang="en-US" dirty="0"/>
-              <a:t>	</a:t>
-            </a:r>
-            <a:r>
-              <a:rPr lang="en-US" dirty="0" smtClean="0"/>
-              <a:t>$ ls </a:t>
+              <a:t>	$ ls </a:t>
             </a:r>
           </a:p>
           <a:p>
@@ -9451,27 +9373,27 @@
               <a:t>	</a:t>
             </a:r>
             <a:r>
-              <a:rPr lang="en-US" dirty="0" err="1" smtClean="0"/>
+              <a:rPr lang="en-US" dirty="0" err="1"/>
               <a:t>somedata.dat</a:t>
             </a:r>
             <a:r>
-              <a:rPr lang="en-US" dirty="0" smtClean="0"/>
+              <a:rPr lang="en-US" dirty="0"/>
               <a:t> </a:t>
             </a:r>
             <a:r>
-              <a:rPr lang="en-US" dirty="0" err="1" smtClean="0"/>
+              <a:rPr lang="en-US" dirty="0" err="1"/>
               <a:t>somecode.py</a:t>
             </a:r>
             <a:r>
-              <a:rPr lang="en-US" dirty="0" smtClean="0"/>
+              <a:rPr lang="en-US" dirty="0"/>
               <a:t> </a:t>
             </a:r>
             <a:r>
-              <a:rPr lang="en-US" dirty="0" err="1" smtClean="0"/>
+              <a:rPr lang="en-US" dirty="0" err="1"/>
               <a:t>someoutput.out</a:t>
             </a:r>
             <a:r>
-              <a:rPr lang="en-US" dirty="0" smtClean="0"/>
+              <a:rPr lang="en-US" dirty="0"/>
               <a:t> </a:t>
             </a:r>
           </a:p>
@@ -9495,18 +9417,14 @@
             </a:pPr>
             <a:r>
               <a:rPr lang="en-US" dirty="0"/>
-              <a:t>	</a:t>
-            </a:r>
-            <a:r>
-              <a:rPr lang="en-US" dirty="0" smtClean="0"/>
-              <a:t>$ ls *.</a:t>
-            </a:r>
-            <a:r>
-              <a:rPr lang="en-US" dirty="0" err="1" smtClean="0"/>
+              <a:t>	$ ls *.</a:t>
+            </a:r>
+            <a:r>
+              <a:rPr lang="en-US" dirty="0" err="1"/>
               <a:t>py</a:t>
             </a:r>
             <a:r>
-              <a:rPr lang="en-US" dirty="0" smtClean="0"/>
+              <a:rPr lang="en-US" dirty="0"/>
               <a:t> </a:t>
             </a:r>
           </a:p>
@@ -9533,11 +9451,11 @@
               <a:t>	</a:t>
             </a:r>
             <a:r>
-              <a:rPr lang="en-US" dirty="0" err="1" smtClean="0"/>
+              <a:rPr lang="en-US" dirty="0" err="1"/>
               <a:t>somecode.py</a:t>
             </a:r>
             <a:r>
-              <a:rPr lang="en-US" dirty="0" smtClean="0"/>
+              <a:rPr lang="en-US" dirty="0"/>
               <a:t> </a:t>
             </a:r>
           </a:p>
@@ -9561,11 +9479,7 @@
             </a:pPr>
             <a:r>
               <a:rPr lang="en-US" dirty="0"/>
-              <a:t>	</a:t>
-            </a:r>
-            <a:r>
-              <a:rPr lang="en-US" dirty="0" smtClean="0"/>
-              <a:t>$ ls some* </a:t>
+              <a:t>	$ ls some* </a:t>
             </a:r>
           </a:p>
           <a:p>
@@ -9579,15 +9493,15 @@
               <a:buNone/>
             </a:pPr>
             <a:r>
-              <a:rPr lang="en-US" dirty="0" smtClean="0"/>
+              <a:rPr lang="en-US" dirty="0"/>
               <a:t>	</a:t>
             </a:r>
             <a:r>
-              <a:rPr lang="en-US" dirty="0" err="1" smtClean="0"/>
+              <a:rPr lang="en-US" dirty="0" err="1"/>
               <a:t>somedata.dat</a:t>
             </a:r>
             <a:r>
-              <a:rPr lang="en-US" dirty="0" smtClean="0"/>
+              <a:rPr lang="en-US" dirty="0"/>
               <a:t> </a:t>
             </a:r>
             <a:r>
@@ -9675,10 +9589,9 @@
           <a:lstStyle/>
           <a:p>
             <a:r>
-              <a:rPr lang="en-US" dirty="0" smtClean="0"/>
+              <a:rPr lang="en-US" dirty="0"/>
               <a:t>The Bash Profile </a:t>
             </a:r>
-            <a:endParaRPr lang="en-US" dirty="0"/>
           </a:p>
         </p:txBody>
       </p:sp>
@@ -9708,23 +9621,23 @@
               <a:buNone/>
             </a:pPr>
             <a:r>
-              <a:rPr lang="en-US" dirty="0" smtClean="0"/>
+              <a:rPr lang="en-US" dirty="0"/>
               <a:t>A particular file located at ~/.</a:t>
             </a:r>
             <a:r>
-              <a:rPr lang="en-US" dirty="0" err="1" smtClean="0"/>
+              <a:rPr lang="en-US" dirty="0" err="1"/>
               <a:t>bash_profile</a:t>
             </a:r>
             <a:r>
-              <a:rPr lang="en-US" dirty="0" smtClean="0"/>
+              <a:rPr lang="en-US" dirty="0"/>
               <a:t> (can also use ~/.</a:t>
             </a:r>
             <a:r>
-              <a:rPr lang="en-US" dirty="0" err="1" smtClean="0"/>
+              <a:rPr lang="en-US" dirty="0" err="1"/>
               <a:t>bashrc</a:t>
             </a:r>
             <a:r>
-              <a:rPr lang="en-US" dirty="0" smtClean="0"/>
+              <a:rPr lang="en-US" dirty="0"/>
               <a:t>) </a:t>
             </a:r>
           </a:p>
@@ -9739,51 +9652,51 @@
               <a:buNone/>
             </a:pPr>
             <a:r>
-              <a:rPr lang="en-US" dirty="0" smtClean="0"/>
+              <a:rPr lang="en-US" dirty="0"/>
               <a:t>Typically contains</a:t>
             </a:r>
             <a:r>
-              <a:rPr lang="mr-IN" dirty="0" smtClean="0"/>
+              <a:rPr lang="mr-IN" dirty="0"/>
               <a:t>…</a:t>
             </a:r>
             <a:r>
-              <a:rPr lang="en-US" dirty="0" smtClean="0"/>
+              <a:rPr lang="en-US" dirty="0"/>
               <a:t> </a:t>
             </a:r>
           </a:p>
           <a:p>
             <a:pPr lvl="1"/>
             <a:r>
-              <a:rPr lang="en-US" dirty="0" smtClean="0"/>
+              <a:rPr lang="en-US" dirty="0"/>
               <a:t>Environment variables </a:t>
             </a:r>
           </a:p>
           <a:p>
             <a:pPr lvl="1"/>
             <a:r>
-              <a:rPr lang="en-US" dirty="0" smtClean="0"/>
+              <a:rPr lang="en-US" dirty="0"/>
               <a:t>Aliases </a:t>
             </a:r>
           </a:p>
           <a:p>
             <a:pPr lvl="1"/>
             <a:r>
-              <a:rPr lang="en-US" dirty="0" smtClean="0"/>
+              <a:rPr lang="en-US" dirty="0"/>
               <a:t>Modifications to your PATH or PYTHONPATH </a:t>
             </a:r>
           </a:p>
           <a:p>
             <a:pPr lvl="1"/>
             <a:r>
-              <a:rPr lang="en-US" dirty="0" smtClean="0"/>
+              <a:rPr lang="en-US" dirty="0"/>
               <a:t>Some gibberish used by </a:t>
             </a:r>
             <a:r>
-              <a:rPr lang="en-US" i="1" dirty="0" err="1" smtClean="0"/>
+              <a:rPr lang="en-US" i="1" dirty="0" err="1"/>
               <a:t>conda</a:t>
             </a:r>
             <a:r>
-              <a:rPr lang="en-US" dirty="0" smtClean="0"/>
+              <a:rPr lang="en-US" dirty="0"/>
               <a:t> </a:t>
             </a:r>
           </a:p>
@@ -9792,11 +9705,11 @@
               <a:buNone/>
             </a:pPr>
             <a:r>
-              <a:rPr lang="mr-IN" dirty="0" smtClean="0"/>
+              <a:rPr lang="mr-IN" dirty="0"/>
               <a:t>…</a:t>
             </a:r>
             <a:r>
-              <a:rPr lang="en-US" dirty="0" smtClean="0"/>
+              <a:rPr lang="en-US" dirty="0"/>
               <a:t> if there’s even anything there yet </a:t>
             </a:r>
           </a:p>
@@ -9811,19 +9724,19 @@
               <a:buNone/>
             </a:pPr>
             <a:r>
-              <a:rPr lang="en-US" dirty="0" smtClean="0"/>
+              <a:rPr lang="en-US" dirty="0"/>
               <a:t>Modifications require running </a:t>
             </a:r>
             <a:r>
-              <a:rPr lang="en-US" i="1" dirty="0" smtClean="0"/>
+              <a:rPr lang="en-US" i="1" dirty="0"/>
               <a:t>source ~/.</a:t>
             </a:r>
             <a:r>
-              <a:rPr lang="en-US" i="1" dirty="0" err="1" smtClean="0"/>
+              <a:rPr lang="en-US" i="1" dirty="0" err="1"/>
               <a:t>bash_profile</a:t>
             </a:r>
             <a:r>
-              <a:rPr lang="en-US" dirty="0" smtClean="0"/>
+              <a:rPr lang="en-US" dirty="0"/>
               <a:t> or simply restarting the terminal to take effect </a:t>
             </a:r>
           </a:p>
@@ -9875,10 +9788,9 @@
           <a:lstStyle/>
           <a:p>
             <a:r>
-              <a:rPr lang="en-US" dirty="0" smtClean="0"/>
+              <a:rPr lang="en-US" dirty="0"/>
               <a:t>The Bash Profile: Windows Equivalent </a:t>
             </a:r>
-            <a:endParaRPr lang="en-US" dirty="0"/>
           </a:p>
         </p:txBody>
       </p:sp>
@@ -9920,15 +9832,15 @@
               <a:defRPr/>
             </a:pPr>
             <a:r>
-              <a:rPr lang="en-US" dirty="0" smtClean="0"/>
+              <a:rPr lang="en-US" dirty="0"/>
               <a:t>No standard name, but files can be set to </a:t>
             </a:r>
             <a:r>
-              <a:rPr lang="en-US" i="1" dirty="0" err="1" smtClean="0"/>
+              <a:rPr lang="en-US" i="1" dirty="0" err="1"/>
               <a:t>autorun</a:t>
             </a:r>
             <a:r>
-              <a:rPr lang="en-US" dirty="0" smtClean="0"/>
+              <a:rPr lang="en-US" dirty="0"/>
               <a:t> upon terminal start, achieving the same effect </a:t>
             </a:r>
           </a:p>
@@ -9971,11 +9883,11 @@
               <a:t> /k "%HOMEDRIVE%\%HOMEPATH%\</a:t>
             </a:r>
             <a:r>
-              <a:rPr lang="en-US" dirty="0" err="1" smtClean="0"/>
+              <a:rPr lang="en-US" dirty="0" err="1"/>
               <a:t>cmd-startup.bat</a:t>
             </a:r>
             <a:r>
-              <a:rPr lang="en-US" dirty="0" smtClean="0"/>
+              <a:rPr lang="en-US" dirty="0"/>
               <a:t>” </a:t>
             </a:r>
           </a:p>
@@ -9989,22 +9901,22 @@
               </a:spcBef>
             </a:pPr>
             <a:r>
-              <a:rPr lang="en-US" i="1" dirty="0" smtClean="0"/>
+              <a:rPr lang="en-US" i="1" dirty="0"/>
               <a:t>/k</a:t>
             </a:r>
             <a:r>
-              <a:rPr lang="en-US" dirty="0" smtClean="0"/>
+              <a:rPr lang="en-US" dirty="0"/>
               <a:t> causes the </a:t>
             </a:r>
             <a:r>
-              <a:rPr lang="en-US" dirty="0" err="1" smtClean="0"/>
+              <a:rPr lang="en-US" dirty="0" err="1"/>
               <a:t>cmd-startup.bat</a:t>
             </a:r>
             <a:r>
-              <a:rPr lang="en-US" dirty="0" smtClean="0"/>
+              <a:rPr lang="en-US" dirty="0"/>
               <a:t> file to run on launching command line </a:t>
             </a:r>
-            <a:endParaRPr lang="en-US" i="1" dirty="0" smtClean="0"/>
+            <a:endParaRPr lang="en-US" i="1" dirty="0"/>
           </a:p>
           <a:p>
             <a:pPr marL="0" marR="0" lvl="0" indent="0" defTabSz="914400" eaLnBrk="1" fontAlgn="auto" latinLnBrk="0" hangingPunct="1">
@@ -10024,7 +9936,7 @@
               <a:tabLst/>
               <a:defRPr/>
             </a:pPr>
-            <a:endParaRPr lang="en-US" dirty="0" smtClean="0"/>
+            <a:endParaRPr lang="en-US" dirty="0"/>
           </a:p>
           <a:p>
             <a:pPr marL="0" lvl="0" indent="0">
@@ -10037,24 +9949,12 @@
               <a:buNone/>
             </a:pPr>
             <a:r>
-              <a:rPr lang="en-US" dirty="0" smtClean="0">
-                <a:hlinkClick r:id="rId2"/>
-              </a:rPr>
-              <a:t>https</a:t>
-            </a:r>
-            <a:r>
               <a:rPr lang="en-US" dirty="0">
                 <a:hlinkClick r:id="rId2"/>
               </a:rPr>
-              <a:t>://</a:t>
-            </a:r>
-            <a:r>
-              <a:rPr lang="en-US" dirty="0" smtClean="0">
-                <a:hlinkClick r:id="rId2"/>
-              </a:rPr>
-              <a:t>superuser.com/questions/144347/is-there-windows-equivalent-to-the-bashrc-file-in-linux</a:t>
-            </a:r>
-            <a:endParaRPr lang="en-US" dirty="0" smtClean="0"/>
+              <a:t>https://superuser.com/questions/144347/is-there-windows-equivalent-to-the-bashrc-file-in-linux</a:t>
+            </a:r>
+            <a:endParaRPr lang="en-US" dirty="0"/>
           </a:p>
           <a:p>
             <a:pPr marL="0" lvl="0" indent="0">
@@ -10079,34 +9979,25 @@
               <a:buNone/>
             </a:pPr>
             <a:r>
-              <a:rPr lang="en-US" dirty="0" smtClean="0"/>
-              <a:t>Disclaimer: If you’re an astronomer, </a:t>
-            </a:r>
-            <a:r>
-              <a:rPr lang="en-US" dirty="0"/>
-              <a:t>b</a:t>
-            </a:r>
-            <a:r>
-              <a:rPr lang="en-US" dirty="0" smtClean="0"/>
-              <a:t>ash </a:t>
-            </a:r>
-            <a:r>
-              <a:rPr lang="en-US" i="1" dirty="0" smtClean="0"/>
+              <a:rPr lang="en-US" dirty="0"/>
+              <a:t>Disclaimer: If you’re an astronomer, bash </a:t>
+            </a:r>
+            <a:r>
+              <a:rPr lang="en-US" i="1" dirty="0"/>
               <a:t>is</a:t>
             </a:r>
             <a:r>
-              <a:rPr lang="en-US" dirty="0" smtClean="0"/>
+              <a:rPr lang="en-US" dirty="0"/>
               <a:t> a </a:t>
             </a:r>
             <a:r>
-              <a:rPr lang="en-US" i="1" dirty="0" smtClean="0"/>
+              <a:rPr lang="en-US" i="1" dirty="0"/>
               <a:t>better choice </a:t>
             </a:r>
             <a:r>
-              <a:rPr lang="en-US" dirty="0" smtClean="0"/>
+              <a:rPr lang="en-US" dirty="0"/>
               <a:t>than PowerShell. This will vary in other fields, but astronomy uses Unix-based operating systems. </a:t>
             </a:r>
-            <a:endParaRPr lang="en-US" dirty="0"/>
           </a:p>
         </p:txBody>
       </p:sp>
@@ -10156,10 +10047,9 @@
           <a:lstStyle/>
           <a:p>
             <a:r>
-              <a:rPr lang="en-US" dirty="0" smtClean="0"/>
+              <a:rPr lang="en-US" dirty="0"/>
               <a:t>Aliases </a:t>
             </a:r>
-            <a:endParaRPr lang="en-US" dirty="0"/>
           </a:p>
         </p:txBody>
       </p:sp>
@@ -10187,7 +10077,7 @@
               <a:buNone/>
             </a:pPr>
             <a:r>
-              <a:rPr lang="en-US" dirty="0" smtClean="0"/>
+              <a:rPr lang="en-US" dirty="0"/>
               <a:t>A way of creating a terminal command out of other terminal commands </a:t>
             </a:r>
           </a:p>
@@ -10202,7 +10092,7 @@
               <a:buNone/>
             </a:pPr>
             <a:r>
-              <a:rPr lang="en-US" dirty="0" smtClean="0"/>
+              <a:rPr lang="en-US" dirty="0"/>
               <a:t>Can create one in your terminal independent of your bash profile, but putting them there makes them permanent </a:t>
             </a:r>
           </a:p>
@@ -10217,7 +10107,7 @@
               <a:buNone/>
             </a:pPr>
             <a:r>
-              <a:rPr lang="en-US" dirty="0" smtClean="0"/>
+              <a:rPr lang="en-US" dirty="0"/>
               <a:t>Example: </a:t>
             </a:r>
           </a:p>
@@ -10227,26 +10117,22 @@
             </a:pPr>
             <a:r>
               <a:rPr lang="en-US" dirty="0"/>
-              <a:t>	</a:t>
-            </a:r>
-            <a:r>
-              <a:rPr lang="en-US" dirty="0" smtClean="0"/>
-              <a:t>alias </a:t>
-            </a:r>
-            <a:r>
-              <a:rPr lang="en-US" dirty="0" err="1" smtClean="0"/>
+              <a:t>	alias </a:t>
+            </a:r>
+            <a:r>
+              <a:rPr lang="en-US" dirty="0" err="1"/>
               <a:t>makeplot</a:t>
             </a:r>
             <a:r>
-              <a:rPr lang="en-US" dirty="0" smtClean="0"/>
+              <a:rPr lang="en-US" dirty="0"/>
               <a:t>=“python </a:t>
             </a:r>
             <a:r>
-              <a:rPr lang="en-US" dirty="0" err="1" smtClean="0"/>
+              <a:rPr lang="en-US" dirty="0" err="1"/>
               <a:t>plotting_script.py</a:t>
             </a:r>
             <a:r>
-              <a:rPr lang="en-US" dirty="0" smtClean="0"/>
+              <a:rPr lang="en-US" dirty="0"/>
               <a:t>” </a:t>
             </a:r>
           </a:p>
@@ -10256,30 +10142,26 @@
             </a:pPr>
             <a:r>
               <a:rPr lang="en-US" dirty="0"/>
-              <a:t>	</a:t>
-            </a:r>
-            <a:r>
-              <a:rPr lang="en-US" dirty="0" smtClean="0"/>
-              <a:t>alias </a:t>
-            </a:r>
-            <a:r>
-              <a:rPr lang="en-US" dirty="0" err="1" smtClean="0"/>
+              <a:t>	alias </a:t>
+            </a:r>
+            <a:r>
+              <a:rPr lang="en-US" dirty="0" err="1"/>
               <a:t>lc</a:t>
             </a:r>
             <a:r>
-              <a:rPr lang="en-US" dirty="0" smtClean="0"/>
+              <a:rPr lang="en-US" dirty="0"/>
               <a:t>=“ls </a:t>
             </a:r>
             <a:r>
-              <a:rPr lang="mr-IN" dirty="0" smtClean="0"/>
+              <a:rPr lang="mr-IN" dirty="0"/>
               <a:t>–</a:t>
             </a:r>
             <a:r>
-              <a:rPr lang="en-US" dirty="0" err="1" smtClean="0"/>
+              <a:rPr lang="en-US" dirty="0" err="1"/>
               <a:t>lha</a:t>
             </a:r>
             <a:r>
-              <a:rPr lang="en-US" dirty="0" smtClean="0"/>
+              <a:rPr lang="en-US" dirty="0"/>
               <a:t>” </a:t>
             </a:r>
           </a:p>
@@ -10289,18 +10171,14 @@
             </a:pPr>
             <a:r>
               <a:rPr lang="en-US" dirty="0"/>
-              <a:t>	</a:t>
-            </a:r>
-            <a:r>
-              <a:rPr lang="en-US" dirty="0" smtClean="0"/>
-              <a:t>alias </a:t>
-            </a:r>
-            <a:r>
-              <a:rPr lang="en-US" dirty="0" err="1" smtClean="0"/>
+              <a:t>	alias </a:t>
+            </a:r>
+            <a:r>
+              <a:rPr lang="en-US" dirty="0" err="1"/>
               <a:t>surp</a:t>
             </a:r>
             <a:r>
-              <a:rPr lang="en-US" dirty="0" smtClean="0"/>
+              <a:rPr lang="en-US" dirty="0"/>
               <a:t>=“cd ~/Desktop/SURP/”</a:t>
             </a:r>
           </a:p>
@@ -10352,10 +10230,9 @@
           <a:lstStyle/>
           <a:p>
             <a:r>
-              <a:rPr lang="en-US" dirty="0" smtClean="0"/>
+              <a:rPr lang="en-US" dirty="0"/>
               <a:t>Environment Variables </a:t>
             </a:r>
-            <a:endParaRPr lang="en-US" dirty="0"/>
           </a:p>
         </p:txBody>
       </p:sp>
@@ -10383,7 +10260,7 @@
               <a:buNone/>
             </a:pPr>
             <a:r>
-              <a:rPr lang="en-US" dirty="0" smtClean="0"/>
+              <a:rPr lang="en-US" dirty="0"/>
               <a:t>Variables global to the current shell script </a:t>
             </a:r>
           </a:p>
@@ -10391,22 +10268,22 @@
             <a:pPr marL="0" indent="0">
               <a:buNone/>
             </a:pPr>
-            <a:endParaRPr lang="en-US" dirty="0" smtClean="0"/>
+            <a:endParaRPr lang="en-US" dirty="0"/>
           </a:p>
           <a:p>
             <a:pPr marL="0" indent="0">
               <a:buNone/>
             </a:pPr>
             <a:r>
-              <a:rPr lang="en-US" dirty="0" smtClean="0"/>
+              <a:rPr lang="en-US" dirty="0"/>
               <a:t>Can be created outside the bash profile, but are permanent when put there. Use </a:t>
             </a:r>
             <a:r>
-              <a:rPr lang="en-US" i="1" dirty="0" smtClean="0"/>
+              <a:rPr lang="en-US" i="1" dirty="0"/>
               <a:t>export</a:t>
             </a:r>
             <a:r>
-              <a:rPr lang="en-US" dirty="0" smtClean="0"/>
+              <a:rPr lang="en-US" dirty="0"/>
               <a:t> when adding one to the bash profile </a:t>
             </a:r>
           </a:p>
@@ -10421,7 +10298,7 @@
               <a:buNone/>
             </a:pPr>
             <a:r>
-              <a:rPr lang="en-US" dirty="0" smtClean="0"/>
+              <a:rPr lang="en-US" dirty="0"/>
               <a:t>Example: </a:t>
             </a:r>
           </a:p>
@@ -10431,11 +10308,7 @@
             </a:pPr>
             <a:r>
               <a:rPr lang="en-US" dirty="0"/>
-              <a:t>	</a:t>
-            </a:r>
-            <a:r>
-              <a:rPr lang="en-US" dirty="0" smtClean="0"/>
-              <a:t>export SURP_DIRECTORY=“~/Desktop/SURP/” </a:t>
+              <a:t>	export SURP_DIRECTORY=“~/Desktop/SURP/” </a:t>
             </a:r>
           </a:p>
           <a:p>
@@ -10449,15 +10322,15 @@
               <a:buNone/>
             </a:pPr>
             <a:r>
-              <a:rPr lang="en-US" dirty="0" smtClean="0"/>
+              <a:rPr lang="en-US" dirty="0"/>
               <a:t>Can be accessed in Python via </a:t>
             </a:r>
             <a:r>
-              <a:rPr lang="en-US" dirty="0" err="1" smtClean="0"/>
+              <a:rPr lang="en-US" dirty="0" err="1"/>
               <a:t>os.environ</a:t>
             </a:r>
             <a:r>
-              <a:rPr lang="en-US" dirty="0" smtClean="0"/>
+              <a:rPr lang="en-US" dirty="0"/>
               <a:t> (a dictionary) </a:t>
             </a:r>
           </a:p>
@@ -10509,10 +10382,9 @@
           <a:lstStyle/>
           <a:p>
             <a:r>
-              <a:rPr lang="en-US" dirty="0" smtClean="0"/>
+              <a:rPr lang="en-US" dirty="0"/>
               <a:t>PATH and PYTHONPATH </a:t>
             </a:r>
-            <a:endParaRPr lang="en-US" dirty="0"/>
           </a:p>
         </p:txBody>
       </p:sp>
@@ -10542,7 +10414,7 @@
               <a:buNone/>
             </a:pPr>
             <a:r>
-              <a:rPr lang="en-US" dirty="0" smtClean="0"/>
+              <a:rPr lang="en-US" dirty="0"/>
               <a:t>PATH: directories where your computer looks for executables and (more importantly) python code (separated by colons) </a:t>
             </a:r>
           </a:p>
@@ -10557,7 +10429,7 @@
               <a:buNone/>
             </a:pPr>
             <a:r>
-              <a:rPr lang="en-US" dirty="0" smtClean="0"/>
+              <a:rPr lang="en-US" dirty="0"/>
               <a:t>PYTHONPATH: additional directories where your computer looks for python code, also separated by colons </a:t>
             </a:r>
           </a:p>
@@ -10572,7 +10444,7 @@
               <a:buNone/>
             </a:pPr>
             <a:r>
-              <a:rPr lang="en-US" dirty="0" smtClean="0"/>
+              <a:rPr lang="en-US" dirty="0"/>
               <a:t>Example: </a:t>
             </a:r>
           </a:p>
@@ -10582,11 +10454,7 @@
             </a:pPr>
             <a:r>
               <a:rPr lang="en-US" dirty="0"/>
-              <a:t>	</a:t>
-            </a:r>
-            <a:r>
-              <a:rPr lang="en-US" dirty="0" smtClean="0"/>
-              <a:t>export PYTHONPATH=~/path/to/my/python/code:$PYTHONPATH </a:t>
+              <a:t>	export PYTHONPATH=~/path/to/my/python/code:$PYTHONPATH </a:t>
             </a:r>
           </a:p>
           <a:p>
@@ -10600,18 +10468,17 @@
               <a:buNone/>
             </a:pPr>
             <a:r>
-              <a:rPr lang="en-US" dirty="0" smtClean="0"/>
+              <a:rPr lang="en-US" dirty="0"/>
               <a:t>1 million brownie points to whoever knows </a:t>
             </a:r>
             <a:r>
-              <a:rPr lang="en-US" smtClean="0"/>
+              <a:rPr lang="en-US"/>
               <a:t>why $PYTHONPATH </a:t>
             </a:r>
             <a:r>
-              <a:rPr lang="en-US" dirty="0" smtClean="0"/>
+              <a:rPr lang="en-US" dirty="0"/>
               <a:t>appears on the right here </a:t>
             </a:r>
-            <a:endParaRPr lang="en-US" dirty="0"/>
           </a:p>
         </p:txBody>
       </p:sp>
@@ -10661,10 +10528,9 @@
           <a:lstStyle/>
           <a:p>
             <a:r>
-              <a:rPr lang="en-US" dirty="0" smtClean="0"/>
+              <a:rPr lang="en-US" dirty="0"/>
               <a:t>What is a Terminal? </a:t>
             </a:r>
-            <a:endParaRPr lang="en-US" dirty="0"/>
           </a:p>
         </p:txBody>
       </p:sp>
@@ -10692,7 +10558,7 @@
               <a:buNone/>
             </a:pPr>
             <a:r>
-              <a:rPr lang="en-US" dirty="0" smtClean="0"/>
+              <a:rPr lang="en-US" dirty="0"/>
               <a:t>A command-line interpreter </a:t>
             </a:r>
           </a:p>
@@ -10707,7 +10573,7 @@
               <a:buNone/>
             </a:pPr>
             <a:r>
-              <a:rPr lang="en-US" dirty="0" smtClean="0"/>
+              <a:rPr lang="en-US" dirty="0"/>
               <a:t>Executes single commands entered by the user one after another </a:t>
             </a:r>
           </a:p>
@@ -10722,10 +10588,9 @@
               <a:buNone/>
             </a:pPr>
             <a:r>
-              <a:rPr lang="en-US" dirty="0" smtClean="0"/>
+              <a:rPr lang="en-US" dirty="0"/>
               <a:t>Think of this as a different interface on a Finder window when learning it </a:t>
             </a:r>
-            <a:endParaRPr lang="en-US" dirty="0"/>
           </a:p>
         </p:txBody>
       </p:sp>
@@ -10805,10 +10670,9 @@
           <a:lstStyle/>
           <a:p>
             <a:r>
-              <a:rPr lang="en-US" dirty="0" smtClean="0"/>
+              <a:rPr lang="en-US" dirty="0"/>
               <a:t>Disclaimer </a:t>
             </a:r>
-            <a:endParaRPr lang="en-US" dirty="0"/>
           </a:p>
         </p:txBody>
       </p:sp>
@@ -10836,15 +10700,15 @@
               <a:buNone/>
             </a:pPr>
             <a:r>
-              <a:rPr lang="en-US" dirty="0" smtClean="0"/>
+              <a:rPr lang="en-US" dirty="0"/>
               <a:t>There are different types of Terminals - the most common one is </a:t>
             </a:r>
             <a:r>
-              <a:rPr lang="en-US" i="1" dirty="0" smtClean="0"/>
+              <a:rPr lang="en-US" i="1" dirty="0"/>
               <a:t>bash</a:t>
             </a:r>
             <a:r>
-              <a:rPr lang="en-US" dirty="0" smtClean="0"/>
+              <a:rPr lang="en-US" dirty="0"/>
               <a:t>, ran in Linux and Mac OS environments </a:t>
             </a:r>
           </a:p>
@@ -10859,15 +10723,15 @@
               <a:buNone/>
             </a:pPr>
             <a:r>
-              <a:rPr lang="en-US" dirty="0" smtClean="0"/>
+              <a:rPr lang="en-US" dirty="0"/>
               <a:t>The Windows command-line is NOT a bash environment </a:t>
             </a:r>
             <a:r>
-              <a:rPr lang="mr-IN" dirty="0" smtClean="0"/>
+              <a:rPr lang="mr-IN" dirty="0"/>
               <a:t>–</a:t>
             </a:r>
             <a:r>
-              <a:rPr lang="en-US" dirty="0" smtClean="0"/>
+              <a:rPr lang="en-US" dirty="0"/>
               <a:t> to access a bash environment in Windows, you need the Windows Subsystem for Linux (WSL) </a:t>
             </a:r>
           </a:p>
@@ -10877,37 +10741,30 @@
               <a:rPr lang="en-US" dirty="0">
                 <a:hlinkClick r:id="rId3"/>
               </a:rPr>
-              <a:t>https://</a:t>
-            </a:r>
-            <a:r>
-              <a:rPr lang="en-US" dirty="0" smtClean="0">
-                <a:hlinkClick r:id="rId3"/>
-              </a:rPr>
-              <a:t>www.microsoft.com/en-us/p/windows-terminal-preview/9n0dx20hk701?activetab=pivot:overviewtab</a:t>
-            </a:r>
-            <a:endParaRPr lang="en-US" dirty="0" smtClean="0"/>
+              <a:t>https://www.microsoft.com/en-us/p/windows-terminal-preview/9n0dx20hk701?activetab=pivot:overviewtab</a:t>
+            </a:r>
+            <a:endParaRPr lang="en-US" dirty="0"/>
           </a:p>
           <a:p>
             <a:pPr lvl="1"/>
             <a:r>
-              <a:rPr lang="en-US" dirty="0" smtClean="0"/>
+              <a:rPr lang="en-US" dirty="0"/>
               <a:t>Note: This requires Windows 10 version 18362.0 or later </a:t>
             </a:r>
           </a:p>
           <a:p>
             <a:pPr lvl="1"/>
             <a:r>
-              <a:rPr lang="en-US" dirty="0" smtClean="0"/>
+              <a:rPr lang="en-US" dirty="0"/>
               <a:t>Another option is use a virtual environment, though these are more data-intensive as they’re often running another OS </a:t>
             </a:r>
           </a:p>
           <a:p>
             <a:pPr lvl="1"/>
             <a:r>
-              <a:rPr lang="en-US" dirty="0" smtClean="0"/>
+              <a:rPr lang="en-US" dirty="0"/>
               <a:t>Where Unix terminals use $ to reference variables, MS-DOS uses enclosing % symbols </a:t>
             </a:r>
-            <a:endParaRPr lang="en-US" dirty="0"/>
           </a:p>
         </p:txBody>
       </p:sp>
@@ -10957,10 +10814,9 @@
           <a:lstStyle/>
           <a:p>
             <a:r>
-              <a:rPr lang="en-US" dirty="0" smtClean="0"/>
+              <a:rPr lang="en-US" dirty="0"/>
               <a:t>Cheat Sheet </a:t>
             </a:r>
-            <a:endParaRPr lang="en-US" dirty="0"/>
           </a:p>
         </p:txBody>
       </p:sp>
@@ -11002,20 +10858,16 @@
               <a:defRPr/>
             </a:pPr>
             <a:r>
-              <a:rPr lang="en-US" dirty="0" smtClean="0"/>
+              <a:rPr lang="en-US" dirty="0"/>
               <a:t>Windows uses the MS-DOS command line system </a:t>
             </a:r>
             <a:r>
-              <a:rPr lang="mr-IN" dirty="0" smtClean="0"/>
+              <a:rPr lang="mr-IN" dirty="0"/>
               <a:t>–</a:t>
             </a:r>
             <a:r>
               <a:rPr lang="en-US" dirty="0"/>
-              <a:t> </a:t>
-            </a:r>
-            <a:r>
-              <a:rPr lang="en-US" dirty="0" smtClean="0"/>
-              <a:t>this cheat sheet will take simple commands from one to the other </a:t>
+              <a:t> this cheat sheet will take simple commands from one to the other </a:t>
             </a:r>
           </a:p>
           <a:p>
@@ -11052,15 +10904,9 @@
               <a:rPr lang="en-US" dirty="0">
                 <a:hlinkClick r:id="rId2"/>
               </a:rPr>
-              <a:t>https://</a:t>
-            </a:r>
-            <a:r>
-              <a:rPr lang="en-US" dirty="0" smtClean="0">
-                <a:hlinkClick r:id="rId2"/>
-              </a:rPr>
-              <a:t>ftp.kh.edu.tw/Linux/Redhat/en_6.2/doc/gsg/ch-doslinux.htm</a:t>
-            </a:r>
-            <a:endParaRPr lang="en-US" dirty="0" smtClean="0"/>
+              <a:t>https://ftp.kh.edu.tw/Linux/Redhat/en_6.2/doc/gsg/ch-doslinux.htm</a:t>
+            </a:r>
+            <a:endParaRPr lang="en-US" dirty="0"/>
           </a:p>
           <a:p>
             <a:pPr marL="0" lvl="0" indent="0">
@@ -11085,10 +10931,9 @@
               <a:buNone/>
             </a:pPr>
             <a:r>
-              <a:rPr lang="en-US" dirty="0" smtClean="0"/>
+              <a:rPr lang="en-US" dirty="0"/>
               <a:t>There are a wealth of references for using a command line </a:t>
             </a:r>
-            <a:endParaRPr lang="en-US" dirty="0"/>
           </a:p>
         </p:txBody>
       </p:sp>
@@ -11169,22 +11014,18 @@
           <a:p>
             <a:r>
               <a:rPr lang="en-US" i="1" dirty="0" err="1"/>
-              <a:t>p</a:t>
-            </a:r>
-            <a:r>
-              <a:rPr lang="en-US" i="1" dirty="0" err="1" smtClean="0"/>
-              <a:t>wd</a:t>
-            </a:r>
-            <a:r>
-              <a:rPr lang="en-US" dirty="0" smtClean="0"/>
+              <a:t>pwd</a:t>
+            </a:r>
+            <a:r>
+              <a:rPr lang="en-US" dirty="0"/>
               <a:t>: Print Working Directory [</a:t>
             </a:r>
             <a:r>
-              <a:rPr lang="en-US" i="1" dirty="0" err="1" smtClean="0"/>
+              <a:rPr lang="en-US" i="1" dirty="0" err="1"/>
               <a:t>chdir</a:t>
             </a:r>
             <a:r>
-              <a:rPr lang="en-US" dirty="0" smtClean="0"/>
+              <a:rPr lang="en-US" dirty="0"/>
               <a:t>]  </a:t>
             </a:r>
             <a:endParaRPr lang="en-US" i="1" dirty="0"/>
@@ -11215,7 +11056,7 @@
               <a:buNone/>
             </a:pPr>
             <a:r>
-              <a:rPr lang="en-US" dirty="0" smtClean="0"/>
+              <a:rPr lang="en-US" dirty="0"/>
               <a:t>Prints the name of the directory you’re currently in </a:t>
             </a:r>
           </a:p>
@@ -11230,7 +11071,7 @@
               <a:buNone/>
             </a:pPr>
             <a:r>
-              <a:rPr lang="en-US" dirty="0" smtClean="0"/>
+              <a:rPr lang="en-US" dirty="0"/>
               <a:t>Example: </a:t>
             </a:r>
           </a:p>
@@ -11239,15 +11080,15 @@
               <a:buNone/>
             </a:pPr>
             <a:r>
-              <a:rPr lang="en-US" dirty="0" smtClean="0"/>
+              <a:rPr lang="en-US" dirty="0"/>
               <a:t>	$ </a:t>
             </a:r>
             <a:r>
-              <a:rPr lang="en-US" dirty="0" err="1" smtClean="0"/>
+              <a:rPr lang="en-US" dirty="0" err="1"/>
               <a:t>pwd</a:t>
             </a:r>
             <a:r>
-              <a:rPr lang="en-US" dirty="0" smtClean="0"/>
+              <a:rPr lang="en-US" dirty="0"/>
               <a:t> </a:t>
             </a:r>
           </a:p>
@@ -11256,23 +11097,23 @@
               <a:buNone/>
             </a:pPr>
             <a:r>
-              <a:rPr lang="en-US" dirty="0" smtClean="0"/>
+              <a:rPr lang="en-US" dirty="0"/>
               <a:t>	/Users/</a:t>
             </a:r>
             <a:r>
-              <a:rPr lang="en-US" dirty="0" err="1" smtClean="0"/>
+              <a:rPr lang="en-US" dirty="0" err="1"/>
               <a:t>BrutusBuckeye</a:t>
             </a:r>
             <a:r>
-              <a:rPr lang="en-US" dirty="0" smtClean="0"/>
+              <a:rPr lang="en-US" dirty="0"/>
               <a:t>/Desktop/SURP/</a:t>
             </a:r>
             <a:r>
-              <a:rPr lang="en-US" dirty="0" err="1" smtClean="0"/>
+              <a:rPr lang="en-US" dirty="0" err="1"/>
               <a:t>bootcamp</a:t>
             </a:r>
             <a:r>
-              <a:rPr lang="en-US" dirty="0" smtClean="0"/>
+              <a:rPr lang="en-US" dirty="0"/>
               <a:t>/</a:t>
             </a:r>
           </a:p>
@@ -11287,30 +11128,25 @@
               <a:buNone/>
             </a:pPr>
             <a:r>
-              <a:rPr lang="en-US" dirty="0" smtClean="0"/>
+              <a:rPr lang="en-US" dirty="0"/>
               <a:t> Note: Windows users should be careful not to confuse this with Python’s </a:t>
             </a:r>
             <a:r>
-              <a:rPr lang="en-US" i="1" dirty="0" err="1" smtClean="0"/>
+              <a:rPr lang="en-US" i="1" dirty="0" err="1"/>
               <a:t>os.chdir</a:t>
             </a:r>
             <a:r>
-              <a:rPr lang="en-US" dirty="0" smtClean="0"/>
+              <a:rPr lang="en-US" dirty="0"/>
               <a:t> function, whose function is to</a:t>
             </a:r>
             <a:r>
               <a:rPr lang="en-US" i="1" dirty="0"/>
-              <a:t> </a:t>
-            </a:r>
-            <a:r>
-              <a:rPr lang="en-US" i="1" dirty="0" smtClean="0"/>
-              <a:t>change</a:t>
-            </a:r>
-            <a:r>
-              <a:rPr lang="en-US" dirty="0" smtClean="0"/>
+              <a:t> change</a:t>
+            </a:r>
+            <a:r>
+              <a:rPr lang="en-US" dirty="0"/>
               <a:t> directories </a:t>
             </a:r>
-            <a:endParaRPr lang="en-US" dirty="0"/>
           </a:p>
         </p:txBody>
       </p:sp>
@@ -11361,14 +11197,10 @@
           <a:p>
             <a:r>
               <a:rPr lang="en-US" i="1" dirty="0"/>
-              <a:t>c</a:t>
-            </a:r>
-            <a:r>
-              <a:rPr lang="en-US" i="1" dirty="0" smtClean="0"/>
-              <a:t>d</a:t>
-            </a:r>
-            <a:r>
-              <a:rPr lang="en-US" dirty="0" smtClean="0"/>
+              <a:t>cd</a:t>
+            </a:r>
+            <a:r>
+              <a:rPr lang="en-US" dirty="0"/>
               <a:t>: Change Directory </a:t>
             </a:r>
             <a:endParaRPr lang="en-US" i="1" dirty="0"/>
@@ -11413,7 +11245,7 @@
               <a:defRPr/>
             </a:pPr>
             <a:r>
-              <a:rPr lang="en-US" dirty="0" smtClean="0"/>
+              <a:rPr lang="en-US" dirty="0"/>
               <a:t>Change the directory you’re currently in </a:t>
             </a:r>
           </a:p>
@@ -11456,7 +11288,7 @@
               <a:defRPr/>
             </a:pPr>
             <a:r>
-              <a:rPr lang="en-US" dirty="0" smtClean="0"/>
+              <a:rPr lang="en-US" dirty="0"/>
               <a:t>Example: </a:t>
             </a:r>
           </a:p>
@@ -11480,18 +11312,14 @@
             </a:pPr>
             <a:r>
               <a:rPr lang="en-US" dirty="0"/>
-              <a:t>	</a:t>
-            </a:r>
-            <a:r>
-              <a:rPr lang="en-US" dirty="0" smtClean="0"/>
-              <a:t>$ </a:t>
-            </a:r>
-            <a:r>
-              <a:rPr lang="en-US" dirty="0" err="1" smtClean="0"/>
+              <a:t>	$ </a:t>
+            </a:r>
+            <a:r>
+              <a:rPr lang="en-US" dirty="0" err="1"/>
               <a:t>pwd</a:t>
             </a:r>
             <a:r>
-              <a:rPr lang="en-US" dirty="0" smtClean="0"/>
+              <a:rPr lang="en-US" dirty="0"/>
               <a:t> </a:t>
             </a:r>
           </a:p>
@@ -11514,18 +11342,17 @@
               <a:defRPr/>
             </a:pPr>
             <a:r>
-              <a:rPr lang="en-US" dirty="0" smtClean="0"/>
+              <a:rPr lang="en-US" dirty="0"/>
               <a:t>	/Users/</a:t>
             </a:r>
             <a:r>
-              <a:rPr lang="en-US" dirty="0" err="1" smtClean="0"/>
+              <a:rPr lang="en-US" dirty="0" err="1"/>
               <a:t>BrutusBuckeye</a:t>
             </a:r>
             <a:r>
               <a:rPr lang="en-US" dirty="0"/>
               <a:t> </a:t>
             </a:r>
-            <a:endParaRPr lang="en-US" dirty="0" smtClean="0"/>
           </a:p>
           <a:p>
             <a:pPr marL="0" marR="0" lvl="0" indent="0" defTabSz="914400" eaLnBrk="1" fontAlgn="auto" latinLnBrk="0" hangingPunct="1">
@@ -11546,18 +11373,17 @@
               <a:defRPr/>
             </a:pPr>
             <a:r>
-              <a:rPr lang="en-US" dirty="0" smtClean="0"/>
+              <a:rPr lang="en-US" dirty="0"/>
               <a:t>	$ cd Desktop/SURP/</a:t>
             </a:r>
             <a:r>
-              <a:rPr lang="en-US" dirty="0" err="1" smtClean="0"/>
+              <a:rPr lang="en-US" dirty="0" err="1"/>
               <a:t>bootcamp</a:t>
             </a:r>
             <a:r>
               <a:rPr lang="en-US" dirty="0"/>
               <a:t> </a:t>
             </a:r>
-            <a:endParaRPr lang="en-US" dirty="0" smtClean="0"/>
           </a:p>
           <a:p>
             <a:pPr marL="0" marR="0" lvl="0" indent="0" defTabSz="914400" eaLnBrk="1" fontAlgn="auto" latinLnBrk="0" hangingPunct="1">
@@ -11578,15 +11404,15 @@
               <a:defRPr/>
             </a:pPr>
             <a:r>
-              <a:rPr lang="en-US" dirty="0" smtClean="0"/>
+              <a:rPr lang="en-US" dirty="0"/>
               <a:t>	$ </a:t>
             </a:r>
             <a:r>
-              <a:rPr lang="en-US" dirty="0" err="1" smtClean="0"/>
+              <a:rPr lang="en-US" dirty="0" err="1"/>
               <a:t>pwd</a:t>
             </a:r>
             <a:r>
-              <a:rPr lang="en-US" dirty="0" smtClean="0"/>
+              <a:rPr lang="en-US" dirty="0"/>
               <a:t> </a:t>
             </a:r>
           </a:p>
@@ -11610,29 +11436,24 @@
             </a:pPr>
             <a:r>
               <a:rPr lang="en-US" dirty="0"/>
-              <a:t>	</a:t>
-            </a:r>
-            <a:r>
-              <a:rPr lang="en-US" dirty="0" smtClean="0"/>
-              <a:t>/Users/</a:t>
-            </a:r>
-            <a:r>
-              <a:rPr lang="en-US" dirty="0" err="1" smtClean="0"/>
+              <a:t>	/Users/</a:t>
+            </a:r>
+            <a:r>
+              <a:rPr lang="en-US" dirty="0" err="1"/>
               <a:t>BrutusBuckeye</a:t>
             </a:r>
             <a:r>
-              <a:rPr lang="en-US" dirty="0" smtClean="0"/>
+              <a:rPr lang="en-US" dirty="0"/>
               <a:t>/Desktop/SURP/</a:t>
             </a:r>
             <a:r>
-              <a:rPr lang="en-US" dirty="0" err="1" smtClean="0"/>
+              <a:rPr lang="en-US" dirty="0" err="1"/>
               <a:t>bootcamp</a:t>
             </a:r>
             <a:r>
               <a:rPr lang="en-US" dirty="0"/>
               <a:t> </a:t>
             </a:r>
-            <a:endParaRPr lang="en-US" dirty="0" smtClean="0"/>
           </a:p>
           <a:p>
             <a:pPr marL="0" marR="0" lvl="0" indent="0" defTabSz="914400" eaLnBrk="1" fontAlgn="auto" latinLnBrk="0" hangingPunct="1">
@@ -11654,18 +11475,14 @@
             </a:pPr>
             <a:r>
               <a:rPr lang="en-US" dirty="0"/>
-              <a:t>	</a:t>
-            </a:r>
-            <a:r>
-              <a:rPr lang="en-US" dirty="0" smtClean="0"/>
-              <a:t>$ cd .. (/Users/</a:t>
-            </a:r>
-            <a:r>
-              <a:rPr lang="en-US" dirty="0" err="1" smtClean="0"/>
+              <a:t>	$ cd .. (/Users/</a:t>
+            </a:r>
+            <a:r>
+              <a:rPr lang="en-US" dirty="0" err="1"/>
               <a:t>BrutusBuckeye</a:t>
             </a:r>
             <a:r>
-              <a:rPr lang="en-US" dirty="0" smtClean="0"/>
+              <a:rPr lang="en-US" dirty="0"/>
               <a:t>/Desktop/SURP) </a:t>
             </a:r>
           </a:p>
@@ -11689,21 +11506,16 @@
             </a:pPr>
             <a:r>
               <a:rPr lang="en-US" dirty="0"/>
-              <a:t>	</a:t>
-            </a:r>
-            <a:r>
-              <a:rPr lang="en-US" dirty="0" smtClean="0"/>
-              <a:t>$ cd ~ (/Users/</a:t>
-            </a:r>
-            <a:r>
-              <a:rPr lang="en-US" dirty="0" err="1" smtClean="0"/>
+              <a:t>	$ cd ~ (/Users/</a:t>
+            </a:r>
+            <a:r>
+              <a:rPr lang="en-US" dirty="0" err="1"/>
               <a:t>BrutusBuckeye</a:t>
             </a:r>
             <a:r>
-              <a:rPr lang="en-US" dirty="0" smtClean="0"/>
+              <a:rPr lang="en-US" dirty="0"/>
               <a:t>) </a:t>
             </a:r>
-            <a:endParaRPr lang="en-US" dirty="0"/>
           </a:p>
         </p:txBody>
       </p:sp>
@@ -11754,22 +11566,18 @@
           <a:p>
             <a:r>
               <a:rPr lang="en-US" i="1" dirty="0"/>
-              <a:t>l</a:t>
-            </a:r>
-            <a:r>
-              <a:rPr lang="en-US" i="1" dirty="0" smtClean="0"/>
-              <a:t>s</a:t>
-            </a:r>
-            <a:r>
-              <a:rPr lang="en-US" dirty="0" smtClean="0"/>
+              <a:t>ls</a:t>
+            </a:r>
+            <a:r>
+              <a:rPr lang="en-US" dirty="0"/>
               <a:t>: List [</a:t>
             </a:r>
             <a:r>
-              <a:rPr lang="en-US" i="1" dirty="0" err="1" smtClean="0"/>
+              <a:rPr lang="en-US" i="1" dirty="0" err="1"/>
               <a:t>dir</a:t>
             </a:r>
             <a:r>
-              <a:rPr lang="en-US" dirty="0" smtClean="0"/>
+              <a:rPr lang="en-US" dirty="0"/>
               <a:t>] </a:t>
             </a:r>
             <a:endParaRPr lang="en-US" i="1" dirty="0"/>
@@ -11814,7 +11622,7 @@
               <a:defRPr/>
             </a:pPr>
             <a:r>
-              <a:rPr lang="en-US" dirty="0" smtClean="0"/>
+              <a:rPr lang="en-US" dirty="0"/>
               <a:t>List all files in a given directory </a:t>
             </a:r>
           </a:p>
@@ -11857,7 +11665,7 @@
               <a:defRPr/>
             </a:pPr>
             <a:r>
-              <a:rPr lang="en-US" dirty="0" smtClean="0"/>
+              <a:rPr lang="en-US" dirty="0"/>
               <a:t>Example: </a:t>
             </a:r>
           </a:p>
@@ -11881,18 +11689,14 @@
             </a:pPr>
             <a:r>
               <a:rPr lang="en-US" dirty="0"/>
-              <a:t>	</a:t>
-            </a:r>
-            <a:r>
-              <a:rPr lang="en-US" dirty="0" smtClean="0"/>
-              <a:t>$ </a:t>
-            </a:r>
-            <a:r>
-              <a:rPr lang="en-US" dirty="0" err="1" smtClean="0"/>
+              <a:t>	$ </a:t>
+            </a:r>
+            <a:r>
+              <a:rPr lang="en-US" dirty="0" err="1"/>
               <a:t>pwd</a:t>
             </a:r>
             <a:r>
-              <a:rPr lang="en-US" dirty="0" smtClean="0"/>
+              <a:rPr lang="en-US" dirty="0"/>
               <a:t> </a:t>
             </a:r>
           </a:p>
@@ -11916,26 +11720,22 @@
             </a:pPr>
             <a:r>
               <a:rPr lang="en-US" dirty="0"/>
-              <a:t>	</a:t>
-            </a:r>
-            <a:r>
-              <a:rPr lang="en-US" dirty="0" smtClean="0"/>
-              <a:t>/Users/</a:t>
-            </a:r>
-            <a:r>
-              <a:rPr lang="en-US" dirty="0" err="1" smtClean="0"/>
+              <a:t>	/Users/</a:t>
+            </a:r>
+            <a:r>
+              <a:rPr lang="en-US" dirty="0" err="1"/>
               <a:t>BrutusBuckeye</a:t>
             </a:r>
             <a:r>
-              <a:rPr lang="en-US" dirty="0" smtClean="0"/>
+              <a:rPr lang="en-US" dirty="0"/>
               <a:t>/Desktop/SURP/</a:t>
             </a:r>
             <a:r>
-              <a:rPr lang="en-US" dirty="0" err="1" smtClean="0"/>
+              <a:rPr lang="en-US" dirty="0" err="1"/>
               <a:t>bootcamp</a:t>
             </a:r>
             <a:r>
-              <a:rPr lang="en-US" dirty="0" smtClean="0"/>
+              <a:rPr lang="en-US" dirty="0"/>
               <a:t> </a:t>
             </a:r>
           </a:p>
@@ -11959,11 +11759,7 @@
             </a:pPr>
             <a:r>
               <a:rPr lang="en-US" dirty="0"/>
-              <a:t>	</a:t>
-            </a:r>
-            <a:r>
-              <a:rPr lang="en-US" dirty="0" smtClean="0"/>
-              <a:t>$ ls </a:t>
+              <a:t>	$ ls </a:t>
             </a:r>
           </a:p>
           <a:p>
@@ -11986,17 +11782,13 @@
             </a:pPr>
             <a:r>
               <a:rPr lang="en-US" dirty="0"/>
-              <a:t>	</a:t>
-            </a:r>
-            <a:r>
-              <a:rPr lang="en-US" dirty="0" smtClean="0"/>
-              <a:t>exercises notes slides </a:t>
-            </a:r>
-            <a:r>
-              <a:rPr lang="en-US" dirty="0" err="1" smtClean="0"/>
+              <a:t>	exercises notes slides </a:t>
+            </a:r>
+            <a:r>
+              <a:rPr lang="en-US" dirty="0" err="1"/>
               <a:t>somecode.py</a:t>
             </a:r>
-            <a:endParaRPr lang="en-US" dirty="0" smtClean="0"/>
+            <a:endParaRPr lang="en-US" dirty="0"/>
           </a:p>
           <a:p>
             <a:pPr marL="0" marR="0" lvl="0" indent="0" defTabSz="914400" eaLnBrk="1" fontAlgn="auto" latinLnBrk="0" hangingPunct="1">
@@ -12018,11 +11810,7 @@
             </a:pPr>
             <a:r>
               <a:rPr lang="en-US" dirty="0"/>
-              <a:t>	</a:t>
-            </a:r>
-            <a:r>
-              <a:rPr lang="en-US" dirty="0" smtClean="0"/>
-              <a:t>$ cd .. </a:t>
+              <a:t>	$ cd .. </a:t>
             </a:r>
           </a:p>
           <a:p>
@@ -12045,11 +11833,7 @@
             </a:pPr>
             <a:r>
               <a:rPr lang="en-US" dirty="0"/>
-              <a:t>	</a:t>
-            </a:r>
-            <a:r>
-              <a:rPr lang="en-US" dirty="0" smtClean="0"/>
-              <a:t>$ ls </a:t>
+              <a:t>	$ ls </a:t>
             </a:r>
           </a:p>
           <a:p>
@@ -12071,34 +11855,33 @@
               <a:defRPr/>
             </a:pPr>
             <a:r>
-              <a:rPr lang="en-US" dirty="0" smtClean="0"/>
+              <a:rPr lang="en-US" dirty="0"/>
               <a:t>	</a:t>
             </a:r>
             <a:r>
-              <a:rPr lang="en-US" dirty="0" err="1" smtClean="0"/>
+              <a:rPr lang="en-US" dirty="0" err="1"/>
               <a:t>bootcamp</a:t>
             </a:r>
             <a:r>
-              <a:rPr lang="en-US" dirty="0" smtClean="0"/>
+              <a:rPr lang="en-US" dirty="0"/>
               <a:t> plots papers </a:t>
             </a:r>
             <a:r>
-              <a:rPr lang="en-US" dirty="0" err="1" smtClean="0"/>
+              <a:rPr lang="en-US" dirty="0" err="1"/>
               <a:t>notebook.ipynb</a:t>
             </a:r>
             <a:r>
-              <a:rPr lang="en-US" dirty="0" smtClean="0"/>
+              <a:rPr lang="en-US" dirty="0"/>
               <a:t> </a:t>
             </a:r>
             <a:r>
-              <a:rPr lang="en-US" dirty="0" err="1" smtClean="0"/>
+              <a:rPr lang="en-US" dirty="0" err="1"/>
               <a:t>textfilecode.py</a:t>
             </a:r>
             <a:r>
-              <a:rPr lang="en-US" dirty="0" smtClean="0"/>
+              <a:rPr lang="en-US" dirty="0"/>
               <a:t> </a:t>
             </a:r>
-            <a:endParaRPr lang="en-US" dirty="0"/>
           </a:p>
         </p:txBody>
       </p:sp>
@@ -12149,22 +11932,18 @@
           <a:p>
             <a:r>
               <a:rPr lang="en-US" i="1" dirty="0"/>
-              <a:t>m</a:t>
-            </a:r>
-            <a:r>
-              <a:rPr lang="en-US" i="1" dirty="0" smtClean="0"/>
-              <a:t>v</a:t>
-            </a:r>
-            <a:r>
-              <a:rPr lang="en-US" dirty="0" smtClean="0"/>
+              <a:t>mv</a:t>
+            </a:r>
+            <a:r>
+              <a:rPr lang="en-US" dirty="0"/>
               <a:t>: Move [</a:t>
             </a:r>
             <a:r>
-              <a:rPr lang="en-US" i="1" dirty="0" smtClean="0"/>
+              <a:rPr lang="en-US" i="1" dirty="0"/>
               <a:t>move</a:t>
             </a:r>
             <a:r>
-              <a:rPr lang="en-US" dirty="0" smtClean="0"/>
+              <a:rPr lang="en-US" dirty="0"/>
               <a:t>] </a:t>
             </a:r>
             <a:endParaRPr lang="en-US" i="1" dirty="0"/>
@@ -12197,7 +11976,7 @@
               <a:buNone/>
             </a:pPr>
             <a:r>
-              <a:rPr lang="en-US" dirty="0" smtClean="0"/>
+              <a:rPr lang="en-US" dirty="0"/>
               <a:t>Move (i.e. rename) a file or directory </a:t>
             </a:r>
           </a:p>
@@ -12206,27 +11985,27 @@
               <a:buNone/>
             </a:pPr>
             <a:r>
-              <a:rPr lang="en-US" dirty="0" smtClean="0"/>
+              <a:rPr lang="en-US" dirty="0"/>
               <a:t>Usage: </a:t>
             </a:r>
             <a:r>
-              <a:rPr lang="en-US" i="1" dirty="0" smtClean="0"/>
+              <a:rPr lang="en-US" i="1" dirty="0"/>
               <a:t>mv [old file name] [new file name] </a:t>
             </a:r>
-            <a:endParaRPr lang="en-US" dirty="0" smtClean="0"/>
+            <a:endParaRPr lang="en-US" dirty="0"/>
           </a:p>
           <a:p>
             <a:pPr marL="0" indent="0">
               <a:buNone/>
             </a:pPr>
-            <a:endParaRPr lang="en-US" dirty="0" smtClean="0"/>
+            <a:endParaRPr lang="en-US" dirty="0"/>
           </a:p>
           <a:p>
             <a:pPr marL="0" indent="0">
               <a:buNone/>
             </a:pPr>
             <a:r>
-              <a:rPr lang="en-US" dirty="0" smtClean="0"/>
+              <a:rPr lang="en-US" dirty="0"/>
               <a:t>Example: </a:t>
             </a:r>
           </a:p>
@@ -12236,18 +12015,14 @@
             </a:pPr>
             <a:r>
               <a:rPr lang="en-US" dirty="0"/>
-              <a:t>	</a:t>
-            </a:r>
-            <a:r>
-              <a:rPr lang="en-US" dirty="0" smtClean="0"/>
-              <a:t>$ </a:t>
-            </a:r>
-            <a:r>
-              <a:rPr lang="en-US" dirty="0" err="1" smtClean="0"/>
+              <a:t>	$ </a:t>
+            </a:r>
+            <a:r>
+              <a:rPr lang="en-US" dirty="0" err="1"/>
               <a:t>pwd</a:t>
             </a:r>
             <a:r>
-              <a:rPr lang="en-US" dirty="0" smtClean="0"/>
+              <a:rPr lang="en-US" dirty="0"/>
               <a:t> </a:t>
             </a:r>
           </a:p>
@@ -12257,26 +12032,22 @@
             </a:pPr>
             <a:r>
               <a:rPr lang="en-US" dirty="0"/>
-              <a:t>	</a:t>
-            </a:r>
-            <a:r>
-              <a:rPr lang="en-US" dirty="0" smtClean="0"/>
-              <a:t>/Users/</a:t>
-            </a:r>
-            <a:r>
-              <a:rPr lang="en-US" dirty="0" err="1" smtClean="0"/>
+              <a:t>	/Users/</a:t>
+            </a:r>
+            <a:r>
+              <a:rPr lang="en-US" dirty="0" err="1"/>
               <a:t>BrutusBuckeye</a:t>
             </a:r>
             <a:r>
-              <a:rPr lang="en-US" dirty="0" smtClean="0"/>
+              <a:rPr lang="en-US" dirty="0"/>
               <a:t>/Desktop/SURP/</a:t>
             </a:r>
             <a:r>
-              <a:rPr lang="en-US" dirty="0" err="1" smtClean="0"/>
+              <a:rPr lang="en-US" dirty="0" err="1"/>
               <a:t>bootcamp</a:t>
             </a:r>
             <a:r>
-              <a:rPr lang="en-US" dirty="0" smtClean="0"/>
+              <a:rPr lang="en-US" dirty="0"/>
               <a:t> </a:t>
             </a:r>
           </a:p>
@@ -12286,26 +12057,22 @@
             </a:pPr>
             <a:r>
               <a:rPr lang="en-US" dirty="0"/>
-              <a:t>	</a:t>
-            </a:r>
-            <a:r>
-              <a:rPr lang="en-US" dirty="0" smtClean="0"/>
-              <a:t>$ mv </a:t>
-            </a:r>
-            <a:r>
-              <a:rPr lang="en-US" dirty="0" err="1" smtClean="0"/>
+              <a:t>	$ mv </a:t>
+            </a:r>
+            <a:r>
+              <a:rPr lang="en-US" dirty="0" err="1"/>
               <a:t>oldname.py</a:t>
             </a:r>
             <a:r>
-              <a:rPr lang="en-US" dirty="0" smtClean="0"/>
+              <a:rPr lang="en-US" dirty="0"/>
               <a:t> </a:t>
             </a:r>
             <a:r>
-              <a:rPr lang="en-US" dirty="0" err="1" smtClean="0"/>
+              <a:rPr lang="en-US" dirty="0" err="1"/>
               <a:t>newname.py</a:t>
             </a:r>
             <a:r>
-              <a:rPr lang="en-US" dirty="0" smtClean="0"/>
+              <a:rPr lang="en-US" dirty="0"/>
               <a:t> </a:t>
             </a:r>
           </a:p>
@@ -12315,11 +12082,7 @@
             </a:pPr>
             <a:r>
               <a:rPr lang="en-US" dirty="0"/>
-              <a:t>	</a:t>
-            </a:r>
-            <a:r>
-              <a:rPr lang="en-US" dirty="0" smtClean="0"/>
-              <a:t>$ ls </a:t>
+              <a:t>	$ ls </a:t>
             </a:r>
           </a:p>
           <a:p>
@@ -12328,18 +12091,14 @@
             </a:pPr>
             <a:r>
               <a:rPr lang="en-US" dirty="0"/>
-              <a:t>	</a:t>
-            </a:r>
-            <a:r>
-              <a:rPr lang="en-US" dirty="0" smtClean="0"/>
-              <a:t>exercises </a:t>
-            </a:r>
-            <a:r>
-              <a:rPr lang="en-US" dirty="0" err="1" smtClean="0"/>
+              <a:t>	exercises </a:t>
+            </a:r>
+            <a:r>
+              <a:rPr lang="en-US" dirty="0" err="1"/>
               <a:t>newname.py</a:t>
             </a:r>
             <a:r>
-              <a:rPr lang="en-US" dirty="0" smtClean="0"/>
+              <a:rPr lang="en-US" dirty="0"/>
               <a:t> notes slides </a:t>
             </a:r>
           </a:p>
@@ -12398,22 +12157,18 @@
           <a:p>
             <a:r>
               <a:rPr lang="en-US" i="1" dirty="0" err="1"/>
-              <a:t>c</a:t>
-            </a:r>
-            <a:r>
-              <a:rPr lang="en-US" i="1" dirty="0" err="1" smtClean="0"/>
-              <a:t>p</a:t>
-            </a:r>
-            <a:r>
-              <a:rPr lang="en-US" dirty="0" smtClean="0"/>
+              <a:t>cp</a:t>
+            </a:r>
+            <a:r>
+              <a:rPr lang="en-US" dirty="0"/>
               <a:t>: Copy [</a:t>
             </a:r>
             <a:r>
-              <a:rPr lang="en-US" i="1" dirty="0" smtClean="0"/>
+              <a:rPr lang="en-US" i="1" dirty="0"/>
               <a:t>copy</a:t>
             </a:r>
             <a:r>
-              <a:rPr lang="en-US" dirty="0" smtClean="0"/>
+              <a:rPr lang="en-US" dirty="0"/>
               <a:t>] </a:t>
             </a:r>
             <a:endParaRPr lang="en-US" i="1" dirty="0"/>
@@ -12446,7 +12201,7 @@
               <a:buNone/>
             </a:pPr>
             <a:r>
-              <a:rPr lang="en-US" dirty="0" smtClean="0"/>
+              <a:rPr lang="en-US" dirty="0"/>
               <a:t>Copy a file to a new name/location </a:t>
             </a:r>
           </a:p>
@@ -12455,18 +12210,18 @@
               <a:buNone/>
             </a:pPr>
             <a:r>
-              <a:rPr lang="en-US" dirty="0" smtClean="0"/>
+              <a:rPr lang="en-US" dirty="0"/>
               <a:t>Usage: </a:t>
             </a:r>
             <a:r>
-              <a:rPr lang="en-US" i="1" dirty="0" err="1" smtClean="0"/>
+              <a:rPr lang="en-US" i="1" dirty="0" err="1"/>
               <a:t>cp</a:t>
             </a:r>
             <a:r>
-              <a:rPr lang="en-US" i="1" dirty="0" smtClean="0"/>
+              <a:rPr lang="en-US" i="1" dirty="0"/>
               <a:t> [existing file name] [new file name] </a:t>
             </a:r>
-            <a:endParaRPr lang="en-US" dirty="0" smtClean="0"/>
+            <a:endParaRPr lang="en-US" dirty="0"/>
           </a:p>
           <a:p>
             <a:pPr marL="0" indent="0">
@@ -12479,7 +12234,7 @@
               <a:buNone/>
             </a:pPr>
             <a:r>
-              <a:rPr lang="en-US" dirty="0" smtClean="0"/>
+              <a:rPr lang="en-US" dirty="0"/>
               <a:t>Example: </a:t>
             </a:r>
           </a:p>
@@ -12489,11 +12244,32 @@
             </a:pPr>
             <a:r>
               <a:rPr lang="en-US" dirty="0"/>
+              <a:t>	$ ls </a:t>
+            </a:r>
+          </a:p>
+          <a:p>
+            <a:pPr marL="0" indent="0">
+              <a:buNone/>
+            </a:pPr>
+            <a:r>
+              <a:rPr lang="en-US" dirty="0"/>
               <a:t>	</a:t>
             </a:r>
             <a:r>
-              <a:rPr lang="en-US" dirty="0" smtClean="0"/>
-              <a:t>$ ls </a:t>
+              <a:rPr lang="en-US" dirty="0" err="1"/>
+              <a:t>data.dat</a:t>
+            </a:r>
+            <a:r>
+              <a:rPr lang="en-US" dirty="0"/>
+              <a:t> </a:t>
+            </a:r>
+            <a:r>
+              <a:rPr lang="en-US" dirty="0" err="1"/>
+              <a:t>result.out</a:t>
+            </a:r>
+            <a:r>
+              <a:rPr lang="en-US" dirty="0"/>
+              <a:t> somecode1.py </a:t>
             </a:r>
           </a:p>
           <a:p>
@@ -12502,105 +12278,72 @@
             </a:pPr>
             <a:r>
               <a:rPr lang="en-US" dirty="0"/>
-              <a:t>	</a:t>
-            </a:r>
-            <a:r>
-              <a:rPr lang="en-US" dirty="0" err="1" smtClean="0"/>
+              <a:t>	$ </a:t>
+            </a:r>
+            <a:r>
+              <a:rPr lang="en-US" dirty="0" err="1"/>
+              <a:t>cp</a:t>
+            </a:r>
+            <a:r>
+              <a:rPr lang="en-US" dirty="0"/>
+              <a:t> </a:t>
+            </a:r>
+            <a:r>
+              <a:rPr lang="en-US" dirty="0" err="1"/>
+              <a:t>result.out</a:t>
+            </a:r>
+            <a:r>
+              <a:rPr lang="en-US" dirty="0"/>
+              <a:t> </a:t>
+            </a:r>
+            <a:r>
+              <a:rPr lang="en-US" dirty="0" err="1"/>
+              <a:t>copy.out</a:t>
+            </a:r>
+            <a:r>
+              <a:rPr lang="en-US" dirty="0"/>
+              <a:t> </a:t>
+            </a:r>
+          </a:p>
+          <a:p>
+            <a:pPr marL="0" indent="0">
+              <a:buNone/>
+            </a:pPr>
+            <a:r>
+              <a:rPr lang="en-US" dirty="0"/>
+              <a:t>	$ ls </a:t>
+            </a:r>
+          </a:p>
+          <a:p>
+            <a:pPr marL="0" indent="0">
+              <a:buNone/>
+            </a:pPr>
+            <a:r>
+              <a:rPr lang="en-US" dirty="0"/>
+              <a:t>	 </a:t>
+            </a:r>
+            <a:r>
+              <a:rPr lang="en-US" dirty="0" err="1"/>
+              <a:t>copy.out</a:t>
+            </a:r>
+            <a:r>
+              <a:rPr lang="en-US" dirty="0"/>
+              <a:t> </a:t>
+            </a:r>
+            <a:r>
+              <a:rPr lang="en-US" dirty="0" err="1"/>
               <a:t>data.dat</a:t>
             </a:r>
             <a:r>
-              <a:rPr lang="en-US" dirty="0" smtClean="0"/>
+              <a:rPr lang="en-US" dirty="0"/>
               <a:t> </a:t>
             </a:r>
             <a:r>
-              <a:rPr lang="en-US" dirty="0" err="1" smtClean="0"/>
+              <a:rPr lang="en-US" dirty="0" err="1"/>
               <a:t>result.out</a:t>
             </a:r>
             <a:r>
-              <a:rPr lang="en-US" dirty="0" smtClean="0"/>
-              <a:t> somecode1.py </a:t>
-            </a:r>
-          </a:p>
-          <a:p>
-            <a:pPr marL="0" indent="0">
-              <a:buNone/>
-            </a:pPr>
-            <a:r>
-              <a:rPr lang="en-US" dirty="0"/>
-              <a:t>	</a:t>
-            </a:r>
-            <a:r>
-              <a:rPr lang="en-US" dirty="0" smtClean="0"/>
-              <a:t>$ </a:t>
-            </a:r>
-            <a:r>
-              <a:rPr lang="en-US" dirty="0" err="1" smtClean="0"/>
-              <a:t>cp</a:t>
-            </a:r>
-            <a:r>
-              <a:rPr lang="en-US" dirty="0" smtClean="0"/>
-              <a:t> </a:t>
-            </a:r>
-            <a:r>
-              <a:rPr lang="en-US" dirty="0" err="1" smtClean="0"/>
-              <a:t>result.out</a:t>
-            </a:r>
-            <a:r>
-              <a:rPr lang="en-US" dirty="0" smtClean="0"/>
-              <a:t> </a:t>
-            </a:r>
-            <a:r>
-              <a:rPr lang="en-US" dirty="0" err="1" smtClean="0"/>
-              <a:t>copy.out</a:t>
-            </a:r>
-            <a:r>
-              <a:rPr lang="en-US" dirty="0" smtClean="0"/>
-              <a:t> </a:t>
-            </a:r>
-          </a:p>
-          <a:p>
-            <a:pPr marL="0" indent="0">
-              <a:buNone/>
-            </a:pPr>
-            <a:r>
-              <a:rPr lang="en-US" dirty="0"/>
-              <a:t>	</a:t>
-            </a:r>
-            <a:r>
-              <a:rPr lang="en-US" dirty="0" smtClean="0"/>
-              <a:t>$ ls </a:t>
-            </a:r>
-          </a:p>
-          <a:p>
-            <a:pPr marL="0" indent="0">
-              <a:buNone/>
-            </a:pPr>
-            <a:r>
-              <a:rPr lang="en-US" dirty="0"/>
-              <a:t>	 </a:t>
-            </a:r>
-            <a:r>
-              <a:rPr lang="en-US" dirty="0" err="1" smtClean="0"/>
-              <a:t>copy.out</a:t>
-            </a:r>
-            <a:r>
-              <a:rPr lang="en-US" dirty="0" smtClean="0"/>
-              <a:t> </a:t>
-            </a:r>
-            <a:r>
-              <a:rPr lang="en-US" dirty="0" err="1" smtClean="0"/>
-              <a:t>data.dat</a:t>
-            </a:r>
-            <a:r>
-              <a:rPr lang="en-US" dirty="0" smtClean="0"/>
-              <a:t> </a:t>
-            </a:r>
-            <a:r>
-              <a:rPr lang="en-US" dirty="0" err="1" smtClean="0"/>
-              <a:t>result.out</a:t>
-            </a:r>
-            <a:r>
-              <a:rPr lang="en-US" dirty="0" smtClean="0"/>
+              <a:rPr lang="en-US" dirty="0"/>
               <a:t> somecode1.py </a:t>
             </a:r>
           </a:p>

--- a/slides/terminal.pptx
+++ b/slides/terminal.pptx
@@ -564,6 +564,101 @@
     <p:extLst>
       <p:ext uri="{BB962C8B-B14F-4D97-AF65-F5344CB8AC3E}">
         <p14:creationId xmlns:p14="http://schemas.microsoft.com/office/powerpoint/2010/main" val="1804168754"/>
+      </p:ext>
+    </p:extLst>
+  </p:cSld>
+  <p:clrMapOvr>
+    <a:masterClrMapping/>
+  </p:clrMapOvr>
+</p:notes>
+</file>
+
+<file path=ppt/notesSlides/notesSlide2.xml><?xml version="1.0" encoding="utf-8"?>
+<p:notes xmlns:a="http://schemas.openxmlformats.org/drawingml/2006/main" xmlns:r="http://schemas.openxmlformats.org/officeDocument/2006/relationships" xmlns:p="http://schemas.openxmlformats.org/presentationml/2006/main">
+  <p:cSld>
+    <p:spTree>
+      <p:nvGrpSpPr>
+        <p:cNvPr id="1" name=""/>
+        <p:cNvGrpSpPr/>
+        <p:nvPr/>
+      </p:nvGrpSpPr>
+      <p:grpSpPr>
+        <a:xfrm>
+          <a:off x="0" y="0"/>
+          <a:ext cx="0" cy="0"/>
+          <a:chOff x="0" y="0"/>
+          <a:chExt cx="0" cy="0"/>
+        </a:xfrm>
+      </p:grpSpPr>
+      <p:sp>
+        <p:nvSpPr>
+          <p:cNvPr id="2" name="Slide Image Placeholder 1"/>
+          <p:cNvSpPr>
+            <a:spLocks noGrp="1" noRot="1" noChangeAspect="1"/>
+          </p:cNvSpPr>
+          <p:nvPr>
+            <p:ph type="sldImg"/>
+          </p:nvPr>
+        </p:nvSpPr>
+        <p:spPr/>
+      </p:sp>
+      <p:sp>
+        <p:nvSpPr>
+          <p:cNvPr id="3" name="Notes Placeholder 2"/>
+          <p:cNvSpPr>
+            <a:spLocks noGrp="1"/>
+          </p:cNvSpPr>
+          <p:nvPr>
+            <p:ph type="body" idx="1"/>
+          </p:nvPr>
+        </p:nvSpPr>
+        <p:spPr/>
+        <p:txBody>
+          <a:bodyPr/>
+          <a:lstStyle/>
+          <a:p>
+            <a:r>
+              <a:rPr lang="en-US" dirty="0"/>
+              <a:t>For those who may not have seen it before, “python </a:t>
+            </a:r>
+            <a:r>
+              <a:rPr lang="en-US" dirty="0" err="1"/>
+              <a:t>filename.py</a:t>
+            </a:r>
+            <a:r>
+              <a:rPr lang="en-US" dirty="0"/>
+              <a:t>” is how you would run a text file containing python code. </a:t>
+            </a:r>
+          </a:p>
+        </p:txBody>
+      </p:sp>
+      <p:sp>
+        <p:nvSpPr>
+          <p:cNvPr id="4" name="Slide Number Placeholder 3"/>
+          <p:cNvSpPr>
+            <a:spLocks noGrp="1"/>
+          </p:cNvSpPr>
+          <p:nvPr>
+            <p:ph type="sldNum" sz="quarter" idx="5"/>
+          </p:nvPr>
+        </p:nvSpPr>
+        <p:spPr/>
+        <p:txBody>
+          <a:bodyPr/>
+          <a:lstStyle/>
+          <a:p>
+            <a:fld id="{76A41E2A-9760-1B43-867A-973D47E0F35B}" type="slidenum">
+              <a:rPr lang="en-US" smtClean="0"/>
+              <a:t>16</a:t>
+            </a:fld>
+            <a:endParaRPr lang="en-US"/>
+          </a:p>
+        </p:txBody>
+      </p:sp>
+    </p:spTree>
+    <p:extLst>
+      <p:ext uri="{BB962C8B-B14F-4D97-AF65-F5344CB8AC3E}">
+        <p14:creationId xmlns:p14="http://schemas.microsoft.com/office/powerpoint/2010/main" val="1182982533"/>
       </p:ext>
     </p:extLst>
   </p:cSld>

--- a/slides/terminal.pptx
+++ b/slides/terminal.pptx
@@ -5,27 +5,28 @@
     <p:sldMasterId id="2147484294" r:id="rId1"/>
   </p:sldMasterIdLst>
   <p:notesMasterIdLst>
-    <p:notesMasterId r:id="rId20"/>
+    <p:notesMasterId r:id="rId21"/>
   </p:notesMasterIdLst>
   <p:sldIdLst>
     <p:sldId id="256" r:id="rId2"/>
     <p:sldId id="257" r:id="rId3"/>
     <p:sldId id="258" r:id="rId4"/>
     <p:sldId id="271" r:id="rId5"/>
-    <p:sldId id="259" r:id="rId6"/>
-    <p:sldId id="260" r:id="rId7"/>
-    <p:sldId id="261" r:id="rId8"/>
-    <p:sldId id="262" r:id="rId9"/>
-    <p:sldId id="270" r:id="rId10"/>
-    <p:sldId id="263" r:id="rId11"/>
-    <p:sldId id="265" r:id="rId12"/>
-    <p:sldId id="264" r:id="rId13"/>
-    <p:sldId id="273" r:id="rId14"/>
-    <p:sldId id="266" r:id="rId15"/>
-    <p:sldId id="272" r:id="rId16"/>
-    <p:sldId id="267" r:id="rId17"/>
-    <p:sldId id="268" r:id="rId18"/>
-    <p:sldId id="269" r:id="rId19"/>
+    <p:sldId id="274" r:id="rId6"/>
+    <p:sldId id="259" r:id="rId7"/>
+    <p:sldId id="260" r:id="rId8"/>
+    <p:sldId id="261" r:id="rId9"/>
+    <p:sldId id="262" r:id="rId10"/>
+    <p:sldId id="270" r:id="rId11"/>
+    <p:sldId id="263" r:id="rId12"/>
+    <p:sldId id="265" r:id="rId13"/>
+    <p:sldId id="264" r:id="rId14"/>
+    <p:sldId id="273" r:id="rId15"/>
+    <p:sldId id="266" r:id="rId16"/>
+    <p:sldId id="272" r:id="rId17"/>
+    <p:sldId id="267" r:id="rId18"/>
+    <p:sldId id="268" r:id="rId19"/>
+    <p:sldId id="269" r:id="rId20"/>
   </p:sldIdLst>
   <p:sldSz cx="12192000" cy="6858000"/>
   <p:notesSz cx="6858000" cy="9144000"/>
@@ -214,7 +215,7 @@
           <a:p>
             <a:fld id="{6C47881A-27B6-E34F-9EF6-BF109EBF38B9}" type="datetimeFigureOut">
               <a:rPr lang="en-US" smtClean="0"/>
-              <a:t>5/7/21</a:t>
+              <a:t>5/10/21</a:t>
             </a:fld>
             <a:endParaRPr lang="en-US"/>
           </a:p>
@@ -619,6 +620,93 @@
           <a:p>
             <a:r>
               <a:rPr lang="en-US" dirty="0"/>
+              <a:t>No spaces in the item assignment for x! </a:t>
+            </a:r>
+          </a:p>
+        </p:txBody>
+      </p:sp>
+      <p:sp>
+        <p:nvSpPr>
+          <p:cNvPr id="4" name="Slide Number Placeholder 3"/>
+          <p:cNvSpPr>
+            <a:spLocks noGrp="1"/>
+          </p:cNvSpPr>
+          <p:nvPr>
+            <p:ph type="sldNum" sz="quarter" idx="5"/>
+          </p:nvPr>
+        </p:nvSpPr>
+        <p:spPr/>
+        <p:txBody>
+          <a:bodyPr/>
+          <a:lstStyle/>
+          <a:p>
+            <a:fld id="{76A41E2A-9760-1B43-867A-973D47E0F35B}" type="slidenum">
+              <a:rPr lang="en-US" smtClean="0"/>
+              <a:t>5</a:t>
+            </a:fld>
+            <a:endParaRPr lang="en-US"/>
+          </a:p>
+        </p:txBody>
+      </p:sp>
+    </p:spTree>
+    <p:extLst>
+      <p:ext uri="{BB962C8B-B14F-4D97-AF65-F5344CB8AC3E}">
+        <p14:creationId xmlns:p14="http://schemas.microsoft.com/office/powerpoint/2010/main" val="2416133423"/>
+      </p:ext>
+    </p:extLst>
+  </p:cSld>
+  <p:clrMapOvr>
+    <a:masterClrMapping/>
+  </p:clrMapOvr>
+</p:notes>
+</file>
+
+<file path=ppt/notesSlides/notesSlide3.xml><?xml version="1.0" encoding="utf-8"?>
+<p:notes xmlns:a="http://schemas.openxmlformats.org/drawingml/2006/main" xmlns:r="http://schemas.openxmlformats.org/officeDocument/2006/relationships" xmlns:p="http://schemas.openxmlformats.org/presentationml/2006/main">
+  <p:cSld>
+    <p:spTree>
+      <p:nvGrpSpPr>
+        <p:cNvPr id="1" name=""/>
+        <p:cNvGrpSpPr/>
+        <p:nvPr/>
+      </p:nvGrpSpPr>
+      <p:grpSpPr>
+        <a:xfrm>
+          <a:off x="0" y="0"/>
+          <a:ext cx="0" cy="0"/>
+          <a:chOff x="0" y="0"/>
+          <a:chExt cx="0" cy="0"/>
+        </a:xfrm>
+      </p:grpSpPr>
+      <p:sp>
+        <p:nvSpPr>
+          <p:cNvPr id="2" name="Slide Image Placeholder 1"/>
+          <p:cNvSpPr>
+            <a:spLocks noGrp="1" noRot="1" noChangeAspect="1"/>
+          </p:cNvSpPr>
+          <p:nvPr>
+            <p:ph type="sldImg"/>
+          </p:nvPr>
+        </p:nvSpPr>
+        <p:spPr/>
+      </p:sp>
+      <p:sp>
+        <p:nvSpPr>
+          <p:cNvPr id="3" name="Notes Placeholder 2"/>
+          <p:cNvSpPr>
+            <a:spLocks noGrp="1"/>
+          </p:cNvSpPr>
+          <p:nvPr>
+            <p:ph type="body" idx="1"/>
+          </p:nvPr>
+        </p:nvSpPr>
+        <p:spPr/>
+        <p:txBody>
+          <a:bodyPr/>
+          <a:lstStyle/>
+          <a:p>
+            <a:r>
+              <a:rPr lang="en-US" dirty="0"/>
               <a:t>For those who may not have seen it before, “python </a:t>
             </a:r>
             <a:r>
@@ -649,7 +737,7 @@
           <a:p>
             <a:fld id="{76A41E2A-9760-1B43-867A-973D47E0F35B}" type="slidenum">
               <a:rPr lang="en-US" smtClean="0"/>
-              <a:t>16</a:t>
+              <a:t>17</a:t>
             </a:fld>
             <a:endParaRPr lang="en-US"/>
           </a:p>
@@ -944,7 +1032,7 @@
           <a:p>
             <a:fld id="{51673806-0BCD-1F42-BAA8-2011034B3C6A}" type="datetimeFigureOut">
               <a:rPr lang="en-US" smtClean="0"/>
-              <a:t>5/7/21</a:t>
+              <a:t>5/10/21</a:t>
             </a:fld>
             <a:endParaRPr lang="en-US"/>
           </a:p>
@@ -1358,7 +1446,7 @@
           <a:p>
             <a:fld id="{51673806-0BCD-1F42-BAA8-2011034B3C6A}" type="datetimeFigureOut">
               <a:rPr lang="en-US" smtClean="0"/>
-              <a:t>5/7/21</a:t>
+              <a:t>5/10/21</a:t>
             </a:fld>
             <a:endParaRPr lang="en-US"/>
           </a:p>
@@ -1689,7 +1777,7 @@
           <a:p>
             <a:fld id="{51673806-0BCD-1F42-BAA8-2011034B3C6A}" type="datetimeFigureOut">
               <a:rPr lang="en-US" smtClean="0"/>
-              <a:t>5/7/21</a:t>
+              <a:t>5/10/21</a:t>
             </a:fld>
             <a:endParaRPr lang="en-US"/>
           </a:p>
@@ -2089,7 +2177,7 @@
           <a:p>
             <a:fld id="{51673806-0BCD-1F42-BAA8-2011034B3C6A}" type="datetimeFigureOut">
               <a:rPr lang="en-US" smtClean="0"/>
-              <a:t>5/7/21</a:t>
+              <a:t>5/10/21</a:t>
             </a:fld>
             <a:endParaRPr lang="en-US"/>
           </a:p>
@@ -2652,7 +2740,7 @@
           <a:p>
             <a:fld id="{51673806-0BCD-1F42-BAA8-2011034B3C6A}" type="datetimeFigureOut">
               <a:rPr lang="en-US" smtClean="0"/>
-              <a:t>5/7/21</a:t>
+              <a:t>5/10/21</a:t>
             </a:fld>
             <a:endParaRPr lang="en-US"/>
           </a:p>
@@ -3328,7 +3416,7 @@
           <a:p>
             <a:fld id="{51673806-0BCD-1F42-BAA8-2011034B3C6A}" type="datetimeFigureOut">
               <a:rPr lang="en-US" smtClean="0"/>
-              <a:t>5/7/21</a:t>
+              <a:t>5/10/21</a:t>
             </a:fld>
             <a:endParaRPr lang="en-US"/>
           </a:p>
@@ -4236,7 +4324,7 @@
           <a:p>
             <a:fld id="{51673806-0BCD-1F42-BAA8-2011034B3C6A}" type="datetimeFigureOut">
               <a:rPr lang="en-US" smtClean="0"/>
-              <a:t>5/7/21</a:t>
+              <a:t>5/10/21</a:t>
             </a:fld>
             <a:endParaRPr lang="en-US"/>
           </a:p>
@@ -4544,7 +4632,7 @@
           <a:p>
             <a:fld id="{51673806-0BCD-1F42-BAA8-2011034B3C6A}" type="datetimeFigureOut">
               <a:rPr lang="en-US" smtClean="0"/>
-              <a:t>5/7/21</a:t>
+              <a:t>5/10/21</a:t>
             </a:fld>
             <a:endParaRPr lang="en-US"/>
           </a:p>
@@ -4803,7 +4891,7 @@
           <a:p>
             <a:fld id="{51673806-0BCD-1F42-BAA8-2011034B3C6A}" type="datetimeFigureOut">
               <a:rPr lang="en-US" smtClean="0"/>
-              <a:t>5/7/21</a:t>
+              <a:t>5/10/21</a:t>
             </a:fld>
             <a:endParaRPr lang="en-US"/>
           </a:p>
@@ -5126,7 +5214,7 @@
           <a:p>
             <a:fld id="{51673806-0BCD-1F42-BAA8-2011034B3C6A}" type="datetimeFigureOut">
               <a:rPr lang="en-US" smtClean="0"/>
-              <a:t>5/7/21</a:t>
+              <a:t>5/10/21</a:t>
             </a:fld>
             <a:endParaRPr lang="en-US"/>
           </a:p>
@@ -5510,7 +5598,7 @@
           <a:p>
             <a:fld id="{51673806-0BCD-1F42-BAA8-2011034B3C6A}" type="datetimeFigureOut">
               <a:rPr lang="en-US" smtClean="0"/>
-              <a:t>5/7/21</a:t>
+              <a:t>5/10/21</a:t>
             </a:fld>
             <a:endParaRPr lang="en-US"/>
           </a:p>
@@ -5886,7 +5974,7 @@
           <a:p>
             <a:fld id="{51673806-0BCD-1F42-BAA8-2011034B3C6A}" type="datetimeFigureOut">
               <a:rPr lang="en-US" smtClean="0"/>
-              <a:t>5/7/21</a:t>
+              <a:t>5/10/21</a:t>
             </a:fld>
             <a:endParaRPr lang="en-US"/>
           </a:p>
@@ -6392,7 +6480,7 @@
           <a:p>
             <a:fld id="{51673806-0BCD-1F42-BAA8-2011034B3C6A}" type="datetimeFigureOut">
               <a:rPr lang="en-US" smtClean="0"/>
-              <a:t>5/7/21</a:t>
+              <a:t>5/10/21</a:t>
             </a:fld>
             <a:endParaRPr lang="en-US"/>
           </a:p>
@@ -6649,7 +6737,7 @@
           <a:p>
             <a:fld id="{51673806-0BCD-1F42-BAA8-2011034B3C6A}" type="datetimeFigureOut">
               <a:rPr lang="en-US" smtClean="0"/>
-              <a:t>5/7/21</a:t>
+              <a:t>5/10/21</a:t>
             </a:fld>
             <a:endParaRPr lang="en-US"/>
           </a:p>
@@ -6807,7 +6895,7 @@
           <a:p>
             <a:fld id="{51673806-0BCD-1F42-BAA8-2011034B3C6A}" type="datetimeFigureOut">
               <a:rPr lang="en-US" smtClean="0"/>
-              <a:t>5/7/21</a:t>
+              <a:t>5/10/21</a:t>
             </a:fld>
             <a:endParaRPr lang="en-US"/>
           </a:p>
@@ -7197,7 +7285,7 @@
           <a:p>
             <a:fld id="{51673806-0BCD-1F42-BAA8-2011034B3C6A}" type="datetimeFigureOut">
               <a:rPr lang="en-US" smtClean="0"/>
-              <a:t>5/7/21</a:t>
+              <a:t>5/10/21</a:t>
             </a:fld>
             <a:endParaRPr lang="en-US"/>
           </a:p>
@@ -7606,7 +7694,7 @@
           <a:p>
             <a:fld id="{51673806-0BCD-1F42-BAA8-2011034B3C6A}" type="datetimeFigureOut">
               <a:rPr lang="en-US" smtClean="0"/>
-              <a:t>5/7/21</a:t>
+              <a:t>5/10/21</a:t>
             </a:fld>
             <a:endParaRPr lang="en-US"/>
           </a:p>
@@ -7852,7 +7940,7 @@
             <a:fld id="{51673806-0BCD-1F42-BAA8-2011034B3C6A}" type="datetimeFigureOut">
               <a:rPr lang="en-US" smtClean="0"/>
               <a:pPr/>
-              <a:t>5/7/21</a:t>
+              <a:t>5/10/21</a:t>
             </a:fld>
             <a:endParaRPr lang="en-US" dirty="0"/>
           </a:p>
@@ -8384,11 +8472,19 @@
           <a:p>
             <a:r>
               <a:rPr lang="en-US" i="1" dirty="0" err="1"/>
-              <a:t>mkdir</a:t>
-            </a:r>
-            <a:r>
-              <a:rPr lang="en-US" dirty="0"/>
-              <a:t>: Make Directory </a:t>
+              <a:t>cp</a:t>
+            </a:r>
+            <a:r>
+              <a:rPr lang="en-US" dirty="0"/>
+              <a:t>: Copy [</a:t>
+            </a:r>
+            <a:r>
+              <a:rPr lang="en-US" i="1" dirty="0"/>
+              <a:t>copy</a:t>
+            </a:r>
+            <a:r>
+              <a:rPr lang="en-US" dirty="0"/>
+              <a:t>] </a:t>
             </a:r>
             <a:endParaRPr lang="en-US" i="1" dirty="0"/>
           </a:p>
@@ -8404,50 +8500,29 @@
             <p:ph idx="1"/>
           </p:nvPr>
         </p:nvSpPr>
-        <p:spPr/>
-        <p:txBody>
-          <a:bodyPr/>
+        <p:spPr>
+          <a:xfrm>
+            <a:off x="680321" y="2336872"/>
+            <a:ext cx="9613861" cy="4405121"/>
+          </a:xfrm>
+        </p:spPr>
+        <p:txBody>
+          <a:bodyPr>
+            <a:normAutofit/>
+          </a:bodyPr>
           <a:lstStyle/>
           <a:p>
-            <a:pPr marL="0" marR="0" lvl="0" indent="0" defTabSz="914400" eaLnBrk="1" fontAlgn="auto" latinLnBrk="0" hangingPunct="1">
-              <a:lnSpc>
-                <a:spcPct val="100000"/>
-              </a:lnSpc>
-              <a:spcBef>
-                <a:spcPts val="0"/>
-              </a:spcBef>
-              <a:spcAft>
-                <a:spcPts val="0"/>
-              </a:spcAft>
-              <a:buClrTx/>
-              <a:buSzTx/>
-              <a:buFontTx/>
-              <a:buNone/>
-              <a:tabLst/>
-              <a:defRPr/>
-            </a:pPr>
-            <a:r>
-              <a:rPr lang="en-US" dirty="0"/>
-              <a:t>Create a new directory (same as clicking “New Folder” in a Finder window) </a:t>
-            </a:r>
-          </a:p>
-          <a:p>
-            <a:pPr marL="0" marR="0" lvl="0" indent="0" defTabSz="914400" eaLnBrk="1" fontAlgn="auto" latinLnBrk="0" hangingPunct="1">
-              <a:lnSpc>
-                <a:spcPct val="100000"/>
-              </a:lnSpc>
-              <a:spcBef>
-                <a:spcPts val="0"/>
-              </a:spcBef>
-              <a:spcAft>
-                <a:spcPts val="0"/>
-              </a:spcAft>
-              <a:buClrTx/>
-              <a:buSzTx/>
-              <a:buFontTx/>
-              <a:buNone/>
-              <a:tabLst/>
-              <a:defRPr/>
+            <a:pPr marL="0" indent="0">
+              <a:buNone/>
+            </a:pPr>
+            <a:r>
+              <a:rPr lang="en-US" dirty="0"/>
+              <a:t>Copy a file to a new name/location </a:t>
+            </a:r>
+          </a:p>
+          <a:p>
+            <a:pPr marL="0" indent="0">
+              <a:buNone/>
             </a:pPr>
             <a:r>
               <a:rPr lang="en-US" dirty="0"/>
@@ -8455,51 +8530,23 @@
             </a:r>
             <a:r>
               <a:rPr lang="en-US" i="1" dirty="0" err="1"/>
-              <a:t>mkdir</a:t>
+              <a:t>cp</a:t>
             </a:r>
             <a:r>
               <a:rPr lang="en-US" i="1" dirty="0"/>
-              <a:t> [directory name] </a:t>
+              <a:t> [existing file name] [new file name] </a:t>
             </a:r>
             <a:endParaRPr lang="en-US" dirty="0"/>
           </a:p>
           <a:p>
-            <a:pPr marL="0" marR="0" lvl="0" indent="0" defTabSz="914400" eaLnBrk="1" fontAlgn="auto" latinLnBrk="0" hangingPunct="1">
-              <a:lnSpc>
-                <a:spcPct val="100000"/>
-              </a:lnSpc>
-              <a:spcBef>
-                <a:spcPts val="0"/>
-              </a:spcBef>
-              <a:spcAft>
-                <a:spcPts val="0"/>
-              </a:spcAft>
-              <a:buClrTx/>
-              <a:buSzTx/>
-              <a:buFontTx/>
-              <a:buNone/>
-              <a:tabLst/>
-              <a:defRPr/>
+            <a:pPr marL="0" indent="0">
+              <a:buNone/>
             </a:pPr>
             <a:endParaRPr lang="en-US" dirty="0"/>
           </a:p>
           <a:p>
-            <a:pPr marL="0" marR="0" lvl="0" indent="0" defTabSz="914400" eaLnBrk="1" fontAlgn="auto" latinLnBrk="0" hangingPunct="1">
-              <a:lnSpc>
-                <a:spcPct val="100000"/>
-              </a:lnSpc>
-              <a:spcBef>
-                <a:spcPts val="0"/>
-              </a:spcBef>
-              <a:spcAft>
-                <a:spcPts val="0"/>
-              </a:spcAft>
-              <a:buClrTx/>
-              <a:buSzTx/>
-              <a:buFontTx/>
-              <a:buNone/>
-              <a:tabLst/>
-              <a:defRPr/>
+            <a:pPr marL="0" indent="0">
+              <a:buNone/>
             </a:pPr>
             <a:r>
               <a:rPr lang="en-US" dirty="0"/>
@@ -8507,22 +8554,42 @@
             </a:r>
           </a:p>
           <a:p>
-            <a:pPr marL="0" marR="0" lvl="0" indent="0" defTabSz="914400" eaLnBrk="1" fontAlgn="auto" latinLnBrk="0" hangingPunct="1">
-              <a:lnSpc>
-                <a:spcPct val="100000"/>
-              </a:lnSpc>
-              <a:spcBef>
-                <a:spcPts val="0"/>
-              </a:spcBef>
-              <a:spcAft>
-                <a:spcPts val="0"/>
-              </a:spcAft>
-              <a:buClrTx/>
-              <a:buSzTx/>
-              <a:buFontTx/>
-              <a:buNone/>
-              <a:tabLst/>
-              <a:defRPr/>
+            <a:pPr marL="0" indent="0">
+              <a:buNone/>
+            </a:pPr>
+            <a:r>
+              <a:rPr lang="en-US" dirty="0"/>
+              <a:t>	$ ls </a:t>
+            </a:r>
+          </a:p>
+          <a:p>
+            <a:pPr marL="0" indent="0">
+              <a:buNone/>
+            </a:pPr>
+            <a:r>
+              <a:rPr lang="en-US" dirty="0"/>
+              <a:t>	</a:t>
+            </a:r>
+            <a:r>
+              <a:rPr lang="en-US" dirty="0" err="1"/>
+              <a:t>data.dat</a:t>
+            </a:r>
+            <a:r>
+              <a:rPr lang="en-US" dirty="0"/>
+              <a:t> </a:t>
+            </a:r>
+            <a:r>
+              <a:rPr lang="en-US" dirty="0" err="1"/>
+              <a:t>result.out</a:t>
+            </a:r>
+            <a:r>
+              <a:rPr lang="en-US" dirty="0"/>
+              <a:t> somecode1.py </a:t>
+            </a:r>
+          </a:p>
+          <a:p>
+            <a:pPr marL="0" indent="0">
+              <a:buNone/>
             </a:pPr>
             <a:r>
               <a:rPr lang="en-US" dirty="0"/>
@@ -8530,46 +8597,23 @@
             </a:r>
             <a:r>
               <a:rPr lang="en-US" dirty="0" err="1"/>
-              <a:t>pwd</a:t>
+              <a:t>cp</a:t>
             </a:r>
             <a:r>
               <a:rPr lang="en-US" dirty="0"/>
               <a:t> </a:t>
             </a:r>
-          </a:p>
-          <a:p>
-            <a:pPr marL="0" marR="0" lvl="0" indent="0" defTabSz="914400" eaLnBrk="1" fontAlgn="auto" latinLnBrk="0" hangingPunct="1">
-              <a:lnSpc>
-                <a:spcPct val="100000"/>
-              </a:lnSpc>
-              <a:spcBef>
-                <a:spcPts val="0"/>
-              </a:spcBef>
-              <a:spcAft>
-                <a:spcPts val="0"/>
-              </a:spcAft>
-              <a:buClrTx/>
-              <a:buSzTx/>
-              <a:buFontTx/>
-              <a:buNone/>
-              <a:tabLst/>
-              <a:defRPr/>
-            </a:pPr>
-            <a:r>
-              <a:rPr lang="en-US" dirty="0"/>
-              <a:t>	/Users/</a:t>
-            </a:r>
             <a:r>
               <a:rPr lang="en-US" dirty="0" err="1"/>
-              <a:t>BrutusBuckeye</a:t>
-            </a:r>
-            <a:r>
-              <a:rPr lang="en-US" dirty="0"/>
-              <a:t>/Desktop/SURP/</a:t>
+              <a:t>result.out</a:t>
+            </a:r>
+            <a:r>
+              <a:rPr lang="en-US" dirty="0"/>
+              <a:t> </a:t>
             </a:r>
             <a:r>
               <a:rPr lang="en-US" dirty="0" err="1"/>
-              <a:t>bootcamp</a:t>
+              <a:t>copy.out</a:t>
             </a:r>
             <a:r>
               <a:rPr lang="en-US" dirty="0"/>
@@ -8577,88 +8621,45 @@
             </a:r>
           </a:p>
           <a:p>
-            <a:pPr marL="0" marR="0" lvl="0" indent="0" defTabSz="914400" eaLnBrk="1" fontAlgn="auto" latinLnBrk="0" hangingPunct="1">
-              <a:lnSpc>
-                <a:spcPct val="100000"/>
-              </a:lnSpc>
-              <a:spcBef>
-                <a:spcPts val="0"/>
-              </a:spcBef>
-              <a:spcAft>
-                <a:spcPts val="0"/>
-              </a:spcAft>
-              <a:buClrTx/>
-              <a:buSzTx/>
-              <a:buFontTx/>
-              <a:buNone/>
-              <a:tabLst/>
-              <a:defRPr/>
-            </a:pPr>
-            <a:r>
-              <a:rPr lang="en-US" dirty="0"/>
-              <a:t>	$ </a:t>
+            <a:pPr marL="0" indent="0">
+              <a:buNone/>
+            </a:pPr>
+            <a:r>
+              <a:rPr lang="en-US" dirty="0"/>
+              <a:t>	$ ls </a:t>
+            </a:r>
+          </a:p>
+          <a:p>
+            <a:pPr marL="0" indent="0">
+              <a:buNone/>
+            </a:pPr>
+            <a:r>
+              <a:rPr lang="en-US" dirty="0"/>
+              <a:t>	 </a:t>
             </a:r>
             <a:r>
               <a:rPr lang="en-US" dirty="0" err="1"/>
-              <a:t>mkdir</a:t>
-            </a:r>
-            <a:r>
-              <a:rPr lang="en-US" dirty="0"/>
-              <a:t> example </a:t>
-            </a:r>
-          </a:p>
-          <a:p>
-            <a:pPr marL="0" marR="0" lvl="0" indent="0" defTabSz="914400" eaLnBrk="1" fontAlgn="auto" latinLnBrk="0" hangingPunct="1">
-              <a:lnSpc>
-                <a:spcPct val="100000"/>
-              </a:lnSpc>
-              <a:spcBef>
-                <a:spcPts val="0"/>
-              </a:spcBef>
-              <a:spcAft>
-                <a:spcPts val="0"/>
-              </a:spcAft>
-              <a:buClrTx/>
-              <a:buSzTx/>
-              <a:buFontTx/>
-              <a:buNone/>
-              <a:tabLst/>
-              <a:defRPr/>
-            </a:pPr>
-            <a:r>
-              <a:rPr lang="en-US" dirty="0"/>
-              <a:t>	$ ls </a:t>
-            </a:r>
-          </a:p>
-          <a:p>
-            <a:pPr marL="0" marR="0" lvl="0" indent="0" defTabSz="914400" eaLnBrk="1" fontAlgn="auto" latinLnBrk="0" hangingPunct="1">
-              <a:lnSpc>
-                <a:spcPct val="100000"/>
-              </a:lnSpc>
-              <a:spcBef>
-                <a:spcPts val="0"/>
-              </a:spcBef>
-              <a:spcAft>
-                <a:spcPts val="0"/>
-              </a:spcAft>
-              <a:buClrTx/>
-              <a:buSzTx/>
-              <a:buFontTx/>
-              <a:buNone/>
-              <a:tabLst/>
-              <a:defRPr/>
-            </a:pPr>
-            <a:r>
-              <a:rPr lang="en-US" dirty="0"/>
-              <a:t>	example exercises notes slides </a:t>
+              <a:t>copy.out</a:t>
+            </a:r>
+            <a:r>
+              <a:rPr lang="en-US" dirty="0"/>
+              <a:t> </a:t>
             </a:r>
             <a:r>
               <a:rPr lang="en-US" dirty="0" err="1"/>
-              <a:t>somecode.py</a:t>
+              <a:t>data.dat</a:t>
             </a:r>
             <a:r>
               <a:rPr lang="en-US" dirty="0"/>
               <a:t> </a:t>
+            </a:r>
+            <a:r>
+              <a:rPr lang="en-US" dirty="0" err="1"/>
+              <a:t>result.out</a:t>
+            </a:r>
+            <a:r>
+              <a:rPr lang="en-US" dirty="0"/>
+              <a:t> somecode1.py </a:t>
             </a:r>
           </a:p>
         </p:txBody>
@@ -8666,7 +8667,7 @@
     </p:spTree>
     <p:extLst>
       <p:ext uri="{BB962C8B-B14F-4D97-AF65-F5344CB8AC3E}">
-        <p14:creationId xmlns:p14="http://schemas.microsoft.com/office/powerpoint/2010/main" val="1594207643"/>
+        <p14:creationId xmlns:p14="http://schemas.microsoft.com/office/powerpoint/2010/main" val="133284566"/>
       </p:ext>
     </p:extLst>
   </p:cSld>
@@ -8710,19 +8711,11 @@
           <a:p>
             <a:r>
               <a:rPr lang="en-US" i="1" dirty="0" err="1"/>
-              <a:t>rm</a:t>
-            </a:r>
-            <a:r>
-              <a:rPr lang="en-US" dirty="0"/>
-              <a:t>: Remove [</a:t>
-            </a:r>
-            <a:r>
-              <a:rPr lang="en-US" i="1" dirty="0"/>
-              <a:t>del</a:t>
-            </a:r>
-            <a:r>
-              <a:rPr lang="en-US" dirty="0"/>
-              <a:t>] </a:t>
+              <a:t>mkdir</a:t>
+            </a:r>
+            <a:r>
+              <a:rPr lang="en-US" dirty="0"/>
+              <a:t>: Make Directory </a:t>
             </a:r>
             <a:endParaRPr lang="en-US" i="1" dirty="0"/>
           </a:p>
@@ -8738,12 +8731,7 @@
             <p:ph idx="1"/>
           </p:nvPr>
         </p:nvSpPr>
-        <p:spPr>
-          <a:xfrm>
-            <a:off x="680321" y="2336872"/>
-            <a:ext cx="10674616" cy="3941097"/>
-          </a:xfrm>
-        </p:spPr>
+        <p:spPr/>
         <p:txBody>
           <a:bodyPr/>
           <a:lstStyle/>
@@ -8767,15 +8755,7 @@
             </a:pPr>
             <a:r>
               <a:rPr lang="en-US" dirty="0"/>
-              <a:t>Remove a file from system memory (careful </a:t>
-            </a:r>
-            <a:r>
-              <a:rPr lang="mr-IN" dirty="0"/>
-              <a:t>–</a:t>
-            </a:r>
-            <a:r>
-              <a:rPr lang="en-US" dirty="0"/>
-              <a:t> this doesn’t move a file to trash)</a:t>
+              <a:t>Create a new directory (same as clicking “New Folder” in a Finder window) </a:t>
             </a:r>
           </a:p>
           <a:p>
@@ -8802,11 +8782,11 @@
             </a:r>
             <a:r>
               <a:rPr lang="en-US" i="1" dirty="0" err="1"/>
-              <a:t>rm</a:t>
+              <a:t>mkdir</a:t>
             </a:r>
             <a:r>
               <a:rPr lang="en-US" i="1" dirty="0"/>
-              <a:t> [filename] </a:t>
+              <a:t> [directory name] </a:t>
             </a:r>
             <a:endParaRPr lang="en-US" dirty="0"/>
           </a:p>
@@ -8873,7 +8853,15 @@
             </a:pPr>
             <a:r>
               <a:rPr lang="en-US" dirty="0"/>
-              <a:t>	$ ls </a:t>
+              <a:t>	$ </a:t>
+            </a:r>
+            <a:r>
+              <a:rPr lang="en-US" dirty="0" err="1"/>
+              <a:t>pwd</a:t>
+            </a:r>
+            <a:r>
+              <a:rPr lang="en-US" dirty="0"/>
+              <a:t> </a:t>
             </a:r>
           </a:p>
           <a:p>
@@ -8896,11 +8884,19 @@
             </a:pPr>
             <a:r>
               <a:rPr lang="en-US" dirty="0"/>
-              <a:t>	goodcode1.py goodcode2.py </a:t>
+              <a:t>	/Users/</a:t>
             </a:r>
             <a:r>
               <a:rPr lang="en-US" dirty="0" err="1"/>
-              <a:t>badcode.py</a:t>
+              <a:t>BrutusBuckeye</a:t>
+            </a:r>
+            <a:r>
+              <a:rPr lang="en-US" dirty="0"/>
+              <a:t>/Desktop/SURP/</a:t>
+            </a:r>
+            <a:r>
+              <a:rPr lang="en-US" dirty="0" err="1"/>
+              <a:t>bootcamp</a:t>
             </a:r>
             <a:r>
               <a:rPr lang="en-US" dirty="0"/>
@@ -8931,19 +8927,11 @@
             </a:r>
             <a:r>
               <a:rPr lang="en-US" dirty="0" err="1"/>
-              <a:t>rm</a:t>
-            </a:r>
-            <a:r>
-              <a:rPr lang="en-US" dirty="0"/>
-              <a:t> </a:t>
-            </a:r>
-            <a:r>
-              <a:rPr lang="en-US" dirty="0" err="1"/>
-              <a:t>badcode.py</a:t>
-            </a:r>
-            <a:r>
-              <a:rPr lang="en-US" dirty="0"/>
-              <a:t> </a:t>
+              <a:t>mkdir</a:t>
+            </a:r>
+            <a:r>
+              <a:rPr lang="en-US" dirty="0"/>
+              <a:t> example </a:t>
             </a:r>
           </a:p>
           <a:p>
@@ -8989,7 +8977,15 @@
             </a:pPr>
             <a:r>
               <a:rPr lang="en-US" dirty="0"/>
-              <a:t>	goodcode1.py goodcode2.py </a:t>
+              <a:t>	example exercises notes slides </a:t>
+            </a:r>
+            <a:r>
+              <a:rPr lang="en-US" dirty="0" err="1"/>
+              <a:t>somecode.py</a:t>
+            </a:r>
+            <a:r>
+              <a:rPr lang="en-US" dirty="0"/>
+              <a:t> </a:t>
             </a:r>
           </a:p>
         </p:txBody>
@@ -8997,7 +8993,7 @@
     </p:spTree>
     <p:extLst>
       <p:ext uri="{BB962C8B-B14F-4D97-AF65-F5344CB8AC3E}">
-        <p14:creationId xmlns:p14="http://schemas.microsoft.com/office/powerpoint/2010/main" val="1429540826"/>
+        <p14:creationId xmlns:p14="http://schemas.microsoft.com/office/powerpoint/2010/main" val="1594207643"/>
       </p:ext>
     </p:extLst>
   </p:cSld>
@@ -9034,27 +9030,22 @@
             <p:ph type="title"/>
           </p:nvPr>
         </p:nvSpPr>
-        <p:spPr>
-          <a:xfrm>
-            <a:off x="693969" y="753228"/>
-            <a:ext cx="9613861" cy="1080938"/>
-          </a:xfrm>
-        </p:spPr>
+        <p:spPr/>
         <p:txBody>
           <a:bodyPr/>
           <a:lstStyle/>
           <a:p>
             <a:r>
+              <a:rPr lang="en-US" i="1" dirty="0" err="1"/>
+              <a:t>rm</a:t>
+            </a:r>
+            <a:r>
+              <a:rPr lang="en-US" dirty="0"/>
+              <a:t>: Remove [</a:t>
+            </a:r>
+            <a:r>
               <a:rPr lang="en-US" i="1" dirty="0"/>
-              <a:t>man</a:t>
-            </a:r>
-            <a:r>
-              <a:rPr lang="en-US" dirty="0"/>
-              <a:t>: Manual [</a:t>
-            </a:r>
-            <a:r>
-              <a:rPr lang="en-US" i="1" dirty="0"/>
-              <a:t>&lt;command&gt;/?</a:t>
+              <a:t>del</a:t>
             </a:r>
             <a:r>
               <a:rPr lang="en-US" dirty="0"/>
@@ -9074,7 +9065,12 @@
             <p:ph idx="1"/>
           </p:nvPr>
         </p:nvSpPr>
-        <p:spPr/>
+        <p:spPr>
+          <a:xfrm>
+            <a:off x="680321" y="2336872"/>
+            <a:ext cx="10674616" cy="3941097"/>
+          </a:xfrm>
+        </p:spPr>
         <p:txBody>
           <a:bodyPr/>
           <a:lstStyle/>
@@ -9098,7 +9094,15 @@
             </a:pPr>
             <a:r>
               <a:rPr lang="en-US" dirty="0"/>
-              <a:t>Pulls up the manual entry (i.e. documentation) for a given terminal command  </a:t>
+              <a:t>Remove a file from system memory (careful </a:t>
+            </a:r>
+            <a:r>
+              <a:rPr lang="mr-IN" dirty="0"/>
+              <a:t>–</a:t>
+            </a:r>
+            <a:r>
+              <a:rPr lang="en-US" dirty="0"/>
+              <a:t> this doesn’t move a file to trash)</a:t>
             </a:r>
           </a:p>
           <a:p>
@@ -9121,8 +9125,17 @@
             </a:pPr>
             <a:r>
               <a:rPr lang="en-US" dirty="0"/>
-              <a:t>Can be used as a reference on what “flags” each command takes </a:t>
-            </a:r>
+              <a:t>Usage: </a:t>
+            </a:r>
+            <a:r>
+              <a:rPr lang="en-US" i="1" dirty="0" err="1"/>
+              <a:t>rm</a:t>
+            </a:r>
+            <a:r>
+              <a:rPr lang="en-US" i="1" dirty="0"/>
+              <a:t> [filename] </a:t>
+            </a:r>
+            <a:endParaRPr lang="en-US" dirty="0"/>
           </a:p>
           <a:p>
             <a:pPr marL="0" marR="0" lvl="0" indent="0" defTabSz="914400" eaLnBrk="1" fontAlgn="auto" latinLnBrk="0" hangingPunct="1">
@@ -9142,18 +9155,7 @@
               <a:tabLst/>
               <a:defRPr/>
             </a:pPr>
-            <a:r>
-              <a:rPr lang="en-US" dirty="0"/>
-              <a:t>Press Q to exit a </a:t>
-            </a:r>
-            <a:r>
-              <a:rPr lang="en-US" i="1" dirty="0"/>
-              <a:t>man</a:t>
-            </a:r>
-            <a:r>
-              <a:rPr lang="en-US" dirty="0"/>
-              <a:t> page </a:t>
-            </a:r>
+            <a:endParaRPr lang="en-US" dirty="0"/>
           </a:p>
           <a:p>
             <a:pPr marL="0" marR="0" lvl="0" indent="0" defTabSz="914400" eaLnBrk="1" fontAlgn="auto" latinLnBrk="0" hangingPunct="1">
@@ -9173,7 +9175,10 @@
               <a:tabLst/>
               <a:defRPr/>
             </a:pPr>
-            <a:endParaRPr lang="en-US" dirty="0"/>
+            <a:r>
+              <a:rPr lang="en-US" dirty="0"/>
+              <a:t>Example: </a:t>
+            </a:r>
           </a:p>
           <a:p>
             <a:pPr marL="0" marR="0" lvl="0" indent="0" defTabSz="914400" eaLnBrk="1" fontAlgn="auto" latinLnBrk="0" hangingPunct="1">
@@ -9195,7 +9200,7 @@
             </a:pPr>
             <a:r>
               <a:rPr lang="en-US" dirty="0"/>
-              <a:t>Example: </a:t>
+              <a:t>	$ ls </a:t>
             </a:r>
           </a:p>
           <a:p>
@@ -9218,7 +9223,15 @@
             </a:pPr>
             <a:r>
               <a:rPr lang="en-US" dirty="0"/>
-              <a:t>	$ man ls [ls/?] </a:t>
+              <a:t>	goodcode1.py goodcode2.py </a:t>
+            </a:r>
+            <a:r>
+              <a:rPr lang="en-US" dirty="0" err="1"/>
+              <a:t>badcode.py</a:t>
+            </a:r>
+            <a:r>
+              <a:rPr lang="en-US" dirty="0"/>
+              <a:t> </a:t>
             </a:r>
           </a:p>
           <a:p>
@@ -9241,7 +9254,23 @@
             </a:pPr>
             <a:r>
               <a:rPr lang="en-US" dirty="0"/>
-              <a:t>	$ man mv [mv/?] </a:t>
+              <a:t>	$ </a:t>
+            </a:r>
+            <a:r>
+              <a:rPr lang="en-US" dirty="0" err="1"/>
+              <a:t>rm</a:t>
+            </a:r>
+            <a:r>
+              <a:rPr lang="en-US" dirty="0"/>
+              <a:t> </a:t>
+            </a:r>
+            <a:r>
+              <a:rPr lang="en-US" dirty="0" err="1"/>
+              <a:t>badcode.py</a:t>
+            </a:r>
+            <a:r>
+              <a:rPr lang="en-US" dirty="0"/>
+              <a:t> </a:t>
             </a:r>
           </a:p>
           <a:p>
@@ -9264,23 +9293,30 @@
             </a:pPr>
             <a:r>
               <a:rPr lang="en-US" dirty="0"/>
-              <a:t>	$ man </a:t>
-            </a:r>
-            <a:r>
-              <a:rPr lang="en-US" dirty="0" err="1"/>
-              <a:t>pwd</a:t>
-            </a:r>
-            <a:r>
-              <a:rPr lang="en-US" dirty="0"/>
-              <a:t> [</a:t>
-            </a:r>
-            <a:r>
-              <a:rPr lang="en-US" dirty="0" err="1"/>
-              <a:t>pwd</a:t>
-            </a:r>
-            <a:r>
-              <a:rPr lang="en-US" dirty="0"/>
-              <a:t>/?] </a:t>
+              <a:t>	$ ls </a:t>
+            </a:r>
+          </a:p>
+          <a:p>
+            <a:pPr marL="0" marR="0" lvl="0" indent="0" defTabSz="914400" eaLnBrk="1" fontAlgn="auto" latinLnBrk="0" hangingPunct="1">
+              <a:lnSpc>
+                <a:spcPct val="100000"/>
+              </a:lnSpc>
+              <a:spcBef>
+                <a:spcPts val="0"/>
+              </a:spcBef>
+              <a:spcAft>
+                <a:spcPts val="0"/>
+              </a:spcAft>
+              <a:buClrTx/>
+              <a:buSzTx/>
+              <a:buFontTx/>
+              <a:buNone/>
+              <a:tabLst/>
+              <a:defRPr/>
+            </a:pPr>
+            <a:r>
+              <a:rPr lang="en-US" dirty="0"/>
+              <a:t>	goodcode1.py goodcode2.py </a:t>
             </a:r>
           </a:p>
         </p:txBody>
@@ -9288,7 +9324,7 @@
     </p:spTree>
     <p:extLst>
       <p:ext uri="{BB962C8B-B14F-4D97-AF65-F5344CB8AC3E}">
-        <p14:creationId xmlns:p14="http://schemas.microsoft.com/office/powerpoint/2010/main" val="664730687"/>
+        <p14:creationId xmlns:p14="http://schemas.microsoft.com/office/powerpoint/2010/main" val="1429540826"/>
       </p:ext>
     </p:extLst>
   </p:cSld>
@@ -9325,15 +9361,33 @@
             <p:ph type="title"/>
           </p:nvPr>
         </p:nvSpPr>
-        <p:spPr/>
+        <p:spPr>
+          <a:xfrm>
+            <a:off x="693969" y="753228"/>
+            <a:ext cx="9613861" cy="1080938"/>
+          </a:xfrm>
+        </p:spPr>
         <p:txBody>
           <a:bodyPr/>
           <a:lstStyle/>
           <a:p>
             <a:r>
-              <a:rPr lang="en-US" dirty="0"/>
-              <a:t>*: All Files </a:t>
-            </a:r>
+              <a:rPr lang="en-US" i="1" dirty="0"/>
+              <a:t>man</a:t>
+            </a:r>
+            <a:r>
+              <a:rPr lang="en-US" dirty="0"/>
+              <a:t>: Manual [</a:t>
+            </a:r>
+            <a:r>
+              <a:rPr lang="en-US" i="1" dirty="0"/>
+              <a:t>&lt;command&gt;/?</a:t>
+            </a:r>
+            <a:r>
+              <a:rPr lang="en-US" dirty="0"/>
+              <a:t>] </a:t>
+            </a:r>
+            <a:endParaRPr lang="en-US" i="1" dirty="0"/>
           </a:p>
         </p:txBody>
       </p:sp>
@@ -9347,12 +9401,7 @@
             <p:ph idx="1"/>
           </p:nvPr>
         </p:nvSpPr>
-        <p:spPr>
-          <a:xfrm>
-            <a:off x="680321" y="2323225"/>
-            <a:ext cx="9613861" cy="4254996"/>
-          </a:xfrm>
-        </p:spPr>
+        <p:spPr/>
         <p:txBody>
           <a:bodyPr/>
           <a:lstStyle/>
@@ -9376,7 +9425,7 @@
             </a:pPr>
             <a:r>
               <a:rPr lang="en-US" dirty="0"/>
-              <a:t>An asterisk (*) refers to all files in a given directory, and can be modified to refer to only those with a specific prefix or suffix </a:t>
+              <a:t>Pulls up the manual entry (i.e. documentation) for a given terminal command  </a:t>
             </a:r>
           </a:p>
           <a:p>
@@ -9397,7 +9446,10 @@
               <a:tabLst/>
               <a:defRPr/>
             </a:pPr>
-            <a:endParaRPr lang="en-US" dirty="0"/>
+            <a:r>
+              <a:rPr lang="en-US" dirty="0"/>
+              <a:t>Can be used as a reference on what “flags” each command takes </a:t>
+            </a:r>
           </a:p>
           <a:p>
             <a:pPr marL="0" marR="0" lvl="0" indent="0" defTabSz="914400" eaLnBrk="1" fontAlgn="auto" latinLnBrk="0" hangingPunct="1">
@@ -9419,7 +9471,15 @@
             </a:pPr>
             <a:r>
               <a:rPr lang="en-US" dirty="0"/>
-              <a:t>Example: </a:t>
+              <a:t>Press Q to exit a </a:t>
+            </a:r>
+            <a:r>
+              <a:rPr lang="en-US" i="1" dirty="0"/>
+              <a:t>man</a:t>
+            </a:r>
+            <a:r>
+              <a:rPr lang="en-US" dirty="0"/>
+              <a:t> page </a:t>
             </a:r>
           </a:p>
           <a:p>
@@ -9440,10 +9500,7 @@
               <a:tabLst/>
               <a:defRPr/>
             </a:pPr>
-            <a:r>
-              <a:rPr lang="en-US" dirty="0"/>
-              <a:t>	$ ls </a:t>
-            </a:r>
+            <a:endParaRPr lang="en-US" dirty="0"/>
           </a:p>
           <a:p>
             <a:pPr marL="0" marR="0" lvl="0" indent="0" defTabSz="914400" eaLnBrk="1" fontAlgn="auto" latinLnBrk="0" hangingPunct="1">
@@ -9465,31 +9522,7 @@
             </a:pPr>
             <a:r>
               <a:rPr lang="en-US" dirty="0"/>
-              <a:t>	</a:t>
-            </a:r>
-            <a:r>
-              <a:rPr lang="en-US" dirty="0" err="1"/>
-              <a:t>somedata.dat</a:t>
-            </a:r>
-            <a:r>
-              <a:rPr lang="en-US" dirty="0"/>
-              <a:t> </a:t>
-            </a:r>
-            <a:r>
-              <a:rPr lang="en-US" dirty="0" err="1"/>
-              <a:t>somecode.py</a:t>
-            </a:r>
-            <a:r>
-              <a:rPr lang="en-US" dirty="0"/>
-              <a:t> </a:t>
-            </a:r>
-            <a:r>
-              <a:rPr lang="en-US" dirty="0" err="1"/>
-              <a:t>someoutput.out</a:t>
-            </a:r>
-            <a:r>
-              <a:rPr lang="en-US" dirty="0"/>
-              <a:t> </a:t>
+              <a:t>Example: </a:t>
             </a:r>
           </a:p>
           <a:p>
@@ -9512,15 +9545,7 @@
             </a:pPr>
             <a:r>
               <a:rPr lang="en-US" dirty="0"/>
-              <a:t>	$ ls *.</a:t>
-            </a:r>
-            <a:r>
-              <a:rPr lang="en-US" dirty="0" err="1"/>
-              <a:t>py</a:t>
-            </a:r>
-            <a:r>
-              <a:rPr lang="en-US" dirty="0"/>
-              <a:t> </a:t>
+              <a:t>	$ man ls [ls/?] </a:t>
             </a:r>
           </a:p>
           <a:p>
@@ -9543,15 +9568,7 @@
             </a:pPr>
             <a:r>
               <a:rPr lang="en-US" dirty="0"/>
-              <a:t>	</a:t>
-            </a:r>
-            <a:r>
-              <a:rPr lang="en-US" dirty="0" err="1"/>
-              <a:t>somecode.py</a:t>
-            </a:r>
-            <a:r>
-              <a:rPr lang="en-US" dirty="0"/>
-              <a:t> </a:t>
+              <a:t>	$ man mv [mv/?] </a:t>
             </a:r>
           </a:p>
           <a:p>
@@ -9574,74 +9591,31 @@
             </a:pPr>
             <a:r>
               <a:rPr lang="en-US" dirty="0"/>
-              <a:t>	$ ls some* </a:t>
-            </a:r>
-          </a:p>
-          <a:p>
-            <a:pPr marL="0" indent="0">
-              <a:lnSpc>
-                <a:spcPct val="100000"/>
-              </a:lnSpc>
-              <a:spcBef>
-                <a:spcPts val="0"/>
-              </a:spcBef>
-              <a:buNone/>
-            </a:pPr>
-            <a:r>
-              <a:rPr lang="en-US" dirty="0"/>
-              <a:t>	</a:t>
+              <a:t>	$ man </a:t>
             </a:r>
             <a:r>
               <a:rPr lang="en-US" dirty="0" err="1"/>
-              <a:t>somedata.dat</a:t>
-            </a:r>
-            <a:r>
-              <a:rPr lang="en-US" dirty="0"/>
-              <a:t> </a:t>
+              <a:t>pwd</a:t>
+            </a:r>
+            <a:r>
+              <a:rPr lang="en-US" dirty="0"/>
+              <a:t> [</a:t>
             </a:r>
             <a:r>
               <a:rPr lang="en-US" dirty="0" err="1"/>
-              <a:t>somecode.py</a:t>
-            </a:r>
-            <a:r>
-              <a:rPr lang="en-US" dirty="0"/>
-              <a:t> </a:t>
-            </a:r>
-            <a:r>
-              <a:rPr lang="en-US" dirty="0" err="1"/>
-              <a:t>someoutput.out</a:t>
-            </a:r>
-            <a:r>
-              <a:rPr lang="en-US" dirty="0"/>
-              <a:t> </a:t>
-            </a:r>
-          </a:p>
-          <a:p>
-            <a:pPr marL="0" marR="0" lvl="0" indent="0" defTabSz="914400" eaLnBrk="1" fontAlgn="auto" latinLnBrk="0" hangingPunct="1">
-              <a:lnSpc>
-                <a:spcPct val="100000"/>
-              </a:lnSpc>
-              <a:spcBef>
-                <a:spcPts val="0"/>
-              </a:spcBef>
-              <a:spcAft>
-                <a:spcPts val="0"/>
-              </a:spcAft>
-              <a:buClrTx/>
-              <a:buSzTx/>
-              <a:buFontTx/>
-              <a:buNone/>
-              <a:tabLst/>
-              <a:defRPr/>
-            </a:pPr>
-            <a:endParaRPr lang="en-US" dirty="0"/>
+              <a:t>pwd</a:t>
+            </a:r>
+            <a:r>
+              <a:rPr lang="en-US" dirty="0"/>
+              <a:t>/?] </a:t>
+            </a:r>
           </a:p>
         </p:txBody>
       </p:sp>
     </p:spTree>
     <p:extLst>
       <p:ext uri="{BB962C8B-B14F-4D97-AF65-F5344CB8AC3E}">
-        <p14:creationId xmlns:p14="http://schemas.microsoft.com/office/powerpoint/2010/main" val="691502808"/>
+        <p14:creationId xmlns:p14="http://schemas.microsoft.com/office/powerpoint/2010/main" val="664730687"/>
       </p:ext>
     </p:extLst>
   </p:cSld>
@@ -9685,7 +9659,7 @@
           <a:p>
             <a:r>
               <a:rPr lang="en-US" dirty="0"/>
-              <a:t>The Bash Profile </a:t>
+              <a:t>*: All Files </a:t>
             </a:r>
           </a:p>
         </p:txBody>
@@ -9702,145 +9676,299 @@
         </p:nvSpPr>
         <p:spPr>
           <a:xfrm>
-            <a:off x="680321" y="2336872"/>
-            <a:ext cx="9613861" cy="4521128"/>
-          </a:xfrm>
-        </p:spPr>
-        <p:txBody>
-          <a:bodyPr>
-            <a:normAutofit/>
-          </a:bodyPr>
+            <a:off x="680321" y="2323225"/>
+            <a:ext cx="9613861" cy="4254996"/>
+          </a:xfrm>
+        </p:spPr>
+        <p:txBody>
+          <a:bodyPr/>
           <a:lstStyle/>
           <a:p>
+            <a:pPr marL="0" marR="0" lvl="0" indent="0" defTabSz="914400" eaLnBrk="1" fontAlgn="auto" latinLnBrk="0" hangingPunct="1">
+              <a:lnSpc>
+                <a:spcPct val="100000"/>
+              </a:lnSpc>
+              <a:spcBef>
+                <a:spcPts val="0"/>
+              </a:spcBef>
+              <a:spcAft>
+                <a:spcPts val="0"/>
+              </a:spcAft>
+              <a:buClrTx/>
+              <a:buSzTx/>
+              <a:buFontTx/>
+              <a:buNone/>
+              <a:tabLst/>
+              <a:defRPr/>
+            </a:pPr>
+            <a:r>
+              <a:rPr lang="en-US" dirty="0"/>
+              <a:t>An asterisk (*) refers to all files in a given directory, and can be modified to refer to only those with a specific prefix or suffix </a:t>
+            </a:r>
+          </a:p>
+          <a:p>
+            <a:pPr marL="0" marR="0" lvl="0" indent="0" defTabSz="914400" eaLnBrk="1" fontAlgn="auto" latinLnBrk="0" hangingPunct="1">
+              <a:lnSpc>
+                <a:spcPct val="100000"/>
+              </a:lnSpc>
+              <a:spcBef>
+                <a:spcPts val="0"/>
+              </a:spcBef>
+              <a:spcAft>
+                <a:spcPts val="0"/>
+              </a:spcAft>
+              <a:buClrTx/>
+              <a:buSzTx/>
+              <a:buFontTx/>
+              <a:buNone/>
+              <a:tabLst/>
+              <a:defRPr/>
+            </a:pPr>
+            <a:endParaRPr lang="en-US" dirty="0"/>
+          </a:p>
+          <a:p>
+            <a:pPr marL="0" marR="0" lvl="0" indent="0" defTabSz="914400" eaLnBrk="1" fontAlgn="auto" latinLnBrk="0" hangingPunct="1">
+              <a:lnSpc>
+                <a:spcPct val="100000"/>
+              </a:lnSpc>
+              <a:spcBef>
+                <a:spcPts val="0"/>
+              </a:spcBef>
+              <a:spcAft>
+                <a:spcPts val="0"/>
+              </a:spcAft>
+              <a:buClrTx/>
+              <a:buSzTx/>
+              <a:buFontTx/>
+              <a:buNone/>
+              <a:tabLst/>
+              <a:defRPr/>
+            </a:pPr>
+            <a:r>
+              <a:rPr lang="en-US" dirty="0"/>
+              <a:t>Example: </a:t>
+            </a:r>
+          </a:p>
+          <a:p>
+            <a:pPr marL="0" marR="0" lvl="0" indent="0" defTabSz="914400" eaLnBrk="1" fontAlgn="auto" latinLnBrk="0" hangingPunct="1">
+              <a:lnSpc>
+                <a:spcPct val="100000"/>
+              </a:lnSpc>
+              <a:spcBef>
+                <a:spcPts val="0"/>
+              </a:spcBef>
+              <a:spcAft>
+                <a:spcPts val="0"/>
+              </a:spcAft>
+              <a:buClrTx/>
+              <a:buSzTx/>
+              <a:buFontTx/>
+              <a:buNone/>
+              <a:tabLst/>
+              <a:defRPr/>
+            </a:pPr>
+            <a:r>
+              <a:rPr lang="en-US" dirty="0"/>
+              <a:t>	$ ls </a:t>
+            </a:r>
+          </a:p>
+          <a:p>
+            <a:pPr marL="0" marR="0" lvl="0" indent="0" defTabSz="914400" eaLnBrk="1" fontAlgn="auto" latinLnBrk="0" hangingPunct="1">
+              <a:lnSpc>
+                <a:spcPct val="100000"/>
+              </a:lnSpc>
+              <a:spcBef>
+                <a:spcPts val="0"/>
+              </a:spcBef>
+              <a:spcAft>
+                <a:spcPts val="0"/>
+              </a:spcAft>
+              <a:buClrTx/>
+              <a:buSzTx/>
+              <a:buFontTx/>
+              <a:buNone/>
+              <a:tabLst/>
+              <a:defRPr/>
+            </a:pPr>
+            <a:r>
+              <a:rPr lang="en-US" dirty="0"/>
+              <a:t>	</a:t>
+            </a:r>
+            <a:r>
+              <a:rPr lang="en-US" dirty="0" err="1"/>
+              <a:t>somedata.dat</a:t>
+            </a:r>
+            <a:r>
+              <a:rPr lang="en-US" dirty="0"/>
+              <a:t> </a:t>
+            </a:r>
+            <a:r>
+              <a:rPr lang="en-US" dirty="0" err="1"/>
+              <a:t>somecode.py</a:t>
+            </a:r>
+            <a:r>
+              <a:rPr lang="en-US" dirty="0"/>
+              <a:t> </a:t>
+            </a:r>
+            <a:r>
+              <a:rPr lang="en-US" dirty="0" err="1"/>
+              <a:t>someoutput.out</a:t>
+            </a:r>
+            <a:r>
+              <a:rPr lang="en-US" dirty="0"/>
+              <a:t> </a:t>
+            </a:r>
+          </a:p>
+          <a:p>
+            <a:pPr marL="0" marR="0" lvl="0" indent="0" defTabSz="914400" eaLnBrk="1" fontAlgn="auto" latinLnBrk="0" hangingPunct="1">
+              <a:lnSpc>
+                <a:spcPct val="100000"/>
+              </a:lnSpc>
+              <a:spcBef>
+                <a:spcPts val="0"/>
+              </a:spcBef>
+              <a:spcAft>
+                <a:spcPts val="0"/>
+              </a:spcAft>
+              <a:buClrTx/>
+              <a:buSzTx/>
+              <a:buFontTx/>
+              <a:buNone/>
+              <a:tabLst/>
+              <a:defRPr/>
+            </a:pPr>
+            <a:r>
+              <a:rPr lang="en-US" dirty="0"/>
+              <a:t>	$ ls *.</a:t>
+            </a:r>
+            <a:r>
+              <a:rPr lang="en-US" dirty="0" err="1"/>
+              <a:t>py</a:t>
+            </a:r>
+            <a:r>
+              <a:rPr lang="en-US" dirty="0"/>
+              <a:t> </a:t>
+            </a:r>
+          </a:p>
+          <a:p>
+            <a:pPr marL="0" marR="0" lvl="0" indent="0" defTabSz="914400" eaLnBrk="1" fontAlgn="auto" latinLnBrk="0" hangingPunct="1">
+              <a:lnSpc>
+                <a:spcPct val="100000"/>
+              </a:lnSpc>
+              <a:spcBef>
+                <a:spcPts val="0"/>
+              </a:spcBef>
+              <a:spcAft>
+                <a:spcPts val="0"/>
+              </a:spcAft>
+              <a:buClrTx/>
+              <a:buSzTx/>
+              <a:buFontTx/>
+              <a:buNone/>
+              <a:tabLst/>
+              <a:defRPr/>
+            </a:pPr>
+            <a:r>
+              <a:rPr lang="en-US" dirty="0"/>
+              <a:t>	</a:t>
+            </a:r>
+            <a:r>
+              <a:rPr lang="en-US" dirty="0" err="1"/>
+              <a:t>somecode.py</a:t>
+            </a:r>
+            <a:r>
+              <a:rPr lang="en-US" dirty="0"/>
+              <a:t> </a:t>
+            </a:r>
+          </a:p>
+          <a:p>
+            <a:pPr marL="0" marR="0" lvl="0" indent="0" defTabSz="914400" eaLnBrk="1" fontAlgn="auto" latinLnBrk="0" hangingPunct="1">
+              <a:lnSpc>
+                <a:spcPct val="100000"/>
+              </a:lnSpc>
+              <a:spcBef>
+                <a:spcPts val="0"/>
+              </a:spcBef>
+              <a:spcAft>
+                <a:spcPts val="0"/>
+              </a:spcAft>
+              <a:buClrTx/>
+              <a:buSzTx/>
+              <a:buFontTx/>
+              <a:buNone/>
+              <a:tabLst/>
+              <a:defRPr/>
+            </a:pPr>
+            <a:r>
+              <a:rPr lang="en-US" dirty="0"/>
+              <a:t>	$ ls some* </a:t>
+            </a:r>
+          </a:p>
+          <a:p>
             <a:pPr marL="0" indent="0">
-              <a:buNone/>
-            </a:pPr>
-            <a:r>
-              <a:rPr lang="en-US" dirty="0"/>
-              <a:t>A particular file located at ~/.</a:t>
+              <a:lnSpc>
+                <a:spcPct val="100000"/>
+              </a:lnSpc>
+              <a:spcBef>
+                <a:spcPts val="0"/>
+              </a:spcBef>
+              <a:buNone/>
+            </a:pPr>
+            <a:r>
+              <a:rPr lang="en-US" dirty="0"/>
+              <a:t>	</a:t>
             </a:r>
             <a:r>
               <a:rPr lang="en-US" dirty="0" err="1"/>
-              <a:t>bash_profile</a:t>
-            </a:r>
-            <a:r>
-              <a:rPr lang="en-US" dirty="0"/>
-              <a:t> (can also use ~/.</a:t>
+              <a:t>somedata.dat</a:t>
+            </a:r>
+            <a:r>
+              <a:rPr lang="en-US" dirty="0"/>
+              <a:t> </a:t>
             </a:r>
             <a:r>
               <a:rPr lang="en-US" dirty="0" err="1"/>
-              <a:t>bashrc</a:t>
-            </a:r>
-            <a:r>
-              <a:rPr lang="en-US" dirty="0"/>
-              <a:t>) </a:t>
-            </a:r>
-          </a:p>
-          <a:p>
-            <a:pPr marL="0" indent="0">
-              <a:buNone/>
+              <a:t>somecode.py</a:t>
+            </a:r>
+            <a:r>
+              <a:rPr lang="en-US" dirty="0"/>
+              <a:t> </a:t>
+            </a:r>
+            <a:r>
+              <a:rPr lang="en-US" dirty="0" err="1"/>
+              <a:t>someoutput.out</a:t>
+            </a:r>
+            <a:r>
+              <a:rPr lang="en-US" dirty="0"/>
+              <a:t> </a:t>
+            </a:r>
+          </a:p>
+          <a:p>
+            <a:pPr marL="0" marR="0" lvl="0" indent="0" defTabSz="914400" eaLnBrk="1" fontAlgn="auto" latinLnBrk="0" hangingPunct="1">
+              <a:lnSpc>
+                <a:spcPct val="100000"/>
+              </a:lnSpc>
+              <a:spcBef>
+                <a:spcPts val="0"/>
+              </a:spcBef>
+              <a:spcAft>
+                <a:spcPts val="0"/>
+              </a:spcAft>
+              <a:buClrTx/>
+              <a:buSzTx/>
+              <a:buFontTx/>
+              <a:buNone/>
+              <a:tabLst/>
+              <a:defRPr/>
             </a:pPr>
             <a:endParaRPr lang="en-US" dirty="0"/>
-          </a:p>
-          <a:p>
-            <a:pPr marL="0" indent="0">
-              <a:buNone/>
-            </a:pPr>
-            <a:r>
-              <a:rPr lang="en-US" dirty="0"/>
-              <a:t>Typically contains</a:t>
-            </a:r>
-            <a:r>
-              <a:rPr lang="mr-IN" dirty="0"/>
-              <a:t>…</a:t>
-            </a:r>
-            <a:r>
-              <a:rPr lang="en-US" dirty="0"/>
-              <a:t> </a:t>
-            </a:r>
-          </a:p>
-          <a:p>
-            <a:pPr lvl="1"/>
-            <a:r>
-              <a:rPr lang="en-US" dirty="0"/>
-              <a:t>Environment variables </a:t>
-            </a:r>
-          </a:p>
-          <a:p>
-            <a:pPr lvl="1"/>
-            <a:r>
-              <a:rPr lang="en-US" dirty="0"/>
-              <a:t>Aliases </a:t>
-            </a:r>
-          </a:p>
-          <a:p>
-            <a:pPr lvl="1"/>
-            <a:r>
-              <a:rPr lang="en-US" dirty="0"/>
-              <a:t>Modifications to your PATH or PYTHONPATH </a:t>
-            </a:r>
-          </a:p>
-          <a:p>
-            <a:pPr lvl="1"/>
-            <a:r>
-              <a:rPr lang="en-US" dirty="0"/>
-              <a:t>Some gibberish used by </a:t>
-            </a:r>
-            <a:r>
-              <a:rPr lang="en-US" i="1" dirty="0" err="1"/>
-              <a:t>conda</a:t>
-            </a:r>
-            <a:r>
-              <a:rPr lang="en-US" dirty="0"/>
-              <a:t> </a:t>
-            </a:r>
-          </a:p>
-          <a:p>
-            <a:pPr marL="0" indent="0">
-              <a:buNone/>
-            </a:pPr>
-            <a:r>
-              <a:rPr lang="mr-IN" dirty="0"/>
-              <a:t>…</a:t>
-            </a:r>
-            <a:r>
-              <a:rPr lang="en-US" dirty="0"/>
-              <a:t> if there’s even anything there yet </a:t>
-            </a:r>
-          </a:p>
-          <a:p>
-            <a:pPr marL="0" indent="0">
-              <a:buNone/>
-            </a:pPr>
-            <a:endParaRPr lang="en-US" dirty="0"/>
-          </a:p>
-          <a:p>
-            <a:pPr marL="0" indent="0">
-              <a:buNone/>
-            </a:pPr>
-            <a:r>
-              <a:rPr lang="en-US" dirty="0"/>
-              <a:t>Modifications require running </a:t>
-            </a:r>
-            <a:r>
-              <a:rPr lang="en-US" i="1" dirty="0"/>
-              <a:t>source ~/.</a:t>
-            </a:r>
-            <a:r>
-              <a:rPr lang="en-US" i="1" dirty="0" err="1"/>
-              <a:t>bash_profile</a:t>
-            </a:r>
-            <a:r>
-              <a:rPr lang="en-US" dirty="0"/>
-              <a:t> or simply restarting the terminal to take effect </a:t>
-            </a:r>
           </a:p>
         </p:txBody>
       </p:sp>
     </p:spTree>
     <p:extLst>
       <p:ext uri="{BB962C8B-B14F-4D97-AF65-F5344CB8AC3E}">
-        <p14:creationId xmlns:p14="http://schemas.microsoft.com/office/powerpoint/2010/main" val="1714711338"/>
+        <p14:creationId xmlns:p14="http://schemas.microsoft.com/office/powerpoint/2010/main" val="691502808"/>
       </p:ext>
     </p:extLst>
   </p:cSld>
@@ -9884,7 +10012,7 @@
           <a:p>
             <a:r>
               <a:rPr lang="en-US" dirty="0"/>
-              <a:t>The Bash Profile: Windows Equivalent </a:t>
+              <a:t>The Bash Profile </a:t>
             </a:r>
           </a:p>
         </p:txBody>
@@ -9901,197 +10029,137 @@
         </p:nvSpPr>
         <p:spPr>
           <a:xfrm>
-            <a:off x="491320" y="2350520"/>
-            <a:ext cx="10658901" cy="4295939"/>
-          </a:xfrm>
-        </p:spPr>
-        <p:txBody>
-          <a:bodyPr/>
+            <a:off x="680321" y="2336872"/>
+            <a:ext cx="9613861" cy="4521128"/>
+          </a:xfrm>
+        </p:spPr>
+        <p:txBody>
+          <a:bodyPr>
+            <a:normAutofit/>
+          </a:bodyPr>
           <a:lstStyle/>
           <a:p>
-            <a:pPr marL="0" marR="0" lvl="0" indent="0" defTabSz="914400" eaLnBrk="1" fontAlgn="auto" latinLnBrk="0" hangingPunct="1">
-              <a:lnSpc>
-                <a:spcPct val="100000"/>
-              </a:lnSpc>
-              <a:spcBef>
-                <a:spcPts val="0"/>
-              </a:spcBef>
-              <a:spcAft>
-                <a:spcPts val="0"/>
-              </a:spcAft>
-              <a:buClrTx/>
-              <a:buSzTx/>
-              <a:buFontTx/>
-              <a:buNone/>
-              <a:tabLst/>
-              <a:defRPr/>
-            </a:pPr>
-            <a:r>
-              <a:rPr lang="en-US" dirty="0"/>
-              <a:t>No standard name, but files can be set to </a:t>
+            <a:pPr marL="0" indent="0">
+              <a:buNone/>
+            </a:pPr>
+            <a:r>
+              <a:rPr lang="en-US" dirty="0"/>
+              <a:t>A particular file located at ~/.</a:t>
+            </a:r>
+            <a:r>
+              <a:rPr lang="en-US" dirty="0" err="1"/>
+              <a:t>bash_profile</a:t>
+            </a:r>
+            <a:r>
+              <a:rPr lang="en-US" dirty="0"/>
+              <a:t> (can also use ~/.</a:t>
+            </a:r>
+            <a:r>
+              <a:rPr lang="en-US" dirty="0" err="1"/>
+              <a:t>bashrc</a:t>
+            </a:r>
+            <a:r>
+              <a:rPr lang="en-US" dirty="0"/>
+              <a:t>) </a:t>
+            </a:r>
+          </a:p>
+          <a:p>
+            <a:pPr marL="0" indent="0">
+              <a:buNone/>
+            </a:pPr>
+            <a:endParaRPr lang="en-US" dirty="0"/>
+          </a:p>
+          <a:p>
+            <a:pPr marL="0" indent="0">
+              <a:buNone/>
+            </a:pPr>
+            <a:r>
+              <a:rPr lang="en-US" dirty="0"/>
+              <a:t>Typically contains</a:t>
+            </a:r>
+            <a:r>
+              <a:rPr lang="mr-IN" dirty="0"/>
+              <a:t>…</a:t>
+            </a:r>
+            <a:r>
+              <a:rPr lang="en-US" dirty="0"/>
+              <a:t> </a:t>
+            </a:r>
+          </a:p>
+          <a:p>
+            <a:pPr lvl="1"/>
+            <a:r>
+              <a:rPr lang="en-US" dirty="0"/>
+              <a:t>Environment variables </a:t>
+            </a:r>
+          </a:p>
+          <a:p>
+            <a:pPr lvl="1"/>
+            <a:r>
+              <a:rPr lang="en-US" dirty="0"/>
+              <a:t>Aliases </a:t>
+            </a:r>
+          </a:p>
+          <a:p>
+            <a:pPr lvl="1"/>
+            <a:r>
+              <a:rPr lang="en-US" dirty="0"/>
+              <a:t>Modifications to your PATH or PYTHONPATH </a:t>
+            </a:r>
+          </a:p>
+          <a:p>
+            <a:pPr lvl="1"/>
+            <a:r>
+              <a:rPr lang="en-US" dirty="0"/>
+              <a:t>Some gibberish used by </a:t>
             </a:r>
             <a:r>
               <a:rPr lang="en-US" i="1" dirty="0" err="1"/>
-              <a:t>autorun</a:t>
-            </a:r>
-            <a:r>
-              <a:rPr lang="en-US" dirty="0"/>
-              <a:t> upon terminal start, achieving the same effect </a:t>
-            </a:r>
-          </a:p>
-          <a:p>
-            <a:pPr marL="0" marR="0" lvl="0" indent="0" defTabSz="914400" eaLnBrk="1" fontAlgn="auto" latinLnBrk="0" hangingPunct="1">
-              <a:lnSpc>
-                <a:spcPct val="100000"/>
-              </a:lnSpc>
-              <a:spcBef>
-                <a:spcPts val="0"/>
-              </a:spcBef>
-              <a:spcAft>
-                <a:spcPts val="0"/>
-              </a:spcAft>
-              <a:buClrTx/>
-              <a:buSzTx/>
-              <a:buFontTx/>
-              <a:buNone/>
-              <a:tabLst/>
-              <a:defRPr/>
+              <a:t>conda</a:t>
+            </a:r>
+            <a:r>
+              <a:rPr lang="en-US" dirty="0"/>
+              <a:t> </a:t>
+            </a:r>
+          </a:p>
+          <a:p>
+            <a:pPr marL="0" indent="0">
+              <a:buNone/>
+            </a:pPr>
+            <a:r>
+              <a:rPr lang="mr-IN" dirty="0"/>
+              <a:t>…</a:t>
+            </a:r>
+            <a:r>
+              <a:rPr lang="en-US" dirty="0"/>
+              <a:t> if there’s even anything there yet </a:t>
+            </a:r>
+          </a:p>
+          <a:p>
+            <a:pPr marL="0" indent="0">
+              <a:buNone/>
             </a:pPr>
             <a:endParaRPr lang="en-US" dirty="0"/>
           </a:p>
           <a:p>
-            <a:pPr marL="0" lvl="0" indent="0">
-              <a:lnSpc>
-                <a:spcPct val="100000"/>
-              </a:lnSpc>
-              <a:spcBef>
-                <a:spcPts val="0"/>
-              </a:spcBef>
-              <a:buNone/>
-            </a:pPr>
-            <a:r>
-              <a:rPr lang="en-US" dirty="0" err="1"/>
-              <a:t>cmd.exe</a:t>
-            </a:r>
-            <a:r>
-              <a:rPr lang="en-US" dirty="0"/>
-              <a:t> /k "%HOMEDRIVE%\%HOMEPATH%\</a:t>
-            </a:r>
-            <a:r>
-              <a:rPr lang="en-US" dirty="0" err="1"/>
-              <a:t>cmd-startup.bat</a:t>
-            </a:r>
-            <a:r>
-              <a:rPr lang="en-US" dirty="0"/>
-              <a:t>” </a:t>
-            </a:r>
-          </a:p>
-          <a:p>
-            <a:pPr lvl="1">
-              <a:lnSpc>
-                <a:spcPct val="100000"/>
-              </a:lnSpc>
-              <a:spcBef>
-                <a:spcPts val="0"/>
-              </a:spcBef>
-            </a:pPr>
+            <a:pPr marL="0" indent="0">
+              <a:buNone/>
+            </a:pPr>
+            <a:r>
+              <a:rPr lang="en-US" dirty="0"/>
+              <a:t>Modifications require running </a:t>
+            </a:r>
             <a:r>
               <a:rPr lang="en-US" i="1" dirty="0"/>
-              <a:t>/k</a:t>
-            </a:r>
-            <a:r>
-              <a:rPr lang="en-US" dirty="0"/>
-              <a:t> causes the </a:t>
-            </a:r>
-            <a:r>
-              <a:rPr lang="en-US" dirty="0" err="1"/>
-              <a:t>cmd-startup.bat</a:t>
-            </a:r>
-            <a:r>
-              <a:rPr lang="en-US" dirty="0"/>
-              <a:t> file to run on launching command line </a:t>
-            </a:r>
-            <a:endParaRPr lang="en-US" i="1" dirty="0"/>
-          </a:p>
-          <a:p>
-            <a:pPr marL="0" marR="0" lvl="0" indent="0" defTabSz="914400" eaLnBrk="1" fontAlgn="auto" latinLnBrk="0" hangingPunct="1">
-              <a:lnSpc>
-                <a:spcPct val="100000"/>
-              </a:lnSpc>
-              <a:spcBef>
-                <a:spcPts val="0"/>
-              </a:spcBef>
-              <a:spcAft>
-                <a:spcPts val="0"/>
-              </a:spcAft>
-              <a:buClrTx/>
-              <a:buSzTx/>
-              <a:buFontTx/>
-              <a:buNone/>
-              <a:tabLst/>
-              <a:defRPr/>
-            </a:pPr>
-            <a:endParaRPr lang="en-US" dirty="0"/>
-          </a:p>
-          <a:p>
-            <a:pPr marL="0" lvl="0" indent="0">
-              <a:lnSpc>
-                <a:spcPct val="100000"/>
-              </a:lnSpc>
-              <a:spcBef>
-                <a:spcPts val="0"/>
-              </a:spcBef>
-              <a:buNone/>
-            </a:pPr>
-            <a:r>
-              <a:rPr lang="en-US" dirty="0">
-                <a:hlinkClick r:id="rId2"/>
-              </a:rPr>
-              <a:t>https://superuser.com/questions/144347/is-there-windows-equivalent-to-the-bashrc-file-in-linux</a:t>
-            </a:r>
-            <a:endParaRPr lang="en-US" dirty="0"/>
-          </a:p>
-          <a:p>
-            <a:pPr marL="0" lvl="0" indent="0">
-              <a:lnSpc>
-                <a:spcPct val="100000"/>
-              </a:lnSpc>
-              <a:spcBef>
-                <a:spcPts val="0"/>
-              </a:spcBef>
-              <a:buNone/>
-            </a:pPr>
-            <a:endParaRPr lang="en-US" dirty="0"/>
-          </a:p>
-          <a:p>
-            <a:pPr marL="0" lvl="0" indent="0">
-              <a:lnSpc>
-                <a:spcPct val="100000"/>
-              </a:lnSpc>
-              <a:spcBef>
-                <a:spcPts val="0"/>
-              </a:spcBef>
-              <a:buNone/>
-            </a:pPr>
-            <a:r>
-              <a:rPr lang="en-US" dirty="0"/>
-              <a:t>Disclaimer: If you’re an astronomer, bash </a:t>
-            </a:r>
-            <a:r>
-              <a:rPr lang="en-US" i="1" dirty="0"/>
-              <a:t>is</a:t>
-            </a:r>
-            <a:r>
-              <a:rPr lang="en-US" dirty="0"/>
-              <a:t> a </a:t>
-            </a:r>
-            <a:r>
-              <a:rPr lang="en-US" i="1" dirty="0"/>
-              <a:t>better choice </a:t>
-            </a:r>
-            <a:r>
-              <a:rPr lang="en-US" dirty="0"/>
-              <a:t>than PowerShell. This will vary in other fields, but astronomy uses Unix-based operating systems. </a:t>
+              <a:t>source ~/.</a:t>
+            </a:r>
+            <a:r>
+              <a:rPr lang="en-US" i="1" dirty="0" err="1"/>
+              <a:t>bash_profile</a:t>
+            </a:r>
+            <a:r>
+              <a:rPr lang="en-US" dirty="0"/>
+              <a:t> or simply restarting the terminal to take effect </a:t>
             </a:r>
           </a:p>
         </p:txBody>
@@ -10099,7 +10167,7 @@
     </p:spTree>
     <p:extLst>
       <p:ext uri="{BB962C8B-B14F-4D97-AF65-F5344CB8AC3E}">
-        <p14:creationId xmlns:p14="http://schemas.microsoft.com/office/powerpoint/2010/main" val="187203637"/>
+        <p14:creationId xmlns:p14="http://schemas.microsoft.com/office/powerpoint/2010/main" val="1714711338"/>
       </p:ext>
     </p:extLst>
   </p:cSld>
@@ -10143,7 +10211,7 @@
           <a:p>
             <a:r>
               <a:rPr lang="en-US" dirty="0"/>
-              <a:t>Aliases </a:t>
+              <a:t>The Bash Profile: Windows Equivalent </a:t>
             </a:r>
           </a:p>
         </p:txBody>
@@ -10160,121 +10228,197 @@
         </p:nvSpPr>
         <p:spPr>
           <a:xfrm>
-            <a:off x="680321" y="2336872"/>
-            <a:ext cx="9613861" cy="4227701"/>
+            <a:off x="491320" y="2350520"/>
+            <a:ext cx="10658901" cy="4295939"/>
           </a:xfrm>
         </p:spPr>
         <p:txBody>
           <a:bodyPr/>
           <a:lstStyle/>
           <a:p>
-            <a:pPr marL="0" indent="0">
-              <a:buNone/>
-            </a:pPr>
-            <a:r>
-              <a:rPr lang="en-US" dirty="0"/>
-              <a:t>A way of creating a terminal command out of other terminal commands </a:t>
-            </a:r>
-          </a:p>
-          <a:p>
-            <a:pPr marL="0" indent="0">
-              <a:buNone/>
+            <a:pPr marL="0" marR="0" lvl="0" indent="0" defTabSz="914400" eaLnBrk="1" fontAlgn="auto" latinLnBrk="0" hangingPunct="1">
+              <a:lnSpc>
+                <a:spcPct val="100000"/>
+              </a:lnSpc>
+              <a:spcBef>
+                <a:spcPts val="0"/>
+              </a:spcBef>
+              <a:spcAft>
+                <a:spcPts val="0"/>
+              </a:spcAft>
+              <a:buClrTx/>
+              <a:buSzTx/>
+              <a:buFontTx/>
+              <a:buNone/>
+              <a:tabLst/>
+              <a:defRPr/>
+            </a:pPr>
+            <a:r>
+              <a:rPr lang="en-US" dirty="0"/>
+              <a:t>No standard name, but files can be set to </a:t>
+            </a:r>
+            <a:r>
+              <a:rPr lang="en-US" i="1" dirty="0" err="1"/>
+              <a:t>autorun</a:t>
+            </a:r>
+            <a:r>
+              <a:rPr lang="en-US" dirty="0"/>
+              <a:t> upon terminal start, achieving the same effect </a:t>
+            </a:r>
+          </a:p>
+          <a:p>
+            <a:pPr marL="0" marR="0" lvl="0" indent="0" defTabSz="914400" eaLnBrk="1" fontAlgn="auto" latinLnBrk="0" hangingPunct="1">
+              <a:lnSpc>
+                <a:spcPct val="100000"/>
+              </a:lnSpc>
+              <a:spcBef>
+                <a:spcPts val="0"/>
+              </a:spcBef>
+              <a:spcAft>
+                <a:spcPts val="0"/>
+              </a:spcAft>
+              <a:buClrTx/>
+              <a:buSzTx/>
+              <a:buFontTx/>
+              <a:buNone/>
+              <a:tabLst/>
+              <a:defRPr/>
             </a:pPr>
             <a:endParaRPr lang="en-US" dirty="0"/>
           </a:p>
           <a:p>
-            <a:pPr marL="0" indent="0">
-              <a:buNone/>
-            </a:pPr>
-            <a:r>
-              <a:rPr lang="en-US" dirty="0"/>
-              <a:t>Can create one in your terminal independent of your bash profile, but putting them there makes them permanent </a:t>
-            </a:r>
-          </a:p>
-          <a:p>
-            <a:pPr marL="0" indent="0">
-              <a:buNone/>
+            <a:pPr marL="0" lvl="0" indent="0">
+              <a:lnSpc>
+                <a:spcPct val="100000"/>
+              </a:lnSpc>
+              <a:spcBef>
+                <a:spcPts val="0"/>
+              </a:spcBef>
+              <a:buNone/>
+            </a:pPr>
+            <a:r>
+              <a:rPr lang="en-US" dirty="0" err="1"/>
+              <a:t>cmd.exe</a:t>
+            </a:r>
+            <a:r>
+              <a:rPr lang="en-US" dirty="0"/>
+              <a:t> /k "%HOMEDRIVE%\%HOMEPATH%\</a:t>
+            </a:r>
+            <a:r>
+              <a:rPr lang="en-US" dirty="0" err="1"/>
+              <a:t>cmd-startup.bat</a:t>
+            </a:r>
+            <a:r>
+              <a:rPr lang="en-US" dirty="0"/>
+              <a:t>” </a:t>
+            </a:r>
+          </a:p>
+          <a:p>
+            <a:pPr lvl="1">
+              <a:lnSpc>
+                <a:spcPct val="100000"/>
+              </a:lnSpc>
+              <a:spcBef>
+                <a:spcPts val="0"/>
+              </a:spcBef>
+            </a:pPr>
+            <a:r>
+              <a:rPr lang="en-US" i="1" dirty="0"/>
+              <a:t>/k</a:t>
+            </a:r>
+            <a:r>
+              <a:rPr lang="en-US" dirty="0"/>
+              <a:t> causes the </a:t>
+            </a:r>
+            <a:r>
+              <a:rPr lang="en-US" dirty="0" err="1"/>
+              <a:t>cmd-startup.bat</a:t>
+            </a:r>
+            <a:r>
+              <a:rPr lang="en-US" dirty="0"/>
+              <a:t> file to run on launching command line </a:t>
+            </a:r>
+            <a:endParaRPr lang="en-US" i="1" dirty="0"/>
+          </a:p>
+          <a:p>
+            <a:pPr marL="0" marR="0" lvl="0" indent="0" defTabSz="914400" eaLnBrk="1" fontAlgn="auto" latinLnBrk="0" hangingPunct="1">
+              <a:lnSpc>
+                <a:spcPct val="100000"/>
+              </a:lnSpc>
+              <a:spcBef>
+                <a:spcPts val="0"/>
+              </a:spcBef>
+              <a:spcAft>
+                <a:spcPts val="0"/>
+              </a:spcAft>
+              <a:buClrTx/>
+              <a:buSzTx/>
+              <a:buFontTx/>
+              <a:buNone/>
+              <a:tabLst/>
+              <a:defRPr/>
             </a:pPr>
             <a:endParaRPr lang="en-US" dirty="0"/>
           </a:p>
           <a:p>
-            <a:pPr marL="0" indent="0">
-              <a:buNone/>
-            </a:pPr>
-            <a:r>
-              <a:rPr lang="en-US" dirty="0"/>
-              <a:t>Example: </a:t>
-            </a:r>
-          </a:p>
-          <a:p>
-            <a:pPr marL="0" indent="0">
-              <a:buNone/>
-            </a:pPr>
-            <a:r>
-              <a:rPr lang="en-US" dirty="0"/>
-              <a:t>	alias </a:t>
-            </a:r>
-            <a:r>
-              <a:rPr lang="en-US" dirty="0" err="1"/>
-              <a:t>makeplot</a:t>
-            </a:r>
-            <a:r>
-              <a:rPr lang="en-US" dirty="0"/>
-              <a:t>=“python </a:t>
-            </a:r>
-            <a:r>
-              <a:rPr lang="en-US" dirty="0" err="1"/>
-              <a:t>plotting_script.py</a:t>
-            </a:r>
-            <a:r>
-              <a:rPr lang="en-US" dirty="0"/>
-              <a:t>” </a:t>
-            </a:r>
-          </a:p>
-          <a:p>
-            <a:pPr marL="0" indent="0">
-              <a:buNone/>
-            </a:pPr>
-            <a:r>
-              <a:rPr lang="en-US" dirty="0"/>
-              <a:t>	alias </a:t>
-            </a:r>
-            <a:r>
-              <a:rPr lang="en-US" dirty="0" err="1"/>
-              <a:t>lc</a:t>
-            </a:r>
-            <a:r>
-              <a:rPr lang="en-US" dirty="0"/>
-              <a:t>=“ls </a:t>
-            </a:r>
-            <a:r>
-              <a:rPr lang="mr-IN" dirty="0"/>
-              <a:t>–</a:t>
-            </a:r>
-            <a:r>
-              <a:rPr lang="en-US" dirty="0" err="1"/>
-              <a:t>lha</a:t>
-            </a:r>
-            <a:r>
-              <a:rPr lang="en-US" dirty="0"/>
-              <a:t>” </a:t>
-            </a:r>
-          </a:p>
-          <a:p>
-            <a:pPr marL="0" indent="0">
-              <a:buNone/>
-            </a:pPr>
-            <a:r>
-              <a:rPr lang="en-US" dirty="0"/>
-              <a:t>	alias </a:t>
-            </a:r>
-            <a:r>
-              <a:rPr lang="en-US" dirty="0" err="1"/>
-              <a:t>surp</a:t>
-            </a:r>
-            <a:r>
-              <a:rPr lang="en-US" dirty="0"/>
-              <a:t>=“cd ~/Desktop/SURP/”</a:t>
+            <a:pPr marL="0" lvl="0" indent="0">
+              <a:lnSpc>
+                <a:spcPct val="100000"/>
+              </a:lnSpc>
+              <a:spcBef>
+                <a:spcPts val="0"/>
+              </a:spcBef>
+              <a:buNone/>
+            </a:pPr>
+            <a:r>
+              <a:rPr lang="en-US" dirty="0">
+                <a:hlinkClick r:id="rId2"/>
+              </a:rPr>
+              <a:t>https://superuser.com/questions/144347/is-there-windows-equivalent-to-the-bashrc-file-in-linux</a:t>
+            </a:r>
+            <a:endParaRPr lang="en-US" dirty="0"/>
+          </a:p>
+          <a:p>
+            <a:pPr marL="0" lvl="0" indent="0">
+              <a:lnSpc>
+                <a:spcPct val="100000"/>
+              </a:lnSpc>
+              <a:spcBef>
+                <a:spcPts val="0"/>
+              </a:spcBef>
+              <a:buNone/>
+            </a:pPr>
+            <a:endParaRPr lang="en-US" dirty="0"/>
+          </a:p>
+          <a:p>
+            <a:pPr marL="0" lvl="0" indent="0">
+              <a:lnSpc>
+                <a:spcPct val="100000"/>
+              </a:lnSpc>
+              <a:spcBef>
+                <a:spcPts val="0"/>
+              </a:spcBef>
+              <a:buNone/>
+            </a:pPr>
+            <a:r>
+              <a:rPr lang="en-US" dirty="0"/>
+              <a:t>Disclaimer: If you’re an astronomer, bash </a:t>
+            </a:r>
+            <a:r>
+              <a:rPr lang="en-US" i="1" dirty="0"/>
+              <a:t>is</a:t>
+            </a:r>
+            <a:r>
+              <a:rPr lang="en-US" dirty="0"/>
+              <a:t> a </a:t>
+            </a:r>
+            <a:r>
+              <a:rPr lang="en-US" i="1" dirty="0"/>
+              <a:t>better choice </a:t>
+            </a:r>
+            <a:r>
+              <a:rPr lang="en-US" dirty="0"/>
+              <a:t>than PowerShell. This will vary in other fields, but astronomy uses Unix-based operating systems. </a:t>
             </a:r>
           </a:p>
         </p:txBody>
@@ -10282,7 +10426,7 @@
     </p:spTree>
     <p:extLst>
       <p:ext uri="{BB962C8B-B14F-4D97-AF65-F5344CB8AC3E}">
-        <p14:creationId xmlns:p14="http://schemas.microsoft.com/office/powerpoint/2010/main" val="1613828523"/>
+        <p14:creationId xmlns:p14="http://schemas.microsoft.com/office/powerpoint/2010/main" val="187203637"/>
       </p:ext>
     </p:extLst>
   </p:cSld>
@@ -10326,6 +10470,189 @@
           <a:p>
             <a:r>
               <a:rPr lang="en-US" dirty="0"/>
+              <a:t>Aliases </a:t>
+            </a:r>
+          </a:p>
+        </p:txBody>
+      </p:sp>
+      <p:sp>
+        <p:nvSpPr>
+          <p:cNvPr id="3" name="Content Placeholder 2"/>
+          <p:cNvSpPr>
+            <a:spLocks noGrp="1"/>
+          </p:cNvSpPr>
+          <p:nvPr>
+            <p:ph idx="1"/>
+          </p:nvPr>
+        </p:nvSpPr>
+        <p:spPr>
+          <a:xfrm>
+            <a:off x="680321" y="2336872"/>
+            <a:ext cx="9613861" cy="4227701"/>
+          </a:xfrm>
+        </p:spPr>
+        <p:txBody>
+          <a:bodyPr/>
+          <a:lstStyle/>
+          <a:p>
+            <a:pPr marL="0" indent="0">
+              <a:buNone/>
+            </a:pPr>
+            <a:r>
+              <a:rPr lang="en-US" dirty="0"/>
+              <a:t>A way of creating a terminal command out of other terminal commands </a:t>
+            </a:r>
+          </a:p>
+          <a:p>
+            <a:pPr marL="0" indent="0">
+              <a:buNone/>
+            </a:pPr>
+            <a:endParaRPr lang="en-US" dirty="0"/>
+          </a:p>
+          <a:p>
+            <a:pPr marL="0" indent="0">
+              <a:buNone/>
+            </a:pPr>
+            <a:r>
+              <a:rPr lang="en-US" dirty="0"/>
+              <a:t>Can create one in your terminal independent of your bash profile, but putting them there makes them permanent </a:t>
+            </a:r>
+          </a:p>
+          <a:p>
+            <a:pPr marL="0" indent="0">
+              <a:buNone/>
+            </a:pPr>
+            <a:endParaRPr lang="en-US" dirty="0"/>
+          </a:p>
+          <a:p>
+            <a:pPr marL="0" indent="0">
+              <a:buNone/>
+            </a:pPr>
+            <a:r>
+              <a:rPr lang="en-US" dirty="0"/>
+              <a:t>Example: </a:t>
+            </a:r>
+          </a:p>
+          <a:p>
+            <a:pPr marL="0" indent="0">
+              <a:buNone/>
+            </a:pPr>
+            <a:r>
+              <a:rPr lang="en-US" dirty="0"/>
+              <a:t>	alias </a:t>
+            </a:r>
+            <a:r>
+              <a:rPr lang="en-US" dirty="0" err="1"/>
+              <a:t>makeplot</a:t>
+            </a:r>
+            <a:r>
+              <a:rPr lang="en-US" dirty="0"/>
+              <a:t>=“python </a:t>
+            </a:r>
+            <a:r>
+              <a:rPr lang="en-US" dirty="0" err="1"/>
+              <a:t>plotting_script.py</a:t>
+            </a:r>
+            <a:r>
+              <a:rPr lang="en-US" dirty="0"/>
+              <a:t>” </a:t>
+            </a:r>
+          </a:p>
+          <a:p>
+            <a:pPr marL="0" indent="0">
+              <a:buNone/>
+            </a:pPr>
+            <a:r>
+              <a:rPr lang="en-US" dirty="0"/>
+              <a:t>	alias </a:t>
+            </a:r>
+            <a:r>
+              <a:rPr lang="en-US" dirty="0" err="1"/>
+              <a:t>lc</a:t>
+            </a:r>
+            <a:r>
+              <a:rPr lang="en-US" dirty="0"/>
+              <a:t>=“ls </a:t>
+            </a:r>
+            <a:r>
+              <a:rPr lang="mr-IN" dirty="0"/>
+              <a:t>–</a:t>
+            </a:r>
+            <a:r>
+              <a:rPr lang="en-US" dirty="0" err="1"/>
+              <a:t>lha</a:t>
+            </a:r>
+            <a:r>
+              <a:rPr lang="en-US" dirty="0"/>
+              <a:t>” </a:t>
+            </a:r>
+          </a:p>
+          <a:p>
+            <a:pPr marL="0" indent="0">
+              <a:buNone/>
+            </a:pPr>
+            <a:r>
+              <a:rPr lang="en-US" dirty="0"/>
+              <a:t>	alias </a:t>
+            </a:r>
+            <a:r>
+              <a:rPr lang="en-US" dirty="0" err="1"/>
+              <a:t>surp</a:t>
+            </a:r>
+            <a:r>
+              <a:rPr lang="en-US" dirty="0"/>
+              <a:t>=“cd ~/Desktop/SURP/”</a:t>
+            </a:r>
+          </a:p>
+        </p:txBody>
+      </p:sp>
+    </p:spTree>
+    <p:extLst>
+      <p:ext uri="{BB962C8B-B14F-4D97-AF65-F5344CB8AC3E}">
+        <p14:creationId xmlns:p14="http://schemas.microsoft.com/office/powerpoint/2010/main" val="1613828523"/>
+      </p:ext>
+    </p:extLst>
+  </p:cSld>
+  <p:clrMapOvr>
+    <a:masterClrMapping/>
+  </p:clrMapOvr>
+</p:sld>
+</file>
+
+<file path=ppt/slides/slide18.xml><?xml version="1.0" encoding="utf-8"?>
+<p:sld xmlns:a="http://schemas.openxmlformats.org/drawingml/2006/main" xmlns:r="http://schemas.openxmlformats.org/officeDocument/2006/relationships" xmlns:p="http://schemas.openxmlformats.org/presentationml/2006/main">
+  <p:cSld>
+    <p:spTree>
+      <p:nvGrpSpPr>
+        <p:cNvPr id="1" name=""/>
+        <p:cNvGrpSpPr/>
+        <p:nvPr/>
+      </p:nvGrpSpPr>
+      <p:grpSpPr>
+        <a:xfrm>
+          <a:off x="0" y="0"/>
+          <a:ext cx="0" cy="0"/>
+          <a:chOff x="0" y="0"/>
+          <a:chExt cx="0" cy="0"/>
+        </a:xfrm>
+      </p:grpSpPr>
+      <p:sp>
+        <p:nvSpPr>
+          <p:cNvPr id="2" name="Title 1"/>
+          <p:cNvSpPr>
+            <a:spLocks noGrp="1"/>
+          </p:cNvSpPr>
+          <p:nvPr>
+            <p:ph type="title"/>
+          </p:nvPr>
+        </p:nvSpPr>
+        <p:spPr/>
+        <p:txBody>
+          <a:bodyPr/>
+          <a:lstStyle/>
+          <a:p>
+            <a:r>
+              <a:rPr lang="en-US" dirty="0"/>
               <a:t>Environment Variables </a:t>
             </a:r>
           </a:p>
@@ -10444,7 +10771,7 @@
 </p:sld>
 </file>
 
-<file path=ppt/slides/slide18.xml><?xml version="1.0" encoding="utf-8"?>
+<file path=ppt/slides/slide19.xml><?xml version="1.0" encoding="utf-8"?>
 <p:sld xmlns:a="http://schemas.openxmlformats.org/drawingml/2006/main" xmlns:r="http://schemas.openxmlformats.org/officeDocument/2006/relationships" xmlns:p="http://schemas.openxmlformats.org/presentationml/2006/main">
   <p:cSld>
     <p:spTree>
@@ -11094,7 +11421,13 @@
       </p:grpSpPr>
       <p:sp>
         <p:nvSpPr>
-          <p:cNvPr id="2" name="Title 1"/>
+          <p:cNvPr id="2" name="Title 1">
+            <a:extLst>
+              <a:ext uri="{FF2B5EF4-FFF2-40B4-BE49-F238E27FC236}">
+                <a16:creationId xmlns:a16="http://schemas.microsoft.com/office/drawing/2014/main" id="{4E69A367-C110-5C45-9FDF-B1D56D0263F5}"/>
+              </a:ext>
+            </a:extLst>
+          </p:cNvPr>
           <p:cNvSpPr>
             <a:spLocks noGrp="1"/>
           </p:cNvSpPr>
@@ -11108,28 +11441,21 @@
           <a:lstStyle/>
           <a:p>
             <a:r>
-              <a:rPr lang="en-US" i="1" dirty="0" err="1"/>
-              <a:t>pwd</a:t>
-            </a:r>
-            <a:r>
-              <a:rPr lang="en-US" dirty="0"/>
-              <a:t>: Print Working Directory [</a:t>
-            </a:r>
-            <a:r>
-              <a:rPr lang="en-US" i="1" dirty="0" err="1"/>
-              <a:t>chdir</a:t>
-            </a:r>
-            <a:r>
-              <a:rPr lang="en-US" dirty="0"/>
-              <a:t>]  </a:t>
-            </a:r>
-            <a:endParaRPr lang="en-US" i="1" dirty="0"/>
-          </a:p>
-        </p:txBody>
-      </p:sp>
-      <p:sp>
-        <p:nvSpPr>
-          <p:cNvPr id="3" name="Content Placeholder 2"/>
+              <a:rPr lang="en-US" dirty="0"/>
+              <a:t>echo: Print Statements</a:t>
+            </a:r>
+          </a:p>
+        </p:txBody>
+      </p:sp>
+      <p:sp>
+        <p:nvSpPr>
+          <p:cNvPr id="3" name="Content Placeholder 2">
+            <a:extLst>
+              <a:ext uri="{FF2B5EF4-FFF2-40B4-BE49-F238E27FC236}">
+                <a16:creationId xmlns:a16="http://schemas.microsoft.com/office/drawing/2014/main" id="{8F971D8F-62A8-2E41-B26C-0888A60946FA}"/>
+              </a:ext>
+            </a:extLst>
+          </p:cNvPr>
           <p:cNvSpPr>
             <a:spLocks noGrp="1"/>
           </p:cNvSpPr>
@@ -11139,12 +11465,14 @@
         </p:nvSpPr>
         <p:spPr>
           <a:xfrm>
-            <a:off x="680321" y="2336872"/>
-            <a:ext cx="9613861" cy="4306815"/>
-          </a:xfrm>
-        </p:spPr>
-        <p:txBody>
-          <a:bodyPr/>
+            <a:off x="680321" y="2336873"/>
+            <a:ext cx="9613861" cy="4092502"/>
+          </a:xfrm>
+        </p:spPr>
+        <p:txBody>
+          <a:bodyPr>
+            <a:normAutofit/>
+          </a:bodyPr>
           <a:lstStyle/>
           <a:p>
             <a:pPr marL="0" indent="0">
@@ -11152,14 +11480,17 @@
             </a:pPr>
             <a:r>
               <a:rPr lang="en-US" dirty="0"/>
-              <a:t>Prints the name of the directory you’re currently in </a:t>
+              <a:t>Prints a message to the console</a:t>
             </a:r>
           </a:p>
           <a:p>
             <a:pPr marL="0" indent="0">
               <a:buNone/>
             </a:pPr>
-            <a:endParaRPr lang="en-US" dirty="0"/>
+            <a:r>
+              <a:rPr lang="en-US" dirty="0"/>
+              <a:t>Example: </a:t>
+            </a:r>
           </a:p>
           <a:p>
             <a:pPr marL="0" indent="0">
@@ -11167,7 +11498,7 @@
             </a:pPr>
             <a:r>
               <a:rPr lang="en-US" dirty="0"/>
-              <a:t>Example: </a:t>
+              <a:t>	$ echo Hello world! </a:t>
             </a:r>
           </a:p>
           <a:p>
@@ -11176,15 +11507,7 @@
             </a:pPr>
             <a:r>
               <a:rPr lang="en-US" dirty="0"/>
-              <a:t>	$ </a:t>
-            </a:r>
-            <a:r>
-              <a:rPr lang="en-US" dirty="0" err="1"/>
-              <a:t>pwd</a:t>
-            </a:r>
-            <a:r>
-              <a:rPr lang="en-US" dirty="0"/>
-              <a:t> </a:t>
+              <a:t>	Hello world!  </a:t>
             </a:r>
           </a:p>
           <a:p>
@@ -11193,30 +11516,17 @@
             </a:pPr>
             <a:r>
               <a:rPr lang="en-US" dirty="0"/>
-              <a:t>	/Users/</a:t>
-            </a:r>
-            <a:r>
-              <a:rPr lang="en-US" dirty="0" err="1"/>
-              <a:t>BrutusBuckeye</a:t>
-            </a:r>
-            <a:r>
-              <a:rPr lang="en-US" dirty="0"/>
-              <a:t>/Desktop/SURP/</a:t>
-            </a:r>
-            <a:r>
-              <a:rPr lang="en-US" dirty="0" err="1"/>
-              <a:t>bootcamp</a:t>
-            </a:r>
-            <a:r>
-              <a:rPr lang="en-US" dirty="0"/>
-              <a:t>/</a:t>
+              <a:t>	$ echo $x</a:t>
             </a:r>
           </a:p>
           <a:p>
             <a:pPr marL="0" indent="0">
               <a:buNone/>
             </a:pPr>
-            <a:endParaRPr lang="en-US" dirty="0"/>
+            <a:r>
+              <a:rPr lang="en-US" dirty="0"/>
+              <a:t>	</a:t>
+            </a:r>
           </a:p>
           <a:p>
             <a:pPr marL="0" indent="0">
@@ -11224,23 +11534,25 @@
             </a:pPr>
             <a:r>
               <a:rPr lang="en-US" dirty="0"/>
-              <a:t> Note: Windows users should be careful not to confuse this with Python’s </a:t>
-            </a:r>
-            <a:r>
-              <a:rPr lang="en-US" i="1" dirty="0" err="1"/>
-              <a:t>os.chdir</a:t>
-            </a:r>
-            <a:r>
-              <a:rPr lang="en-US" dirty="0"/>
-              <a:t> function, whose function is to</a:t>
-            </a:r>
-            <a:r>
-              <a:rPr lang="en-US" i="1" dirty="0"/>
-              <a:t> change</a:t>
-            </a:r>
-            <a:r>
-              <a:rPr lang="en-US" dirty="0"/>
-              <a:t> directories </a:t>
+              <a:t>	$ x=3 </a:t>
+            </a:r>
+          </a:p>
+          <a:p>
+            <a:pPr marL="0" indent="0">
+              <a:buNone/>
+            </a:pPr>
+            <a:r>
+              <a:rPr lang="en-US" dirty="0"/>
+              <a:t>	$ echo $x </a:t>
+            </a:r>
+          </a:p>
+          <a:p>
+            <a:pPr marL="0" indent="0">
+              <a:buNone/>
+            </a:pPr>
+            <a:r>
+              <a:rPr lang="en-US" dirty="0"/>
+              <a:t>	3</a:t>
             </a:r>
           </a:p>
         </p:txBody>
@@ -11248,7 +11560,7 @@
     </p:spTree>
     <p:extLst>
       <p:ext uri="{BB962C8B-B14F-4D97-AF65-F5344CB8AC3E}">
-        <p14:creationId xmlns:p14="http://schemas.microsoft.com/office/powerpoint/2010/main" val="1383755132"/>
+        <p14:creationId xmlns:p14="http://schemas.microsoft.com/office/powerpoint/2010/main" val="1535536083"/>
       </p:ext>
     </p:extLst>
   </p:cSld>
@@ -11291,12 +11603,20 @@
           <a:lstStyle/>
           <a:p>
             <a:r>
-              <a:rPr lang="en-US" i="1" dirty="0"/>
-              <a:t>cd</a:t>
-            </a:r>
-            <a:r>
-              <a:rPr lang="en-US" dirty="0"/>
-              <a:t>: Change Directory </a:t>
+              <a:rPr lang="en-US" i="1" dirty="0" err="1"/>
+              <a:t>pwd</a:t>
+            </a:r>
+            <a:r>
+              <a:rPr lang="en-US" dirty="0"/>
+              <a:t>: Print Working Directory [</a:t>
+            </a:r>
+            <a:r>
+              <a:rPr lang="en-US" i="1" dirty="0" err="1"/>
+              <a:t>chdir</a:t>
+            </a:r>
+            <a:r>
+              <a:rPr lang="en-US" dirty="0"/>
+              <a:t>]  </a:t>
             </a:r>
             <a:endParaRPr lang="en-US" i="1" dirty="0"/>
           </a:p>
@@ -11314,73 +11634,31 @@
         </p:nvSpPr>
         <p:spPr>
           <a:xfrm>
-            <a:off x="680321" y="2336873"/>
-            <a:ext cx="9613861" cy="4241348"/>
+            <a:off x="680321" y="2336872"/>
+            <a:ext cx="9613861" cy="4306815"/>
           </a:xfrm>
         </p:spPr>
         <p:txBody>
           <a:bodyPr/>
           <a:lstStyle/>
           <a:p>
-            <a:pPr marL="0" marR="0" lvl="0" indent="0" defTabSz="914400" eaLnBrk="1" fontAlgn="auto" latinLnBrk="0" hangingPunct="1">
-              <a:lnSpc>
-                <a:spcPct val="100000"/>
-              </a:lnSpc>
-              <a:spcBef>
-                <a:spcPts val="0"/>
-              </a:spcBef>
-              <a:spcAft>
-                <a:spcPts val="0"/>
-              </a:spcAft>
-              <a:buClrTx/>
-              <a:buSzTx/>
-              <a:buFontTx/>
-              <a:buNone/>
-              <a:tabLst/>
-              <a:defRPr/>
-            </a:pPr>
-            <a:r>
-              <a:rPr lang="en-US" dirty="0"/>
-              <a:t>Change the directory you’re currently in </a:t>
-            </a:r>
-          </a:p>
-          <a:p>
-            <a:pPr marL="0" marR="0" lvl="0" indent="0" defTabSz="914400" eaLnBrk="1" fontAlgn="auto" latinLnBrk="0" hangingPunct="1">
-              <a:lnSpc>
-                <a:spcPct val="100000"/>
-              </a:lnSpc>
-              <a:spcBef>
-                <a:spcPts val="0"/>
-              </a:spcBef>
-              <a:spcAft>
-                <a:spcPts val="0"/>
-              </a:spcAft>
-              <a:buClrTx/>
-              <a:buSzTx/>
-              <a:buFontTx/>
-              <a:buNone/>
-              <a:tabLst/>
-              <a:defRPr/>
+            <a:pPr marL="0" indent="0">
+              <a:buNone/>
+            </a:pPr>
+            <a:r>
+              <a:rPr lang="en-US" dirty="0"/>
+              <a:t>Prints the name of the directory you’re currently in </a:t>
+            </a:r>
+          </a:p>
+          <a:p>
+            <a:pPr marL="0" indent="0">
+              <a:buNone/>
             </a:pPr>
             <a:endParaRPr lang="en-US" dirty="0"/>
           </a:p>
           <a:p>
-            <a:pPr marL="0" marR="0" lvl="0" indent="0" defTabSz="914400" eaLnBrk="1" fontAlgn="auto" latinLnBrk="0" hangingPunct="1">
-              <a:lnSpc>
-                <a:spcPct val="100000"/>
-              </a:lnSpc>
-              <a:spcBef>
-                <a:spcPts val="0"/>
-              </a:spcBef>
-              <a:spcAft>
-                <a:spcPts val="0"/>
-              </a:spcAft>
-              <a:buClrTx/>
-              <a:buSzTx/>
-              <a:buFontTx/>
-              <a:buNone/>
-              <a:tabLst/>
-              <a:defRPr/>
+            <a:pPr marL="0" indent="0">
+              <a:buNone/>
             </a:pPr>
             <a:r>
               <a:rPr lang="en-US" dirty="0"/>
@@ -11388,22 +11666,8 @@
             </a:r>
           </a:p>
           <a:p>
-            <a:pPr marL="0" marR="0" lvl="0" indent="0" defTabSz="914400" eaLnBrk="1" fontAlgn="auto" latinLnBrk="0" hangingPunct="1">
-              <a:lnSpc>
-                <a:spcPct val="100000"/>
-              </a:lnSpc>
-              <a:spcBef>
-                <a:spcPts val="0"/>
-              </a:spcBef>
-              <a:spcAft>
-                <a:spcPts val="0"/>
-              </a:spcAft>
-              <a:buClrTx/>
-              <a:buSzTx/>
-              <a:buFontTx/>
-              <a:buNone/>
-              <a:tabLst/>
-              <a:defRPr/>
+            <a:pPr marL="0" indent="0">
+              <a:buNone/>
             </a:pPr>
             <a:r>
               <a:rPr lang="en-US" dirty="0"/>
@@ -11419,22 +11683,8 @@
             </a:r>
           </a:p>
           <a:p>
-            <a:pPr marL="0" marR="0" lvl="0" indent="0" defTabSz="914400" eaLnBrk="1" fontAlgn="auto" latinLnBrk="0" hangingPunct="1">
-              <a:lnSpc>
-                <a:spcPct val="100000"/>
-              </a:lnSpc>
-              <a:spcBef>
-                <a:spcPts val="0"/>
-              </a:spcBef>
-              <a:spcAft>
-                <a:spcPts val="0"/>
-              </a:spcAft>
-              <a:buClrTx/>
-              <a:buSzTx/>
-              <a:buFontTx/>
-              <a:buNone/>
-              <a:tabLst/>
-              <a:defRPr/>
+            <a:pPr marL="0" indent="0">
+              <a:buNone/>
             </a:pPr>
             <a:r>
               <a:rPr lang="en-US" dirty="0"/>
@@ -11446,30 +11696,7 @@
             </a:r>
             <a:r>
               <a:rPr lang="en-US" dirty="0"/>
-              <a:t> </a:t>
-            </a:r>
-          </a:p>
-          <a:p>
-            <a:pPr marL="0" marR="0" lvl="0" indent="0" defTabSz="914400" eaLnBrk="1" fontAlgn="auto" latinLnBrk="0" hangingPunct="1">
-              <a:lnSpc>
-                <a:spcPct val="100000"/>
-              </a:lnSpc>
-              <a:spcBef>
-                <a:spcPts val="0"/>
-              </a:spcBef>
-              <a:spcAft>
-                <a:spcPts val="0"/>
-              </a:spcAft>
-              <a:buClrTx/>
-              <a:buSzTx/>
-              <a:buFontTx/>
-              <a:buNone/>
-              <a:tabLst/>
-              <a:defRPr/>
-            </a:pPr>
-            <a:r>
-              <a:rPr lang="en-US" dirty="0"/>
-              <a:t>	$ cd Desktop/SURP/</a:t>
+              <a:t>/Desktop/SURP/</a:t>
             </a:r>
             <a:r>
               <a:rPr lang="en-US" dirty="0" err="1"/>
@@ -11477,139 +11704,38 @@
             </a:r>
             <a:r>
               <a:rPr lang="en-US" dirty="0"/>
-              <a:t> </a:t>
-            </a:r>
-          </a:p>
-          <a:p>
-            <a:pPr marL="0" marR="0" lvl="0" indent="0" defTabSz="914400" eaLnBrk="1" fontAlgn="auto" latinLnBrk="0" hangingPunct="1">
-              <a:lnSpc>
-                <a:spcPct val="100000"/>
-              </a:lnSpc>
-              <a:spcBef>
-                <a:spcPts val="0"/>
-              </a:spcBef>
-              <a:spcAft>
-                <a:spcPts val="0"/>
-              </a:spcAft>
-              <a:buClrTx/>
-              <a:buSzTx/>
-              <a:buFontTx/>
-              <a:buNone/>
-              <a:tabLst/>
-              <a:defRPr/>
-            </a:pPr>
-            <a:r>
-              <a:rPr lang="en-US" dirty="0"/>
-              <a:t>	$ </a:t>
-            </a:r>
-            <a:r>
-              <a:rPr lang="en-US" dirty="0" err="1"/>
-              <a:t>pwd</a:t>
-            </a:r>
-            <a:r>
-              <a:rPr lang="en-US" dirty="0"/>
-              <a:t> </a:t>
-            </a:r>
-          </a:p>
-          <a:p>
-            <a:pPr marL="0" marR="0" lvl="0" indent="0" defTabSz="914400" eaLnBrk="1" fontAlgn="auto" latinLnBrk="0" hangingPunct="1">
-              <a:lnSpc>
-                <a:spcPct val="100000"/>
-              </a:lnSpc>
-              <a:spcBef>
-                <a:spcPts val="0"/>
-              </a:spcBef>
-              <a:spcAft>
-                <a:spcPts val="0"/>
-              </a:spcAft>
-              <a:buClrTx/>
-              <a:buSzTx/>
-              <a:buFontTx/>
-              <a:buNone/>
-              <a:tabLst/>
-              <a:defRPr/>
-            </a:pPr>
-            <a:r>
-              <a:rPr lang="en-US" dirty="0"/>
-              <a:t>	/Users/</a:t>
-            </a:r>
-            <a:r>
-              <a:rPr lang="en-US" dirty="0" err="1"/>
-              <a:t>BrutusBuckeye</a:t>
-            </a:r>
-            <a:r>
-              <a:rPr lang="en-US" dirty="0"/>
-              <a:t>/Desktop/SURP/</a:t>
-            </a:r>
-            <a:r>
-              <a:rPr lang="en-US" dirty="0" err="1"/>
-              <a:t>bootcamp</a:t>
-            </a:r>
-            <a:r>
-              <a:rPr lang="en-US" dirty="0"/>
-              <a:t> </a:t>
-            </a:r>
-          </a:p>
-          <a:p>
-            <a:pPr marL="0" marR="0" lvl="0" indent="0" defTabSz="914400" eaLnBrk="1" fontAlgn="auto" latinLnBrk="0" hangingPunct="1">
-              <a:lnSpc>
-                <a:spcPct val="100000"/>
-              </a:lnSpc>
-              <a:spcBef>
-                <a:spcPts val="0"/>
-              </a:spcBef>
-              <a:spcAft>
-                <a:spcPts val="0"/>
-              </a:spcAft>
-              <a:buClrTx/>
-              <a:buSzTx/>
-              <a:buFontTx/>
-              <a:buNone/>
-              <a:tabLst/>
-              <a:defRPr/>
-            </a:pPr>
-            <a:r>
-              <a:rPr lang="en-US" dirty="0"/>
-              <a:t>	$ cd .. (/Users/</a:t>
-            </a:r>
-            <a:r>
-              <a:rPr lang="en-US" dirty="0" err="1"/>
-              <a:t>BrutusBuckeye</a:t>
-            </a:r>
-            <a:r>
-              <a:rPr lang="en-US" dirty="0"/>
-              <a:t>/Desktop/SURP) </a:t>
-            </a:r>
-          </a:p>
-          <a:p>
-            <a:pPr marL="0" marR="0" lvl="0" indent="0" defTabSz="914400" eaLnBrk="1" fontAlgn="auto" latinLnBrk="0" hangingPunct="1">
-              <a:lnSpc>
-                <a:spcPct val="100000"/>
-              </a:lnSpc>
-              <a:spcBef>
-                <a:spcPts val="0"/>
-              </a:spcBef>
-              <a:spcAft>
-                <a:spcPts val="0"/>
-              </a:spcAft>
-              <a:buClrTx/>
-              <a:buSzTx/>
-              <a:buFontTx/>
-              <a:buNone/>
-              <a:tabLst/>
-              <a:defRPr/>
-            </a:pPr>
-            <a:r>
-              <a:rPr lang="en-US" dirty="0"/>
-              <a:t>	$ cd ~ (/Users/</a:t>
-            </a:r>
-            <a:r>
-              <a:rPr lang="en-US" dirty="0" err="1"/>
-              <a:t>BrutusBuckeye</a:t>
-            </a:r>
-            <a:r>
-              <a:rPr lang="en-US" dirty="0"/>
-              <a:t>) </a:t>
+              <a:t>/</a:t>
+            </a:r>
+          </a:p>
+          <a:p>
+            <a:pPr marL="0" indent="0">
+              <a:buNone/>
+            </a:pPr>
+            <a:endParaRPr lang="en-US" dirty="0"/>
+          </a:p>
+          <a:p>
+            <a:pPr marL="0" indent="0">
+              <a:buNone/>
+            </a:pPr>
+            <a:r>
+              <a:rPr lang="en-US" dirty="0"/>
+              <a:t> Note: Windows users should be careful not to confuse this with Python’s </a:t>
+            </a:r>
+            <a:r>
+              <a:rPr lang="en-US" i="1" dirty="0" err="1"/>
+              <a:t>os.chdir</a:t>
+            </a:r>
+            <a:r>
+              <a:rPr lang="en-US" dirty="0"/>
+              <a:t> function, whose function is to</a:t>
+            </a:r>
+            <a:r>
+              <a:rPr lang="en-US" i="1" dirty="0"/>
+              <a:t> change</a:t>
+            </a:r>
+            <a:r>
+              <a:rPr lang="en-US" dirty="0"/>
+              <a:t> directories </a:t>
             </a:r>
           </a:p>
         </p:txBody>
@@ -11617,7 +11743,7 @@
     </p:spTree>
     <p:extLst>
       <p:ext uri="{BB962C8B-B14F-4D97-AF65-F5344CB8AC3E}">
-        <p14:creationId xmlns:p14="http://schemas.microsoft.com/office/powerpoint/2010/main" val="1682080893"/>
+        <p14:creationId xmlns:p14="http://schemas.microsoft.com/office/powerpoint/2010/main" val="1383755132"/>
       </p:ext>
     </p:extLst>
   </p:cSld>
@@ -11661,19 +11787,11 @@
           <a:p>
             <a:r>
               <a:rPr lang="en-US" i="1" dirty="0"/>
-              <a:t>ls</a:t>
-            </a:r>
-            <a:r>
-              <a:rPr lang="en-US" dirty="0"/>
-              <a:t>: List [</a:t>
-            </a:r>
-            <a:r>
-              <a:rPr lang="en-US" i="1" dirty="0" err="1"/>
-              <a:t>dir</a:t>
-            </a:r>
-            <a:r>
-              <a:rPr lang="en-US" dirty="0"/>
-              <a:t>] </a:t>
+              <a:t>cd</a:t>
+            </a:r>
+            <a:r>
+              <a:rPr lang="en-US" dirty="0"/>
+              <a:t>: Change Directory </a:t>
             </a:r>
             <a:endParaRPr lang="en-US" i="1" dirty="0"/>
           </a:p>
@@ -11691,8 +11809,8 @@
         </p:nvSpPr>
         <p:spPr>
           <a:xfrm>
-            <a:off x="680321" y="2336872"/>
-            <a:ext cx="9613861" cy="4268643"/>
+            <a:off x="680321" y="2336873"/>
+            <a:ext cx="9613861" cy="4241348"/>
           </a:xfrm>
         </p:spPr>
         <p:txBody>
@@ -11718,7 +11836,7 @@
             </a:pPr>
             <a:r>
               <a:rPr lang="en-US" dirty="0"/>
-              <a:t>List all files in a given directory </a:t>
+              <a:t>Change the directory you’re currently in </a:t>
             </a:r>
           </a:p>
           <a:p>
@@ -11823,14 +11941,6 @@
             </a:r>
             <a:r>
               <a:rPr lang="en-US" dirty="0"/>
-              <a:t>/Desktop/SURP/</a:t>
-            </a:r>
-            <a:r>
-              <a:rPr lang="en-US" dirty="0" err="1"/>
-              <a:t>bootcamp</a:t>
-            </a:r>
-            <a:r>
-              <a:rPr lang="en-US" dirty="0"/>
               <a:t> </a:t>
             </a:r>
           </a:p>
@@ -11854,7 +11964,15 @@
             </a:pPr>
             <a:r>
               <a:rPr lang="en-US" dirty="0"/>
-              <a:t>	$ ls </a:t>
+              <a:t>	$ cd Desktop/SURP/</a:t>
+            </a:r>
+            <a:r>
+              <a:rPr lang="en-US" dirty="0" err="1"/>
+              <a:t>bootcamp</a:t>
+            </a:r>
+            <a:r>
+              <a:rPr lang="en-US" dirty="0"/>
+              <a:t> </a:t>
             </a:r>
           </a:p>
           <a:p>
@@ -11877,13 +11995,16 @@
             </a:pPr>
             <a:r>
               <a:rPr lang="en-US" dirty="0"/>
-              <a:t>	exercises notes slides </a:t>
+              <a:t>	$ </a:t>
             </a:r>
             <a:r>
               <a:rPr lang="en-US" dirty="0" err="1"/>
-              <a:t>somecode.py</a:t>
-            </a:r>
-            <a:endParaRPr lang="en-US" dirty="0"/>
+              <a:t>pwd</a:t>
+            </a:r>
+            <a:r>
+              <a:rPr lang="en-US" dirty="0"/>
+              <a:t> </a:t>
+            </a:r>
           </a:p>
           <a:p>
             <a:pPr marL="0" marR="0" lvl="0" indent="0" defTabSz="914400" eaLnBrk="1" fontAlgn="auto" latinLnBrk="0" hangingPunct="1">
@@ -11905,7 +12026,23 @@
             </a:pPr>
             <a:r>
               <a:rPr lang="en-US" dirty="0"/>
-              <a:t>	$ cd .. </a:t>
+              <a:t>	/Users/</a:t>
+            </a:r>
+            <a:r>
+              <a:rPr lang="en-US" dirty="0" err="1"/>
+              <a:t>BrutusBuckeye</a:t>
+            </a:r>
+            <a:r>
+              <a:rPr lang="en-US" dirty="0"/>
+              <a:t>/Desktop/SURP/</a:t>
+            </a:r>
+            <a:r>
+              <a:rPr lang="en-US" dirty="0" err="1"/>
+              <a:t>bootcamp</a:t>
+            </a:r>
+            <a:r>
+              <a:rPr lang="en-US" dirty="0"/>
+              <a:t> </a:t>
             </a:r>
           </a:p>
           <a:p>
@@ -11928,7 +12065,15 @@
             </a:pPr>
             <a:r>
               <a:rPr lang="en-US" dirty="0"/>
-              <a:t>	$ ls </a:t>
+              <a:t>	$ cd .. (/Users/</a:t>
+            </a:r>
+            <a:r>
+              <a:rPr lang="en-US" dirty="0" err="1"/>
+              <a:t>BrutusBuckeye</a:t>
+            </a:r>
+            <a:r>
+              <a:rPr lang="en-US" dirty="0"/>
+              <a:t>/Desktop/SURP) </a:t>
             </a:r>
           </a:p>
           <a:p>
@@ -11951,31 +12096,15 @@
             </a:pPr>
             <a:r>
               <a:rPr lang="en-US" dirty="0"/>
-              <a:t>	</a:t>
+              <a:t>	$ cd ~ (/Users/</a:t>
             </a:r>
             <a:r>
               <a:rPr lang="en-US" dirty="0" err="1"/>
-              <a:t>bootcamp</a:t>
-            </a:r>
-            <a:r>
-              <a:rPr lang="en-US" dirty="0"/>
-              <a:t> plots papers </a:t>
-            </a:r>
-            <a:r>
-              <a:rPr lang="en-US" dirty="0" err="1"/>
-              <a:t>notebook.ipynb</a:t>
-            </a:r>
-            <a:r>
-              <a:rPr lang="en-US" dirty="0"/>
-              <a:t> </a:t>
-            </a:r>
-            <a:r>
-              <a:rPr lang="en-US" dirty="0" err="1"/>
-              <a:t>textfilecode.py</a:t>
-            </a:r>
-            <a:r>
-              <a:rPr lang="en-US" dirty="0"/>
-              <a:t> </a:t>
+              <a:t>BrutusBuckeye</a:t>
+            </a:r>
+            <a:r>
+              <a:rPr lang="en-US" dirty="0"/>
+              <a:t>) </a:t>
             </a:r>
           </a:p>
         </p:txBody>
@@ -11983,7 +12112,7 @@
     </p:spTree>
     <p:extLst>
       <p:ext uri="{BB962C8B-B14F-4D97-AF65-F5344CB8AC3E}">
-        <p14:creationId xmlns:p14="http://schemas.microsoft.com/office/powerpoint/2010/main" val="875844630"/>
+        <p14:creationId xmlns:p14="http://schemas.microsoft.com/office/powerpoint/2010/main" val="1682080893"/>
       </p:ext>
     </p:extLst>
   </p:cSld>
@@ -12027,15 +12156,15 @@
           <a:p>
             <a:r>
               <a:rPr lang="en-US" i="1" dirty="0"/>
-              <a:t>mv</a:t>
-            </a:r>
-            <a:r>
-              <a:rPr lang="en-US" dirty="0"/>
-              <a:t>: Move [</a:t>
-            </a:r>
-            <a:r>
-              <a:rPr lang="en-US" i="1" dirty="0"/>
-              <a:t>move</a:t>
+              <a:t>ls</a:t>
+            </a:r>
+            <a:r>
+              <a:rPr lang="en-US" dirty="0"/>
+              <a:t>: List [</a:t>
+            </a:r>
+            <a:r>
+              <a:rPr lang="en-US" i="1" dirty="0" err="1"/>
+              <a:t>dir</a:t>
             </a:r>
             <a:r>
               <a:rPr lang="en-US" dirty="0"/>
@@ -12058,46 +12187,72 @@
         <p:spPr>
           <a:xfrm>
             <a:off x="680321" y="2336872"/>
-            <a:ext cx="9613861" cy="4282291"/>
-          </a:xfrm>
-        </p:spPr>
-        <p:txBody>
-          <a:bodyPr>
-            <a:normAutofit/>
-          </a:bodyPr>
+            <a:ext cx="9613861" cy="4268643"/>
+          </a:xfrm>
+        </p:spPr>
+        <p:txBody>
+          <a:bodyPr/>
           <a:lstStyle/>
           <a:p>
-            <a:pPr marL="0" indent="0">
-              <a:buNone/>
-            </a:pPr>
-            <a:r>
-              <a:rPr lang="en-US" dirty="0"/>
-              <a:t>Move (i.e. rename) a file or directory </a:t>
-            </a:r>
-          </a:p>
-          <a:p>
-            <a:pPr marL="0" indent="0">
-              <a:buNone/>
-            </a:pPr>
-            <a:r>
-              <a:rPr lang="en-US" dirty="0"/>
-              <a:t>Usage: </a:t>
-            </a:r>
-            <a:r>
-              <a:rPr lang="en-US" i="1" dirty="0"/>
-              <a:t>mv [old file name] [new file name] </a:t>
-            </a:r>
+            <a:pPr marL="0" marR="0" lvl="0" indent="0" defTabSz="914400" eaLnBrk="1" fontAlgn="auto" latinLnBrk="0" hangingPunct="1">
+              <a:lnSpc>
+                <a:spcPct val="100000"/>
+              </a:lnSpc>
+              <a:spcBef>
+                <a:spcPts val="0"/>
+              </a:spcBef>
+              <a:spcAft>
+                <a:spcPts val="0"/>
+              </a:spcAft>
+              <a:buClrTx/>
+              <a:buSzTx/>
+              <a:buFontTx/>
+              <a:buNone/>
+              <a:tabLst/>
+              <a:defRPr/>
+            </a:pPr>
+            <a:r>
+              <a:rPr lang="en-US" dirty="0"/>
+              <a:t>List all files in a given directory </a:t>
+            </a:r>
+          </a:p>
+          <a:p>
+            <a:pPr marL="0" marR="0" lvl="0" indent="0" defTabSz="914400" eaLnBrk="1" fontAlgn="auto" latinLnBrk="0" hangingPunct="1">
+              <a:lnSpc>
+                <a:spcPct val="100000"/>
+              </a:lnSpc>
+              <a:spcBef>
+                <a:spcPts val="0"/>
+              </a:spcBef>
+              <a:spcAft>
+                <a:spcPts val="0"/>
+              </a:spcAft>
+              <a:buClrTx/>
+              <a:buSzTx/>
+              <a:buFontTx/>
+              <a:buNone/>
+              <a:tabLst/>
+              <a:defRPr/>
+            </a:pPr>
             <a:endParaRPr lang="en-US" dirty="0"/>
           </a:p>
           <a:p>
-            <a:pPr marL="0" indent="0">
-              <a:buNone/>
-            </a:pPr>
-            <a:endParaRPr lang="en-US" dirty="0"/>
-          </a:p>
-          <a:p>
-            <a:pPr marL="0" indent="0">
-              <a:buNone/>
+            <a:pPr marL="0" marR="0" lvl="0" indent="0" defTabSz="914400" eaLnBrk="1" fontAlgn="auto" latinLnBrk="0" hangingPunct="1">
+              <a:lnSpc>
+                <a:spcPct val="100000"/>
+              </a:lnSpc>
+              <a:spcBef>
+                <a:spcPts val="0"/>
+              </a:spcBef>
+              <a:spcAft>
+                <a:spcPts val="0"/>
+              </a:spcAft>
+              <a:buClrTx/>
+              <a:buSzTx/>
+              <a:buFontTx/>
+              <a:buNone/>
+              <a:tabLst/>
+              <a:defRPr/>
             </a:pPr>
             <a:r>
               <a:rPr lang="en-US" dirty="0"/>
@@ -12105,8 +12260,22 @@
             </a:r>
           </a:p>
           <a:p>
-            <a:pPr marL="0" indent="0">
-              <a:buNone/>
+            <a:pPr marL="0" marR="0" lvl="0" indent="0" defTabSz="914400" eaLnBrk="1" fontAlgn="auto" latinLnBrk="0" hangingPunct="1">
+              <a:lnSpc>
+                <a:spcPct val="100000"/>
+              </a:lnSpc>
+              <a:spcBef>
+                <a:spcPts val="0"/>
+              </a:spcBef>
+              <a:spcAft>
+                <a:spcPts val="0"/>
+              </a:spcAft>
+              <a:buClrTx/>
+              <a:buSzTx/>
+              <a:buFontTx/>
+              <a:buNone/>
+              <a:tabLst/>
+              <a:defRPr/>
             </a:pPr>
             <a:r>
               <a:rPr lang="en-US" dirty="0"/>
@@ -12122,8 +12291,22 @@
             </a:r>
           </a:p>
           <a:p>
-            <a:pPr marL="0" indent="0">
-              <a:buNone/>
+            <a:pPr marL="0" marR="0" lvl="0" indent="0" defTabSz="914400" eaLnBrk="1" fontAlgn="auto" latinLnBrk="0" hangingPunct="1">
+              <a:lnSpc>
+                <a:spcPct val="100000"/>
+              </a:lnSpc>
+              <a:spcBef>
+                <a:spcPts val="0"/>
+              </a:spcBef>
+              <a:spcAft>
+                <a:spcPts val="0"/>
+              </a:spcAft>
+              <a:buClrTx/>
+              <a:buSzTx/>
+              <a:buFontTx/>
+              <a:buNone/>
+              <a:tabLst/>
+              <a:defRPr/>
             </a:pPr>
             <a:r>
               <a:rPr lang="en-US" dirty="0"/>
@@ -12147,16 +12330,135 @@
             </a:r>
           </a:p>
           <a:p>
-            <a:pPr marL="0" indent="0">
-              <a:buNone/>
-            </a:pPr>
-            <a:r>
-              <a:rPr lang="en-US" dirty="0"/>
-              <a:t>	$ mv </a:t>
+            <a:pPr marL="0" marR="0" lvl="0" indent="0" defTabSz="914400" eaLnBrk="1" fontAlgn="auto" latinLnBrk="0" hangingPunct="1">
+              <a:lnSpc>
+                <a:spcPct val="100000"/>
+              </a:lnSpc>
+              <a:spcBef>
+                <a:spcPts val="0"/>
+              </a:spcBef>
+              <a:spcAft>
+                <a:spcPts val="0"/>
+              </a:spcAft>
+              <a:buClrTx/>
+              <a:buSzTx/>
+              <a:buFontTx/>
+              <a:buNone/>
+              <a:tabLst/>
+              <a:defRPr/>
+            </a:pPr>
+            <a:r>
+              <a:rPr lang="en-US" dirty="0"/>
+              <a:t>	$ ls </a:t>
+            </a:r>
+          </a:p>
+          <a:p>
+            <a:pPr marL="0" marR="0" lvl="0" indent="0" defTabSz="914400" eaLnBrk="1" fontAlgn="auto" latinLnBrk="0" hangingPunct="1">
+              <a:lnSpc>
+                <a:spcPct val="100000"/>
+              </a:lnSpc>
+              <a:spcBef>
+                <a:spcPts val="0"/>
+              </a:spcBef>
+              <a:spcAft>
+                <a:spcPts val="0"/>
+              </a:spcAft>
+              <a:buClrTx/>
+              <a:buSzTx/>
+              <a:buFontTx/>
+              <a:buNone/>
+              <a:tabLst/>
+              <a:defRPr/>
+            </a:pPr>
+            <a:r>
+              <a:rPr lang="en-US" dirty="0"/>
+              <a:t>	exercises notes slides </a:t>
             </a:r>
             <a:r>
               <a:rPr lang="en-US" dirty="0" err="1"/>
-              <a:t>oldname.py</a:t>
+              <a:t>somecode.py</a:t>
+            </a:r>
+            <a:endParaRPr lang="en-US" dirty="0"/>
+          </a:p>
+          <a:p>
+            <a:pPr marL="0" marR="0" lvl="0" indent="0" defTabSz="914400" eaLnBrk="1" fontAlgn="auto" latinLnBrk="0" hangingPunct="1">
+              <a:lnSpc>
+                <a:spcPct val="100000"/>
+              </a:lnSpc>
+              <a:spcBef>
+                <a:spcPts val="0"/>
+              </a:spcBef>
+              <a:spcAft>
+                <a:spcPts val="0"/>
+              </a:spcAft>
+              <a:buClrTx/>
+              <a:buSzTx/>
+              <a:buFontTx/>
+              <a:buNone/>
+              <a:tabLst/>
+              <a:defRPr/>
+            </a:pPr>
+            <a:r>
+              <a:rPr lang="en-US" dirty="0"/>
+              <a:t>	$ cd .. </a:t>
+            </a:r>
+          </a:p>
+          <a:p>
+            <a:pPr marL="0" marR="0" lvl="0" indent="0" defTabSz="914400" eaLnBrk="1" fontAlgn="auto" latinLnBrk="0" hangingPunct="1">
+              <a:lnSpc>
+                <a:spcPct val="100000"/>
+              </a:lnSpc>
+              <a:spcBef>
+                <a:spcPts val="0"/>
+              </a:spcBef>
+              <a:spcAft>
+                <a:spcPts val="0"/>
+              </a:spcAft>
+              <a:buClrTx/>
+              <a:buSzTx/>
+              <a:buFontTx/>
+              <a:buNone/>
+              <a:tabLst/>
+              <a:defRPr/>
+            </a:pPr>
+            <a:r>
+              <a:rPr lang="en-US" dirty="0"/>
+              <a:t>	$ ls </a:t>
+            </a:r>
+          </a:p>
+          <a:p>
+            <a:pPr marL="0" marR="0" lvl="0" indent="0" defTabSz="914400" eaLnBrk="1" fontAlgn="auto" latinLnBrk="0" hangingPunct="1">
+              <a:lnSpc>
+                <a:spcPct val="100000"/>
+              </a:lnSpc>
+              <a:spcBef>
+                <a:spcPts val="0"/>
+              </a:spcBef>
+              <a:spcAft>
+                <a:spcPts val="0"/>
+              </a:spcAft>
+              <a:buClrTx/>
+              <a:buSzTx/>
+              <a:buFontTx/>
+              <a:buNone/>
+              <a:tabLst/>
+              <a:defRPr/>
+            </a:pPr>
+            <a:r>
+              <a:rPr lang="en-US" dirty="0"/>
+              <a:t>	</a:t>
+            </a:r>
+            <a:r>
+              <a:rPr lang="en-US" dirty="0" err="1"/>
+              <a:t>bootcamp</a:t>
+            </a:r>
+            <a:r>
+              <a:rPr lang="en-US" dirty="0"/>
+              <a:t> plots papers </a:t>
+            </a:r>
+            <a:r>
+              <a:rPr lang="en-US" dirty="0" err="1"/>
+              <a:t>notebook.ipynb</a:t>
             </a:r>
             <a:r>
               <a:rPr lang="en-US" dirty="0"/>
@@ -12164,51 +12466,19 @@
             </a:r>
             <a:r>
               <a:rPr lang="en-US" dirty="0" err="1"/>
-              <a:t>newname.py</a:t>
+              <a:t>textfilecode.py</a:t>
             </a:r>
             <a:r>
               <a:rPr lang="en-US" dirty="0"/>
               <a:t> </a:t>
             </a:r>
-          </a:p>
-          <a:p>
-            <a:pPr marL="0" indent="0">
-              <a:buNone/>
-            </a:pPr>
-            <a:r>
-              <a:rPr lang="en-US" dirty="0"/>
-              <a:t>	$ ls </a:t>
-            </a:r>
-          </a:p>
-          <a:p>
-            <a:pPr marL="0" indent="0">
-              <a:buNone/>
-            </a:pPr>
-            <a:r>
-              <a:rPr lang="en-US" dirty="0"/>
-              <a:t>	exercises </a:t>
-            </a:r>
-            <a:r>
-              <a:rPr lang="en-US" dirty="0" err="1"/>
-              <a:t>newname.py</a:t>
-            </a:r>
-            <a:r>
-              <a:rPr lang="en-US" dirty="0"/>
-              <a:t> notes slides </a:t>
-            </a:r>
-          </a:p>
-          <a:p>
-            <a:pPr marL="0" indent="0">
-              <a:buNone/>
-            </a:pPr>
-            <a:endParaRPr lang="en-US" dirty="0"/>
           </a:p>
         </p:txBody>
       </p:sp>
     </p:spTree>
     <p:extLst>
       <p:ext uri="{BB962C8B-B14F-4D97-AF65-F5344CB8AC3E}">
-        <p14:creationId xmlns:p14="http://schemas.microsoft.com/office/powerpoint/2010/main" val="1741499932"/>
+        <p14:creationId xmlns:p14="http://schemas.microsoft.com/office/powerpoint/2010/main" val="875844630"/>
       </p:ext>
     </p:extLst>
   </p:cSld>
@@ -12251,16 +12521,16 @@
           <a:lstStyle/>
           <a:p>
             <a:r>
-              <a:rPr lang="en-US" i="1" dirty="0" err="1"/>
-              <a:t>cp</a:t>
-            </a:r>
-            <a:r>
-              <a:rPr lang="en-US" dirty="0"/>
-              <a:t>: Copy [</a:t>
-            </a:r>
-            <a:r>
               <a:rPr lang="en-US" i="1" dirty="0"/>
-              <a:t>copy</a:t>
+              <a:t>mv</a:t>
+            </a:r>
+            <a:r>
+              <a:rPr lang="en-US" dirty="0"/>
+              <a:t>: Move [</a:t>
+            </a:r>
+            <a:r>
+              <a:rPr lang="en-US" i="1" dirty="0"/>
+              <a:t>move</a:t>
             </a:r>
             <a:r>
               <a:rPr lang="en-US" dirty="0"/>
@@ -12283,7 +12553,7 @@
         <p:spPr>
           <a:xfrm>
             <a:off x="680321" y="2336872"/>
-            <a:ext cx="9613861" cy="4405121"/>
+            <a:ext cx="9613861" cy="4282291"/>
           </a:xfrm>
         </p:spPr>
         <p:txBody>
@@ -12297,7 +12567,7 @@
             </a:pPr>
             <a:r>
               <a:rPr lang="en-US" dirty="0"/>
-              <a:t>Copy a file to a new name/location </a:t>
+              <a:t>Move (i.e. rename) a file or directory </a:t>
             </a:r>
           </a:p>
           <a:p>
@@ -12309,12 +12579,8 @@
               <a:t>Usage: </a:t>
             </a:r>
             <a:r>
-              <a:rPr lang="en-US" i="1" dirty="0" err="1"/>
-              <a:t>cp</a:t>
-            </a:r>
-            <a:r>
               <a:rPr lang="en-US" i="1" dirty="0"/>
-              <a:t> [existing file name] [new file name] </a:t>
+              <a:t>mv [old file name] [new file name] </a:t>
             </a:r>
             <a:endParaRPr lang="en-US" dirty="0"/>
           </a:p>
@@ -12339,6 +12605,73 @@
             </a:pPr>
             <a:r>
               <a:rPr lang="en-US" dirty="0"/>
+              <a:t>	$ </a:t>
+            </a:r>
+            <a:r>
+              <a:rPr lang="en-US" dirty="0" err="1"/>
+              <a:t>pwd</a:t>
+            </a:r>
+            <a:r>
+              <a:rPr lang="en-US" dirty="0"/>
+              <a:t> </a:t>
+            </a:r>
+          </a:p>
+          <a:p>
+            <a:pPr marL="0" indent="0">
+              <a:buNone/>
+            </a:pPr>
+            <a:r>
+              <a:rPr lang="en-US" dirty="0"/>
+              <a:t>	/Users/</a:t>
+            </a:r>
+            <a:r>
+              <a:rPr lang="en-US" dirty="0" err="1"/>
+              <a:t>BrutusBuckeye</a:t>
+            </a:r>
+            <a:r>
+              <a:rPr lang="en-US" dirty="0"/>
+              <a:t>/Desktop/SURP/</a:t>
+            </a:r>
+            <a:r>
+              <a:rPr lang="en-US" dirty="0" err="1"/>
+              <a:t>bootcamp</a:t>
+            </a:r>
+            <a:r>
+              <a:rPr lang="en-US" dirty="0"/>
+              <a:t> </a:t>
+            </a:r>
+          </a:p>
+          <a:p>
+            <a:pPr marL="0" indent="0">
+              <a:buNone/>
+            </a:pPr>
+            <a:r>
+              <a:rPr lang="en-US" dirty="0"/>
+              <a:t>	$ mv </a:t>
+            </a:r>
+            <a:r>
+              <a:rPr lang="en-US" dirty="0" err="1"/>
+              <a:t>oldname.py</a:t>
+            </a:r>
+            <a:r>
+              <a:rPr lang="en-US" dirty="0"/>
+              <a:t> </a:t>
+            </a:r>
+            <a:r>
+              <a:rPr lang="en-US" dirty="0" err="1"/>
+              <a:t>newname.py</a:t>
+            </a:r>
+            <a:r>
+              <a:rPr lang="en-US" dirty="0"/>
+              <a:t> </a:t>
+            </a:r>
+          </a:p>
+          <a:p>
+            <a:pPr marL="0" indent="0">
+              <a:buNone/>
+            </a:pPr>
+            <a:r>
+              <a:rPr lang="en-US" dirty="0"/>
               <a:t>	$ ls </a:t>
             </a:r>
           </a:p>
@@ -12348,106 +12681,29 @@
             </a:pPr>
             <a:r>
               <a:rPr lang="en-US" dirty="0"/>
-              <a:t>	</a:t>
+              <a:t>	exercises </a:t>
             </a:r>
             <a:r>
               <a:rPr lang="en-US" dirty="0" err="1"/>
-              <a:t>data.dat</a:t>
-            </a:r>
-            <a:r>
-              <a:rPr lang="en-US" dirty="0"/>
-              <a:t> </a:t>
-            </a:r>
-            <a:r>
-              <a:rPr lang="en-US" dirty="0" err="1"/>
-              <a:t>result.out</a:t>
-            </a:r>
-            <a:r>
-              <a:rPr lang="en-US" dirty="0"/>
-              <a:t> somecode1.py </a:t>
+              <a:t>newname.py</a:t>
+            </a:r>
+            <a:r>
+              <a:rPr lang="en-US" dirty="0"/>
+              <a:t> notes slides </a:t>
             </a:r>
           </a:p>
           <a:p>
             <a:pPr marL="0" indent="0">
               <a:buNone/>
             </a:pPr>
-            <a:r>
-              <a:rPr lang="en-US" dirty="0"/>
-              <a:t>	$ </a:t>
-            </a:r>
-            <a:r>
-              <a:rPr lang="en-US" dirty="0" err="1"/>
-              <a:t>cp</a:t>
-            </a:r>
-            <a:r>
-              <a:rPr lang="en-US" dirty="0"/>
-              <a:t> </a:t>
-            </a:r>
-            <a:r>
-              <a:rPr lang="en-US" dirty="0" err="1"/>
-              <a:t>result.out</a:t>
-            </a:r>
-            <a:r>
-              <a:rPr lang="en-US" dirty="0"/>
-              <a:t> </a:t>
-            </a:r>
-            <a:r>
-              <a:rPr lang="en-US" dirty="0" err="1"/>
-              <a:t>copy.out</a:t>
-            </a:r>
-            <a:r>
-              <a:rPr lang="en-US" dirty="0"/>
-              <a:t> </a:t>
-            </a:r>
-          </a:p>
-          <a:p>
-            <a:pPr marL="0" indent="0">
-              <a:buNone/>
-            </a:pPr>
-            <a:r>
-              <a:rPr lang="en-US" dirty="0"/>
-              <a:t>	$ ls </a:t>
-            </a:r>
-          </a:p>
-          <a:p>
-            <a:pPr marL="0" indent="0">
-              <a:buNone/>
-            </a:pPr>
-            <a:r>
-              <a:rPr lang="en-US" dirty="0"/>
-              <a:t>	 </a:t>
-            </a:r>
-            <a:r>
-              <a:rPr lang="en-US" dirty="0" err="1"/>
-              <a:t>copy.out</a:t>
-            </a:r>
-            <a:r>
-              <a:rPr lang="en-US" dirty="0"/>
-              <a:t> </a:t>
-            </a:r>
-            <a:r>
-              <a:rPr lang="en-US" dirty="0" err="1"/>
-              <a:t>data.dat</a:t>
-            </a:r>
-            <a:r>
-              <a:rPr lang="en-US" dirty="0"/>
-              <a:t> </a:t>
-            </a:r>
-            <a:r>
-              <a:rPr lang="en-US" dirty="0" err="1"/>
-              <a:t>result.out</a:t>
-            </a:r>
-            <a:r>
-              <a:rPr lang="en-US" dirty="0"/>
-              <a:t> somecode1.py </a:t>
-            </a:r>
+            <a:endParaRPr lang="en-US" dirty="0"/>
           </a:p>
         </p:txBody>
       </p:sp>
     </p:spTree>
     <p:extLst>
       <p:ext uri="{BB962C8B-B14F-4D97-AF65-F5344CB8AC3E}">
-        <p14:creationId xmlns:p14="http://schemas.microsoft.com/office/powerpoint/2010/main" val="133284566"/>
+        <p14:creationId xmlns:p14="http://schemas.microsoft.com/office/powerpoint/2010/main" val="1741499932"/>
       </p:ext>
     </p:extLst>
   </p:cSld>

--- a/slides/terminal.pptx
+++ b/slides/terminal.pptx
@@ -11441,8 +11441,12 @@
           <a:lstStyle/>
           <a:p>
             <a:r>
-              <a:rPr lang="en-US" dirty="0"/>
-              <a:t>echo: Print Statements</a:t>
+              <a:rPr lang="en-US" i="1" dirty="0"/>
+              <a:t>echo</a:t>
+            </a:r>
+            <a:r>
+              <a:rPr lang="en-US" dirty="0"/>
+              <a:t>: Print Statements</a:t>
             </a:r>
           </a:p>
         </p:txBody>

--- a/slides/terminal.pptx
+++ b/slides/terminal.pptx
@@ -215,7 +215,7 @@
           <a:p>
             <a:fld id="{6C47881A-27B6-E34F-9EF6-BF109EBF38B9}" type="datetimeFigureOut">
               <a:rPr lang="en-US" smtClean="0"/>
-              <a:t>5/10/21</a:t>
+              <a:t>4/25/22</a:t>
             </a:fld>
             <a:endParaRPr lang="en-US"/>
           </a:p>
@@ -756,6 +756,93 @@
 </p:notes>
 </file>
 
+<file path=ppt/notesSlides/notesSlide4.xml><?xml version="1.0" encoding="utf-8"?>
+<p:notes xmlns:a="http://schemas.openxmlformats.org/drawingml/2006/main" xmlns:r="http://schemas.openxmlformats.org/officeDocument/2006/relationships" xmlns:p="http://schemas.openxmlformats.org/presentationml/2006/main">
+  <p:cSld>
+    <p:spTree>
+      <p:nvGrpSpPr>
+        <p:cNvPr id="1" name=""/>
+        <p:cNvGrpSpPr/>
+        <p:nvPr/>
+      </p:nvGrpSpPr>
+      <p:grpSpPr>
+        <a:xfrm>
+          <a:off x="0" y="0"/>
+          <a:ext cx="0" cy="0"/>
+          <a:chOff x="0" y="0"/>
+          <a:chExt cx="0" cy="0"/>
+        </a:xfrm>
+      </p:grpSpPr>
+      <p:sp>
+        <p:nvSpPr>
+          <p:cNvPr id="2" name="Slide Image Placeholder 1"/>
+          <p:cNvSpPr>
+            <a:spLocks noGrp="1" noRot="1" noChangeAspect="1"/>
+          </p:cNvSpPr>
+          <p:nvPr>
+            <p:ph type="sldImg"/>
+          </p:nvPr>
+        </p:nvSpPr>
+        <p:spPr/>
+      </p:sp>
+      <p:sp>
+        <p:nvSpPr>
+          <p:cNvPr id="3" name="Notes Placeholder 2"/>
+          <p:cNvSpPr>
+            <a:spLocks noGrp="1"/>
+          </p:cNvSpPr>
+          <p:nvPr>
+            <p:ph type="body" idx="1"/>
+          </p:nvPr>
+        </p:nvSpPr>
+        <p:spPr/>
+        <p:txBody>
+          <a:bodyPr/>
+          <a:lstStyle/>
+          <a:p>
+            <a:r>
+              <a:rPr lang="en-US" dirty="0"/>
+              <a:t>$HOME here is a better way of referring to your home directory, where in previous slides ‘~’ has been used</a:t>
+            </a:r>
+          </a:p>
+        </p:txBody>
+      </p:sp>
+      <p:sp>
+        <p:nvSpPr>
+          <p:cNvPr id="4" name="Slide Number Placeholder 3"/>
+          <p:cNvSpPr>
+            <a:spLocks noGrp="1"/>
+          </p:cNvSpPr>
+          <p:nvPr>
+            <p:ph type="sldNum" sz="quarter" idx="5"/>
+          </p:nvPr>
+        </p:nvSpPr>
+        <p:spPr/>
+        <p:txBody>
+          <a:bodyPr/>
+          <a:lstStyle/>
+          <a:p>
+            <a:fld id="{76A41E2A-9760-1B43-867A-973D47E0F35B}" type="slidenum">
+              <a:rPr lang="en-US" smtClean="0"/>
+              <a:t>19</a:t>
+            </a:fld>
+            <a:endParaRPr lang="en-US"/>
+          </a:p>
+        </p:txBody>
+      </p:sp>
+    </p:spTree>
+    <p:extLst>
+      <p:ext uri="{BB962C8B-B14F-4D97-AF65-F5344CB8AC3E}">
+        <p14:creationId xmlns:p14="http://schemas.microsoft.com/office/powerpoint/2010/main" val="475199305"/>
+      </p:ext>
+    </p:extLst>
+  </p:cSld>
+  <p:clrMapOvr>
+    <a:masterClrMapping/>
+  </p:clrMapOvr>
+</p:notes>
+</file>
+
 <file path=ppt/slideLayouts/slideLayout1.xml><?xml version="1.0" encoding="utf-8"?>
 <p:sldLayout xmlns:a="http://schemas.openxmlformats.org/drawingml/2006/main" xmlns:r="http://schemas.openxmlformats.org/officeDocument/2006/relationships" xmlns:p="http://schemas.openxmlformats.org/presentationml/2006/main" type="title" preserve="1">
   <p:cSld name="Title Slide">
@@ -1032,7 +1119,7 @@
           <a:p>
             <a:fld id="{51673806-0BCD-1F42-BAA8-2011034B3C6A}" type="datetimeFigureOut">
               <a:rPr lang="en-US" smtClean="0"/>
-              <a:t>5/10/21</a:t>
+              <a:t>4/25/22</a:t>
             </a:fld>
             <a:endParaRPr lang="en-US"/>
           </a:p>
@@ -1446,7 +1533,7 @@
           <a:p>
             <a:fld id="{51673806-0BCD-1F42-BAA8-2011034B3C6A}" type="datetimeFigureOut">
               <a:rPr lang="en-US" smtClean="0"/>
-              <a:t>5/10/21</a:t>
+              <a:t>4/25/22</a:t>
             </a:fld>
             <a:endParaRPr lang="en-US"/>
           </a:p>
@@ -1777,7 +1864,7 @@
           <a:p>
             <a:fld id="{51673806-0BCD-1F42-BAA8-2011034B3C6A}" type="datetimeFigureOut">
               <a:rPr lang="en-US" smtClean="0"/>
-              <a:t>5/10/21</a:t>
+              <a:t>4/25/22</a:t>
             </a:fld>
             <a:endParaRPr lang="en-US"/>
           </a:p>
@@ -2177,7 +2264,7 @@
           <a:p>
             <a:fld id="{51673806-0BCD-1F42-BAA8-2011034B3C6A}" type="datetimeFigureOut">
               <a:rPr lang="en-US" smtClean="0"/>
-              <a:t>5/10/21</a:t>
+              <a:t>4/25/22</a:t>
             </a:fld>
             <a:endParaRPr lang="en-US"/>
           </a:p>
@@ -2740,7 +2827,7 @@
           <a:p>
             <a:fld id="{51673806-0BCD-1F42-BAA8-2011034B3C6A}" type="datetimeFigureOut">
               <a:rPr lang="en-US" smtClean="0"/>
-              <a:t>5/10/21</a:t>
+              <a:t>4/25/22</a:t>
             </a:fld>
             <a:endParaRPr lang="en-US"/>
           </a:p>
@@ -3416,7 +3503,7 @@
           <a:p>
             <a:fld id="{51673806-0BCD-1F42-BAA8-2011034B3C6A}" type="datetimeFigureOut">
               <a:rPr lang="en-US" smtClean="0"/>
-              <a:t>5/10/21</a:t>
+              <a:t>4/25/22</a:t>
             </a:fld>
             <a:endParaRPr lang="en-US"/>
           </a:p>
@@ -4324,7 +4411,7 @@
           <a:p>
             <a:fld id="{51673806-0BCD-1F42-BAA8-2011034B3C6A}" type="datetimeFigureOut">
               <a:rPr lang="en-US" smtClean="0"/>
-              <a:t>5/10/21</a:t>
+              <a:t>4/25/22</a:t>
             </a:fld>
             <a:endParaRPr lang="en-US"/>
           </a:p>
@@ -4632,7 +4719,7 @@
           <a:p>
             <a:fld id="{51673806-0BCD-1F42-BAA8-2011034B3C6A}" type="datetimeFigureOut">
               <a:rPr lang="en-US" smtClean="0"/>
-              <a:t>5/10/21</a:t>
+              <a:t>4/25/22</a:t>
             </a:fld>
             <a:endParaRPr lang="en-US"/>
           </a:p>
@@ -4891,7 +4978,7 @@
           <a:p>
             <a:fld id="{51673806-0BCD-1F42-BAA8-2011034B3C6A}" type="datetimeFigureOut">
               <a:rPr lang="en-US" smtClean="0"/>
-              <a:t>5/10/21</a:t>
+              <a:t>4/25/22</a:t>
             </a:fld>
             <a:endParaRPr lang="en-US"/>
           </a:p>
@@ -5214,7 +5301,7 @@
           <a:p>
             <a:fld id="{51673806-0BCD-1F42-BAA8-2011034B3C6A}" type="datetimeFigureOut">
               <a:rPr lang="en-US" smtClean="0"/>
-              <a:t>5/10/21</a:t>
+              <a:t>4/25/22</a:t>
             </a:fld>
             <a:endParaRPr lang="en-US"/>
           </a:p>
@@ -5598,7 +5685,7 @@
           <a:p>
             <a:fld id="{51673806-0BCD-1F42-BAA8-2011034B3C6A}" type="datetimeFigureOut">
               <a:rPr lang="en-US" smtClean="0"/>
-              <a:t>5/10/21</a:t>
+              <a:t>4/25/22</a:t>
             </a:fld>
             <a:endParaRPr lang="en-US"/>
           </a:p>
@@ -5974,7 +6061,7 @@
           <a:p>
             <a:fld id="{51673806-0BCD-1F42-BAA8-2011034B3C6A}" type="datetimeFigureOut">
               <a:rPr lang="en-US" smtClean="0"/>
-              <a:t>5/10/21</a:t>
+              <a:t>4/25/22</a:t>
             </a:fld>
             <a:endParaRPr lang="en-US"/>
           </a:p>
@@ -6480,7 +6567,7 @@
           <a:p>
             <a:fld id="{51673806-0BCD-1F42-BAA8-2011034B3C6A}" type="datetimeFigureOut">
               <a:rPr lang="en-US" smtClean="0"/>
-              <a:t>5/10/21</a:t>
+              <a:t>4/25/22</a:t>
             </a:fld>
             <a:endParaRPr lang="en-US"/>
           </a:p>
@@ -6737,7 +6824,7 @@
           <a:p>
             <a:fld id="{51673806-0BCD-1F42-BAA8-2011034B3C6A}" type="datetimeFigureOut">
               <a:rPr lang="en-US" smtClean="0"/>
-              <a:t>5/10/21</a:t>
+              <a:t>4/25/22</a:t>
             </a:fld>
             <a:endParaRPr lang="en-US"/>
           </a:p>
@@ -6895,7 +6982,7 @@
           <a:p>
             <a:fld id="{51673806-0BCD-1F42-BAA8-2011034B3C6A}" type="datetimeFigureOut">
               <a:rPr lang="en-US" smtClean="0"/>
-              <a:t>5/10/21</a:t>
+              <a:t>4/25/22</a:t>
             </a:fld>
             <a:endParaRPr lang="en-US"/>
           </a:p>
@@ -7285,7 +7372,7 @@
           <a:p>
             <a:fld id="{51673806-0BCD-1F42-BAA8-2011034B3C6A}" type="datetimeFigureOut">
               <a:rPr lang="en-US" smtClean="0"/>
-              <a:t>5/10/21</a:t>
+              <a:t>4/25/22</a:t>
             </a:fld>
             <a:endParaRPr lang="en-US"/>
           </a:p>
@@ -7694,7 +7781,7 @@
           <a:p>
             <a:fld id="{51673806-0BCD-1F42-BAA8-2011034B3C6A}" type="datetimeFigureOut">
               <a:rPr lang="en-US" smtClean="0"/>
-              <a:t>5/10/21</a:t>
+              <a:t>4/25/22</a:t>
             </a:fld>
             <a:endParaRPr lang="en-US"/>
           </a:p>
@@ -7940,7 +8027,7 @@
             <a:fld id="{51673806-0BCD-1F42-BAA8-2011034B3C6A}" type="datetimeFigureOut">
               <a:rPr lang="en-US" smtClean="0"/>
               <a:pPr/>
-              <a:t>5/10/21</a:t>
+              <a:t>4/25/22</a:t>
             </a:fld>
             <a:endParaRPr lang="en-US" dirty="0"/>
           </a:p>
@@ -10402,23 +10489,7 @@
             </a:pPr>
             <a:r>
               <a:rPr lang="en-US" dirty="0"/>
-              <a:t>Disclaimer: If you’re an astronomer, bash </a:t>
-            </a:r>
-            <a:r>
-              <a:rPr lang="en-US" i="1" dirty="0"/>
-              <a:t>is</a:t>
-            </a:r>
-            <a:r>
-              <a:rPr lang="en-US" dirty="0"/>
-              <a:t> a </a:t>
-            </a:r>
-            <a:r>
-              <a:rPr lang="en-US" i="1" dirty="0"/>
-              <a:t>better choice </a:t>
-            </a:r>
-            <a:r>
-              <a:rPr lang="en-US" dirty="0"/>
-              <a:t>than PowerShell. This will vary in other fields, but astronomy uses Unix-based operating systems. </a:t>
+              <a:t>Disclaimer: If you’re an astronomer, bash is a better choice than PowerShell. This will vary in other fields, but astronomy uses Unix-based operating systems.</a:t>
             </a:r>
           </a:p>
         </p:txBody>
@@ -10683,7 +10754,7 @@
             </a:pPr>
             <a:r>
               <a:rPr lang="en-US" dirty="0"/>
-              <a:t>Variables global to the current shell script </a:t>
+              <a:t>Variables global to the current shell</a:t>
             </a:r>
           </a:p>
           <a:p>
@@ -10837,7 +10908,7 @@
             </a:pPr>
             <a:r>
               <a:rPr lang="en-US" dirty="0"/>
-              <a:t>PATH: directories where your computer looks for executables and (more importantly) python code (separated by colons) </a:t>
+              <a:t>PATH: directories where your computer looks for executables and (more importantly) python code (separated by colons)</a:t>
             </a:r>
           </a:p>
           <a:p>
@@ -10852,7 +10923,7 @@
             </a:pPr>
             <a:r>
               <a:rPr lang="en-US" dirty="0"/>
-              <a:t>PYTHONPATH: additional directories where your computer looks for python code, also separated by colons </a:t>
+              <a:t>PYTHONPATH: additional directories where your computer looks for python code, also separated by colons</a:t>
             </a:r>
           </a:p>
           <a:p>
@@ -10876,7 +10947,7 @@
             </a:pPr>
             <a:r>
               <a:rPr lang="en-US" dirty="0"/>
-              <a:t>	export PYTHONPATH=~/path/to/my/python/code:$PYTHONPATH </a:t>
+              <a:t>	export PYTHONPATH=$HOME/path/to/my/python/code:$PYTHONPATH</a:t>
             </a:r>
           </a:p>
           <a:p>
@@ -10891,15 +10962,7 @@
             </a:pPr>
             <a:r>
               <a:rPr lang="en-US" dirty="0"/>
-              <a:t>1 million brownie points to whoever knows </a:t>
-            </a:r>
-            <a:r>
-              <a:rPr lang="en-US"/>
-              <a:t>why $PYTHONPATH </a:t>
-            </a:r>
-            <a:r>
-              <a:rPr lang="en-US" dirty="0"/>
-              <a:t>appears on the right here </a:t>
+              <a:t>1 million brownie points to whoever knows why $PYTHONPATH appears on the right here </a:t>
             </a:r>
           </a:p>
         </p:txBody>

--- a/slides/terminal.pptx
+++ b/slides/terminal.pptx
@@ -5,7 +5,7 @@
     <p:sldMasterId id="2147484294" r:id="rId1"/>
   </p:sldMasterIdLst>
   <p:notesMasterIdLst>
-    <p:notesMasterId r:id="rId21"/>
+    <p:notesMasterId r:id="rId22"/>
   </p:notesMasterIdLst>
   <p:sldIdLst>
     <p:sldId id="256" r:id="rId2"/>
@@ -27,6 +27,7 @@
     <p:sldId id="267" r:id="rId18"/>
     <p:sldId id="268" r:id="rId19"/>
     <p:sldId id="269" r:id="rId20"/>
+    <p:sldId id="275" r:id="rId21"/>
   </p:sldIdLst>
   <p:sldSz cx="12192000" cy="6858000"/>
   <p:notesSz cx="6858000" cy="9144000"/>
@@ -215,7 +216,7 @@
           <a:p>
             <a:fld id="{6C47881A-27B6-E34F-9EF6-BF109EBF38B9}" type="datetimeFigureOut">
               <a:rPr lang="en-US" smtClean="0"/>
-              <a:t>4/25/22</a:t>
+              <a:t>5/8/22</a:t>
             </a:fld>
             <a:endParaRPr lang="en-US"/>
           </a:p>
@@ -1119,7 +1120,7 @@
           <a:p>
             <a:fld id="{51673806-0BCD-1F42-BAA8-2011034B3C6A}" type="datetimeFigureOut">
               <a:rPr lang="en-US" smtClean="0"/>
-              <a:t>4/25/22</a:t>
+              <a:t>5/8/22</a:t>
             </a:fld>
             <a:endParaRPr lang="en-US"/>
           </a:p>
@@ -1533,7 +1534,7 @@
           <a:p>
             <a:fld id="{51673806-0BCD-1F42-BAA8-2011034B3C6A}" type="datetimeFigureOut">
               <a:rPr lang="en-US" smtClean="0"/>
-              <a:t>4/25/22</a:t>
+              <a:t>5/8/22</a:t>
             </a:fld>
             <a:endParaRPr lang="en-US"/>
           </a:p>
@@ -1864,7 +1865,7 @@
           <a:p>
             <a:fld id="{51673806-0BCD-1F42-BAA8-2011034B3C6A}" type="datetimeFigureOut">
               <a:rPr lang="en-US" smtClean="0"/>
-              <a:t>4/25/22</a:t>
+              <a:t>5/8/22</a:t>
             </a:fld>
             <a:endParaRPr lang="en-US"/>
           </a:p>
@@ -2264,7 +2265,7 @@
           <a:p>
             <a:fld id="{51673806-0BCD-1F42-BAA8-2011034B3C6A}" type="datetimeFigureOut">
               <a:rPr lang="en-US" smtClean="0"/>
-              <a:t>4/25/22</a:t>
+              <a:t>5/8/22</a:t>
             </a:fld>
             <a:endParaRPr lang="en-US"/>
           </a:p>
@@ -2827,7 +2828,7 @@
           <a:p>
             <a:fld id="{51673806-0BCD-1F42-BAA8-2011034B3C6A}" type="datetimeFigureOut">
               <a:rPr lang="en-US" smtClean="0"/>
-              <a:t>4/25/22</a:t>
+              <a:t>5/8/22</a:t>
             </a:fld>
             <a:endParaRPr lang="en-US"/>
           </a:p>
@@ -3503,7 +3504,7 @@
           <a:p>
             <a:fld id="{51673806-0BCD-1F42-BAA8-2011034B3C6A}" type="datetimeFigureOut">
               <a:rPr lang="en-US" smtClean="0"/>
-              <a:t>4/25/22</a:t>
+              <a:t>5/8/22</a:t>
             </a:fld>
             <a:endParaRPr lang="en-US"/>
           </a:p>
@@ -4411,7 +4412,7 @@
           <a:p>
             <a:fld id="{51673806-0BCD-1F42-BAA8-2011034B3C6A}" type="datetimeFigureOut">
               <a:rPr lang="en-US" smtClean="0"/>
-              <a:t>4/25/22</a:t>
+              <a:t>5/8/22</a:t>
             </a:fld>
             <a:endParaRPr lang="en-US"/>
           </a:p>
@@ -4719,7 +4720,7 @@
           <a:p>
             <a:fld id="{51673806-0BCD-1F42-BAA8-2011034B3C6A}" type="datetimeFigureOut">
               <a:rPr lang="en-US" smtClean="0"/>
-              <a:t>4/25/22</a:t>
+              <a:t>5/8/22</a:t>
             </a:fld>
             <a:endParaRPr lang="en-US"/>
           </a:p>
@@ -4978,7 +4979,7 @@
           <a:p>
             <a:fld id="{51673806-0BCD-1F42-BAA8-2011034B3C6A}" type="datetimeFigureOut">
               <a:rPr lang="en-US" smtClean="0"/>
-              <a:t>4/25/22</a:t>
+              <a:t>5/8/22</a:t>
             </a:fld>
             <a:endParaRPr lang="en-US"/>
           </a:p>
@@ -5301,7 +5302,7 @@
           <a:p>
             <a:fld id="{51673806-0BCD-1F42-BAA8-2011034B3C6A}" type="datetimeFigureOut">
               <a:rPr lang="en-US" smtClean="0"/>
-              <a:t>4/25/22</a:t>
+              <a:t>5/8/22</a:t>
             </a:fld>
             <a:endParaRPr lang="en-US"/>
           </a:p>
@@ -5685,7 +5686,7 @@
           <a:p>
             <a:fld id="{51673806-0BCD-1F42-BAA8-2011034B3C6A}" type="datetimeFigureOut">
               <a:rPr lang="en-US" smtClean="0"/>
-              <a:t>4/25/22</a:t>
+              <a:t>5/8/22</a:t>
             </a:fld>
             <a:endParaRPr lang="en-US"/>
           </a:p>
@@ -6061,7 +6062,7 @@
           <a:p>
             <a:fld id="{51673806-0BCD-1F42-BAA8-2011034B3C6A}" type="datetimeFigureOut">
               <a:rPr lang="en-US" smtClean="0"/>
-              <a:t>4/25/22</a:t>
+              <a:t>5/8/22</a:t>
             </a:fld>
             <a:endParaRPr lang="en-US"/>
           </a:p>
@@ -6567,7 +6568,7 @@
           <a:p>
             <a:fld id="{51673806-0BCD-1F42-BAA8-2011034B3C6A}" type="datetimeFigureOut">
               <a:rPr lang="en-US" smtClean="0"/>
-              <a:t>4/25/22</a:t>
+              <a:t>5/8/22</a:t>
             </a:fld>
             <a:endParaRPr lang="en-US"/>
           </a:p>
@@ -6824,7 +6825,7 @@
           <a:p>
             <a:fld id="{51673806-0BCD-1F42-BAA8-2011034B3C6A}" type="datetimeFigureOut">
               <a:rPr lang="en-US" smtClean="0"/>
-              <a:t>4/25/22</a:t>
+              <a:t>5/8/22</a:t>
             </a:fld>
             <a:endParaRPr lang="en-US"/>
           </a:p>
@@ -6982,7 +6983,7 @@
           <a:p>
             <a:fld id="{51673806-0BCD-1F42-BAA8-2011034B3C6A}" type="datetimeFigureOut">
               <a:rPr lang="en-US" smtClean="0"/>
-              <a:t>4/25/22</a:t>
+              <a:t>5/8/22</a:t>
             </a:fld>
             <a:endParaRPr lang="en-US"/>
           </a:p>
@@ -7372,7 +7373,7 @@
           <a:p>
             <a:fld id="{51673806-0BCD-1F42-BAA8-2011034B3C6A}" type="datetimeFigureOut">
               <a:rPr lang="en-US" smtClean="0"/>
-              <a:t>4/25/22</a:t>
+              <a:t>5/8/22</a:t>
             </a:fld>
             <a:endParaRPr lang="en-US"/>
           </a:p>
@@ -7781,7 +7782,7 @@
           <a:p>
             <a:fld id="{51673806-0BCD-1F42-BAA8-2011034B3C6A}" type="datetimeFigureOut">
               <a:rPr lang="en-US" smtClean="0"/>
-              <a:t>4/25/22</a:t>
+              <a:t>5/8/22</a:t>
             </a:fld>
             <a:endParaRPr lang="en-US"/>
           </a:p>
@@ -8027,7 +8028,7 @@
             <a:fld id="{51673806-0BCD-1F42-BAA8-2011034B3C6A}" type="datetimeFigureOut">
               <a:rPr lang="en-US" smtClean="0"/>
               <a:pPr/>
-              <a:t>4/25/22</a:t>
+              <a:t>5/8/22</a:t>
             </a:fld>
             <a:endParaRPr lang="en-US" dirty="0"/>
           </a:p>
@@ -8491,7 +8492,7 @@
           <a:p>
             <a:r>
               <a:rPr lang="en-US"/>
-              <a:t>SURP 2021 </a:t>
+              <a:t>SURP 2022 </a:t>
             </a:r>
             <a:r>
               <a:rPr lang="en-US" dirty="0"/>
@@ -11113,6 +11114,190 @@
     <p:extLst>
       <p:ext uri="{BB962C8B-B14F-4D97-AF65-F5344CB8AC3E}">
         <p14:creationId xmlns:p14="http://schemas.microsoft.com/office/powerpoint/2010/main" val="372566635"/>
+      </p:ext>
+    </p:extLst>
+  </p:cSld>
+  <p:clrMapOvr>
+    <a:masterClrMapping/>
+  </p:clrMapOvr>
+</p:sld>
+</file>
+
+<file path=ppt/slides/slide20.xml><?xml version="1.0" encoding="utf-8"?>
+<p:sld xmlns:a="http://schemas.openxmlformats.org/drawingml/2006/main" xmlns:r="http://schemas.openxmlformats.org/officeDocument/2006/relationships" xmlns:p="http://schemas.openxmlformats.org/presentationml/2006/main">
+  <p:cSld>
+    <p:spTree>
+      <p:nvGrpSpPr>
+        <p:cNvPr id="1" name=""/>
+        <p:cNvGrpSpPr/>
+        <p:nvPr/>
+      </p:nvGrpSpPr>
+      <p:grpSpPr>
+        <a:xfrm>
+          <a:off x="0" y="0"/>
+          <a:ext cx="0" cy="0"/>
+          <a:chOff x="0" y="0"/>
+          <a:chExt cx="0" cy="0"/>
+        </a:xfrm>
+      </p:grpSpPr>
+      <p:sp>
+        <p:nvSpPr>
+          <p:cNvPr id="2" name="Title 1">
+            <a:extLst>
+              <a:ext uri="{FF2B5EF4-FFF2-40B4-BE49-F238E27FC236}">
+                <a16:creationId xmlns:a16="http://schemas.microsoft.com/office/drawing/2014/main" id="{CEDBFF1F-F3AA-5741-8CAD-E0FB5509814B}"/>
+              </a:ext>
+            </a:extLst>
+          </p:cNvPr>
+          <p:cNvSpPr>
+            <a:spLocks noGrp="1"/>
+          </p:cNvSpPr>
+          <p:nvPr>
+            <p:ph type="title"/>
+          </p:nvPr>
+        </p:nvSpPr>
+        <p:spPr/>
+        <p:txBody>
+          <a:bodyPr/>
+          <a:lstStyle/>
+          <a:p>
+            <a:r>
+              <a:rPr lang="en-US" dirty="0"/>
+              <a:t>Getting the Bootcamp Material</a:t>
+            </a:r>
+          </a:p>
+        </p:txBody>
+      </p:sp>
+      <p:sp>
+        <p:nvSpPr>
+          <p:cNvPr id="3" name="Content Placeholder 2">
+            <a:extLst>
+              <a:ext uri="{FF2B5EF4-FFF2-40B4-BE49-F238E27FC236}">
+                <a16:creationId xmlns:a16="http://schemas.microsoft.com/office/drawing/2014/main" id="{FEB92E5C-168E-3440-83E9-640AA3780B98}"/>
+              </a:ext>
+            </a:extLst>
+          </p:cNvPr>
+          <p:cNvSpPr>
+            <a:spLocks noGrp="1"/>
+          </p:cNvSpPr>
+          <p:nvPr>
+            <p:ph idx="1"/>
+          </p:nvPr>
+        </p:nvSpPr>
+        <p:spPr>
+          <a:xfrm>
+            <a:off x="322513" y="2418917"/>
+            <a:ext cx="6846913" cy="3599316"/>
+          </a:xfrm>
+        </p:spPr>
+        <p:txBody>
+          <a:bodyPr/>
+          <a:lstStyle/>
+          <a:p>
+            <a:pPr marL="457200" indent="-457200">
+              <a:buFont typeface="+mj-lt"/>
+              <a:buAutoNum type="arabicPeriod"/>
+            </a:pPr>
+            <a:r>
+              <a:rPr lang="en-US" dirty="0"/>
+              <a:t>Navigate to the folder you’d like to store it in</a:t>
+            </a:r>
+          </a:p>
+          <a:p>
+            <a:pPr marL="457200" indent="-457200">
+              <a:buFont typeface="+mj-lt"/>
+              <a:buAutoNum type="arabicPeriod"/>
+            </a:pPr>
+            <a:r>
+              <a:rPr lang="en-US" dirty="0"/>
+              <a:t>Run </a:t>
+            </a:r>
+            <a:r>
+              <a:rPr lang="en-US" i="1" dirty="0"/>
+              <a:t>git clone </a:t>
+            </a:r>
+            <a:r>
+              <a:rPr lang="en-US" i="1" dirty="0">
+                <a:hlinkClick r:id="rId2"/>
+              </a:rPr>
+              <a:t>https://github.com/giganano/PythonBootcamp.git</a:t>
+            </a:r>
+            <a:endParaRPr lang="en-US" i="1" dirty="0"/>
+          </a:p>
+          <a:p>
+            <a:pPr marL="0" indent="0">
+              <a:buNone/>
+            </a:pPr>
+            <a:endParaRPr lang="en-US" i="1" dirty="0"/>
+          </a:p>
+          <a:p>
+            <a:pPr marL="0" indent="0">
+              <a:buNone/>
+            </a:pPr>
+            <a:r>
+              <a:rPr lang="en-US" dirty="0"/>
+              <a:t>Or: Download the zip-drive from the same URL</a:t>
+            </a:r>
+          </a:p>
+          <a:p>
+            <a:pPr marL="0" indent="0">
+              <a:buNone/>
+            </a:pPr>
+            <a:endParaRPr lang="en-US" dirty="0"/>
+          </a:p>
+          <a:p>
+            <a:pPr marL="0" indent="0">
+              <a:buNone/>
+            </a:pPr>
+            <a:r>
+              <a:rPr lang="en-US" dirty="0"/>
+              <a:t>Whenever there are updates: </a:t>
+            </a:r>
+            <a:r>
+              <a:rPr lang="en-US" i="1" dirty="0"/>
+              <a:t>git pull</a:t>
+            </a:r>
+            <a:r>
+              <a:rPr lang="en-US" dirty="0"/>
+              <a:t> from within the bootcamp folder</a:t>
+            </a:r>
+          </a:p>
+        </p:txBody>
+      </p:sp>
+      <p:pic>
+        <p:nvPicPr>
+          <p:cNvPr id="5" name="Picture 4" descr="Graphical user interface, application&#10;&#10;Description automatically generated">
+            <a:extLst>
+              <a:ext uri="{FF2B5EF4-FFF2-40B4-BE49-F238E27FC236}">
+                <a16:creationId xmlns:a16="http://schemas.microsoft.com/office/drawing/2014/main" id="{F523E169-300A-DF40-B0F2-F3CEF362E367}"/>
+              </a:ext>
+            </a:extLst>
+          </p:cNvPr>
+          <p:cNvPicPr>
+            <a:picLocks noChangeAspect="1"/>
+          </p:cNvPicPr>
+          <p:nvPr/>
+        </p:nvPicPr>
+        <p:blipFill>
+          <a:blip r:embed="rId3"/>
+          <a:stretch>
+            <a:fillRect/>
+          </a:stretch>
+        </p:blipFill>
+        <p:spPr>
+          <a:xfrm>
+            <a:off x="7229625" y="2213111"/>
+            <a:ext cx="4639862" cy="4010929"/>
+          </a:xfrm>
+          <a:prstGeom prst="rect">
+            <a:avLst/>
+          </a:prstGeom>
+        </p:spPr>
+      </p:pic>
+    </p:spTree>
+    <p:extLst>
+      <p:ext uri="{BB962C8B-B14F-4D97-AF65-F5344CB8AC3E}">
+        <p14:creationId xmlns:p14="http://schemas.microsoft.com/office/powerpoint/2010/main" val="1617832641"/>
       </p:ext>
     </p:extLst>
   </p:cSld>

--- a/slides/terminal.pptx
+++ b/slides/terminal.pptx
@@ -216,7 +216,7 @@
           <a:p>
             <a:fld id="{6C47881A-27B6-E34F-9EF6-BF109EBF38B9}" type="datetimeFigureOut">
               <a:rPr lang="en-US" smtClean="0"/>
-              <a:t>5/8/22</a:t>
+              <a:t>5/9/22</a:t>
             </a:fld>
             <a:endParaRPr lang="en-US"/>
           </a:p>
@@ -1120,7 +1120,7 @@
           <a:p>
             <a:fld id="{51673806-0BCD-1F42-BAA8-2011034B3C6A}" type="datetimeFigureOut">
               <a:rPr lang="en-US" smtClean="0"/>
-              <a:t>5/8/22</a:t>
+              <a:t>5/9/22</a:t>
             </a:fld>
             <a:endParaRPr lang="en-US"/>
           </a:p>
@@ -1534,7 +1534,7 @@
           <a:p>
             <a:fld id="{51673806-0BCD-1F42-BAA8-2011034B3C6A}" type="datetimeFigureOut">
               <a:rPr lang="en-US" smtClean="0"/>
-              <a:t>5/8/22</a:t>
+              <a:t>5/9/22</a:t>
             </a:fld>
             <a:endParaRPr lang="en-US"/>
           </a:p>
@@ -1865,7 +1865,7 @@
           <a:p>
             <a:fld id="{51673806-0BCD-1F42-BAA8-2011034B3C6A}" type="datetimeFigureOut">
               <a:rPr lang="en-US" smtClean="0"/>
-              <a:t>5/8/22</a:t>
+              <a:t>5/9/22</a:t>
             </a:fld>
             <a:endParaRPr lang="en-US"/>
           </a:p>
@@ -2265,7 +2265,7 @@
           <a:p>
             <a:fld id="{51673806-0BCD-1F42-BAA8-2011034B3C6A}" type="datetimeFigureOut">
               <a:rPr lang="en-US" smtClean="0"/>
-              <a:t>5/8/22</a:t>
+              <a:t>5/9/22</a:t>
             </a:fld>
             <a:endParaRPr lang="en-US"/>
           </a:p>
@@ -2828,7 +2828,7 @@
           <a:p>
             <a:fld id="{51673806-0BCD-1F42-BAA8-2011034B3C6A}" type="datetimeFigureOut">
               <a:rPr lang="en-US" smtClean="0"/>
-              <a:t>5/8/22</a:t>
+              <a:t>5/9/22</a:t>
             </a:fld>
             <a:endParaRPr lang="en-US"/>
           </a:p>
@@ -3504,7 +3504,7 @@
           <a:p>
             <a:fld id="{51673806-0BCD-1F42-BAA8-2011034B3C6A}" type="datetimeFigureOut">
               <a:rPr lang="en-US" smtClean="0"/>
-              <a:t>5/8/22</a:t>
+              <a:t>5/9/22</a:t>
             </a:fld>
             <a:endParaRPr lang="en-US"/>
           </a:p>
@@ -4412,7 +4412,7 @@
           <a:p>
             <a:fld id="{51673806-0BCD-1F42-BAA8-2011034B3C6A}" type="datetimeFigureOut">
               <a:rPr lang="en-US" smtClean="0"/>
-              <a:t>5/8/22</a:t>
+              <a:t>5/9/22</a:t>
             </a:fld>
             <a:endParaRPr lang="en-US"/>
           </a:p>
@@ -4720,7 +4720,7 @@
           <a:p>
             <a:fld id="{51673806-0BCD-1F42-BAA8-2011034B3C6A}" type="datetimeFigureOut">
               <a:rPr lang="en-US" smtClean="0"/>
-              <a:t>5/8/22</a:t>
+              <a:t>5/9/22</a:t>
             </a:fld>
             <a:endParaRPr lang="en-US"/>
           </a:p>
@@ -4979,7 +4979,7 @@
           <a:p>
             <a:fld id="{51673806-0BCD-1F42-BAA8-2011034B3C6A}" type="datetimeFigureOut">
               <a:rPr lang="en-US" smtClean="0"/>
-              <a:t>5/8/22</a:t>
+              <a:t>5/9/22</a:t>
             </a:fld>
             <a:endParaRPr lang="en-US"/>
           </a:p>
@@ -5302,7 +5302,7 @@
           <a:p>
             <a:fld id="{51673806-0BCD-1F42-BAA8-2011034B3C6A}" type="datetimeFigureOut">
               <a:rPr lang="en-US" smtClean="0"/>
-              <a:t>5/8/22</a:t>
+              <a:t>5/9/22</a:t>
             </a:fld>
             <a:endParaRPr lang="en-US"/>
           </a:p>
@@ -5686,7 +5686,7 @@
           <a:p>
             <a:fld id="{51673806-0BCD-1F42-BAA8-2011034B3C6A}" type="datetimeFigureOut">
               <a:rPr lang="en-US" smtClean="0"/>
-              <a:t>5/8/22</a:t>
+              <a:t>5/9/22</a:t>
             </a:fld>
             <a:endParaRPr lang="en-US"/>
           </a:p>
@@ -6062,7 +6062,7 @@
           <a:p>
             <a:fld id="{51673806-0BCD-1F42-BAA8-2011034B3C6A}" type="datetimeFigureOut">
               <a:rPr lang="en-US" smtClean="0"/>
-              <a:t>5/8/22</a:t>
+              <a:t>5/9/22</a:t>
             </a:fld>
             <a:endParaRPr lang="en-US"/>
           </a:p>
@@ -6568,7 +6568,7 @@
           <a:p>
             <a:fld id="{51673806-0BCD-1F42-BAA8-2011034B3C6A}" type="datetimeFigureOut">
               <a:rPr lang="en-US" smtClean="0"/>
-              <a:t>5/8/22</a:t>
+              <a:t>5/9/22</a:t>
             </a:fld>
             <a:endParaRPr lang="en-US"/>
           </a:p>
@@ -6825,7 +6825,7 @@
           <a:p>
             <a:fld id="{51673806-0BCD-1F42-BAA8-2011034B3C6A}" type="datetimeFigureOut">
               <a:rPr lang="en-US" smtClean="0"/>
-              <a:t>5/8/22</a:t>
+              <a:t>5/9/22</a:t>
             </a:fld>
             <a:endParaRPr lang="en-US"/>
           </a:p>
@@ -6983,7 +6983,7 @@
           <a:p>
             <a:fld id="{51673806-0BCD-1F42-BAA8-2011034B3C6A}" type="datetimeFigureOut">
               <a:rPr lang="en-US" smtClean="0"/>
-              <a:t>5/8/22</a:t>
+              <a:t>5/9/22</a:t>
             </a:fld>
             <a:endParaRPr lang="en-US"/>
           </a:p>
@@ -7373,7 +7373,7 @@
           <a:p>
             <a:fld id="{51673806-0BCD-1F42-BAA8-2011034B3C6A}" type="datetimeFigureOut">
               <a:rPr lang="en-US" smtClean="0"/>
-              <a:t>5/8/22</a:t>
+              <a:t>5/9/22</a:t>
             </a:fld>
             <a:endParaRPr lang="en-US"/>
           </a:p>
@@ -7782,7 +7782,7 @@
           <a:p>
             <a:fld id="{51673806-0BCD-1F42-BAA8-2011034B3C6A}" type="datetimeFigureOut">
               <a:rPr lang="en-US" smtClean="0"/>
-              <a:t>5/8/22</a:t>
+              <a:t>5/9/22</a:t>
             </a:fld>
             <a:endParaRPr lang="en-US"/>
           </a:p>
@@ -8028,7 +8028,7 @@
             <a:fld id="{51673806-0BCD-1F42-BAA8-2011034B3C6A}" type="datetimeFigureOut">
               <a:rPr lang="en-US" smtClean="0"/>
               <a:pPr/>
-              <a:t>5/8/22</a:t>
+              <a:t>5/9/22</a:t>
             </a:fld>
             <a:endParaRPr lang="en-US" dirty="0"/>
           </a:p>
@@ -9791,8 +9791,40 @@
             </a:pPr>
             <a:r>
               <a:rPr lang="en-US" dirty="0"/>
-              <a:t>An asterisk (*) refers to all files in a given directory, and can be modified to refer to only those with a specific prefix or suffix </a:t>
-            </a:r>
+              <a:t>An asterisk (*) refers to all files in a given directory, and can be modified to refer to only those with a specific prefix or suffix</a:t>
+            </a:r>
+          </a:p>
+          <a:p>
+            <a:pPr lvl="1">
+              <a:lnSpc>
+                <a:spcPct val="100000"/>
+              </a:lnSpc>
+              <a:spcBef>
+                <a:spcPts val="0"/>
+              </a:spcBef>
+              <a:defRPr/>
+            </a:pPr>
+            <a:r>
+              <a:rPr lang="en-US" dirty="0"/>
+              <a:t>Known as </a:t>
+            </a:r>
+            <a:r>
+              <a:rPr lang="en-US" i="1" dirty="0"/>
+              <a:t>wildcards</a:t>
+            </a:r>
+            <a:r>
+              <a:rPr lang="en-US" dirty="0"/>
+              <a:t> </a:t>
+            </a:r>
+            <a:r>
+              <a:rPr lang="en-US"/>
+              <a:t>or </a:t>
+            </a:r>
+            <a:r>
+              <a:rPr lang="en-US" i="1"/>
+              <a:t>globs</a:t>
+            </a:r>
+            <a:endParaRPr lang="en-US" i="1" dirty="0"/>
           </a:p>
           <a:p>
             <a:pPr marL="0" marR="0" lvl="0" indent="0" defTabSz="914400" eaLnBrk="1" fontAlgn="auto" latinLnBrk="0" hangingPunct="1">

--- a/slides/terminal.pptx
+++ b/slides/terminal.pptx
@@ -216,7 +216,7 @@
           <a:p>
             <a:fld id="{6C47881A-27B6-E34F-9EF6-BF109EBF38B9}" type="datetimeFigureOut">
               <a:rPr lang="en-US" smtClean="0"/>
-              <a:t>5/9/22</a:t>
+              <a:t>5/7/23</a:t>
             </a:fld>
             <a:endParaRPr lang="en-US"/>
           </a:p>
@@ -1120,7 +1120,7 @@
           <a:p>
             <a:fld id="{51673806-0BCD-1F42-BAA8-2011034B3C6A}" type="datetimeFigureOut">
               <a:rPr lang="en-US" smtClean="0"/>
-              <a:t>5/9/22</a:t>
+              <a:t>5/7/23</a:t>
             </a:fld>
             <a:endParaRPr lang="en-US"/>
           </a:p>
@@ -1534,7 +1534,7 @@
           <a:p>
             <a:fld id="{51673806-0BCD-1F42-BAA8-2011034B3C6A}" type="datetimeFigureOut">
               <a:rPr lang="en-US" smtClean="0"/>
-              <a:t>5/9/22</a:t>
+              <a:t>5/7/23</a:t>
             </a:fld>
             <a:endParaRPr lang="en-US"/>
           </a:p>
@@ -1865,7 +1865,7 @@
           <a:p>
             <a:fld id="{51673806-0BCD-1F42-BAA8-2011034B3C6A}" type="datetimeFigureOut">
               <a:rPr lang="en-US" smtClean="0"/>
-              <a:t>5/9/22</a:t>
+              <a:t>5/7/23</a:t>
             </a:fld>
             <a:endParaRPr lang="en-US"/>
           </a:p>
@@ -2265,7 +2265,7 @@
           <a:p>
             <a:fld id="{51673806-0BCD-1F42-BAA8-2011034B3C6A}" type="datetimeFigureOut">
               <a:rPr lang="en-US" smtClean="0"/>
-              <a:t>5/9/22</a:t>
+              <a:t>5/7/23</a:t>
             </a:fld>
             <a:endParaRPr lang="en-US"/>
           </a:p>
@@ -2828,7 +2828,7 @@
           <a:p>
             <a:fld id="{51673806-0BCD-1F42-BAA8-2011034B3C6A}" type="datetimeFigureOut">
               <a:rPr lang="en-US" smtClean="0"/>
-              <a:t>5/9/22</a:t>
+              <a:t>5/7/23</a:t>
             </a:fld>
             <a:endParaRPr lang="en-US"/>
           </a:p>
@@ -3504,7 +3504,7 @@
           <a:p>
             <a:fld id="{51673806-0BCD-1F42-BAA8-2011034B3C6A}" type="datetimeFigureOut">
               <a:rPr lang="en-US" smtClean="0"/>
-              <a:t>5/9/22</a:t>
+              <a:t>5/7/23</a:t>
             </a:fld>
             <a:endParaRPr lang="en-US"/>
           </a:p>
@@ -4412,7 +4412,7 @@
           <a:p>
             <a:fld id="{51673806-0BCD-1F42-BAA8-2011034B3C6A}" type="datetimeFigureOut">
               <a:rPr lang="en-US" smtClean="0"/>
-              <a:t>5/9/22</a:t>
+              <a:t>5/7/23</a:t>
             </a:fld>
             <a:endParaRPr lang="en-US"/>
           </a:p>
@@ -4720,7 +4720,7 @@
           <a:p>
             <a:fld id="{51673806-0BCD-1F42-BAA8-2011034B3C6A}" type="datetimeFigureOut">
               <a:rPr lang="en-US" smtClean="0"/>
-              <a:t>5/9/22</a:t>
+              <a:t>5/7/23</a:t>
             </a:fld>
             <a:endParaRPr lang="en-US"/>
           </a:p>
@@ -4979,7 +4979,7 @@
           <a:p>
             <a:fld id="{51673806-0BCD-1F42-BAA8-2011034B3C6A}" type="datetimeFigureOut">
               <a:rPr lang="en-US" smtClean="0"/>
-              <a:t>5/9/22</a:t>
+              <a:t>5/7/23</a:t>
             </a:fld>
             <a:endParaRPr lang="en-US"/>
           </a:p>
@@ -5302,7 +5302,7 @@
           <a:p>
             <a:fld id="{51673806-0BCD-1F42-BAA8-2011034B3C6A}" type="datetimeFigureOut">
               <a:rPr lang="en-US" smtClean="0"/>
-              <a:t>5/9/22</a:t>
+              <a:t>5/7/23</a:t>
             </a:fld>
             <a:endParaRPr lang="en-US"/>
           </a:p>
@@ -5686,7 +5686,7 @@
           <a:p>
             <a:fld id="{51673806-0BCD-1F42-BAA8-2011034B3C6A}" type="datetimeFigureOut">
               <a:rPr lang="en-US" smtClean="0"/>
-              <a:t>5/9/22</a:t>
+              <a:t>5/7/23</a:t>
             </a:fld>
             <a:endParaRPr lang="en-US"/>
           </a:p>
@@ -6062,7 +6062,7 @@
           <a:p>
             <a:fld id="{51673806-0BCD-1F42-BAA8-2011034B3C6A}" type="datetimeFigureOut">
               <a:rPr lang="en-US" smtClean="0"/>
-              <a:t>5/9/22</a:t>
+              <a:t>5/7/23</a:t>
             </a:fld>
             <a:endParaRPr lang="en-US"/>
           </a:p>
@@ -6568,7 +6568,7 @@
           <a:p>
             <a:fld id="{51673806-0BCD-1F42-BAA8-2011034B3C6A}" type="datetimeFigureOut">
               <a:rPr lang="en-US" smtClean="0"/>
-              <a:t>5/9/22</a:t>
+              <a:t>5/7/23</a:t>
             </a:fld>
             <a:endParaRPr lang="en-US"/>
           </a:p>
@@ -6825,7 +6825,7 @@
           <a:p>
             <a:fld id="{51673806-0BCD-1F42-BAA8-2011034B3C6A}" type="datetimeFigureOut">
               <a:rPr lang="en-US" smtClean="0"/>
-              <a:t>5/9/22</a:t>
+              <a:t>5/7/23</a:t>
             </a:fld>
             <a:endParaRPr lang="en-US"/>
           </a:p>
@@ -6983,7 +6983,7 @@
           <a:p>
             <a:fld id="{51673806-0BCD-1F42-BAA8-2011034B3C6A}" type="datetimeFigureOut">
               <a:rPr lang="en-US" smtClean="0"/>
-              <a:t>5/9/22</a:t>
+              <a:t>5/7/23</a:t>
             </a:fld>
             <a:endParaRPr lang="en-US"/>
           </a:p>
@@ -7373,7 +7373,7 @@
           <a:p>
             <a:fld id="{51673806-0BCD-1F42-BAA8-2011034B3C6A}" type="datetimeFigureOut">
               <a:rPr lang="en-US" smtClean="0"/>
-              <a:t>5/9/22</a:t>
+              <a:t>5/7/23</a:t>
             </a:fld>
             <a:endParaRPr lang="en-US"/>
           </a:p>
@@ -7782,7 +7782,7 @@
           <a:p>
             <a:fld id="{51673806-0BCD-1F42-BAA8-2011034B3C6A}" type="datetimeFigureOut">
               <a:rPr lang="en-US" smtClean="0"/>
-              <a:t>5/9/22</a:t>
+              <a:t>5/7/23</a:t>
             </a:fld>
             <a:endParaRPr lang="en-US"/>
           </a:p>
@@ -8028,7 +8028,7 @@
             <a:fld id="{51673806-0BCD-1F42-BAA8-2011034B3C6A}" type="datetimeFigureOut">
               <a:rPr lang="en-US" smtClean="0"/>
               <a:pPr/>
-              <a:t>5/9/22</a:t>
+              <a:t>5/7/23</a:t>
             </a:fld>
             <a:endParaRPr lang="en-US" dirty="0"/>
           </a:p>
@@ -11218,13 +11218,38 @@
         </p:nvSpPr>
         <p:spPr>
           <a:xfrm>
-            <a:off x="322513" y="2418917"/>
-            <a:ext cx="6846913" cy="3599316"/>
+            <a:off x="322513" y="2133600"/>
+            <a:ext cx="6846913" cy="4515556"/>
           </a:xfrm>
         </p:spPr>
         <p:txBody>
           <a:bodyPr/>
           <a:lstStyle/>
+          <a:p>
+            <a:pPr marL="0" indent="0">
+              <a:buNone/>
+            </a:pPr>
+            <a:r>
+              <a:rPr lang="en-US" dirty="0"/>
+              <a:t>Online: </a:t>
+            </a:r>
+            <a:r>
+              <a:rPr lang="en-US" dirty="0">
+                <a:hlinkClick r:id="rId2"/>
+              </a:rPr>
+              <a:t>https://jamesjohnson.space/bootcamp</a:t>
+            </a:r>
+            <a:r>
+              <a:rPr lang="en-US" dirty="0"/>
+              <a:t> </a:t>
+            </a:r>
+          </a:p>
+          <a:p>
+            <a:pPr marL="0" indent="0">
+              <a:buNone/>
+            </a:pPr>
+            <a:endParaRPr lang="en-US" dirty="0"/>
+          </a:p>
           <a:p>
             <a:pPr marL="457200" indent="-457200">
               <a:buFont typeface="+mj-lt"/>
@@ -11250,7 +11275,7 @@
             </a:r>
             <a:r>
               <a:rPr lang="en-US" i="1" dirty="0">
-                <a:hlinkClick r:id="rId2"/>
+                <a:hlinkClick r:id="rId3"/>
               </a:rPr>
               <a:t>https://github.com/giganano/PythonBootcamp.git</a:t>
             </a:r>
@@ -11311,7 +11336,7 @@
           <p:nvPr/>
         </p:nvPicPr>
         <p:blipFill>
-          <a:blip r:embed="rId3"/>
+          <a:blip r:embed="rId4"/>
           <a:stretch>
             <a:fillRect/>
           </a:stretch>
